--- a/Diapositivas/Test Driven Development.pptx
+++ b/Diapositivas/Test Driven Development.pptx
@@ -5,7 +5,7 @@
     <p:sldMasterId id="2147483684" r:id="rId1"/>
   </p:sldMasterIdLst>
   <p:notesMasterIdLst>
-    <p:notesMasterId r:id="rId44"/>
+    <p:notesMasterId r:id="rId45"/>
   </p:notesMasterIdLst>
   <p:sldIdLst>
     <p:sldId id="367" r:id="rId2"/>
@@ -22,7 +22,7 @@
     <p:sldId id="369" r:id="rId13"/>
     <p:sldId id="537" r:id="rId14"/>
     <p:sldId id="627" r:id="rId15"/>
-    <p:sldId id="617" r:id="rId16"/>
+    <p:sldId id="659" r:id="rId16"/>
     <p:sldId id="632" r:id="rId17"/>
     <p:sldId id="607" r:id="rId18"/>
     <p:sldId id="629" r:id="rId19"/>
@@ -45,11 +45,12 @@
     <p:sldId id="655" r:id="rId36"/>
     <p:sldId id="652" r:id="rId37"/>
     <p:sldId id="653" r:id="rId38"/>
-    <p:sldId id="645" r:id="rId39"/>
-    <p:sldId id="649" r:id="rId40"/>
-    <p:sldId id="648" r:id="rId41"/>
-    <p:sldId id="647" r:id="rId42"/>
-    <p:sldId id="654" r:id="rId43"/>
+    <p:sldId id="658" r:id="rId39"/>
+    <p:sldId id="645" r:id="rId40"/>
+    <p:sldId id="649" r:id="rId41"/>
+    <p:sldId id="648" r:id="rId42"/>
+    <p:sldId id="647" r:id="rId43"/>
+    <p:sldId id="654" r:id="rId44"/>
   </p:sldIdLst>
   <p:sldSz cx="9144000" cy="6858000" type="screen4x3"/>
   <p:notesSz cx="6858000" cy="9144000"/>
@@ -148,14 +149,29 @@
       </a:defRPr>
     </a:lvl9pPr>
   </p:defaultTextStyle>
-  <p:extLst/>
+  <p:extLst>
+    <p:ext uri="{EFAFB233-063F-42B5-8137-9DF3F51BA10A}">
+      <p15:sldGuideLst xmlns:p15="http://schemas.microsoft.com/office/powerpoint/2012/main">
+        <p15:guide id="1" orient="horz" pos="2160">
+          <p15:clr>
+            <a:srgbClr val="A4A3A4"/>
+          </p15:clr>
+        </p15:guide>
+        <p15:guide id="2" pos="2880">
+          <p15:clr>
+            <a:srgbClr val="A4A3A4"/>
+          </p15:clr>
+        </p15:guide>
+      </p15:sldGuideLst>
+    </p:ext>
+  </p:extLst>
 </p:presentation>
 </file>
 
 <file path=ppt/charts/chart1.xml><?xml version="1.0" encoding="utf-8"?>
 <c:chartSpace xmlns:c="http://schemas.openxmlformats.org/drawingml/2006/chart" xmlns:a="http://schemas.openxmlformats.org/drawingml/2006/main" xmlns:r="http://schemas.openxmlformats.org/officeDocument/2006/relationships">
   <c:date1904 val="0"/>
-  <c:lang val="es-PE"/>
+  <c:lang val="es-ES"/>
   <c:roundedCorners val="0"/>
   <mc:AlternateContent xmlns:mc="http://schemas.openxmlformats.org/markup-compatibility/2006">
     <mc:Choice xmlns:c14="http://schemas.microsoft.com/office/drawing/2007/8/2/chart" Requires="c14">
@@ -256,11 +272,11 @@
           <c:showBubbleSize val="0"/>
         </c:dLbls>
         <c:gapWidth val="150"/>
-        <c:axId val="37729280"/>
-        <c:axId val="80666624"/>
+        <c:axId val="187217936"/>
+        <c:axId val="187217544"/>
       </c:barChart>
       <c:catAx>
-        <c:axId val="37729280"/>
+        <c:axId val="187217936"/>
         <c:scaling>
           <c:orientation val="minMax"/>
         </c:scaling>
@@ -292,7 +308,7 @@
         <c:majorTickMark val="out"/>
         <c:minorTickMark val="none"/>
         <c:tickLblPos val="nextTo"/>
-        <c:crossAx val="80666624"/>
+        <c:crossAx val="187217544"/>
         <c:crosses val="autoZero"/>
         <c:auto val="1"/>
         <c:lblAlgn val="ctr"/>
@@ -300,7 +316,7 @@
         <c:noMultiLvlLbl val="0"/>
       </c:catAx>
       <c:valAx>
-        <c:axId val="80666624"/>
+        <c:axId val="187217544"/>
         <c:scaling>
           <c:orientation val="minMax"/>
         </c:scaling>
@@ -311,7 +327,7 @@
         <c:majorTickMark val="out"/>
         <c:minorTickMark val="none"/>
         <c:tickLblPos val="nextTo"/>
-        <c:crossAx val="37729280"/>
+        <c:crossAx val="187217936"/>
         <c:crosses val="autoZero"/>
         <c:crossBetween val="between"/>
       </c:valAx>
@@ -426,7 +442,7 @@
           <a:p>
             <a:fld id="{82731913-02B6-467D-B183-D787C0857BBF}" type="datetimeFigureOut">
               <a:rPr lang="es-PE" smtClean="0"/>
-              <a:t>21/06/2013</a:t>
+              <a:t>21/11/2013</a:t>
             </a:fld>
             <a:endParaRPr lang="es-PE"/>
           </a:p>
@@ -1348,7 +1364,7 @@
     </p:spTree>
     <p:extLst>
       <p:ext uri="{BB962C8B-B14F-4D97-AF65-F5344CB8AC3E}">
-        <p14:creationId xmlns:p14="http://schemas.microsoft.com/office/powerpoint/2010/main" val="1289502795"/>
+        <p14:creationId xmlns:p14="http://schemas.microsoft.com/office/powerpoint/2010/main" val="1129616486"/>
       </p:ext>
     </p:extLst>
   </p:cSld>
@@ -5517,6 +5533,23 @@
           <a:bodyPr/>
           <a:lstStyle/>
           <a:p>
+            <a:pPr marL="0" marR="0" indent="0" algn="l" defTabSz="914400" rtl="0" eaLnBrk="1" fontAlgn="auto" latinLnBrk="0" hangingPunct="1">
+              <a:lnSpc>
+                <a:spcPct val="100000"/>
+              </a:lnSpc>
+              <a:spcBef>
+                <a:spcPts val="0"/>
+              </a:spcBef>
+              <a:spcAft>
+                <a:spcPts val="0"/>
+              </a:spcAft>
+              <a:buClrTx/>
+              <a:buSzTx/>
+              <a:buFontTx/>
+              <a:buNone/>
+              <a:tabLst/>
+              <a:defRPr/>
+            </a:pPr>
             <a:endParaRPr lang="es-PE" dirty="0"/>
           </a:p>
         </p:txBody>
@@ -5539,6 +5572,90 @@
             <a:fld id="{80C14895-23C8-45AE-85D5-3B35E5980A68}" type="slidenum">
               <a:rPr lang="es-PE" smtClean="0"/>
               <a:t>42</a:t>
+            </a:fld>
+            <a:endParaRPr lang="es-PE"/>
+          </a:p>
+        </p:txBody>
+      </p:sp>
+    </p:spTree>
+    <p:extLst>
+      <p:ext uri="{BB962C8B-B14F-4D97-AF65-F5344CB8AC3E}">
+        <p14:creationId xmlns:p14="http://schemas.microsoft.com/office/powerpoint/2010/main" val="3432092158"/>
+      </p:ext>
+    </p:extLst>
+  </p:cSld>
+  <p:clrMapOvr>
+    <a:masterClrMapping/>
+  </p:clrMapOvr>
+</p:notes>
+</file>
+
+<file path=ppt/notesSlides/notesSlide42.xml><?xml version="1.0" encoding="utf-8"?>
+<p:notes xmlns:a="http://schemas.openxmlformats.org/drawingml/2006/main" xmlns:r="http://schemas.openxmlformats.org/officeDocument/2006/relationships" xmlns:p="http://schemas.openxmlformats.org/presentationml/2006/main">
+  <p:cSld>
+    <p:spTree>
+      <p:nvGrpSpPr>
+        <p:cNvPr id="1" name=""/>
+        <p:cNvGrpSpPr/>
+        <p:nvPr/>
+      </p:nvGrpSpPr>
+      <p:grpSpPr>
+        <a:xfrm>
+          <a:off x="0" y="0"/>
+          <a:ext cx="0" cy="0"/>
+          <a:chOff x="0" y="0"/>
+          <a:chExt cx="0" cy="0"/>
+        </a:xfrm>
+      </p:grpSpPr>
+      <p:sp>
+        <p:nvSpPr>
+          <p:cNvPr id="2" name="1 Marcador de imagen de diapositiva"/>
+          <p:cNvSpPr>
+            <a:spLocks noGrp="1" noRot="1" noChangeAspect="1"/>
+          </p:cNvSpPr>
+          <p:nvPr>
+            <p:ph type="sldImg"/>
+          </p:nvPr>
+        </p:nvSpPr>
+        <p:spPr/>
+      </p:sp>
+      <p:sp>
+        <p:nvSpPr>
+          <p:cNvPr id="3" name="2 Marcador de notas"/>
+          <p:cNvSpPr>
+            <a:spLocks noGrp="1"/>
+          </p:cNvSpPr>
+          <p:nvPr>
+            <p:ph type="body" idx="1"/>
+          </p:nvPr>
+        </p:nvSpPr>
+        <p:spPr/>
+        <p:txBody>
+          <a:bodyPr/>
+          <a:lstStyle/>
+          <a:p>
+            <a:endParaRPr lang="es-PE" dirty="0"/>
+          </a:p>
+        </p:txBody>
+      </p:sp>
+      <p:sp>
+        <p:nvSpPr>
+          <p:cNvPr id="4" name="3 Marcador de número de diapositiva"/>
+          <p:cNvSpPr>
+            <a:spLocks noGrp="1"/>
+          </p:cNvSpPr>
+          <p:nvPr>
+            <p:ph type="sldNum" sz="quarter" idx="10"/>
+          </p:nvPr>
+        </p:nvSpPr>
+        <p:spPr/>
+        <p:txBody>
+          <a:bodyPr/>
+          <a:lstStyle/>
+          <a:p>
+            <a:fld id="{80C14895-23C8-45AE-85D5-3B35E5980A68}" type="slidenum">
+              <a:rPr lang="es-PE" smtClean="0"/>
+              <a:t>43</a:t>
             </a:fld>
             <a:endParaRPr lang="es-PE"/>
           </a:p>
@@ -6343,7 +6460,7 @@
             <a:fld id="{807CB568-C05F-482F-9F26-AA302B8892DF}" type="datetimeFigureOut">
               <a:rPr lang="es-ES" smtClean="0"/>
               <a:pPr/>
-              <a:t>21/06/2013</a:t>
+              <a:t>21/11/2013</a:t>
             </a:fld>
             <a:endParaRPr lang="es-ES"/>
           </a:p>
@@ -6522,7 +6639,7 @@
             <a:fld id="{807CB568-C05F-482F-9F26-AA302B8892DF}" type="datetimeFigureOut">
               <a:rPr lang="es-ES" smtClean="0"/>
               <a:pPr/>
-              <a:t>21/06/2013</a:t>
+              <a:t>21/11/2013</a:t>
             </a:fld>
             <a:endParaRPr lang="es-ES"/>
           </a:p>
@@ -6711,7 +6828,7 @@
             <a:fld id="{807CB568-C05F-482F-9F26-AA302B8892DF}" type="datetimeFigureOut">
               <a:rPr lang="es-ES" smtClean="0"/>
               <a:pPr/>
-              <a:t>21/06/2013</a:t>
+              <a:t>21/11/2013</a:t>
             </a:fld>
             <a:endParaRPr lang="es-ES"/>
           </a:p>
@@ -6890,7 +7007,7 @@
             <a:fld id="{807CB568-C05F-482F-9F26-AA302B8892DF}" type="datetimeFigureOut">
               <a:rPr lang="es-ES" smtClean="0"/>
               <a:pPr/>
-              <a:t>21/06/2013</a:t>
+              <a:t>21/11/2013</a:t>
             </a:fld>
             <a:endParaRPr lang="es-ES"/>
           </a:p>
@@ -7145,7 +7262,7 @@
             <a:fld id="{807CB568-C05F-482F-9F26-AA302B8892DF}" type="datetimeFigureOut">
               <a:rPr lang="es-ES" smtClean="0"/>
               <a:pPr/>
-              <a:t>21/06/2013</a:t>
+              <a:t>21/11/2013</a:t>
             </a:fld>
             <a:endParaRPr lang="es-ES"/>
           </a:p>
@@ -7442,7 +7559,7 @@
             <a:fld id="{807CB568-C05F-482F-9F26-AA302B8892DF}" type="datetimeFigureOut">
               <a:rPr lang="es-ES" smtClean="0"/>
               <a:pPr/>
-              <a:t>21/06/2013</a:t>
+              <a:t>21/11/2013</a:t>
             </a:fld>
             <a:endParaRPr lang="es-ES"/>
           </a:p>
@@ -7873,7 +7990,7 @@
             <a:fld id="{807CB568-C05F-482F-9F26-AA302B8892DF}" type="datetimeFigureOut">
               <a:rPr lang="es-ES" smtClean="0"/>
               <a:pPr/>
-              <a:t>21/06/2013</a:t>
+              <a:t>21/11/2013</a:t>
             </a:fld>
             <a:endParaRPr lang="es-ES"/>
           </a:p>
@@ -8000,7 +8117,7 @@
             <a:fld id="{807CB568-C05F-482F-9F26-AA302B8892DF}" type="datetimeFigureOut">
               <a:rPr lang="es-ES" smtClean="0"/>
               <a:pPr/>
-              <a:t>21/06/2013</a:t>
+              <a:t>21/11/2013</a:t>
             </a:fld>
             <a:endParaRPr lang="es-ES"/>
           </a:p>
@@ -8104,7 +8221,7 @@
             <a:fld id="{807CB568-C05F-482F-9F26-AA302B8892DF}" type="datetimeFigureOut">
               <a:rPr lang="es-ES" smtClean="0"/>
               <a:pPr/>
-              <a:t>21/06/2013</a:t>
+              <a:t>21/11/2013</a:t>
             </a:fld>
             <a:endParaRPr lang="es-ES"/>
           </a:p>
@@ -8390,7 +8507,7 @@
             <a:fld id="{807CB568-C05F-482F-9F26-AA302B8892DF}" type="datetimeFigureOut">
               <a:rPr lang="es-ES" smtClean="0"/>
               <a:pPr/>
-              <a:t>21/06/2013</a:t>
+              <a:t>21/11/2013</a:t>
             </a:fld>
             <a:endParaRPr lang="es-ES"/>
           </a:p>
@@ -8659,7 +8776,7 @@
             <a:fld id="{807CB568-C05F-482F-9F26-AA302B8892DF}" type="datetimeFigureOut">
               <a:rPr lang="es-ES" smtClean="0"/>
               <a:pPr/>
-              <a:t>21/06/2013</a:t>
+              <a:t>21/11/2013</a:t>
             </a:fld>
             <a:endParaRPr lang="es-ES"/>
           </a:p>
@@ -8910,7 +9027,7 @@
             <a:fld id="{807CB568-C05F-482F-9F26-AA302B8892DF}" type="datetimeFigureOut">
               <a:rPr lang="es-ES" smtClean="0"/>
               <a:pPr/>
-              <a:t>21/06/2013</a:t>
+              <a:t>21/11/2013</a:t>
             </a:fld>
             <a:endParaRPr lang="es-ES"/>
           </a:p>
@@ -13789,11 +13906,7 @@
             <a:graphicFrameLocks/>
           </p:cNvGraphicFramePr>
           <p:nvPr>
-            <p:extLst>
-              <p:ext uri="{D42A27DB-BD31-4B8C-83A1-F6EECF244321}">
-                <p14:modId xmlns:p14="http://schemas.microsoft.com/office/powerpoint/2010/main" val="3636269084"/>
-              </p:ext>
-            </p:extLst>
+            <p:extLst/>
           </p:nvPr>
         </p:nvGraphicFramePr>
         <p:xfrm>
@@ -13929,7 +14042,7 @@
     </p:spTree>
     <p:extLst>
       <p:ext uri="{BB962C8B-B14F-4D97-AF65-F5344CB8AC3E}">
-        <p14:creationId xmlns:p14="http://schemas.microsoft.com/office/powerpoint/2010/main" val="3408429017"/>
+        <p14:creationId xmlns:p14="http://schemas.microsoft.com/office/powerpoint/2010/main" val="2389084588"/>
       </p:ext>
     </p:extLst>
   </p:cSld>
@@ -14620,7 +14733,11 @@
             <a:pPr algn="ctr"/>
             <a:r>
               <a:rPr lang="es-PE" sz="2400" dirty="0" smtClean="0"/>
-              <a:t>Puede duplicar el tiempo que toma programar alguna funcionalidad pero el tiempo total de desarrollo del producto se ve reducido.</a:t>
+              <a:t>Se puede </a:t>
+            </a:r>
+            <a:r>
+              <a:rPr lang="es-PE" sz="2400" dirty="0" smtClean="0"/>
+              <a:t>duplicar el tiempo que toma programar alguna funcionalidad pero el tiempo total de desarrollo del producto se ve reducido.</a:t>
             </a:r>
             <a:endParaRPr lang="es-PE" sz="2400" dirty="0"/>
           </a:p>
@@ -17014,7 +17131,6 @@
               <a:rPr lang="es-PE" sz="2800" dirty="0" smtClean="0"/>
               <a:t>es MUY DIFICIL DE PROBAR.</a:t>
             </a:r>
-            <a:endParaRPr lang="es-PE" sz="2800" dirty="0" smtClean="0"/>
           </a:p>
         </p:txBody>
       </p:sp>
@@ -17304,7 +17420,6 @@
               <a:rPr lang="es-PE" sz="2800" dirty="0" smtClean="0"/>
               <a:t>.</a:t>
             </a:r>
-            <a:endParaRPr lang="es-PE" sz="2800" dirty="0" smtClean="0"/>
           </a:p>
         </p:txBody>
       </p:sp>
@@ -17318,11 +17433,11 @@
   <p:clrMapOvr>
     <a:masterClrMapping/>
   </p:clrMapOvr>
-  <mc:AlternateContent xmlns:mc="http://schemas.openxmlformats.org/markup-compatibility/2006">
-    <mc:Choice xmlns:p14="http://schemas.microsoft.com/office/powerpoint/2010/main" Requires="p14">
+  <mc:AlternateContent xmlns:mc="http://schemas.openxmlformats.org/markup-compatibility/2006" xmlns:p14="http://schemas.microsoft.com/office/powerpoint/2010/main">
+    <mc:Choice Requires="p14">
       <p:transition spd="slow" p14:dur="2000"/>
     </mc:Choice>
-    <mc:Fallback>
+    <mc:Fallback xmlns="">
       <p:transition spd="slow"/>
     </mc:Fallback>
   </mc:AlternateContent>
@@ -19003,11 +19118,11 @@
   <p:clrMapOvr>
     <a:masterClrMapping/>
   </p:clrMapOvr>
-  <mc:AlternateContent xmlns:mc="http://schemas.openxmlformats.org/markup-compatibility/2006">
-    <mc:Choice xmlns:p14="http://schemas.microsoft.com/office/powerpoint/2010/main" Requires="p14">
+  <mc:AlternateContent xmlns:mc="http://schemas.openxmlformats.org/markup-compatibility/2006" xmlns:p14="http://schemas.microsoft.com/office/powerpoint/2010/main">
+    <mc:Choice Requires="p14">
       <p:transition spd="slow" p14:dur="2000"/>
     </mc:Choice>
-    <mc:Fallback>
+    <mc:Fallback xmlns="">
       <p:transition spd="slow"/>
     </mc:Fallback>
   </mc:AlternateContent>
@@ -19582,11 +19697,11 @@
   <p:clrMapOvr>
     <a:masterClrMapping/>
   </p:clrMapOvr>
-  <mc:AlternateContent xmlns:mc="http://schemas.openxmlformats.org/markup-compatibility/2006">
-    <mc:Choice xmlns:p14="http://schemas.microsoft.com/office/powerpoint/2010/main" Requires="p14">
+  <mc:AlternateContent xmlns:mc="http://schemas.openxmlformats.org/markup-compatibility/2006" xmlns:p14="http://schemas.microsoft.com/office/powerpoint/2010/main">
+    <mc:Choice Requires="p14">
       <p:transition spd="slow" p14:dur="2000"/>
     </mc:Choice>
-    <mc:Fallback>
+    <mc:Fallback xmlns="">
       <p:transition spd="slow"/>
     </mc:Fallback>
   </mc:AlternateContent>
@@ -19857,13 +19972,8 @@
             </a:pPr>
             <a:r>
               <a:rPr lang="es-PE" dirty="0" smtClean="0"/>
-              <a:t>Existen 2 enfoques para</a:t>
-            </a:r>
-            <a:r>
-              <a:rPr lang="es-PE" dirty="0" smtClean="0"/>
-              <a:t> aplicar TDD en una aplicación:</a:t>
-            </a:r>
-            <a:endParaRPr lang="es-PE" dirty="0" smtClean="0"/>
+              <a:t>Existen 2 enfoques para aplicar TDD en una aplicación:</a:t>
+            </a:r>
           </a:p>
           <a:p>
             <a:r>
@@ -19900,11 +20010,11 @@
   <p:clrMapOvr>
     <a:masterClrMapping/>
   </p:clrMapOvr>
-  <mc:AlternateContent xmlns:mc="http://schemas.openxmlformats.org/markup-compatibility/2006">
-    <mc:Choice xmlns:p14="http://schemas.microsoft.com/office/powerpoint/2010/main" Requires="p14">
+  <mc:AlternateContent xmlns:mc="http://schemas.openxmlformats.org/markup-compatibility/2006" xmlns:p14="http://schemas.microsoft.com/office/powerpoint/2010/main">
+    <mc:Choice Requires="p14">
       <p:transition spd="slow" p14:dur="2000"/>
     </mc:Choice>
-    <mc:Fallback>
+    <mc:Fallback xmlns="">
       <p:transition spd="slow"/>
     </mc:Fallback>
   </mc:AlternateContent>
@@ -20713,11 +20823,11 @@
   <p:clrMapOvr>
     <a:masterClrMapping/>
   </p:clrMapOvr>
-  <mc:AlternateContent xmlns:mc="http://schemas.openxmlformats.org/markup-compatibility/2006">
-    <mc:Choice xmlns:p14="http://schemas.microsoft.com/office/powerpoint/2010/main" Requires="p14">
+  <mc:AlternateContent xmlns:mc="http://schemas.openxmlformats.org/markup-compatibility/2006" xmlns:p14="http://schemas.microsoft.com/office/powerpoint/2010/main">
+    <mc:Choice Requires="p14">
       <p:transition spd="slow" p14:dur="2000"/>
     </mc:Choice>
-    <mc:Fallback>
+    <mc:Fallback xmlns="">
       <p:transition spd="slow"/>
     </mc:Fallback>
   </mc:AlternateContent>
@@ -20980,11 +21090,7 @@
             </a:pPr>
             <a:r>
               <a:rPr lang="es-PE" sz="2800" dirty="0" smtClean="0"/>
-              <a:t>Permite pensar desde la perspectiva del usuario final, el dise</a:t>
-            </a:r>
-            <a:r>
-              <a:rPr lang="es-PE" sz="2800" dirty="0" smtClean="0"/>
-              <a:t>ño está guiado por necesidades reales.</a:t>
+              <a:t>Permite pensar desde la perspectiva del usuario final, el diseño está guiado por necesidades reales.</a:t>
             </a:r>
           </a:p>
           <a:p>
@@ -20993,13 +21099,8 @@
             </a:pPr>
             <a:r>
               <a:rPr lang="es-PE" sz="2800" dirty="0" smtClean="0"/>
-              <a:t>Se construye incrementalmente partes completas de la aplicaci</a:t>
-            </a:r>
-            <a:r>
-              <a:rPr lang="es-PE" sz="2800" dirty="0" smtClean="0"/>
-              <a:t>ón.</a:t>
-            </a:r>
-            <a:endParaRPr lang="es-PE" sz="2800" dirty="0" smtClean="0"/>
+              <a:t>Se construye incrementalmente partes completas de la aplicación.</a:t>
+            </a:r>
           </a:p>
         </p:txBody>
       </p:sp>
@@ -21297,7 +21398,6 @@
               <a:rPr lang="es-PE" sz="2800" dirty="0" smtClean="0"/>
               <a:t> ocasionando que las pruebas sean muy frágiles.</a:t>
             </a:r>
-            <a:endParaRPr lang="es-PE" sz="2800" dirty="0" smtClean="0"/>
           </a:p>
         </p:txBody>
       </p:sp>
@@ -21311,11 +21411,11 @@
   <p:clrMapOvr>
     <a:masterClrMapping/>
   </p:clrMapOvr>
-  <mc:AlternateContent xmlns:mc="http://schemas.openxmlformats.org/markup-compatibility/2006">
-    <mc:Choice xmlns:p14="http://schemas.microsoft.com/office/powerpoint/2010/main" Requires="p14">
+  <mc:AlternateContent xmlns:mc="http://schemas.openxmlformats.org/markup-compatibility/2006" xmlns:p14="http://schemas.microsoft.com/office/powerpoint/2010/main">
+    <mc:Choice Requires="p14">
       <p:transition spd="slow" p14:dur="2000"/>
     </mc:Choice>
-    <mc:Fallback>
+    <mc:Fallback xmlns="">
       <p:transition spd="slow"/>
     </mc:Fallback>
   </mc:AlternateContent>
@@ -22122,11 +22222,11 @@
   <p:clrMapOvr>
     <a:masterClrMapping/>
   </p:clrMapOvr>
-  <mc:AlternateContent xmlns:mc="http://schemas.openxmlformats.org/markup-compatibility/2006">
-    <mc:Choice xmlns:p14="http://schemas.microsoft.com/office/powerpoint/2010/main" Requires="p14">
+  <mc:AlternateContent xmlns:mc="http://schemas.openxmlformats.org/markup-compatibility/2006" xmlns:p14="http://schemas.microsoft.com/office/powerpoint/2010/main">
+    <mc:Choice Requires="p14">
       <p:transition spd="slow" p14:dur="2000"/>
     </mc:Choice>
-    <mc:Fallback>
+    <mc:Fallback xmlns="">
       <p:transition spd="slow"/>
     </mc:Fallback>
   </mc:AlternateContent>
@@ -22664,7 +22764,6 @@
               <a:rPr lang="es-PE" sz="2800" dirty="0" smtClean="0"/>
               <a:t>Puedes construir funcionalidad en las clases que nunca será usada por la aplicación.</a:t>
             </a:r>
-            <a:endParaRPr lang="es-PE" sz="2800" dirty="0" smtClean="0"/>
           </a:p>
         </p:txBody>
       </p:sp>
@@ -22678,11 +22777,11 @@
   <p:clrMapOvr>
     <a:masterClrMapping/>
   </p:clrMapOvr>
-  <mc:AlternateContent xmlns:mc="http://schemas.openxmlformats.org/markup-compatibility/2006">
-    <mc:Choice xmlns:p14="http://schemas.microsoft.com/office/powerpoint/2010/main" Requires="p14">
+  <mc:AlternateContent xmlns:mc="http://schemas.openxmlformats.org/markup-compatibility/2006" xmlns:p14="http://schemas.microsoft.com/office/powerpoint/2010/main">
+    <mc:Choice Requires="p14">
       <p:transition spd="slow" p14:dur="2000"/>
     </mc:Choice>
-    <mc:Fallback>
+    <mc:Fallback xmlns="">
       <p:transition spd="slow"/>
     </mc:Fallback>
   </mc:AlternateContent>
@@ -24005,11 +24104,11 @@
   <p:clrMapOvr>
     <a:masterClrMapping/>
   </p:clrMapOvr>
-  <mc:AlternateContent xmlns:mc="http://schemas.openxmlformats.org/markup-compatibility/2006">
-    <mc:Choice xmlns:p14="http://schemas.microsoft.com/office/powerpoint/2010/main" Requires="p14">
+  <mc:AlternateContent xmlns:mc="http://schemas.openxmlformats.org/markup-compatibility/2006" xmlns:p14="http://schemas.microsoft.com/office/powerpoint/2010/main">
+    <mc:Choice Requires="p14">
       <p:transition spd="slow" p14:dur="2000"/>
     </mc:Choice>
-    <mc:Fallback>
+    <mc:Fallback xmlns="">
       <p:transition spd="slow"/>
     </mc:Fallback>
   </mc:AlternateContent>
@@ -24287,7 +24386,6 @@
               <a:rPr lang="es-PE" sz="2800" dirty="0" smtClean="0"/>
               <a:t>"Se debe prevenir vender mascotas por debajo de la edad recomendada"</a:t>
             </a:r>
-            <a:endParaRPr lang="es-PE" sz="2800" dirty="0" smtClean="0"/>
           </a:p>
         </p:txBody>
       </p:sp>
@@ -24389,11 +24487,11 @@
   <p:clrMapOvr>
     <a:masterClrMapping/>
   </p:clrMapOvr>
-  <mc:AlternateContent xmlns:mc="http://schemas.openxmlformats.org/markup-compatibility/2006">
-    <mc:Choice xmlns:p14="http://schemas.microsoft.com/office/powerpoint/2010/main" Requires="p14">
+  <mc:AlternateContent xmlns:mc="http://schemas.openxmlformats.org/markup-compatibility/2006" xmlns:p14="http://schemas.microsoft.com/office/powerpoint/2010/main">
+    <mc:Choice Requires="p14">
       <p:transition spd="slow" p14:dur="2000"/>
     </mc:Choice>
-    <mc:Fallback>
+    <mc:Fallback xmlns="">
       <p:transition spd="slow"/>
     </mc:Fallback>
   </mc:AlternateContent>
@@ -24726,11 +24824,7 @@
             </a:r>
             <a:r>
               <a:rPr lang="en-US" sz="2400" dirty="0" smtClean="0"/>
-              <a:t>"</a:t>
-            </a:r>
-            <a:r>
-              <a:rPr lang="en-US" sz="2400" dirty="0" smtClean="0"/>
-              <a:t>el </a:t>
+              <a:t>"el </a:t>
             </a:r>
             <a:r>
               <a:rPr lang="en-US" sz="2400" dirty="0" err="1" smtClean="0"/>
@@ -24794,15 +24888,7 @@
                   <a:srgbClr val="FF0000"/>
                 </a:solidFill>
               </a:rPr>
-              <a:t>Es</a:t>
-            </a:r>
-            <a:r>
-              <a:rPr lang="es-PE" dirty="0" smtClean="0">
-                <a:solidFill>
-                  <a:srgbClr val="FF0000"/>
-                </a:solidFill>
-              </a:rPr>
-              <a:t>cenarios</a:t>
+              <a:t>Escenarios</a:t>
             </a:r>
             <a:endParaRPr lang="es-PE" sz="3200" dirty="0">
               <a:solidFill>
@@ -24910,11 +24996,11 @@
   <p:clrMapOvr>
     <a:masterClrMapping/>
   </p:clrMapOvr>
-  <mc:AlternateContent xmlns:mc="http://schemas.openxmlformats.org/markup-compatibility/2006">
-    <mc:Choice xmlns:p14="http://schemas.microsoft.com/office/powerpoint/2010/main" Requires="p14">
+  <mc:AlternateContent xmlns:mc="http://schemas.openxmlformats.org/markup-compatibility/2006" xmlns:p14="http://schemas.microsoft.com/office/powerpoint/2010/main">
+    <mc:Choice Requires="p14">
       <p:transition spd="slow" p14:dur="2000"/>
     </mc:Choice>
-    <mc:Fallback>
+    <mc:Fallback xmlns="">
       <p:transition spd="slow"/>
     </mc:Fallback>
   </mc:AlternateContent>
@@ -25152,7 +25238,6 @@
               <a:rPr lang="es-PE" sz="4800" dirty="0" smtClean="0"/>
               <a:t>(Ejemplos Concretos)</a:t>
             </a:r>
-            <a:endParaRPr lang="es-PE" sz="4800" dirty="0" smtClean="0"/>
           </a:p>
           <a:p>
             <a:pPr marL="0" indent="0">
@@ -25240,11 +25325,11 @@
   <p:clrMapOvr>
     <a:masterClrMapping/>
   </p:clrMapOvr>
-  <mc:AlternateContent xmlns:mc="http://schemas.openxmlformats.org/markup-compatibility/2006">
-    <mc:Choice xmlns:p14="http://schemas.microsoft.com/office/powerpoint/2010/main" Requires="p14">
+  <mc:AlternateContent xmlns:mc="http://schemas.openxmlformats.org/markup-compatibility/2006" xmlns:p14="http://schemas.microsoft.com/office/powerpoint/2010/main">
+    <mc:Choice Requires="p14">
       <p:transition spd="slow" p14:dur="2000"/>
     </mc:Choice>
-    <mc:Fallback>
+    <mc:Fallback xmlns="">
       <p:transition spd="slow"/>
     </mc:Fallback>
   </mc:AlternateContent>
@@ -25386,11 +25471,11 @@
   <p:clrMapOvr>
     <a:masterClrMapping/>
   </p:clrMapOvr>
-  <mc:AlternateContent xmlns:mc="http://schemas.openxmlformats.org/markup-compatibility/2006">
-    <mc:Choice xmlns:p14="http://schemas.microsoft.com/office/powerpoint/2010/main" Requires="p14">
+  <mc:AlternateContent xmlns:mc="http://schemas.openxmlformats.org/markup-compatibility/2006" xmlns:p14="http://schemas.microsoft.com/office/powerpoint/2010/main">
+    <mc:Choice Requires="p14">
       <p:transition spd="slow" p14:dur="2000"/>
     </mc:Choice>
-    <mc:Fallback>
+    <mc:Fallback xmlns="">
       <p:transition spd="slow"/>
     </mc:Fallback>
   </mc:AlternateContent>
@@ -25556,11 +25641,11 @@
   <p:clrMapOvr>
     <a:masterClrMapping/>
   </p:clrMapOvr>
-  <mc:AlternateContent xmlns:mc="http://schemas.openxmlformats.org/markup-compatibility/2006">
-    <mc:Choice xmlns:p14="http://schemas.microsoft.com/office/powerpoint/2010/main" Requires="p14">
+  <mc:AlternateContent xmlns:mc="http://schemas.openxmlformats.org/markup-compatibility/2006" xmlns:p14="http://schemas.microsoft.com/office/powerpoint/2010/main">
+    <mc:Choice Requires="p14">
       <p:transition spd="slow" p14:dur="2000"/>
     </mc:Choice>
-    <mc:Fallback>
+    <mc:Fallback xmlns="">
       <p:transition spd="slow"/>
     </mc:Fallback>
   </mc:AlternateContent>
@@ -25751,7 +25836,7 @@
             <a:r>
               <a:rPr lang="es-PE" dirty="0" smtClean="0">
                 <a:solidFill>
-                  <a:srgbClr val="C00000"/>
+                  <a:srgbClr val="FF0000"/>
                 </a:solidFill>
                 <a:latin typeface="Arial" pitchFamily="34" charset="0"/>
                 <a:cs typeface="Arial" pitchFamily="34" charset="0"/>
@@ -25761,7 +25846,7 @@
             <a:r>
               <a:rPr lang="es-PE" dirty="0" err="1" smtClean="0">
                 <a:solidFill>
-                  <a:srgbClr val="C00000"/>
+                  <a:srgbClr val="FF0000"/>
                 </a:solidFill>
                 <a:latin typeface="Arial" pitchFamily="34" charset="0"/>
                 <a:cs typeface="Arial" pitchFamily="34" charset="0"/>
@@ -25771,7 +25856,7 @@
             <a:r>
               <a:rPr lang="es-PE" dirty="0" smtClean="0">
                 <a:solidFill>
-                  <a:srgbClr val="C00000"/>
+                  <a:srgbClr val="FF0000"/>
                 </a:solidFill>
                 <a:latin typeface="Arial" pitchFamily="34" charset="0"/>
                 <a:cs typeface="Arial" pitchFamily="34" charset="0"/>
@@ -25781,7 +25866,7 @@
             <a:r>
               <a:rPr lang="es-PE" dirty="0" err="1" smtClean="0">
                 <a:solidFill>
-                  <a:srgbClr val="C00000"/>
+                  <a:srgbClr val="FF0000"/>
                 </a:solidFill>
                 <a:latin typeface="Arial" pitchFamily="34" charset="0"/>
                 <a:cs typeface="Arial" pitchFamily="34" charset="0"/>
@@ -25791,7 +25876,7 @@
             <a:r>
               <a:rPr lang="es-PE" dirty="0" smtClean="0">
                 <a:solidFill>
-                  <a:srgbClr val="C00000"/>
+                  <a:srgbClr val="FF0000"/>
                 </a:solidFill>
                 <a:latin typeface="Arial" pitchFamily="34" charset="0"/>
                 <a:cs typeface="Arial" pitchFamily="34" charset="0"/>
@@ -25800,7 +25885,7 @@
             </a:r>
             <a:endParaRPr lang="es-PE" dirty="0">
               <a:solidFill>
-                <a:srgbClr val="C00000"/>
+                <a:srgbClr val="FF0000"/>
               </a:solidFill>
               <a:latin typeface="Arial" pitchFamily="34" charset="0"/>
               <a:cs typeface="Arial" pitchFamily="34" charset="0"/>
@@ -26017,20 +26102,11 @@
               <a:rPr lang="es-PE" sz="2800" dirty="0" smtClean="0"/>
               <a:t>.</a:t>
             </a:r>
-            <a:endParaRPr lang="es-PE" sz="2800" dirty="0" smtClean="0"/>
           </a:p>
           <a:p>
             <a:r>
               <a:rPr lang="es-PE" sz="2800" dirty="0" smtClean="0"/>
-              <a:t>Sirven </a:t>
-            </a:r>
-            <a:r>
-              <a:rPr lang="es-PE" sz="2800" dirty="0" smtClean="0"/>
-              <a:t>como criterios de «DONE</a:t>
-            </a:r>
-            <a:r>
-              <a:rPr lang="es-PE" sz="2800" dirty="0" smtClean="0"/>
-              <a:t>».</a:t>
+              <a:t>Sirven como criterios de «DONE».</a:t>
             </a:r>
           </a:p>
           <a:p>
@@ -26042,22 +26118,12 @@
               <a:rPr lang="es-PE" sz="2800" dirty="0" smtClean="0"/>
               <a:t>.</a:t>
             </a:r>
-            <a:endParaRPr lang="es-PE" sz="2800" dirty="0" smtClean="0"/>
           </a:p>
           <a:p>
             <a:r>
               <a:rPr lang="es-PE" sz="2800" dirty="0" smtClean="0"/>
-              <a:t>Ejemplos </a:t>
-            </a:r>
-            <a:r>
-              <a:rPr lang="es-PE" sz="2800" dirty="0" smtClean="0"/>
-              <a:t>entendibles del </a:t>
-            </a:r>
-            <a:r>
-              <a:rPr lang="es-PE" sz="2800" dirty="0" smtClean="0"/>
-              <a:t>sistema</a:t>
-            </a:r>
-            <a:endParaRPr lang="es-PE" sz="2800" dirty="0" smtClean="0"/>
+              <a:t>Ejemplos entendibles del sistema</a:t>
+            </a:r>
           </a:p>
         </p:txBody>
       </p:sp>
@@ -26110,8 +26176,8 @@
         </p:nvSpPr>
         <p:spPr>
           <a:xfrm>
-            <a:off x="441711" y="332656"/>
-            <a:ext cx="8229600" cy="864095"/>
+            <a:off x="441711" y="1988840"/>
+            <a:ext cx="8229600" cy="2664296"/>
           </a:xfrm>
         </p:spPr>
         <p:txBody>
@@ -26119,145 +26185,89 @@
           <a:lstStyle/>
           <a:p>
             <a:r>
-              <a:rPr lang="es-PE" dirty="0" smtClean="0">
-                <a:solidFill>
-                  <a:srgbClr val="FF0000"/>
+              <a:rPr lang="es-PE" sz="4800" dirty="0" err="1" smtClean="0"/>
+              <a:t>Double</a:t>
+            </a:r>
+            <a:r>
+              <a:rPr lang="es-PE" sz="4800" dirty="0" smtClean="0"/>
+              <a:t> </a:t>
+            </a:r>
+            <a:r>
+              <a:rPr lang="es-PE" sz="4800" dirty="0" err="1" smtClean="0"/>
+              <a:t>Loop</a:t>
+            </a:r>
+            <a:r>
+              <a:rPr lang="es-PE" sz="4800" dirty="0" smtClean="0"/>
+              <a:t> TDD</a:t>
+            </a:r>
+            <a:br>
+              <a:rPr lang="es-PE" sz="4800" dirty="0" smtClean="0"/>
+            </a:br>
+            <a:r>
+              <a:rPr lang="es-PE" sz="4000" dirty="0" smtClean="0">
+                <a:solidFill>
+                  <a:srgbClr val="FFC000"/>
                 </a:solidFill>
               </a:rPr>
-              <a:t>Esto no es ATDD, </a:t>
+              <a:t>VS</a:t>
+            </a:r>
+            <a:r>
+              <a:rPr lang="es-PE" dirty="0" smtClean="0"/>
+              <a:t/>
             </a:r>
             <a:br>
-              <a:rPr lang="es-PE" dirty="0" smtClean="0">
-                <a:solidFill>
-                  <a:srgbClr val="FF0000"/>
-                </a:solidFill>
-              </a:rPr>
+              <a:rPr lang="es-PE" dirty="0" smtClean="0"/>
             </a:br>
             <a:r>
-              <a:rPr lang="es-PE" dirty="0" smtClean="0">
-                <a:solidFill>
-                  <a:srgbClr val="FF0000"/>
-                </a:solidFill>
-              </a:rPr>
-              <a:t>es solo </a:t>
-            </a:r>
-            <a:r>
-              <a:rPr lang="es-PE" dirty="0" err="1" smtClean="0">
-                <a:solidFill>
-                  <a:srgbClr val="FF0000"/>
-                </a:solidFill>
-              </a:rPr>
-              <a:t>Cucumber</a:t>
-            </a:r>
-            <a:r>
-              <a:rPr lang="es-PE" dirty="0">
-                <a:solidFill>
-                  <a:srgbClr val="FF0000"/>
-                </a:solidFill>
-              </a:rPr>
+              <a:rPr lang="es-PE" sz="5400" dirty="0" err="1" smtClean="0"/>
+              <a:t>Acceptance</a:t>
+            </a:r>
+            <a:r>
+              <a:rPr lang="es-PE" sz="4800" dirty="0" smtClean="0"/>
               <a:t> </a:t>
             </a:r>
-            <a:r>
-              <a:rPr lang="es-PE" dirty="0" smtClean="0">
-                <a:solidFill>
-                  <a:srgbClr val="FF0000"/>
-                </a:solidFill>
-              </a:rPr>
-              <a:t>(</a:t>
-            </a:r>
-            <a:r>
-              <a:rPr lang="es-PE" dirty="0" err="1" smtClean="0">
-                <a:solidFill>
-                  <a:srgbClr val="FF0000"/>
-                </a:solidFill>
-              </a:rPr>
-              <a:t>Specflow</a:t>
-            </a:r>
-            <a:r>
-              <a:rPr lang="es-PE" dirty="0" smtClean="0">
-                <a:solidFill>
-                  <a:srgbClr val="FF0000"/>
-                </a:solidFill>
-              </a:rPr>
-              <a:t>)</a:t>
-            </a:r>
-            <a:endParaRPr lang="es-PE" sz="3200" dirty="0">
-              <a:solidFill>
-                <a:srgbClr val="FF0000"/>
-              </a:solidFill>
-            </a:endParaRPr>
+            <a:br>
+              <a:rPr lang="es-PE" sz="4800" dirty="0" smtClean="0"/>
+            </a:br>
+            <a:r>
+              <a:rPr lang="es-PE" sz="4800" dirty="0" smtClean="0"/>
+              <a:t>Test </a:t>
+            </a:r>
+            <a:r>
+              <a:rPr lang="es-PE" sz="4800" dirty="0" err="1" smtClean="0"/>
+              <a:t>Driven</a:t>
+            </a:r>
+            <a:r>
+              <a:rPr lang="es-PE" sz="4800" dirty="0" smtClean="0"/>
+              <a:t> </a:t>
+            </a:r>
+            <a:r>
+              <a:rPr lang="es-PE" sz="4800" dirty="0" err="1" smtClean="0"/>
+              <a:t>Development</a:t>
+            </a:r>
+            <a:r>
+              <a:rPr lang="es-PE" sz="4800" dirty="0" smtClean="0"/>
+              <a:t> (ATDD)</a:t>
+            </a:r>
+            <a:endParaRPr lang="es-PE" sz="3600" dirty="0"/>
           </a:p>
         </p:txBody>
       </p:sp>
-      <p:pic>
-        <p:nvPicPr>
-          <p:cNvPr id="1027" name="Picture 3"/>
-          <p:cNvPicPr>
-            <a:picLocks noChangeAspect="1" noChangeArrowheads="1"/>
-          </p:cNvPicPr>
-          <p:nvPr/>
-        </p:nvPicPr>
-        <p:blipFill>
-          <a:blip r:embed="rId3">
-            <a:extLst>
-              <a:ext uri="{28A0092B-C50C-407E-A947-70E740481C1C}">
-                <a14:useLocalDpi xmlns:a14="http://schemas.microsoft.com/office/drawing/2010/main" val="0"/>
-              </a:ext>
-            </a:extLst>
-          </a:blip>
-          <a:srcRect/>
-          <a:stretch>
-            <a:fillRect/>
-          </a:stretch>
-        </p:blipFill>
-        <p:spPr bwMode="auto">
-          <a:xfrm>
-            <a:off x="242222" y="2247702"/>
-            <a:ext cx="8650258" cy="2909490"/>
-          </a:xfrm>
-          <a:prstGeom prst="rect">
-            <a:avLst/>
-          </a:prstGeom>
-          <a:noFill/>
-          <a:ln>
-            <a:noFill/>
-          </a:ln>
-          <a:extLst>
-            <a:ext uri="{909E8E84-426E-40DD-AFC4-6F175D3DCCD1}">
-              <a14:hiddenFill xmlns:a14="http://schemas.microsoft.com/office/drawing/2010/main">
-                <a:solidFill>
-                  <a:schemeClr val="accent1"/>
-                </a:solidFill>
-              </a14:hiddenFill>
-            </a:ext>
-            <a:ext uri="{91240B29-F687-4F45-9708-019B960494DF}">
-              <a14:hiddenLine xmlns:a14="http://schemas.microsoft.com/office/drawing/2010/main" w="9525">
-                <a:solidFill>
-                  <a:schemeClr val="tx1"/>
-                </a:solidFill>
-                <a:miter lim="800000"/>
-                <a:headEnd/>
-                <a:tailEnd/>
-              </a14:hiddenLine>
-            </a:ext>
-          </a:extLst>
-        </p:spPr>
-      </p:pic>
     </p:spTree>
     <p:extLst>
       <p:ext uri="{BB962C8B-B14F-4D97-AF65-F5344CB8AC3E}">
-        <p14:creationId xmlns:p14="http://schemas.microsoft.com/office/powerpoint/2010/main" val="1917439890"/>
+        <p14:creationId xmlns:p14="http://schemas.microsoft.com/office/powerpoint/2010/main" val="1829841428"/>
       </p:ext>
     </p:extLst>
   </p:cSld>
   <p:clrMapOvr>
     <a:masterClrMapping/>
   </p:clrMapOvr>
-  <mc:AlternateContent xmlns:mc="http://schemas.openxmlformats.org/markup-compatibility/2006">
-    <mc:Choice xmlns:p14="http://schemas.microsoft.com/office/powerpoint/2010/main" Requires="p14">
+  <mc:AlternateContent xmlns:mc="http://schemas.openxmlformats.org/markup-compatibility/2006" xmlns:p14="http://schemas.microsoft.com/office/powerpoint/2010/main">
+    <mc:Choice Requires="p14">
       <p:transition spd="slow" p14:dur="2000"/>
     </mc:Choice>
-    <mc:Fallback>
+    <mc:Fallback xmlns="">
       <p:transition spd="slow"/>
     </mc:Fallback>
   </mc:AlternateContent>
@@ -26381,7 +26391,7 @@
       </p:sp>
       <p:pic>
         <p:nvPicPr>
-          <p:cNvPr id="11" name="Picture 4"/>
+          <p:cNvPr id="1027" name="Picture 3"/>
           <p:cNvPicPr>
             <a:picLocks noChangeAspect="1" noChangeArrowheads="1"/>
           </p:cNvPicPr>
@@ -26402,8 +26412,8 @@
         </p:blipFill>
         <p:spPr bwMode="auto">
           <a:xfrm>
-            <a:off x="683568" y="1570459"/>
-            <a:ext cx="7697004" cy="5026893"/>
+            <a:off x="242222" y="2247702"/>
+            <a:ext cx="8650258" cy="2909490"/>
           </a:xfrm>
           <a:prstGeom prst="rect">
             <a:avLst/>
@@ -26436,18 +26446,18 @@
     </p:spTree>
     <p:extLst>
       <p:ext uri="{BB962C8B-B14F-4D97-AF65-F5344CB8AC3E}">
-        <p14:creationId xmlns:p14="http://schemas.microsoft.com/office/powerpoint/2010/main" val="2408309389"/>
+        <p14:creationId xmlns:p14="http://schemas.microsoft.com/office/powerpoint/2010/main" val="1917439890"/>
       </p:ext>
     </p:extLst>
   </p:cSld>
   <p:clrMapOvr>
     <a:masterClrMapping/>
   </p:clrMapOvr>
-  <mc:AlternateContent xmlns:mc="http://schemas.openxmlformats.org/markup-compatibility/2006">
-    <mc:Choice xmlns:p14="http://schemas.microsoft.com/office/powerpoint/2010/main" Requires="p14">
+  <mc:AlternateContent xmlns:mc="http://schemas.openxmlformats.org/markup-compatibility/2006" xmlns:p14="http://schemas.microsoft.com/office/powerpoint/2010/main">
+    <mc:Choice Requires="p14">
       <p:transition spd="slow" p14:dur="2000"/>
     </mc:Choice>
-    <mc:Fallback>
+    <mc:Fallback xmlns="">
       <p:transition spd="slow"/>
     </mc:Fallback>
   </mc:AlternateContent>
@@ -26775,6 +26785,196 @@
         </p:nvSpPr>
         <p:spPr>
           <a:xfrm>
+            <a:off x="441711" y="332656"/>
+            <a:ext cx="8229600" cy="864095"/>
+          </a:xfrm>
+        </p:spPr>
+        <p:txBody>
+          <a:bodyPr/>
+          <a:lstStyle/>
+          <a:p>
+            <a:r>
+              <a:rPr lang="es-PE" dirty="0" smtClean="0">
+                <a:solidFill>
+                  <a:srgbClr val="FF0000"/>
+                </a:solidFill>
+              </a:rPr>
+              <a:t>Esto no es ATDD, </a:t>
+            </a:r>
+            <a:br>
+              <a:rPr lang="es-PE" dirty="0" smtClean="0">
+                <a:solidFill>
+                  <a:srgbClr val="FF0000"/>
+                </a:solidFill>
+              </a:rPr>
+            </a:br>
+            <a:r>
+              <a:rPr lang="es-PE" dirty="0" smtClean="0">
+                <a:solidFill>
+                  <a:srgbClr val="FF0000"/>
+                </a:solidFill>
+              </a:rPr>
+              <a:t>es solo </a:t>
+            </a:r>
+            <a:r>
+              <a:rPr lang="es-PE" dirty="0" err="1" smtClean="0">
+                <a:solidFill>
+                  <a:srgbClr val="FF0000"/>
+                </a:solidFill>
+              </a:rPr>
+              <a:t>Cucumber</a:t>
+            </a:r>
+            <a:r>
+              <a:rPr lang="es-PE" dirty="0">
+                <a:solidFill>
+                  <a:srgbClr val="FF0000"/>
+                </a:solidFill>
+              </a:rPr>
+              <a:t> </a:t>
+            </a:r>
+            <a:r>
+              <a:rPr lang="es-PE" dirty="0" smtClean="0">
+                <a:solidFill>
+                  <a:srgbClr val="FF0000"/>
+                </a:solidFill>
+              </a:rPr>
+              <a:t>(</a:t>
+            </a:r>
+            <a:r>
+              <a:rPr lang="es-PE" dirty="0" err="1" smtClean="0">
+                <a:solidFill>
+                  <a:srgbClr val="FF0000"/>
+                </a:solidFill>
+              </a:rPr>
+              <a:t>Specflow</a:t>
+            </a:r>
+            <a:r>
+              <a:rPr lang="es-PE" dirty="0" smtClean="0">
+                <a:solidFill>
+                  <a:srgbClr val="FF0000"/>
+                </a:solidFill>
+              </a:rPr>
+              <a:t>)</a:t>
+            </a:r>
+            <a:endParaRPr lang="es-PE" sz="3200" dirty="0">
+              <a:solidFill>
+                <a:srgbClr val="FF0000"/>
+              </a:solidFill>
+            </a:endParaRPr>
+          </a:p>
+        </p:txBody>
+      </p:sp>
+      <p:pic>
+        <p:nvPicPr>
+          <p:cNvPr id="11" name="Picture 4"/>
+          <p:cNvPicPr>
+            <a:picLocks noChangeAspect="1" noChangeArrowheads="1"/>
+          </p:cNvPicPr>
+          <p:nvPr/>
+        </p:nvPicPr>
+        <p:blipFill>
+          <a:blip r:embed="rId3">
+            <a:extLst>
+              <a:ext uri="{28A0092B-C50C-407E-A947-70E740481C1C}">
+                <a14:useLocalDpi xmlns:a14="http://schemas.microsoft.com/office/drawing/2010/main" val="0"/>
+              </a:ext>
+            </a:extLst>
+          </a:blip>
+          <a:srcRect/>
+          <a:stretch>
+            <a:fillRect/>
+          </a:stretch>
+        </p:blipFill>
+        <p:spPr bwMode="auto">
+          <a:xfrm>
+            <a:off x="683568" y="1570459"/>
+            <a:ext cx="7697004" cy="5026893"/>
+          </a:xfrm>
+          <a:prstGeom prst="rect">
+            <a:avLst/>
+          </a:prstGeom>
+          <a:noFill/>
+          <a:ln>
+            <a:noFill/>
+          </a:ln>
+          <a:extLst>
+            <a:ext uri="{909E8E84-426E-40DD-AFC4-6F175D3DCCD1}">
+              <a14:hiddenFill xmlns:a14="http://schemas.microsoft.com/office/drawing/2010/main">
+                <a:solidFill>
+                  <a:schemeClr val="accent1"/>
+                </a:solidFill>
+              </a14:hiddenFill>
+            </a:ext>
+            <a:ext uri="{91240B29-F687-4F45-9708-019B960494DF}">
+              <a14:hiddenLine xmlns:a14="http://schemas.microsoft.com/office/drawing/2010/main" w="9525">
+                <a:solidFill>
+                  <a:schemeClr val="tx1"/>
+                </a:solidFill>
+                <a:miter lim="800000"/>
+                <a:headEnd/>
+                <a:tailEnd/>
+              </a14:hiddenLine>
+            </a:ext>
+          </a:extLst>
+        </p:spPr>
+      </p:pic>
+    </p:spTree>
+    <p:extLst>
+      <p:ext uri="{BB962C8B-B14F-4D97-AF65-F5344CB8AC3E}">
+        <p14:creationId xmlns:p14="http://schemas.microsoft.com/office/powerpoint/2010/main" val="2408309389"/>
+      </p:ext>
+    </p:extLst>
+  </p:cSld>
+  <p:clrMapOvr>
+    <a:masterClrMapping/>
+  </p:clrMapOvr>
+  <mc:AlternateContent xmlns:mc="http://schemas.openxmlformats.org/markup-compatibility/2006" xmlns:p14="http://schemas.microsoft.com/office/powerpoint/2010/main">
+    <mc:Choice Requires="p14">
+      <p:transition spd="slow" p14:dur="2000"/>
+    </mc:Choice>
+    <mc:Fallback xmlns="">
+      <p:transition spd="slow"/>
+    </mc:Fallback>
+  </mc:AlternateContent>
+  <p:timing>
+    <p:tnLst>
+      <p:par>
+        <p:cTn id="1" dur="indefinite" restart="never" nodeType="tmRoot"/>
+      </p:par>
+    </p:tnLst>
+  </p:timing>
+</p:sld>
+</file>
+
+<file path=ppt/slides/slide41.xml><?xml version="1.0" encoding="utf-8"?>
+<p:sld xmlns:a="http://schemas.openxmlformats.org/drawingml/2006/main" xmlns:r="http://schemas.openxmlformats.org/officeDocument/2006/relationships" xmlns:p="http://schemas.openxmlformats.org/presentationml/2006/main">
+  <p:cSld>
+    <p:spTree>
+      <p:nvGrpSpPr>
+        <p:cNvPr id="1" name=""/>
+        <p:cNvGrpSpPr/>
+        <p:nvPr/>
+      </p:nvGrpSpPr>
+      <p:grpSpPr>
+        <a:xfrm>
+          <a:off x="0" y="0"/>
+          <a:ext cx="0" cy="0"/>
+          <a:chOff x="0" y="0"/>
+          <a:chExt cx="0" cy="0"/>
+        </a:xfrm>
+      </p:grpSpPr>
+      <p:sp>
+        <p:nvSpPr>
+          <p:cNvPr id="3" name="2 Título"/>
+          <p:cNvSpPr>
+            <a:spLocks noGrp="1"/>
+          </p:cNvSpPr>
+          <p:nvPr>
+            <p:ph type="title"/>
+          </p:nvPr>
+        </p:nvSpPr>
+        <p:spPr>
+          <a:xfrm>
             <a:off x="441711" y="404665"/>
             <a:ext cx="8229600" cy="864095"/>
           </a:xfrm>
@@ -26953,11 +27153,11 @@
   <p:clrMapOvr>
     <a:masterClrMapping/>
   </p:clrMapOvr>
-  <mc:AlternateContent xmlns:mc="http://schemas.openxmlformats.org/markup-compatibility/2006">
-    <mc:Choice xmlns:p14="http://schemas.microsoft.com/office/powerpoint/2010/main" Requires="p14">
+  <mc:AlternateContent xmlns:mc="http://schemas.openxmlformats.org/markup-compatibility/2006" xmlns:p14="http://schemas.microsoft.com/office/powerpoint/2010/main">
+    <mc:Choice Requires="p14">
       <p:transition spd="slow" p14:dur="2000"/>
     </mc:Choice>
-    <mc:Fallback>
+    <mc:Fallback xmlns="">
       <p:transition spd="slow"/>
     </mc:Fallback>
   </mc:AlternateContent>
@@ -26971,7 +27171,7 @@
 </p:sld>
 </file>
 
-<file path=ppt/slides/slide41.xml><?xml version="1.0" encoding="utf-8"?>
+<file path=ppt/slides/slide42.xml><?xml version="1.0" encoding="utf-8"?>
 <p:sld xmlns:a="http://schemas.openxmlformats.org/drawingml/2006/main" xmlns:r="http://schemas.openxmlformats.org/officeDocument/2006/relationships" xmlns:p="http://schemas.openxmlformats.org/presentationml/2006/main">
   <p:cSld>
     <p:spTree>
@@ -27278,11 +27478,7 @@
             </a:r>
             <a:r>
               <a:rPr lang="es-PE" sz="2800" dirty="0" smtClean="0"/>
-              <a:t> las conversaciones, </a:t>
-            </a:r>
-            <a:r>
-              <a:rPr lang="es-PE" sz="2800" dirty="0" smtClean="0"/>
-              <a:t>y esto es más importante que</a:t>
+              <a:t> las conversaciones, y esto es más importante que</a:t>
             </a:r>
             <a:br>
               <a:rPr lang="es-PE" sz="2800" dirty="0" smtClean="0"/>
@@ -27299,7 +27495,6 @@
               <a:rPr lang="es-PE" sz="2800" dirty="0" smtClean="0"/>
               <a:t>las conversaciones.</a:t>
             </a:r>
-            <a:endParaRPr lang="es-PE" sz="2800" dirty="0" smtClean="0"/>
           </a:p>
         </p:txBody>
       </p:sp>
@@ -27367,11 +27562,11 @@
   <p:clrMapOvr>
     <a:masterClrMapping/>
   </p:clrMapOvr>
-  <mc:AlternateContent xmlns:mc="http://schemas.openxmlformats.org/markup-compatibility/2006">
-    <mc:Choice xmlns:p14="http://schemas.microsoft.com/office/powerpoint/2010/main" Requires="p14">
+  <mc:AlternateContent xmlns:mc="http://schemas.openxmlformats.org/markup-compatibility/2006" xmlns:p14="http://schemas.microsoft.com/office/powerpoint/2010/main">
+    <mc:Choice Requires="p14">
       <p:transition spd="slow" p14:dur="2000"/>
     </mc:Choice>
-    <mc:Fallback>
+    <mc:Fallback xmlns="">
       <p:transition spd="slow"/>
     </mc:Fallback>
   </mc:AlternateContent>
@@ -27385,7 +27580,7 @@
 </p:sld>
 </file>
 
-<file path=ppt/slides/slide42.xml><?xml version="1.0" encoding="utf-8"?>
+<file path=ppt/slides/slide43.xml><?xml version="1.0" encoding="utf-8"?>
 <p:sld xmlns:a="http://schemas.openxmlformats.org/drawingml/2006/main" xmlns:r="http://schemas.openxmlformats.org/officeDocument/2006/relationships" xmlns:p="http://schemas.openxmlformats.org/presentationml/2006/main">
   <p:cSld>
     <p:spTree>
@@ -27414,7 +27609,7 @@
         </p:nvSpPr>
         <p:spPr>
           <a:xfrm>
-            <a:off x="395536" y="2708920"/>
+            <a:off x="395536" y="1988840"/>
             <a:ext cx="8229600" cy="864095"/>
           </a:xfrm>
         </p:spPr>
@@ -27435,6 +27630,203 @@
                 <a:srgbClr val="FF0000"/>
               </a:solidFill>
             </a:endParaRPr>
+          </a:p>
+        </p:txBody>
+      </p:sp>
+      <p:sp>
+        <p:nvSpPr>
+          <p:cNvPr id="4" name="5 Marcador de contenido"/>
+          <p:cNvSpPr txBox="1">
+            <a:spLocks/>
+          </p:cNvSpPr>
+          <p:nvPr/>
+        </p:nvSpPr>
+        <p:spPr bwMode="auto">
+          <a:xfrm>
+            <a:off x="827584" y="3140968"/>
+            <a:ext cx="7632848" cy="1152128"/>
+          </a:xfrm>
+          <a:prstGeom prst="rect">
+            <a:avLst/>
+          </a:prstGeom>
+          <a:noFill/>
+          <a:ln w="9525">
+            <a:noFill/>
+            <a:miter lim="800000"/>
+            <a:headEnd/>
+            <a:tailEnd/>
+          </a:ln>
+        </p:spPr>
+        <p:txBody>
+          <a:bodyPr vert="horz" wrap="square" lIns="91440" tIns="45720" rIns="91440" bIns="45720" numCol="1" anchor="t" anchorCtr="0" compatLnSpc="1">
+            <a:prstTxWarp prst="textNoShape">
+              <a:avLst/>
+            </a:prstTxWarp>
+          </a:bodyPr>
+          <a:lstStyle>
+            <a:lvl1pPr marL="342900" indent="-342900" algn="l" rtl="0" eaLnBrk="1" fontAlgn="base" hangingPunct="1">
+              <a:spcBef>
+                <a:spcPct val="20000"/>
+              </a:spcBef>
+              <a:spcAft>
+                <a:spcPct val="0"/>
+              </a:spcAft>
+              <a:buFont typeface="Arial" charset="0"/>
+              <a:buChar char="•"/>
+              <a:defRPr sz="3200" kern="1200">
+                <a:solidFill>
+                  <a:schemeClr val="tx1"/>
+                </a:solidFill>
+                <a:latin typeface="+mn-lt"/>
+                <a:ea typeface="+mn-ea"/>
+                <a:cs typeface="+mn-cs"/>
+              </a:defRPr>
+            </a:lvl1pPr>
+            <a:lvl2pPr marL="742950" indent="-285750" algn="l" rtl="0" eaLnBrk="1" fontAlgn="base" hangingPunct="1">
+              <a:spcBef>
+                <a:spcPct val="20000"/>
+              </a:spcBef>
+              <a:spcAft>
+                <a:spcPct val="0"/>
+              </a:spcAft>
+              <a:buFont typeface="Arial" charset="0"/>
+              <a:buChar char="–"/>
+              <a:defRPr sz="2800" kern="1200">
+                <a:solidFill>
+                  <a:schemeClr val="tx1"/>
+                </a:solidFill>
+                <a:latin typeface="+mn-lt"/>
+                <a:ea typeface="+mn-ea"/>
+                <a:cs typeface="+mn-cs"/>
+              </a:defRPr>
+            </a:lvl2pPr>
+            <a:lvl3pPr marL="1143000" indent="-228600" algn="l" rtl="0" eaLnBrk="1" fontAlgn="base" hangingPunct="1">
+              <a:spcBef>
+                <a:spcPct val="20000"/>
+              </a:spcBef>
+              <a:spcAft>
+                <a:spcPct val="0"/>
+              </a:spcAft>
+              <a:buFont typeface="Arial" charset="0"/>
+              <a:buChar char="•"/>
+              <a:defRPr sz="2400" kern="1200">
+                <a:solidFill>
+                  <a:schemeClr val="tx1"/>
+                </a:solidFill>
+                <a:latin typeface="+mn-lt"/>
+                <a:ea typeface="+mn-ea"/>
+                <a:cs typeface="+mn-cs"/>
+              </a:defRPr>
+            </a:lvl3pPr>
+            <a:lvl4pPr marL="1600200" indent="-228600" algn="l" rtl="0" eaLnBrk="1" fontAlgn="base" hangingPunct="1">
+              <a:spcBef>
+                <a:spcPct val="20000"/>
+              </a:spcBef>
+              <a:spcAft>
+                <a:spcPct val="0"/>
+              </a:spcAft>
+              <a:buFont typeface="Arial" charset="0"/>
+              <a:buChar char="–"/>
+              <a:defRPr sz="2000" kern="1200">
+                <a:solidFill>
+                  <a:schemeClr val="tx1"/>
+                </a:solidFill>
+                <a:latin typeface="+mn-lt"/>
+                <a:ea typeface="+mn-ea"/>
+                <a:cs typeface="+mn-cs"/>
+              </a:defRPr>
+            </a:lvl4pPr>
+            <a:lvl5pPr marL="2057400" indent="-228600" algn="l" rtl="0" eaLnBrk="1" fontAlgn="base" hangingPunct="1">
+              <a:spcBef>
+                <a:spcPct val="20000"/>
+              </a:spcBef>
+              <a:spcAft>
+                <a:spcPct val="0"/>
+              </a:spcAft>
+              <a:buFont typeface="Arial" charset="0"/>
+              <a:buChar char="»"/>
+              <a:defRPr sz="2000" kern="1200">
+                <a:solidFill>
+                  <a:schemeClr val="tx1"/>
+                </a:solidFill>
+                <a:latin typeface="+mn-lt"/>
+                <a:ea typeface="+mn-ea"/>
+                <a:cs typeface="+mn-cs"/>
+              </a:defRPr>
+            </a:lvl5pPr>
+            <a:lvl6pPr marL="2514600" indent="-228600" algn="l" defTabSz="914400" rtl="0" eaLnBrk="1" latinLnBrk="0" hangingPunct="1">
+              <a:spcBef>
+                <a:spcPct val="20000"/>
+              </a:spcBef>
+              <a:buFont typeface="Arial" pitchFamily="34" charset="0"/>
+              <a:buChar char="•"/>
+              <a:defRPr sz="2000" kern="1200">
+                <a:solidFill>
+                  <a:schemeClr val="tx1"/>
+                </a:solidFill>
+                <a:latin typeface="+mn-lt"/>
+                <a:ea typeface="+mn-ea"/>
+                <a:cs typeface="+mn-cs"/>
+              </a:defRPr>
+            </a:lvl6pPr>
+            <a:lvl7pPr marL="2971800" indent="-228600" algn="l" defTabSz="914400" rtl="0" eaLnBrk="1" latinLnBrk="0" hangingPunct="1">
+              <a:spcBef>
+                <a:spcPct val="20000"/>
+              </a:spcBef>
+              <a:buFont typeface="Arial" pitchFamily="34" charset="0"/>
+              <a:buChar char="•"/>
+              <a:defRPr sz="2000" kern="1200">
+                <a:solidFill>
+                  <a:schemeClr val="tx1"/>
+                </a:solidFill>
+                <a:latin typeface="+mn-lt"/>
+                <a:ea typeface="+mn-ea"/>
+                <a:cs typeface="+mn-cs"/>
+              </a:defRPr>
+            </a:lvl7pPr>
+            <a:lvl8pPr marL="3429000" indent="-228600" algn="l" defTabSz="914400" rtl="0" eaLnBrk="1" latinLnBrk="0" hangingPunct="1">
+              <a:spcBef>
+                <a:spcPct val="20000"/>
+              </a:spcBef>
+              <a:buFont typeface="Arial" pitchFamily="34" charset="0"/>
+              <a:buChar char="•"/>
+              <a:defRPr sz="2000" kern="1200">
+                <a:solidFill>
+                  <a:schemeClr val="tx1"/>
+                </a:solidFill>
+                <a:latin typeface="+mn-lt"/>
+                <a:ea typeface="+mn-ea"/>
+                <a:cs typeface="+mn-cs"/>
+              </a:defRPr>
+            </a:lvl8pPr>
+            <a:lvl9pPr marL="3886200" indent="-228600" algn="l" defTabSz="914400" rtl="0" eaLnBrk="1" latinLnBrk="0" hangingPunct="1">
+              <a:spcBef>
+                <a:spcPct val="20000"/>
+              </a:spcBef>
+              <a:buFont typeface="Arial" pitchFamily="34" charset="0"/>
+              <a:buChar char="•"/>
+              <a:defRPr sz="2000" kern="1200">
+                <a:solidFill>
+                  <a:schemeClr val="tx1"/>
+                </a:solidFill>
+                <a:latin typeface="+mn-lt"/>
+                <a:ea typeface="+mn-ea"/>
+                <a:cs typeface="+mn-cs"/>
+              </a:defRPr>
+            </a:lvl9pPr>
+          </a:lstStyle>
+          <a:p>
+            <a:pPr marL="0" indent="0" algn="ctr">
+              <a:buNone/>
+            </a:pPr>
+            <a:r>
+              <a:rPr lang="es-PE" sz="2800" dirty="0" smtClean="0"/>
+              <a:t>En 2 minutos cada uno escriba las 5 cosas más importantes que he aprendido.</a:t>
+            </a:r>
+          </a:p>
+          <a:p>
+            <a:pPr algn="ctr"/>
+            <a:endParaRPr lang="es-PE" sz="2800" dirty="0" smtClean="0"/>
           </a:p>
         </p:txBody>
       </p:sp>

--- a/Diapositivas/Test Driven Development.pptx
+++ b/Diapositivas/Test Driven Development.pptx
@@ -24,8 +24,8 @@
     <p:sldId id="627" r:id="rId15"/>
     <p:sldId id="659" r:id="rId16"/>
     <p:sldId id="632" r:id="rId17"/>
-    <p:sldId id="607" r:id="rId18"/>
-    <p:sldId id="660" r:id="rId19"/>
+    <p:sldId id="660" r:id="rId18"/>
+    <p:sldId id="607" r:id="rId19"/>
     <p:sldId id="629" r:id="rId20"/>
     <p:sldId id="612" r:id="rId21"/>
     <p:sldId id="661" r:id="rId22"/>
@@ -273,11 +273,11 @@
           <c:showBubbleSize val="0"/>
         </c:dLbls>
         <c:gapWidth val="150"/>
-        <c:axId val="39580800"/>
-        <c:axId val="39582720"/>
+        <c:axId val="77111296"/>
+        <c:axId val="77113216"/>
       </c:barChart>
       <c:catAx>
-        <c:axId val="39580800"/>
+        <c:axId val="77111296"/>
         <c:scaling>
           <c:orientation val="minMax"/>
         </c:scaling>
@@ -309,7 +309,7 @@
         <c:majorTickMark val="out"/>
         <c:minorTickMark val="none"/>
         <c:tickLblPos val="nextTo"/>
-        <c:crossAx val="39582720"/>
+        <c:crossAx val="77113216"/>
         <c:crosses val="autoZero"/>
         <c:auto val="1"/>
         <c:lblAlgn val="ctr"/>
@@ -317,7 +317,7 @@
         <c:noMultiLvlLbl val="0"/>
       </c:catAx>
       <c:valAx>
-        <c:axId val="39582720"/>
+        <c:axId val="77113216"/>
         <c:scaling>
           <c:orientation val="minMax"/>
         </c:scaling>
@@ -328,7 +328,7 @@
         <c:majorTickMark val="out"/>
         <c:minorTickMark val="none"/>
         <c:tickLblPos val="nextTo"/>
-        <c:crossAx val="39580800"/>
+        <c:crossAx val="77111296"/>
         <c:crosses val="autoZero"/>
         <c:crossBetween val="between"/>
       </c:valAx>
@@ -443,7 +443,7 @@
           <a:p>
             <a:fld id="{82731913-02B6-467D-B183-D787C0857BBF}" type="datetimeFigureOut">
               <a:rPr lang="es-PE" smtClean="0"/>
-              <a:t>26/11/2013</a:t>
+              <a:t>28/11/2013</a:t>
             </a:fld>
             <a:endParaRPr lang="es-PE"/>
           </a:p>
@@ -1771,16 +1771,10 @@
           <a:lstStyle/>
           <a:p>
             <a:r>
-              <a:rPr lang="en-US" sz="1200" b="0" i="0" kern="1200" dirty="0" smtClean="0">
-                <a:solidFill>
-                  <a:schemeClr val="tx1"/>
-                </a:solidFill>
-                <a:effectLst/>
-                <a:latin typeface="+mn-lt"/>
-                <a:ea typeface="+mn-ea"/>
-                <a:cs typeface="+mn-cs"/>
+              <a:rPr lang="es-PE" dirty="0" smtClean="0">
+                <a:hlinkClick r:id="rId3"/>
               </a:rPr>
-              <a:t> Implement obstacle detection before each move to a new square. If a given sequence of commands encounters an obstacle, the rover moves up to the last possible point and reports the obstacle.</a:t>
+              <a:t>http://www.peterprovost.org/blog/2012/05/02/kata-the-only-way-to-learn-tdd</a:t>
             </a:r>
             <a:endParaRPr lang="es-PE" dirty="0"/>
           </a:p>
@@ -1867,10 +1861,16 @@
           <a:lstStyle/>
           <a:p>
             <a:r>
-              <a:rPr lang="es-PE" dirty="0" smtClean="0">
-                <a:hlinkClick r:id="rId3"/>
+              <a:rPr lang="en-US" sz="1200" b="0" i="0" kern="1200" dirty="0" smtClean="0">
+                <a:solidFill>
+                  <a:schemeClr val="tx1"/>
+                </a:solidFill>
+                <a:effectLst/>
+                <a:latin typeface="+mn-lt"/>
+                <a:ea typeface="+mn-ea"/>
+                <a:cs typeface="+mn-cs"/>
               </a:rPr>
-              <a:t>http://www.peterprovost.org/blog/2012/05/02/kata-the-only-way-to-learn-tdd</a:t>
+              <a:t> Implement obstacle detection before each move to a new square. If a given sequence of commands encounters an obstacle, the rover moves up to the last possible point and reports the obstacle.</a:t>
             </a:r>
             <a:endParaRPr lang="es-PE" dirty="0"/>
           </a:p>
@@ -4429,19 +4429,7 @@
                 <a:ea typeface="+mn-ea"/>
                 <a:cs typeface="+mn-cs"/>
               </a:rPr>
-              <a:t>This approach removes the GUI layer from TDD and unit testing. It does not mean the GUI is never tested but just acknowledges that it is not cost effective to pursue automated GUI testing, particularly as part of TDD. Integration and user testing should cover the GUI</a:t>
-            </a:r>
-            <a:r>
-              <a:rPr lang="en-US" sz="1200" b="0" i="0" kern="1200" dirty="0" smtClean="0">
-                <a:solidFill>
-                  <a:schemeClr val="tx1"/>
-                </a:solidFill>
-                <a:effectLst/>
-                <a:latin typeface="+mn-lt"/>
-                <a:ea typeface="+mn-ea"/>
-                <a:cs typeface="+mn-cs"/>
-              </a:rPr>
-              <a:t>.</a:t>
+              <a:t>This approach removes the GUI layer from TDD and unit testing. It does not mean the GUI is never tested but just acknowledges that it is not cost effective to pursue automated GUI testing, particularly as part of TDD. Integration and user testing should cover the GUI.</a:t>
             </a:r>
           </a:p>
           <a:p>
@@ -4568,15 +4556,6 @@
               </a:rPr>
               <a:t>. </a:t>
             </a:r>
-            <a:endParaRPr lang="en-US" sz="1200" b="0" i="1" kern="1200" dirty="0" smtClean="0">
-              <a:solidFill>
-                <a:schemeClr val="tx1"/>
-              </a:solidFill>
-              <a:effectLst/>
-              <a:latin typeface="+mn-lt"/>
-              <a:ea typeface="+mn-ea"/>
-              <a:cs typeface="+mn-cs"/>
-            </a:endParaRPr>
           </a:p>
           <a:p>
             <a:endParaRPr lang="en-US" sz="1200" b="0" i="1" kern="1200" dirty="0" smtClean="0">
@@ -6659,7 +6638,7 @@
             <a:fld id="{807CB568-C05F-482F-9F26-AA302B8892DF}" type="datetimeFigureOut">
               <a:rPr lang="es-ES" smtClean="0"/>
               <a:pPr/>
-              <a:t>26/11/2013</a:t>
+              <a:t>28/11/2013</a:t>
             </a:fld>
             <a:endParaRPr lang="es-ES"/>
           </a:p>
@@ -6838,7 +6817,7 @@
             <a:fld id="{807CB568-C05F-482F-9F26-AA302B8892DF}" type="datetimeFigureOut">
               <a:rPr lang="es-ES" smtClean="0"/>
               <a:pPr/>
-              <a:t>26/11/2013</a:t>
+              <a:t>28/11/2013</a:t>
             </a:fld>
             <a:endParaRPr lang="es-ES"/>
           </a:p>
@@ -7027,7 +7006,7 @@
             <a:fld id="{807CB568-C05F-482F-9F26-AA302B8892DF}" type="datetimeFigureOut">
               <a:rPr lang="es-ES" smtClean="0"/>
               <a:pPr/>
-              <a:t>26/11/2013</a:t>
+              <a:t>28/11/2013</a:t>
             </a:fld>
             <a:endParaRPr lang="es-ES"/>
           </a:p>
@@ -7206,7 +7185,7 @@
             <a:fld id="{807CB568-C05F-482F-9F26-AA302B8892DF}" type="datetimeFigureOut">
               <a:rPr lang="es-ES" smtClean="0"/>
               <a:pPr/>
-              <a:t>26/11/2013</a:t>
+              <a:t>28/11/2013</a:t>
             </a:fld>
             <a:endParaRPr lang="es-ES"/>
           </a:p>
@@ -7461,7 +7440,7 @@
             <a:fld id="{807CB568-C05F-482F-9F26-AA302B8892DF}" type="datetimeFigureOut">
               <a:rPr lang="es-ES" smtClean="0"/>
               <a:pPr/>
-              <a:t>26/11/2013</a:t>
+              <a:t>28/11/2013</a:t>
             </a:fld>
             <a:endParaRPr lang="es-ES"/>
           </a:p>
@@ -7758,7 +7737,7 @@
             <a:fld id="{807CB568-C05F-482F-9F26-AA302B8892DF}" type="datetimeFigureOut">
               <a:rPr lang="es-ES" smtClean="0"/>
               <a:pPr/>
-              <a:t>26/11/2013</a:t>
+              <a:t>28/11/2013</a:t>
             </a:fld>
             <a:endParaRPr lang="es-ES"/>
           </a:p>
@@ -8189,7 +8168,7 @@
             <a:fld id="{807CB568-C05F-482F-9F26-AA302B8892DF}" type="datetimeFigureOut">
               <a:rPr lang="es-ES" smtClean="0"/>
               <a:pPr/>
-              <a:t>26/11/2013</a:t>
+              <a:t>28/11/2013</a:t>
             </a:fld>
             <a:endParaRPr lang="es-ES"/>
           </a:p>
@@ -8316,7 +8295,7 @@
             <a:fld id="{807CB568-C05F-482F-9F26-AA302B8892DF}" type="datetimeFigureOut">
               <a:rPr lang="es-ES" smtClean="0"/>
               <a:pPr/>
-              <a:t>26/11/2013</a:t>
+              <a:t>28/11/2013</a:t>
             </a:fld>
             <a:endParaRPr lang="es-ES"/>
           </a:p>
@@ -8420,7 +8399,7 @@
             <a:fld id="{807CB568-C05F-482F-9F26-AA302B8892DF}" type="datetimeFigureOut">
               <a:rPr lang="es-ES" smtClean="0"/>
               <a:pPr/>
-              <a:t>26/11/2013</a:t>
+              <a:t>28/11/2013</a:t>
             </a:fld>
             <a:endParaRPr lang="es-ES"/>
           </a:p>
@@ -8706,7 +8685,7 @@
             <a:fld id="{807CB568-C05F-482F-9F26-AA302B8892DF}" type="datetimeFigureOut">
               <a:rPr lang="es-ES" smtClean="0"/>
               <a:pPr/>
-              <a:t>26/11/2013</a:t>
+              <a:t>28/11/2013</a:t>
             </a:fld>
             <a:endParaRPr lang="es-ES"/>
           </a:p>
@@ -8975,7 +8954,7 @@
             <a:fld id="{807CB568-C05F-482F-9F26-AA302B8892DF}" type="datetimeFigureOut">
               <a:rPr lang="es-ES" smtClean="0"/>
               <a:pPr/>
-              <a:t>26/11/2013</a:t>
+              <a:t>28/11/2013</a:t>
             </a:fld>
             <a:endParaRPr lang="es-ES"/>
           </a:p>
@@ -9226,7 +9205,7 @@
             <a:fld id="{807CB568-C05F-482F-9F26-AA302B8892DF}" type="datetimeFigureOut">
               <a:rPr lang="es-ES" smtClean="0"/>
               <a:pPr/>
-              <a:t>26/11/2013</a:t>
+              <a:t>28/11/2013</a:t>
             </a:fld>
             <a:endParaRPr lang="es-ES"/>
           </a:p>
@@ -15039,8 +15018,8 @@
         </p:nvSpPr>
         <p:spPr>
           <a:xfrm>
-            <a:off x="467544" y="216350"/>
-            <a:ext cx="8229600" cy="720080"/>
+            <a:off x="467544" y="288891"/>
+            <a:ext cx="8229600" cy="1484458"/>
           </a:xfrm>
         </p:spPr>
         <p:txBody>
@@ -15048,18 +15027,37 @@
           <a:lstStyle/>
           <a:p>
             <a:r>
-              <a:rPr lang="es-PE" smtClean="0">
+              <a:rPr lang="es-PE" dirty="0" smtClean="0">
                 <a:solidFill>
                   <a:srgbClr val="C00000"/>
                 </a:solidFill>
                 <a:latin typeface="Arial" pitchFamily="34" charset="0"/>
                 <a:cs typeface="Arial" pitchFamily="34" charset="0"/>
               </a:rPr>
-              <a:t>Ejercicio: Mars Rover</a:t>
-            </a:r>
-            <a:endParaRPr lang="es-PE">
+              <a:t>Katas</a:t>
+            </a:r>
+            <a:br>
+              <a:rPr lang="es-PE" dirty="0" smtClean="0">
+                <a:solidFill>
+                  <a:srgbClr val="C00000"/>
+                </a:solidFill>
+                <a:latin typeface="Arial" pitchFamily="34" charset="0"/>
+                <a:cs typeface="Arial" pitchFamily="34" charset="0"/>
+              </a:rPr>
+            </a:br>
+            <a:r>
+              <a:rPr lang="es-PE" sz="3600" dirty="0" smtClean="0">
+                <a:solidFill>
+                  <a:srgbClr val="FFC000"/>
+                </a:solidFill>
+                <a:latin typeface="Arial" pitchFamily="34" charset="0"/>
+                <a:cs typeface="Arial" pitchFamily="34" charset="0"/>
+              </a:rPr>
+              <a:t>La única manera de aprender TDD</a:t>
+            </a:r>
+            <a:endParaRPr lang="es-PE" sz="3600" dirty="0">
               <a:solidFill>
-                <a:srgbClr val="C00000"/>
+                <a:srgbClr val="FFC000"/>
               </a:solidFill>
               <a:latin typeface="Arial" pitchFamily="34" charset="0"/>
               <a:cs typeface="Arial" pitchFamily="34" charset="0"/>
@@ -15069,260 +15067,58 @@
       </p:sp>
       <p:sp>
         <p:nvSpPr>
-          <p:cNvPr id="7" name="2 Marcador de contenido"/>
-          <p:cNvSpPr>
-            <a:spLocks noGrp="1"/>
-          </p:cNvSpPr>
-          <p:nvPr>
-            <p:ph idx="1"/>
-          </p:nvPr>
-        </p:nvSpPr>
-        <p:spPr>
-          <a:xfrm>
-            <a:off x="611561" y="2852936"/>
-            <a:ext cx="4896543" cy="3096343"/>
-          </a:xfrm>
-        </p:spPr>
-        <p:txBody>
-          <a:bodyPr/>
-          <a:lstStyle/>
-          <a:p>
-            <a:pPr>
-              <a:buSzPct val="100000"/>
-              <a:buFont typeface="Arial" pitchFamily="34" charset="0"/>
-              <a:buChar char="•"/>
-            </a:pPr>
-            <a:r>
-              <a:rPr lang="es-PE" sz="2400" dirty="0" smtClean="0">
-                <a:cs typeface="Arial" pitchFamily="34" charset="0"/>
-              </a:rPr>
-              <a:t>Posición Inicial: </a:t>
-            </a:r>
-          </a:p>
-          <a:p>
-            <a:pPr lvl="1">
-              <a:buSzPct val="100000"/>
-              <a:buFont typeface="Courier New" pitchFamily="49" charset="0"/>
-              <a:buChar char="o"/>
-            </a:pPr>
-            <a:r>
-              <a:rPr lang="es-PE" sz="2400" dirty="0" smtClean="0">
-                <a:cs typeface="Arial" pitchFamily="34" charset="0"/>
-              </a:rPr>
-              <a:t>Punto (X,Y) </a:t>
-            </a:r>
-          </a:p>
-          <a:p>
-            <a:pPr lvl="1">
-              <a:buSzPct val="100000"/>
-              <a:buFont typeface="Courier New" pitchFamily="49" charset="0"/>
-              <a:buChar char="o"/>
-            </a:pPr>
-            <a:r>
-              <a:rPr lang="es-PE" sz="2400" dirty="0" smtClean="0">
-                <a:cs typeface="Arial" pitchFamily="34" charset="0"/>
-              </a:rPr>
-              <a:t>Orientación (N,S,E,W)</a:t>
-            </a:r>
-          </a:p>
-          <a:p>
-            <a:pPr>
-              <a:buSzPct val="100000"/>
-              <a:buFont typeface="Arial" pitchFamily="34" charset="0"/>
-              <a:buChar char="•"/>
-            </a:pPr>
-            <a:r>
-              <a:rPr lang="es-PE" sz="2400" dirty="0" smtClean="0">
-                <a:cs typeface="Arial" pitchFamily="34" charset="0"/>
-              </a:rPr>
-              <a:t>Comandos (</a:t>
-            </a:r>
-            <a:r>
-              <a:rPr lang="es-PE" sz="2400" dirty="0" err="1" smtClean="0">
-                <a:cs typeface="Arial" pitchFamily="34" charset="0"/>
-              </a:rPr>
-              <a:t>string</a:t>
-            </a:r>
-            <a:r>
-              <a:rPr lang="es-PE" sz="2400" dirty="0" smtClean="0">
-                <a:cs typeface="Arial" pitchFamily="34" charset="0"/>
-              </a:rPr>
-              <a:t>): </a:t>
-            </a:r>
-          </a:p>
-          <a:p>
-            <a:pPr lvl="1">
-              <a:buSzPct val="100000"/>
-              <a:buFont typeface="Arial" pitchFamily="34" charset="0"/>
-              <a:buChar char="•"/>
-            </a:pPr>
-            <a:r>
-              <a:rPr lang="es-PE" sz="2400" dirty="0" smtClean="0">
-                <a:cs typeface="Arial" pitchFamily="34" charset="0"/>
-              </a:rPr>
-              <a:t>Avanzar adelante/</a:t>
-            </a:r>
-            <a:r>
-              <a:rPr lang="es-PE" sz="2400" dirty="0" err="1" smtClean="0">
-                <a:cs typeface="Arial" pitchFamily="34" charset="0"/>
-              </a:rPr>
-              <a:t>atras</a:t>
-            </a:r>
-            <a:r>
-              <a:rPr lang="es-PE" sz="2400" dirty="0" smtClean="0">
-                <a:cs typeface="Arial" pitchFamily="34" charset="0"/>
-              </a:rPr>
-              <a:t>(</a:t>
-            </a:r>
-            <a:r>
-              <a:rPr lang="es-PE" sz="2400" dirty="0" err="1" smtClean="0">
-                <a:cs typeface="Arial" pitchFamily="34" charset="0"/>
-              </a:rPr>
-              <a:t>f,b</a:t>
-            </a:r>
-            <a:r>
-              <a:rPr lang="es-PE" sz="2400" dirty="0" smtClean="0">
-                <a:cs typeface="Arial" pitchFamily="34" charset="0"/>
-              </a:rPr>
-              <a:t>) </a:t>
-            </a:r>
-          </a:p>
-          <a:p>
-            <a:pPr lvl="1">
-              <a:buSzPct val="100000"/>
-              <a:buFont typeface="Arial" pitchFamily="34" charset="0"/>
-              <a:buChar char="•"/>
-            </a:pPr>
-            <a:r>
-              <a:rPr lang="es-PE" sz="2400" dirty="0" smtClean="0">
-                <a:cs typeface="Arial" pitchFamily="34" charset="0"/>
-              </a:rPr>
-              <a:t>Girar izquierda/derecha(</a:t>
-            </a:r>
-            <a:r>
-              <a:rPr lang="es-PE" sz="2400" dirty="0" err="1" smtClean="0">
-                <a:cs typeface="Arial" pitchFamily="34" charset="0"/>
-              </a:rPr>
-              <a:t>l,r</a:t>
-            </a:r>
-            <a:r>
-              <a:rPr lang="es-PE" sz="2400" dirty="0" smtClean="0">
-                <a:cs typeface="Arial" pitchFamily="34" charset="0"/>
-              </a:rPr>
-              <a:t>)</a:t>
-            </a:r>
-          </a:p>
-          <a:p>
-            <a:pPr>
-              <a:buSzPct val="100000"/>
-              <a:buFont typeface="Arial" pitchFamily="34" charset="0"/>
-              <a:buChar char="•"/>
-            </a:pPr>
-            <a:r>
-              <a:rPr lang="es-PE" sz="2400" dirty="0" smtClean="0">
-                <a:cs typeface="Arial" pitchFamily="34" charset="0"/>
-              </a:rPr>
-              <a:t>Límites: Dar la vuelta al planeta.</a:t>
-            </a:r>
-          </a:p>
-        </p:txBody>
-      </p:sp>
-      <p:sp>
-        <p:nvSpPr>
-          <p:cNvPr id="3" name="2 Rectángulo"/>
-          <p:cNvSpPr/>
+          <p:cNvPr id="9" name="8 CuadroTexto"/>
+          <p:cNvSpPr txBox="1"/>
           <p:nvPr/>
         </p:nvSpPr>
         <p:spPr>
           <a:xfrm>
-            <a:off x="395536" y="1733907"/>
-            <a:ext cx="8496944" cy="830997"/>
+            <a:off x="431540" y="1802259"/>
+            <a:ext cx="8424936" cy="954107"/>
           </a:xfrm>
           <a:prstGeom prst="rect">
             <a:avLst/>
           </a:prstGeom>
+          <a:noFill/>
         </p:spPr>
         <p:txBody>
-          <a:bodyPr wrap="square">
+          <a:bodyPr wrap="square" rtlCol="0">
             <a:spAutoFit/>
           </a:bodyPr>
           <a:lstStyle/>
           <a:p>
-            <a:pPr algn="ctr">
-              <a:buSzPct val="150000"/>
-            </a:pPr>
-            <a:r>
-              <a:rPr lang="es-PE" sz="2400" dirty="0" smtClean="0"/>
-              <a:t>Desarrollar un API que permita al </a:t>
-            </a:r>
-            <a:r>
-              <a:rPr lang="es-PE" sz="2400" dirty="0" err="1" smtClean="0"/>
-              <a:t>Mars</a:t>
-            </a:r>
-            <a:r>
-              <a:rPr lang="es-PE" sz="2400" dirty="0" smtClean="0"/>
-              <a:t> </a:t>
-            </a:r>
-            <a:r>
-              <a:rPr lang="es-PE" sz="2400" dirty="0" err="1" smtClean="0"/>
-              <a:t>Rover</a:t>
-            </a:r>
-            <a:r>
-              <a:rPr lang="es-PE" sz="2400" dirty="0" smtClean="0"/>
-              <a:t> </a:t>
-            </a:r>
-            <a:br>
-              <a:rPr lang="es-PE" sz="2400" dirty="0" smtClean="0"/>
-            </a:br>
-            <a:r>
-              <a:rPr lang="es-PE" sz="2400" dirty="0" smtClean="0"/>
-              <a:t>moverse alrededor del planeta (grilla).</a:t>
-            </a:r>
-            <a:endParaRPr lang="es-PE" sz="2400" dirty="0">
-              <a:cs typeface="Arial" pitchFamily="34" charset="0"/>
-            </a:endParaRPr>
-          </a:p>
-        </p:txBody>
-      </p:sp>
-      <p:sp>
-        <p:nvSpPr>
-          <p:cNvPr id="10" name="9 Rectángulo"/>
-          <p:cNvSpPr/>
-          <p:nvPr/>
-        </p:nvSpPr>
-        <p:spPr>
-          <a:xfrm>
-            <a:off x="395536" y="991420"/>
-            <a:ext cx="8496944" cy="619913"/>
-          </a:xfrm>
-          <a:prstGeom prst="rect">
-            <a:avLst/>
-          </a:prstGeom>
-        </p:spPr>
-        <p:txBody>
-          <a:bodyPr wrap="square">
-            <a:spAutoFit/>
-          </a:bodyPr>
-          <a:lstStyle/>
-          <a:p>
-            <a:pPr algn="ctr">
-              <a:lnSpc>
-                <a:spcPts val="4500"/>
-              </a:lnSpc>
-              <a:buSzPct val="150000"/>
-            </a:pPr>
-            <a:r>
-              <a:rPr lang="es-PE" sz="2800" b="1" smtClean="0">
-                <a:solidFill>
-                  <a:srgbClr val="FFC000"/>
-                </a:solidFill>
+            <a:pPr algn="ctr"/>
+            <a:r>
+              <a:rPr lang="es-PE" sz="2800" dirty="0" smtClean="0">
+                <a:cs typeface="Arial" pitchFamily="34" charset="0"/>
               </a:rPr>
-              <a:t>Descripción</a:t>
-            </a:r>
-            <a:endParaRPr lang="es-PE" sz="2800" b="1">
-              <a:solidFill>
-                <a:srgbClr val="FFC000"/>
-              </a:solidFill>
+              <a:t>Kata(型 </a:t>
+            </a:r>
+            <a:r>
+              <a:rPr lang="es-PE" sz="2800" dirty="0">
+                <a:cs typeface="Arial" pitchFamily="34" charset="0"/>
+              </a:rPr>
+              <a:t>o </a:t>
+            </a:r>
+            <a:r>
+              <a:rPr lang="es-PE" sz="2800" dirty="0" smtClean="0">
+                <a:cs typeface="Arial" pitchFamily="34" charset="0"/>
+              </a:rPr>
+              <a:t>形): repetición de </a:t>
+            </a:r>
+            <a:r>
+              <a:rPr lang="es-PE" sz="2800" dirty="0">
+                <a:cs typeface="Arial" pitchFamily="34" charset="0"/>
+              </a:rPr>
+              <a:t>movimientos </a:t>
+            </a:r>
+            <a:r>
+              <a:rPr lang="es-PE" sz="2800" dirty="0" smtClean="0">
+                <a:cs typeface="Arial" pitchFamily="34" charset="0"/>
+              </a:rPr>
+              <a:t>establecidos, buscando la perfección en la ejecución.</a:t>
+            </a:r>
+            <a:endParaRPr lang="es-PE" sz="2800" dirty="0">
               <a:cs typeface="Arial" pitchFamily="34" charset="0"/>
             </a:endParaRPr>
           </a:p>
@@ -15330,14 +15126,14 @@
       </p:sp>
       <p:pic>
         <p:nvPicPr>
-          <p:cNvPr id="2" name="1 Imagen"/>
+          <p:cNvPr id="6" name="5 Imagen"/>
           <p:cNvPicPr>
             <a:picLocks noChangeAspect="1"/>
           </p:cNvPicPr>
           <p:nvPr/>
         </p:nvPicPr>
         <p:blipFill>
-          <a:blip r:embed="rId3">
+          <a:blip r:embed="rId3" cstate="print">
             <a:extLst>
               <a:ext uri="{28A0092B-C50C-407E-A947-70E740481C1C}">
                 <a14:useLocalDpi xmlns:a14="http://schemas.microsoft.com/office/drawing/2010/main" val="0"/>
@@ -15350,8 +15146,8 @@
         </p:blipFill>
         <p:spPr>
           <a:xfrm>
-            <a:off x="5220072" y="3031061"/>
-            <a:ext cx="3240360" cy="2558179"/>
+            <a:off x="2012802" y="2945933"/>
+            <a:ext cx="5262412" cy="3498944"/>
           </a:xfrm>
           <a:prstGeom prst="rect">
             <a:avLst/>
@@ -15361,7 +15157,7 @@
     </p:spTree>
     <p:extLst>
       <p:ext uri="{BB962C8B-B14F-4D97-AF65-F5344CB8AC3E}">
-        <p14:creationId xmlns:p14="http://schemas.microsoft.com/office/powerpoint/2010/main" val="246044840"/>
+        <p14:creationId xmlns:p14="http://schemas.microsoft.com/office/powerpoint/2010/main" val="2718647862"/>
       </p:ext>
     </p:extLst>
   </p:cSld>
@@ -15407,8 +15203,8 @@
         </p:nvSpPr>
         <p:spPr>
           <a:xfrm>
-            <a:off x="467544" y="288891"/>
-            <a:ext cx="8229600" cy="1484458"/>
+            <a:off x="467544" y="216350"/>
+            <a:ext cx="8229600" cy="720080"/>
           </a:xfrm>
         </p:spPr>
         <p:txBody>
@@ -15416,47 +15212,18 @@
           <a:lstStyle/>
           <a:p>
             <a:r>
-              <a:rPr lang="es-PE" dirty="0" smtClean="0">
+              <a:rPr lang="es-PE" smtClean="0">
                 <a:solidFill>
                   <a:srgbClr val="C00000"/>
                 </a:solidFill>
                 <a:latin typeface="Arial" pitchFamily="34" charset="0"/>
                 <a:cs typeface="Arial" pitchFamily="34" charset="0"/>
               </a:rPr>
-              <a:t>Katas</a:t>
-            </a:r>
-            <a:r>
-              <a:rPr lang="es-PE" dirty="0" smtClean="0">
-                <a:solidFill>
-                  <a:srgbClr val="C00000"/>
-                </a:solidFill>
-                <a:latin typeface="Arial" pitchFamily="34" charset="0"/>
-                <a:cs typeface="Arial" pitchFamily="34" charset="0"/>
-              </a:rPr>
-              <a:t/>
-            </a:r>
-            <a:br>
-              <a:rPr lang="es-PE" dirty="0" smtClean="0">
-                <a:solidFill>
-                  <a:srgbClr val="C00000"/>
-                </a:solidFill>
-                <a:latin typeface="Arial" pitchFamily="34" charset="0"/>
-                <a:cs typeface="Arial" pitchFamily="34" charset="0"/>
-              </a:rPr>
-            </a:br>
-            <a:r>
-              <a:rPr lang="es-PE" sz="3600" dirty="0" smtClean="0">
-                <a:solidFill>
-                  <a:srgbClr val="FFC000"/>
-                </a:solidFill>
-                <a:latin typeface="Arial" pitchFamily="34" charset="0"/>
-                <a:cs typeface="Arial" pitchFamily="34" charset="0"/>
-              </a:rPr>
-              <a:t>La única manera de aprender TDD</a:t>
-            </a:r>
-            <a:endParaRPr lang="es-PE" sz="3600" dirty="0">
+              <a:t>Ejercicio: Mars Rover</a:t>
+            </a:r>
+            <a:endParaRPr lang="es-PE">
               <a:solidFill>
-                <a:srgbClr val="FFC000"/>
+                <a:srgbClr val="C00000"/>
               </a:solidFill>
               <a:latin typeface="Arial" pitchFamily="34" charset="0"/>
               <a:cs typeface="Arial" pitchFamily="34" charset="0"/>
@@ -15466,70 +15233,260 @@
       </p:sp>
       <p:sp>
         <p:nvSpPr>
-          <p:cNvPr id="9" name="8 CuadroTexto"/>
-          <p:cNvSpPr txBox="1"/>
+          <p:cNvPr id="7" name="2 Marcador de contenido"/>
+          <p:cNvSpPr>
+            <a:spLocks noGrp="1"/>
+          </p:cNvSpPr>
+          <p:nvPr>
+            <p:ph idx="1"/>
+          </p:nvPr>
+        </p:nvSpPr>
+        <p:spPr>
+          <a:xfrm>
+            <a:off x="611561" y="2852936"/>
+            <a:ext cx="4896543" cy="3096343"/>
+          </a:xfrm>
+        </p:spPr>
+        <p:txBody>
+          <a:bodyPr/>
+          <a:lstStyle/>
+          <a:p>
+            <a:pPr>
+              <a:buSzPct val="100000"/>
+              <a:buFont typeface="Arial" pitchFamily="34" charset="0"/>
+              <a:buChar char="•"/>
+            </a:pPr>
+            <a:r>
+              <a:rPr lang="es-PE" sz="2400" dirty="0" smtClean="0">
+                <a:cs typeface="Arial" pitchFamily="34" charset="0"/>
+              </a:rPr>
+              <a:t>Posición Inicial: </a:t>
+            </a:r>
+          </a:p>
+          <a:p>
+            <a:pPr lvl="1">
+              <a:buSzPct val="100000"/>
+              <a:buFont typeface="Courier New" pitchFamily="49" charset="0"/>
+              <a:buChar char="o"/>
+            </a:pPr>
+            <a:r>
+              <a:rPr lang="es-PE" sz="2400" dirty="0" smtClean="0">
+                <a:cs typeface="Arial" pitchFamily="34" charset="0"/>
+              </a:rPr>
+              <a:t>Punto (X,Y) </a:t>
+            </a:r>
+          </a:p>
+          <a:p>
+            <a:pPr lvl="1">
+              <a:buSzPct val="100000"/>
+              <a:buFont typeface="Courier New" pitchFamily="49" charset="0"/>
+              <a:buChar char="o"/>
+            </a:pPr>
+            <a:r>
+              <a:rPr lang="es-PE" sz="2400" dirty="0" smtClean="0">
+                <a:cs typeface="Arial" pitchFamily="34" charset="0"/>
+              </a:rPr>
+              <a:t>Orientación (N,S,E,W)</a:t>
+            </a:r>
+          </a:p>
+          <a:p>
+            <a:pPr>
+              <a:buSzPct val="100000"/>
+              <a:buFont typeface="Arial" pitchFamily="34" charset="0"/>
+              <a:buChar char="•"/>
+            </a:pPr>
+            <a:r>
+              <a:rPr lang="es-PE" sz="2400" dirty="0" smtClean="0">
+                <a:cs typeface="Arial" pitchFamily="34" charset="0"/>
+              </a:rPr>
+              <a:t>Comandos (</a:t>
+            </a:r>
+            <a:r>
+              <a:rPr lang="es-PE" sz="2400" dirty="0" err="1" smtClean="0">
+                <a:cs typeface="Arial" pitchFamily="34" charset="0"/>
+              </a:rPr>
+              <a:t>string</a:t>
+            </a:r>
+            <a:r>
+              <a:rPr lang="es-PE" sz="2400" dirty="0" smtClean="0">
+                <a:cs typeface="Arial" pitchFamily="34" charset="0"/>
+              </a:rPr>
+              <a:t>): </a:t>
+            </a:r>
+          </a:p>
+          <a:p>
+            <a:pPr lvl="1">
+              <a:buSzPct val="100000"/>
+              <a:buFont typeface="Arial" pitchFamily="34" charset="0"/>
+              <a:buChar char="•"/>
+            </a:pPr>
+            <a:r>
+              <a:rPr lang="es-PE" sz="2400" dirty="0" smtClean="0">
+                <a:cs typeface="Arial" pitchFamily="34" charset="0"/>
+              </a:rPr>
+              <a:t>Avanzar adelante/</a:t>
+            </a:r>
+            <a:r>
+              <a:rPr lang="es-PE" sz="2400" dirty="0" err="1" smtClean="0">
+                <a:cs typeface="Arial" pitchFamily="34" charset="0"/>
+              </a:rPr>
+              <a:t>atras</a:t>
+            </a:r>
+            <a:r>
+              <a:rPr lang="es-PE" sz="2400" dirty="0" smtClean="0">
+                <a:cs typeface="Arial" pitchFamily="34" charset="0"/>
+              </a:rPr>
+              <a:t>(</a:t>
+            </a:r>
+            <a:r>
+              <a:rPr lang="es-PE" sz="2400" dirty="0" err="1" smtClean="0">
+                <a:cs typeface="Arial" pitchFamily="34" charset="0"/>
+              </a:rPr>
+              <a:t>f,b</a:t>
+            </a:r>
+            <a:r>
+              <a:rPr lang="es-PE" sz="2400" dirty="0" smtClean="0">
+                <a:cs typeface="Arial" pitchFamily="34" charset="0"/>
+              </a:rPr>
+              <a:t>) </a:t>
+            </a:r>
+          </a:p>
+          <a:p>
+            <a:pPr lvl="1">
+              <a:buSzPct val="100000"/>
+              <a:buFont typeface="Arial" pitchFamily="34" charset="0"/>
+              <a:buChar char="•"/>
+            </a:pPr>
+            <a:r>
+              <a:rPr lang="es-PE" sz="2400" dirty="0" smtClean="0">
+                <a:cs typeface="Arial" pitchFamily="34" charset="0"/>
+              </a:rPr>
+              <a:t>Girar izquierda/derecha(</a:t>
+            </a:r>
+            <a:r>
+              <a:rPr lang="es-PE" sz="2400" dirty="0" err="1" smtClean="0">
+                <a:cs typeface="Arial" pitchFamily="34" charset="0"/>
+              </a:rPr>
+              <a:t>l,r</a:t>
+            </a:r>
+            <a:r>
+              <a:rPr lang="es-PE" sz="2400" dirty="0" smtClean="0">
+                <a:cs typeface="Arial" pitchFamily="34" charset="0"/>
+              </a:rPr>
+              <a:t>)</a:t>
+            </a:r>
+          </a:p>
+          <a:p>
+            <a:pPr>
+              <a:buSzPct val="100000"/>
+              <a:buFont typeface="Arial" pitchFamily="34" charset="0"/>
+              <a:buChar char="•"/>
+            </a:pPr>
+            <a:r>
+              <a:rPr lang="es-PE" sz="2400" dirty="0" smtClean="0">
+                <a:cs typeface="Arial" pitchFamily="34" charset="0"/>
+              </a:rPr>
+              <a:t>Límites: Dar la vuelta al planeta.</a:t>
+            </a:r>
+          </a:p>
+        </p:txBody>
+      </p:sp>
+      <p:sp>
+        <p:nvSpPr>
+          <p:cNvPr id="3" name="2 Rectángulo"/>
+          <p:cNvSpPr/>
           <p:nvPr/>
         </p:nvSpPr>
         <p:spPr>
           <a:xfrm>
-            <a:off x="431540" y="1802259"/>
-            <a:ext cx="8424936" cy="954107"/>
+            <a:off x="395536" y="1733907"/>
+            <a:ext cx="8496944" cy="830997"/>
           </a:xfrm>
           <a:prstGeom prst="rect">
             <a:avLst/>
           </a:prstGeom>
-          <a:noFill/>
         </p:spPr>
         <p:txBody>
-          <a:bodyPr wrap="square" rtlCol="0">
+          <a:bodyPr wrap="square">
             <a:spAutoFit/>
           </a:bodyPr>
           <a:lstStyle/>
           <a:p>
-            <a:pPr algn="ctr"/>
-            <a:r>
-              <a:rPr lang="es-PE" sz="2800" dirty="0" smtClean="0">
-                <a:cs typeface="Arial" pitchFamily="34" charset="0"/>
+            <a:pPr algn="ctr">
+              <a:buSzPct val="150000"/>
+            </a:pPr>
+            <a:r>
+              <a:rPr lang="es-PE" sz="2400" dirty="0" smtClean="0"/>
+              <a:t>Desarrollar un API que permita al </a:t>
+            </a:r>
+            <a:r>
+              <a:rPr lang="es-PE" sz="2400" dirty="0" err="1" smtClean="0"/>
+              <a:t>Mars</a:t>
+            </a:r>
+            <a:r>
+              <a:rPr lang="es-PE" sz="2400" dirty="0" smtClean="0"/>
+              <a:t> </a:t>
+            </a:r>
+            <a:r>
+              <a:rPr lang="es-PE" sz="2400" dirty="0" err="1" smtClean="0"/>
+              <a:t>Rover</a:t>
+            </a:r>
+            <a:r>
+              <a:rPr lang="es-PE" sz="2400" dirty="0" smtClean="0"/>
+              <a:t> </a:t>
+            </a:r>
+            <a:br>
+              <a:rPr lang="es-PE" sz="2400" dirty="0" smtClean="0"/>
+            </a:br>
+            <a:r>
+              <a:rPr lang="es-PE" sz="2400" dirty="0" smtClean="0"/>
+              <a:t>moverse alrededor del planeta (grilla).</a:t>
+            </a:r>
+            <a:endParaRPr lang="es-PE" sz="2400" dirty="0">
+              <a:cs typeface="Arial" pitchFamily="34" charset="0"/>
+            </a:endParaRPr>
+          </a:p>
+        </p:txBody>
+      </p:sp>
+      <p:sp>
+        <p:nvSpPr>
+          <p:cNvPr id="10" name="9 Rectángulo"/>
+          <p:cNvSpPr/>
+          <p:nvPr/>
+        </p:nvSpPr>
+        <p:spPr>
+          <a:xfrm>
+            <a:off x="395536" y="991420"/>
+            <a:ext cx="8496944" cy="619913"/>
+          </a:xfrm>
+          <a:prstGeom prst="rect">
+            <a:avLst/>
+          </a:prstGeom>
+        </p:spPr>
+        <p:txBody>
+          <a:bodyPr wrap="square">
+            <a:spAutoFit/>
+          </a:bodyPr>
+          <a:lstStyle/>
+          <a:p>
+            <a:pPr algn="ctr">
+              <a:lnSpc>
+                <a:spcPts val="4500"/>
+              </a:lnSpc>
+              <a:buSzPct val="150000"/>
+            </a:pPr>
+            <a:r>
+              <a:rPr lang="es-PE" sz="2800" b="1" smtClean="0">
+                <a:solidFill>
+                  <a:srgbClr val="FFC000"/>
+                </a:solidFill>
               </a:rPr>
-              <a:t>Kata(型 </a:t>
-            </a:r>
-            <a:r>
-              <a:rPr lang="es-PE" sz="2800" dirty="0">
-                <a:cs typeface="Arial" pitchFamily="34" charset="0"/>
-              </a:rPr>
-              <a:t>o </a:t>
-            </a:r>
-            <a:r>
-              <a:rPr lang="es-PE" sz="2800" dirty="0" smtClean="0">
-                <a:cs typeface="Arial" pitchFamily="34" charset="0"/>
-              </a:rPr>
-              <a:t>形</a:t>
-            </a:r>
-            <a:r>
-              <a:rPr lang="es-PE" sz="2800" dirty="0" smtClean="0">
-                <a:cs typeface="Arial" pitchFamily="34" charset="0"/>
-              </a:rPr>
-              <a:t>): repetición </a:t>
-            </a:r>
-            <a:r>
-              <a:rPr lang="es-PE" sz="2800" dirty="0" smtClean="0">
-                <a:cs typeface="Arial" pitchFamily="34" charset="0"/>
-              </a:rPr>
-              <a:t>de </a:t>
-            </a:r>
-            <a:r>
-              <a:rPr lang="es-PE" sz="2800" dirty="0">
-                <a:cs typeface="Arial" pitchFamily="34" charset="0"/>
-              </a:rPr>
-              <a:t>movimientos </a:t>
-            </a:r>
-            <a:r>
-              <a:rPr lang="es-PE" sz="2800" dirty="0" smtClean="0">
-                <a:cs typeface="Arial" pitchFamily="34" charset="0"/>
-              </a:rPr>
-              <a:t>establecidos, buscando la perfección en la ejecución.</a:t>
-            </a:r>
-            <a:endParaRPr lang="es-PE" sz="2800" dirty="0">
+              <a:t>Descripción</a:t>
+            </a:r>
+            <a:endParaRPr lang="es-PE" sz="2800" b="1">
+              <a:solidFill>
+                <a:srgbClr val="FFC000"/>
+              </a:solidFill>
               <a:cs typeface="Arial" pitchFamily="34" charset="0"/>
             </a:endParaRPr>
           </a:p>
@@ -15537,14 +15494,14 @@
       </p:sp>
       <p:pic>
         <p:nvPicPr>
-          <p:cNvPr id="6" name="5 Imagen"/>
+          <p:cNvPr id="2" name="1 Imagen"/>
           <p:cNvPicPr>
             <a:picLocks noChangeAspect="1"/>
           </p:cNvPicPr>
           <p:nvPr/>
         </p:nvPicPr>
         <p:blipFill>
-          <a:blip r:embed="rId3" cstate="print">
+          <a:blip r:embed="rId3">
             <a:extLst>
               <a:ext uri="{28A0092B-C50C-407E-A947-70E740481C1C}">
                 <a14:useLocalDpi xmlns:a14="http://schemas.microsoft.com/office/drawing/2010/main" val="0"/>
@@ -15557,8 +15514,8 @@
         </p:blipFill>
         <p:spPr>
           <a:xfrm>
-            <a:off x="2012802" y="2945933"/>
-            <a:ext cx="5262412" cy="3498944"/>
+            <a:off x="5220072" y="3031061"/>
+            <a:ext cx="3240360" cy="2558179"/>
           </a:xfrm>
           <a:prstGeom prst="rect">
             <a:avLst/>
@@ -15568,7 +15525,7 @@
     </p:spTree>
     <p:extLst>
       <p:ext uri="{BB962C8B-B14F-4D97-AF65-F5344CB8AC3E}">
-        <p14:creationId xmlns:p14="http://schemas.microsoft.com/office/powerpoint/2010/main" val="2718647862"/>
+        <p14:creationId xmlns:p14="http://schemas.microsoft.com/office/powerpoint/2010/main" val="246044840"/>
       </p:ext>
     </p:extLst>
   </p:cSld>
@@ -20061,11 +20018,11 @@
   <p:clrMapOvr>
     <a:masterClrMapping/>
   </p:clrMapOvr>
-  <mc:AlternateContent xmlns:mc="http://schemas.openxmlformats.org/markup-compatibility/2006">
-    <mc:Choice xmlns:p14="http://schemas.microsoft.com/office/powerpoint/2010/main" Requires="p14">
+  <mc:AlternateContent xmlns:mc="http://schemas.openxmlformats.org/markup-compatibility/2006" xmlns:p14="http://schemas.microsoft.com/office/powerpoint/2010/main">
+    <mc:Choice Requires="p14">
       <p:transition spd="slow" p14:dur="2000"/>
     </mc:Choice>
-    <mc:Fallback>
+    <mc:Fallback xmlns="">
       <p:transition spd="slow"/>
     </mc:Fallback>
   </mc:AlternateContent>
@@ -20272,15 +20229,7 @@
             </a:r>
             <a:r>
               <a:rPr lang="es-PE" sz="4800" dirty="0" smtClean="0"/>
-              <a:t> </a:t>
-            </a:r>
-            <a:r>
-              <a:rPr lang="es-PE" sz="4800" dirty="0" smtClean="0"/>
-              <a:t>(BDD</a:t>
-            </a:r>
-            <a:r>
-              <a:rPr lang="es-PE" sz="4800" dirty="0" smtClean="0"/>
-              <a:t>)</a:t>
+              <a:t> (BDD)</a:t>
             </a:r>
             <a:endParaRPr lang="es-PE" sz="3600" dirty="0"/>
           </a:p>
@@ -23116,11 +23065,6 @@
               </a:rPr>
               <a:t>Ejercicio: Ahorcado</a:t>
             </a:r>
-            <a:endParaRPr lang="es-PE" dirty="0">
-              <a:solidFill>
-                <a:srgbClr val="FF0000"/>
-              </a:solidFill>
-            </a:endParaRPr>
           </a:p>
         </p:txBody>
       </p:sp>
@@ -23301,11 +23245,11 @@
   <p:clrMapOvr>
     <a:masterClrMapping/>
   </p:clrMapOvr>
-  <mc:AlternateContent xmlns:mc="http://schemas.openxmlformats.org/markup-compatibility/2006">
-    <mc:Choice xmlns:p14="http://schemas.microsoft.com/office/powerpoint/2010/main" Requires="p14">
+  <mc:AlternateContent xmlns:mc="http://schemas.openxmlformats.org/markup-compatibility/2006" xmlns:p14="http://schemas.microsoft.com/office/powerpoint/2010/main">
+    <mc:Choice Requires="p14">
       <p:transition spd="slow" p14:dur="2000"/>
     </mc:Choice>
-    <mc:Fallback>
+    <mc:Fallback xmlns="">
       <p:transition spd="slow"/>
     </mc:Fallback>
   </mc:AlternateContent>

--- a/Diapositivas/Test Driven Development.pptx
+++ b/Diapositivas/Test Driven Development.pptx
@@ -5,7 +5,7 @@
     <p:sldMasterId id="2147483684" r:id="rId1"/>
   </p:sldMasterIdLst>
   <p:notesMasterIdLst>
-    <p:notesMasterId r:id="rId46"/>
+    <p:notesMasterId r:id="rId47"/>
   </p:notesMasterIdLst>
   <p:sldIdLst>
     <p:sldId id="367" r:id="rId2"/>
@@ -49,9 +49,10 @@
     <p:sldId id="653" r:id="rId40"/>
     <p:sldId id="645" r:id="rId41"/>
     <p:sldId id="649" r:id="rId42"/>
-    <p:sldId id="648" r:id="rId43"/>
-    <p:sldId id="647" r:id="rId44"/>
-    <p:sldId id="654" r:id="rId45"/>
+    <p:sldId id="669" r:id="rId43"/>
+    <p:sldId id="648" r:id="rId44"/>
+    <p:sldId id="647" r:id="rId45"/>
+    <p:sldId id="654" r:id="rId46"/>
   </p:sldIdLst>
   <p:sldSz cx="9144000" cy="6858000" type="screen4x3"/>
   <p:notesSz cx="6858000" cy="9144000"/>
@@ -152,7 +153,7 @@
   </p:defaultTextStyle>
   <p:extLst>
     <p:ext uri="{EFAFB233-063F-42B5-8137-9DF3F51BA10A}">
-      <p15:sldGuideLst xmlns:p15="http://schemas.microsoft.com/office/powerpoint/2012/main" xmlns="">
+      <p15:sldGuideLst xmlns="" xmlns:p15="http://schemas.microsoft.com/office/powerpoint/2012/main">
         <p15:guide id="1" orient="horz" pos="2160">
           <p15:clr>
             <a:srgbClr val="A4A3A4"/>
@@ -273,11 +274,11 @@
           <c:showBubbleSize val="0"/>
         </c:dLbls>
         <c:gapWidth val="150"/>
-        <c:axId val="77111296"/>
-        <c:axId val="77113216"/>
+        <c:axId val="44437504"/>
+        <c:axId val="44439424"/>
       </c:barChart>
       <c:catAx>
-        <c:axId val="77111296"/>
+        <c:axId val="44437504"/>
         <c:scaling>
           <c:orientation val="minMax"/>
         </c:scaling>
@@ -309,7 +310,7 @@
         <c:majorTickMark val="out"/>
         <c:minorTickMark val="none"/>
         <c:tickLblPos val="nextTo"/>
-        <c:crossAx val="77113216"/>
+        <c:crossAx val="44439424"/>
         <c:crosses val="autoZero"/>
         <c:auto val="1"/>
         <c:lblAlgn val="ctr"/>
@@ -317,7 +318,7 @@
         <c:noMultiLvlLbl val="0"/>
       </c:catAx>
       <c:valAx>
-        <c:axId val="77113216"/>
+        <c:axId val="44439424"/>
         <c:scaling>
           <c:orientation val="minMax"/>
         </c:scaling>
@@ -328,7 +329,7 @@
         <c:majorTickMark val="out"/>
         <c:minorTickMark val="none"/>
         <c:tickLblPos val="nextTo"/>
-        <c:crossAx val="77111296"/>
+        <c:crossAx val="44437504"/>
         <c:crosses val="autoZero"/>
         <c:crossBetween val="between"/>
       </c:valAx>
@@ -443,7 +444,7 @@
           <a:p>
             <a:fld id="{82731913-02B6-467D-B183-D787C0857BBF}" type="datetimeFigureOut">
               <a:rPr lang="es-PE" smtClean="0"/>
-              <a:t>28/11/2013</a:t>
+              <a:t>30/11/2013</a:t>
             </a:fld>
             <a:endParaRPr lang="es-PE"/>
           </a:p>
@@ -5569,35 +5570,6 @@
               <a:tabLst/>
               <a:defRPr/>
             </a:pPr>
-            <a:r>
-              <a:rPr lang="es-PE" sz="1200" dirty="0" smtClean="0">
-                <a:solidFill>
-                  <a:schemeClr val="tx1">
-                    <a:lumMod val="65000"/>
-                  </a:schemeClr>
-                </a:solidFill>
-              </a:rPr>
-              <a:t>http://es.slideshare.net/ehendrickson/introduction-to-acceptance-test-driven-development-3491703</a:t>
-            </a:r>
-          </a:p>
-          <a:p>
-            <a:pPr marL="0" marR="0" indent="0" algn="l" defTabSz="914400" rtl="0" eaLnBrk="1" fontAlgn="auto" latinLnBrk="0" hangingPunct="1">
-              <a:lnSpc>
-                <a:spcPct val="100000"/>
-              </a:lnSpc>
-              <a:spcBef>
-                <a:spcPts val="0"/>
-              </a:spcBef>
-              <a:spcAft>
-                <a:spcPts val="0"/>
-              </a:spcAft>
-              <a:buClrTx/>
-              <a:buSzTx/>
-              <a:buFontTx/>
-              <a:buNone/>
-              <a:tabLst/>
-              <a:defRPr/>
-            </a:pPr>
             <a:endParaRPr lang="es-PE" dirty="0"/>
           </a:p>
         </p:txBody>
@@ -5812,6 +5784,52 @@
           <a:bodyPr/>
           <a:lstStyle/>
           <a:p>
+            <a:pPr marL="0" marR="0" indent="0" algn="l" defTabSz="914400" rtl="0" eaLnBrk="1" fontAlgn="auto" latinLnBrk="0" hangingPunct="1">
+              <a:lnSpc>
+                <a:spcPct val="100000"/>
+              </a:lnSpc>
+              <a:spcBef>
+                <a:spcPts val="0"/>
+              </a:spcBef>
+              <a:spcAft>
+                <a:spcPts val="0"/>
+              </a:spcAft>
+              <a:buClrTx/>
+              <a:buSzTx/>
+              <a:buFontTx/>
+              <a:buNone/>
+              <a:tabLst/>
+              <a:defRPr/>
+            </a:pPr>
+            <a:r>
+              <a:rPr lang="es-PE" sz="1200" dirty="0" smtClean="0">
+                <a:solidFill>
+                  <a:schemeClr val="tx1">
+                    <a:lumMod val="65000"/>
+                  </a:schemeClr>
+                </a:solidFill>
+              </a:rPr>
+              <a:t>http://es.slideshare.net/ehendrickson/introduction-to-acceptance-test-driven-development-3491703</a:t>
+            </a:r>
+          </a:p>
+          <a:p>
+            <a:pPr marL="0" marR="0" indent="0" algn="l" defTabSz="914400" rtl="0" eaLnBrk="1" fontAlgn="auto" latinLnBrk="0" hangingPunct="1">
+              <a:lnSpc>
+                <a:spcPct val="100000"/>
+              </a:lnSpc>
+              <a:spcBef>
+                <a:spcPts val="0"/>
+              </a:spcBef>
+              <a:spcAft>
+                <a:spcPts val="0"/>
+              </a:spcAft>
+              <a:buClrTx/>
+              <a:buSzTx/>
+              <a:buFontTx/>
+              <a:buNone/>
+              <a:tabLst/>
+              <a:defRPr/>
+            </a:pPr>
             <a:endParaRPr lang="es-PE" dirty="0"/>
           </a:p>
         </p:txBody>
@@ -5834,6 +5852,90 @@
             <a:fld id="{80C14895-23C8-45AE-85D5-3B35E5980A68}" type="slidenum">
               <a:rPr lang="es-PE" smtClean="0"/>
               <a:t>44</a:t>
+            </a:fld>
+            <a:endParaRPr lang="es-PE"/>
+          </a:p>
+        </p:txBody>
+      </p:sp>
+    </p:spTree>
+    <p:extLst>
+      <p:ext uri="{BB962C8B-B14F-4D97-AF65-F5344CB8AC3E}">
+        <p14:creationId xmlns:p14="http://schemas.microsoft.com/office/powerpoint/2010/main" val="3432092158"/>
+      </p:ext>
+    </p:extLst>
+  </p:cSld>
+  <p:clrMapOvr>
+    <a:masterClrMapping/>
+  </p:clrMapOvr>
+</p:notes>
+</file>
+
+<file path=ppt/notesSlides/notesSlide44.xml><?xml version="1.0" encoding="utf-8"?>
+<p:notes xmlns:a="http://schemas.openxmlformats.org/drawingml/2006/main" xmlns:r="http://schemas.openxmlformats.org/officeDocument/2006/relationships" xmlns:p="http://schemas.openxmlformats.org/presentationml/2006/main">
+  <p:cSld>
+    <p:spTree>
+      <p:nvGrpSpPr>
+        <p:cNvPr id="1" name=""/>
+        <p:cNvGrpSpPr/>
+        <p:nvPr/>
+      </p:nvGrpSpPr>
+      <p:grpSpPr>
+        <a:xfrm>
+          <a:off x="0" y="0"/>
+          <a:ext cx="0" cy="0"/>
+          <a:chOff x="0" y="0"/>
+          <a:chExt cx="0" cy="0"/>
+        </a:xfrm>
+      </p:grpSpPr>
+      <p:sp>
+        <p:nvSpPr>
+          <p:cNvPr id="2" name="1 Marcador de imagen de diapositiva"/>
+          <p:cNvSpPr>
+            <a:spLocks noGrp="1" noRot="1" noChangeAspect="1"/>
+          </p:cNvSpPr>
+          <p:nvPr>
+            <p:ph type="sldImg"/>
+          </p:nvPr>
+        </p:nvSpPr>
+        <p:spPr/>
+      </p:sp>
+      <p:sp>
+        <p:nvSpPr>
+          <p:cNvPr id="3" name="2 Marcador de notas"/>
+          <p:cNvSpPr>
+            <a:spLocks noGrp="1"/>
+          </p:cNvSpPr>
+          <p:nvPr>
+            <p:ph type="body" idx="1"/>
+          </p:nvPr>
+        </p:nvSpPr>
+        <p:spPr/>
+        <p:txBody>
+          <a:bodyPr/>
+          <a:lstStyle/>
+          <a:p>
+            <a:endParaRPr lang="es-PE" dirty="0"/>
+          </a:p>
+        </p:txBody>
+      </p:sp>
+      <p:sp>
+        <p:nvSpPr>
+          <p:cNvPr id="4" name="3 Marcador de número de diapositiva"/>
+          <p:cNvSpPr>
+            <a:spLocks noGrp="1"/>
+          </p:cNvSpPr>
+          <p:nvPr>
+            <p:ph type="sldNum" sz="quarter" idx="10"/>
+          </p:nvPr>
+        </p:nvSpPr>
+        <p:spPr/>
+        <p:txBody>
+          <a:bodyPr/>
+          <a:lstStyle/>
+          <a:p>
+            <a:fld id="{80C14895-23C8-45AE-85D5-3B35E5980A68}" type="slidenum">
+              <a:rPr lang="es-PE" smtClean="0"/>
+              <a:t>45</a:t>
             </a:fld>
             <a:endParaRPr lang="es-PE"/>
           </a:p>
@@ -6638,7 +6740,7 @@
             <a:fld id="{807CB568-C05F-482F-9F26-AA302B8892DF}" type="datetimeFigureOut">
               <a:rPr lang="es-ES" smtClean="0"/>
               <a:pPr/>
-              <a:t>28/11/2013</a:t>
+              <a:t>30/11/2013</a:t>
             </a:fld>
             <a:endParaRPr lang="es-ES"/>
           </a:p>
@@ -6817,7 +6919,7 @@
             <a:fld id="{807CB568-C05F-482F-9F26-AA302B8892DF}" type="datetimeFigureOut">
               <a:rPr lang="es-ES" smtClean="0"/>
               <a:pPr/>
-              <a:t>28/11/2013</a:t>
+              <a:t>30/11/2013</a:t>
             </a:fld>
             <a:endParaRPr lang="es-ES"/>
           </a:p>
@@ -7006,7 +7108,7 @@
             <a:fld id="{807CB568-C05F-482F-9F26-AA302B8892DF}" type="datetimeFigureOut">
               <a:rPr lang="es-ES" smtClean="0"/>
               <a:pPr/>
-              <a:t>28/11/2013</a:t>
+              <a:t>30/11/2013</a:t>
             </a:fld>
             <a:endParaRPr lang="es-ES"/>
           </a:p>
@@ -7185,7 +7287,7 @@
             <a:fld id="{807CB568-C05F-482F-9F26-AA302B8892DF}" type="datetimeFigureOut">
               <a:rPr lang="es-ES" smtClean="0"/>
               <a:pPr/>
-              <a:t>28/11/2013</a:t>
+              <a:t>30/11/2013</a:t>
             </a:fld>
             <a:endParaRPr lang="es-ES"/>
           </a:p>
@@ -7440,7 +7542,7 @@
             <a:fld id="{807CB568-C05F-482F-9F26-AA302B8892DF}" type="datetimeFigureOut">
               <a:rPr lang="es-ES" smtClean="0"/>
               <a:pPr/>
-              <a:t>28/11/2013</a:t>
+              <a:t>30/11/2013</a:t>
             </a:fld>
             <a:endParaRPr lang="es-ES"/>
           </a:p>
@@ -7737,7 +7839,7 @@
             <a:fld id="{807CB568-C05F-482F-9F26-AA302B8892DF}" type="datetimeFigureOut">
               <a:rPr lang="es-ES" smtClean="0"/>
               <a:pPr/>
-              <a:t>28/11/2013</a:t>
+              <a:t>30/11/2013</a:t>
             </a:fld>
             <a:endParaRPr lang="es-ES"/>
           </a:p>
@@ -8168,7 +8270,7 @@
             <a:fld id="{807CB568-C05F-482F-9F26-AA302B8892DF}" type="datetimeFigureOut">
               <a:rPr lang="es-ES" smtClean="0"/>
               <a:pPr/>
-              <a:t>28/11/2013</a:t>
+              <a:t>30/11/2013</a:t>
             </a:fld>
             <a:endParaRPr lang="es-ES"/>
           </a:p>
@@ -8295,7 +8397,7 @@
             <a:fld id="{807CB568-C05F-482F-9F26-AA302B8892DF}" type="datetimeFigureOut">
               <a:rPr lang="es-ES" smtClean="0"/>
               <a:pPr/>
-              <a:t>28/11/2013</a:t>
+              <a:t>30/11/2013</a:t>
             </a:fld>
             <a:endParaRPr lang="es-ES"/>
           </a:p>
@@ -8399,7 +8501,7 @@
             <a:fld id="{807CB568-C05F-482F-9F26-AA302B8892DF}" type="datetimeFigureOut">
               <a:rPr lang="es-ES" smtClean="0"/>
               <a:pPr/>
-              <a:t>28/11/2013</a:t>
+              <a:t>30/11/2013</a:t>
             </a:fld>
             <a:endParaRPr lang="es-ES"/>
           </a:p>
@@ -8685,7 +8787,7 @@
             <a:fld id="{807CB568-C05F-482F-9F26-AA302B8892DF}" type="datetimeFigureOut">
               <a:rPr lang="es-ES" smtClean="0"/>
               <a:pPr/>
-              <a:t>28/11/2013</a:t>
+              <a:t>30/11/2013</a:t>
             </a:fld>
             <a:endParaRPr lang="es-ES"/>
           </a:p>
@@ -8954,7 +9056,7 @@
             <a:fld id="{807CB568-C05F-482F-9F26-AA302B8892DF}" type="datetimeFigureOut">
               <a:rPr lang="es-ES" smtClean="0"/>
               <a:pPr/>
-              <a:t>28/11/2013</a:t>
+              <a:t>30/11/2013</a:t>
             </a:fld>
             <a:endParaRPr lang="es-ES"/>
           </a:p>
@@ -9205,7 +9307,7 @@
             <a:fld id="{807CB568-C05F-482F-9F26-AA302B8892DF}" type="datetimeFigureOut">
               <a:rPr lang="es-ES" smtClean="0"/>
               <a:pPr/>
-              <a:t>28/11/2013</a:t>
+              <a:t>30/11/2013</a:t>
             </a:fld>
             <a:endParaRPr lang="es-ES"/>
           </a:p>
@@ -27011,27 +27113,52 @@
           <a:lstStyle/>
           <a:p>
             <a:r>
+              <a:rPr lang="es-PE" dirty="0" err="1" smtClean="0">
+                <a:solidFill>
+                  <a:srgbClr val="FF0000"/>
+                </a:solidFill>
+              </a:rPr>
+              <a:t>Given</a:t>
+            </a:r>
+            <a:r>
               <a:rPr lang="es-PE" dirty="0" smtClean="0">
                 <a:solidFill>
                   <a:srgbClr val="FF0000"/>
                 </a:solidFill>
               </a:rPr>
-              <a:t>Esto no es ATDD, </a:t>
-            </a:r>
-            <a:br>
+              <a:t> – </a:t>
+            </a:r>
+            <a:r>
+              <a:rPr lang="es-PE" dirty="0" err="1" smtClean="0">
+                <a:solidFill>
+                  <a:srgbClr val="FF0000"/>
+                </a:solidFill>
+              </a:rPr>
+              <a:t>When</a:t>
+            </a:r>
+            <a:r>
               <a:rPr lang="es-PE" dirty="0" smtClean="0">
                 <a:solidFill>
                   <a:srgbClr val="FF0000"/>
                 </a:solidFill>
               </a:rPr>
-            </a:br>
+              <a:t> – </a:t>
+            </a:r>
+            <a:r>
+              <a:rPr lang="es-PE" dirty="0" err="1" smtClean="0">
+                <a:solidFill>
+                  <a:srgbClr val="FF0000"/>
+                </a:solidFill>
+              </a:rPr>
+              <a:t>Then</a:t>
+            </a:r>
             <a:r>
               <a:rPr lang="es-PE" dirty="0" smtClean="0">
                 <a:solidFill>
                   <a:srgbClr val="FF0000"/>
                 </a:solidFill>
               </a:rPr>
-              <a:t>es solo </a:t>
+              <a:t> (</a:t>
             </a:r>
             <a:r>
               <a:rPr lang="es-PE" dirty="0" err="1" smtClean="0">
@@ -27040,30 +27167,6 @@
                 </a:solidFill>
               </a:rPr>
               <a:t>Cucumber</a:t>
-            </a:r>
-            <a:r>
-              <a:rPr lang="es-PE" dirty="0">
-                <a:solidFill>
-                  <a:srgbClr val="FF0000"/>
-                </a:solidFill>
-              </a:rPr>
-              <a:t> </a:t>
-            </a:r>
-            <a:r>
-              <a:rPr lang="es-PE" dirty="0" smtClean="0">
-                <a:solidFill>
-                  <a:srgbClr val="FF0000"/>
-                </a:solidFill>
-              </a:rPr>
-              <a:t>(</a:t>
-            </a:r>
-            <a:r>
-              <a:rPr lang="es-PE" dirty="0" err="1" smtClean="0">
-                <a:solidFill>
-                  <a:srgbClr val="FF0000"/>
-                </a:solidFill>
-              </a:rPr>
-              <a:t>Specflow</a:t>
             </a:r>
             <a:r>
               <a:rPr lang="es-PE" dirty="0" smtClean="0">
@@ -27180,97 +27283,6 @@
           <a:chExt cx="0" cy="0"/>
         </a:xfrm>
       </p:grpSpPr>
-      <p:sp>
-        <p:nvSpPr>
-          <p:cNvPr id="3" name="2 Título"/>
-          <p:cNvSpPr>
-            <a:spLocks noGrp="1"/>
-          </p:cNvSpPr>
-          <p:nvPr>
-            <p:ph type="title"/>
-          </p:nvPr>
-        </p:nvSpPr>
-        <p:spPr>
-          <a:xfrm>
-            <a:off x="441711" y="332656"/>
-            <a:ext cx="8229600" cy="864095"/>
-          </a:xfrm>
-        </p:spPr>
-        <p:txBody>
-          <a:bodyPr/>
-          <a:lstStyle/>
-          <a:p>
-            <a:r>
-              <a:rPr lang="es-PE" dirty="0" smtClean="0">
-                <a:solidFill>
-                  <a:srgbClr val="FF0000"/>
-                </a:solidFill>
-              </a:rPr>
-              <a:t>Esto no es ATDD, </a:t>
-            </a:r>
-            <a:br>
-              <a:rPr lang="es-PE" dirty="0" smtClean="0">
-                <a:solidFill>
-                  <a:srgbClr val="FF0000"/>
-                </a:solidFill>
-              </a:rPr>
-            </a:br>
-            <a:r>
-              <a:rPr lang="es-PE" dirty="0" smtClean="0">
-                <a:solidFill>
-                  <a:srgbClr val="FF0000"/>
-                </a:solidFill>
-              </a:rPr>
-              <a:t>es solo </a:t>
-            </a:r>
-            <a:r>
-              <a:rPr lang="es-PE" dirty="0" err="1" smtClean="0">
-                <a:solidFill>
-                  <a:srgbClr val="FF0000"/>
-                </a:solidFill>
-              </a:rPr>
-              <a:t>Cucumber</a:t>
-            </a:r>
-            <a:r>
-              <a:rPr lang="es-PE" dirty="0">
-                <a:solidFill>
-                  <a:srgbClr val="FF0000"/>
-                </a:solidFill>
-              </a:rPr>
-              <a:t> </a:t>
-            </a:r>
-            <a:r>
-              <a:rPr lang="es-PE" dirty="0" smtClean="0">
-                <a:solidFill>
-                  <a:srgbClr val="FF0000"/>
-                </a:solidFill>
-              </a:rPr>
-              <a:t>(</a:t>
-            </a:r>
-            <a:r>
-              <a:rPr lang="es-PE" dirty="0" err="1" smtClean="0">
-                <a:solidFill>
-                  <a:srgbClr val="FF0000"/>
-                </a:solidFill>
-              </a:rPr>
-              <a:t>Specflow</a:t>
-            </a:r>
-            <a:r>
-              <a:rPr lang="es-PE" dirty="0" smtClean="0">
-                <a:solidFill>
-                  <a:srgbClr val="FF0000"/>
-                </a:solidFill>
-              </a:rPr>
-              <a:t>)</a:t>
-            </a:r>
-            <a:endParaRPr lang="es-PE" sz="3200" dirty="0">
-              <a:solidFill>
-                <a:srgbClr val="FF0000"/>
-              </a:solidFill>
-            </a:endParaRPr>
-          </a:p>
-        </p:txBody>
-      </p:sp>
       <p:pic>
         <p:nvPicPr>
           <p:cNvPr id="11" name="Picture 4"/>
@@ -27325,6 +27337,98 @@
           </a:extLst>
         </p:spPr>
       </p:pic>
+      <p:sp>
+        <p:nvSpPr>
+          <p:cNvPr id="6" name="2 Título"/>
+          <p:cNvSpPr>
+            <a:spLocks noGrp="1"/>
+          </p:cNvSpPr>
+          <p:nvPr>
+            <p:ph type="title"/>
+          </p:nvPr>
+        </p:nvSpPr>
+        <p:spPr>
+          <a:xfrm>
+            <a:off x="452551" y="404665"/>
+            <a:ext cx="8229600" cy="864095"/>
+          </a:xfrm>
+        </p:spPr>
+        <p:txBody>
+          <a:bodyPr/>
+          <a:lstStyle/>
+          <a:p>
+            <a:r>
+              <a:rPr lang="es-PE" dirty="0" err="1" smtClean="0">
+                <a:solidFill>
+                  <a:srgbClr val="FF0000"/>
+                </a:solidFill>
+              </a:rPr>
+              <a:t>Given</a:t>
+            </a:r>
+            <a:r>
+              <a:rPr lang="es-PE" dirty="0" smtClean="0">
+                <a:solidFill>
+                  <a:srgbClr val="FF0000"/>
+                </a:solidFill>
+              </a:rPr>
+              <a:t> – </a:t>
+            </a:r>
+            <a:r>
+              <a:rPr lang="es-PE" dirty="0" err="1" smtClean="0">
+                <a:solidFill>
+                  <a:srgbClr val="FF0000"/>
+                </a:solidFill>
+              </a:rPr>
+              <a:t>When</a:t>
+            </a:r>
+            <a:r>
+              <a:rPr lang="es-PE" dirty="0" smtClean="0">
+                <a:solidFill>
+                  <a:srgbClr val="FF0000"/>
+                </a:solidFill>
+              </a:rPr>
+              <a:t> – </a:t>
+            </a:r>
+            <a:r>
+              <a:rPr lang="es-PE" dirty="0" err="1" smtClean="0">
+                <a:solidFill>
+                  <a:srgbClr val="FF0000"/>
+                </a:solidFill>
+              </a:rPr>
+              <a:t>Then</a:t>
+            </a:r>
+            <a:r>
+              <a:rPr lang="es-PE" dirty="0" smtClean="0">
+                <a:solidFill>
+                  <a:srgbClr val="FF0000"/>
+                </a:solidFill>
+              </a:rPr>
+              <a:t> (</a:t>
+            </a:r>
+            <a:r>
+              <a:rPr lang="es-PE" dirty="0" err="1" smtClean="0">
+                <a:solidFill>
+                  <a:srgbClr val="FF0000"/>
+                </a:solidFill>
+              </a:rPr>
+              <a:t>Cucumber</a:t>
+            </a:r>
+            <a:r>
+              <a:rPr lang="es-PE" dirty="0" smtClean="0">
+                <a:solidFill>
+                  <a:srgbClr val="FF0000"/>
+                </a:solidFill>
+              </a:rPr>
+              <a:t>)</a:t>
+            </a:r>
+            <a:endParaRPr lang="es-PE" sz="3200" dirty="0">
+              <a:solidFill>
+                <a:srgbClr val="FF0000"/>
+              </a:solidFill>
+            </a:endParaRPr>
+          </a:p>
+        </p:txBody>
+      </p:sp>
     </p:spTree>
     <p:extLst>
       <p:ext uri="{BB962C8B-B14F-4D97-AF65-F5344CB8AC3E}">
@@ -27372,7 +27476,7 @@
       </p:grpSpPr>
       <p:sp>
         <p:nvSpPr>
-          <p:cNvPr id="3" name="2 Título"/>
+          <p:cNvPr id="6" name="2 Título"/>
           <p:cNvSpPr>
             <a:spLocks noGrp="1"/>
           </p:cNvSpPr>
@@ -27382,7 +27486,7 @@
         </p:nvSpPr>
         <p:spPr>
           <a:xfrm>
-            <a:off x="441711" y="476672"/>
+            <a:off x="452551" y="404665"/>
             <a:ext cx="8229600" cy="864095"/>
           </a:xfrm>
         </p:spPr>
@@ -27396,47 +27500,7 @@
                   <a:srgbClr val="FF0000"/>
                 </a:solidFill>
               </a:rPr>
-              <a:t>Behaviour</a:t>
-            </a:r>
-            <a:r>
-              <a:rPr lang="es-PE" dirty="0" smtClean="0">
-                <a:solidFill>
-                  <a:srgbClr val="FF0000"/>
-                </a:solidFill>
-              </a:rPr>
-              <a:t> </a:t>
-            </a:r>
-            <a:r>
-              <a:rPr lang="es-PE" dirty="0" err="1" smtClean="0">
-                <a:solidFill>
-                  <a:srgbClr val="FF0000"/>
-                </a:solidFill>
-              </a:rPr>
-              <a:t>Driven</a:t>
-            </a:r>
-            <a:r>
-              <a:rPr lang="es-PE" dirty="0" smtClean="0">
-                <a:solidFill>
-                  <a:srgbClr val="FF0000"/>
-                </a:solidFill>
-              </a:rPr>
-              <a:t> </a:t>
-            </a:r>
-            <a:r>
-              <a:rPr lang="es-PE" dirty="0" err="1" smtClean="0">
-                <a:solidFill>
-                  <a:srgbClr val="FF0000"/>
-                </a:solidFill>
-              </a:rPr>
-              <a:t>Development</a:t>
-            </a:r>
-            <a:r>
-              <a:rPr lang="es-PE" dirty="0" smtClean="0">
-                <a:solidFill>
-                  <a:srgbClr val="FF0000"/>
-                </a:solidFill>
-              </a:rPr>
-              <a:t> (BDD)</a:t>
+              <a:t>Fitnesse</a:t>
             </a:r>
             <a:endParaRPr lang="es-PE" sz="3200" dirty="0">
               <a:solidFill>
@@ -27448,13 +27512,13 @@
       </p:sp>
       <p:pic>
         <p:nvPicPr>
-          <p:cNvPr id="1026" name="Picture 2"/>
+          <p:cNvPr id="3" name="2 Imagen"/>
           <p:cNvPicPr>
-            <a:picLocks noChangeAspect="1" noChangeArrowheads="1"/>
+            <a:picLocks noChangeAspect="1"/>
           </p:cNvPicPr>
           <p:nvPr/>
         </p:nvPicPr>
-        <p:blipFill>
+        <p:blipFill rotWithShape="1">
           <a:blip r:embed="rId3">
             <a:extLst>
               <a:ext uri="{28A0092B-C50C-407E-A947-70E740481C1C}">
@@ -27462,48 +27526,23 @@
               </a:ext>
             </a:extLst>
           </a:blip>
-          <a:srcRect/>
-          <a:stretch>
-            <a:fillRect/>
-          </a:stretch>
+          <a:srcRect b="25160"/>
+          <a:stretch/>
         </p:blipFill>
-        <p:spPr bwMode="auto">
+        <p:spPr>
           <a:xfrm>
-            <a:off x="1052595" y="1700808"/>
-            <a:ext cx="6981825" cy="4686300"/>
+            <a:off x="1489447" y="1378868"/>
+            <a:ext cx="6165106" cy="5284083"/>
           </a:xfrm>
           <a:prstGeom prst="rect">
             <a:avLst/>
           </a:prstGeom>
-          <a:noFill/>
-          <a:ln>
-            <a:noFill/>
-          </a:ln>
-          <a:extLst>
-            <a:ext uri="{909E8E84-426E-40DD-AFC4-6F175D3DCCD1}">
-              <a14:hiddenFill xmlns:a14="http://schemas.microsoft.com/office/drawing/2010/main">
-                <a:solidFill>
-                  <a:schemeClr val="accent1"/>
-                </a:solidFill>
-              </a14:hiddenFill>
-            </a:ext>
-            <a:ext uri="{91240B29-F687-4F45-9708-019B960494DF}">
-              <a14:hiddenLine xmlns:a14="http://schemas.microsoft.com/office/drawing/2010/main" w="9525">
-                <a:solidFill>
-                  <a:schemeClr val="tx1"/>
-                </a:solidFill>
-                <a:miter lim="800000"/>
-                <a:headEnd/>
-                <a:tailEnd/>
-              </a14:hiddenLine>
-            </a:ext>
-          </a:extLst>
         </p:spPr>
       </p:pic>
     </p:spTree>
     <p:extLst>
       <p:ext uri="{BB962C8B-B14F-4D97-AF65-F5344CB8AC3E}">
-        <p14:creationId xmlns:p14="http://schemas.microsoft.com/office/powerpoint/2010/main" val="785551627"/>
+        <p14:creationId xmlns:p14="http://schemas.microsoft.com/office/powerpoint/2010/main" val="373200479"/>
       </p:ext>
     </p:extLst>
   </p:cSld>
@@ -27557,6 +27596,181 @@
         </p:nvSpPr>
         <p:spPr>
           <a:xfrm>
+            <a:off x="441711" y="476672"/>
+            <a:ext cx="8229600" cy="864095"/>
+          </a:xfrm>
+        </p:spPr>
+        <p:txBody>
+          <a:bodyPr/>
+          <a:lstStyle/>
+          <a:p>
+            <a:r>
+              <a:rPr lang="es-PE" dirty="0" err="1" smtClean="0">
+                <a:solidFill>
+                  <a:srgbClr val="FF0000"/>
+                </a:solidFill>
+              </a:rPr>
+              <a:t>Behaviour</a:t>
+            </a:r>
+            <a:r>
+              <a:rPr lang="es-PE" dirty="0" smtClean="0">
+                <a:solidFill>
+                  <a:srgbClr val="FF0000"/>
+                </a:solidFill>
+              </a:rPr>
+              <a:t> </a:t>
+            </a:r>
+            <a:r>
+              <a:rPr lang="es-PE" dirty="0" err="1" smtClean="0">
+                <a:solidFill>
+                  <a:srgbClr val="FF0000"/>
+                </a:solidFill>
+              </a:rPr>
+              <a:t>Driven</a:t>
+            </a:r>
+            <a:r>
+              <a:rPr lang="es-PE" dirty="0" smtClean="0">
+                <a:solidFill>
+                  <a:srgbClr val="FF0000"/>
+                </a:solidFill>
+              </a:rPr>
+              <a:t> </a:t>
+            </a:r>
+            <a:r>
+              <a:rPr lang="es-PE" dirty="0" err="1" smtClean="0">
+                <a:solidFill>
+                  <a:srgbClr val="FF0000"/>
+                </a:solidFill>
+              </a:rPr>
+              <a:t>Development</a:t>
+            </a:r>
+            <a:r>
+              <a:rPr lang="es-PE" dirty="0" smtClean="0">
+                <a:solidFill>
+                  <a:srgbClr val="FF0000"/>
+                </a:solidFill>
+              </a:rPr>
+              <a:t> (BDD)</a:t>
+            </a:r>
+            <a:endParaRPr lang="es-PE" sz="3200" dirty="0">
+              <a:solidFill>
+                <a:srgbClr val="FF0000"/>
+              </a:solidFill>
+            </a:endParaRPr>
+          </a:p>
+        </p:txBody>
+      </p:sp>
+      <p:pic>
+        <p:nvPicPr>
+          <p:cNvPr id="1026" name="Picture 2"/>
+          <p:cNvPicPr>
+            <a:picLocks noChangeAspect="1" noChangeArrowheads="1"/>
+          </p:cNvPicPr>
+          <p:nvPr/>
+        </p:nvPicPr>
+        <p:blipFill>
+          <a:blip r:embed="rId3">
+            <a:extLst>
+              <a:ext uri="{28A0092B-C50C-407E-A947-70E740481C1C}">
+                <a14:useLocalDpi xmlns:a14="http://schemas.microsoft.com/office/drawing/2010/main" val="0"/>
+              </a:ext>
+            </a:extLst>
+          </a:blip>
+          <a:srcRect/>
+          <a:stretch>
+            <a:fillRect/>
+          </a:stretch>
+        </p:blipFill>
+        <p:spPr bwMode="auto">
+          <a:xfrm>
+            <a:off x="1052595" y="1700808"/>
+            <a:ext cx="6981825" cy="4686300"/>
+          </a:xfrm>
+          <a:prstGeom prst="rect">
+            <a:avLst/>
+          </a:prstGeom>
+          <a:noFill/>
+          <a:ln>
+            <a:noFill/>
+          </a:ln>
+          <a:extLst>
+            <a:ext uri="{909E8E84-426E-40DD-AFC4-6F175D3DCCD1}">
+              <a14:hiddenFill xmlns:a14="http://schemas.microsoft.com/office/drawing/2010/main">
+                <a:solidFill>
+                  <a:schemeClr val="accent1"/>
+                </a:solidFill>
+              </a14:hiddenFill>
+            </a:ext>
+            <a:ext uri="{91240B29-F687-4F45-9708-019B960494DF}">
+              <a14:hiddenLine xmlns:a14="http://schemas.microsoft.com/office/drawing/2010/main" w="9525">
+                <a:solidFill>
+                  <a:schemeClr val="tx1"/>
+                </a:solidFill>
+                <a:miter lim="800000"/>
+                <a:headEnd/>
+                <a:tailEnd/>
+              </a14:hiddenLine>
+            </a:ext>
+          </a:extLst>
+        </p:spPr>
+      </p:pic>
+    </p:spTree>
+    <p:extLst>
+      <p:ext uri="{BB962C8B-B14F-4D97-AF65-F5344CB8AC3E}">
+        <p14:creationId xmlns:p14="http://schemas.microsoft.com/office/powerpoint/2010/main" val="785551627"/>
+      </p:ext>
+    </p:extLst>
+  </p:cSld>
+  <p:clrMapOvr>
+    <a:masterClrMapping/>
+  </p:clrMapOvr>
+  <mc:AlternateContent xmlns:mc="http://schemas.openxmlformats.org/markup-compatibility/2006" xmlns:p14="http://schemas.microsoft.com/office/powerpoint/2010/main">
+    <mc:Choice Requires="p14">
+      <p:transition spd="slow" p14:dur="2000"/>
+    </mc:Choice>
+    <mc:Fallback xmlns="">
+      <p:transition spd="slow"/>
+    </mc:Fallback>
+  </mc:AlternateContent>
+  <p:timing>
+    <p:tnLst>
+      <p:par>
+        <p:cTn id="1" dur="indefinite" restart="never" nodeType="tmRoot"/>
+      </p:par>
+    </p:tnLst>
+  </p:timing>
+</p:sld>
+</file>
+
+<file path=ppt/slides/slide44.xml><?xml version="1.0" encoding="utf-8"?>
+<p:sld xmlns:a="http://schemas.openxmlformats.org/drawingml/2006/main" xmlns:r="http://schemas.openxmlformats.org/officeDocument/2006/relationships" xmlns:p="http://schemas.openxmlformats.org/presentationml/2006/main">
+  <p:cSld>
+    <p:spTree>
+      <p:nvGrpSpPr>
+        <p:cNvPr id="1" name=""/>
+        <p:cNvGrpSpPr/>
+        <p:nvPr/>
+      </p:nvGrpSpPr>
+      <p:grpSpPr>
+        <a:xfrm>
+          <a:off x="0" y="0"/>
+          <a:ext cx="0" cy="0"/>
+          <a:chOff x="0" y="0"/>
+          <a:chExt cx="0" cy="0"/>
+        </a:xfrm>
+      </p:grpSpPr>
+      <p:sp>
+        <p:nvSpPr>
+          <p:cNvPr id="3" name="2 Título"/>
+          <p:cNvSpPr>
+            <a:spLocks noGrp="1"/>
+          </p:cNvSpPr>
+          <p:nvPr>
+            <p:ph type="title"/>
+          </p:nvPr>
+        </p:nvSpPr>
+        <p:spPr>
+          <a:xfrm>
             <a:off x="418959" y="188640"/>
             <a:ext cx="8229600" cy="864095"/>
           </a:xfrm>
@@ -27902,7 +28116,7 @@
 </p:sld>
 </file>
 
-<file path=ppt/slides/slide44.xml><?xml version="1.0" encoding="utf-8"?>
+<file path=ppt/slides/slide45.xml><?xml version="1.0" encoding="utf-8"?>
 <p:sld xmlns:a="http://schemas.openxmlformats.org/drawingml/2006/main" xmlns:r="http://schemas.openxmlformats.org/officeDocument/2006/relationships" xmlns:p="http://schemas.openxmlformats.org/presentationml/2006/main">
   <p:cSld>
     <p:spTree>

--- a/Diapositivas/Test Driven Development.pptx
+++ b/Diapositivas/Test Driven Development.pptx
@@ -5,7 +5,7 @@
     <p:sldMasterId id="2147483684" r:id="rId1"/>
   </p:sldMasterIdLst>
   <p:notesMasterIdLst>
-    <p:notesMasterId r:id="rId60"/>
+    <p:notesMasterId r:id="rId59"/>
   </p:notesMasterIdLst>
   <p:sldIdLst>
     <p:sldId id="367" r:id="rId2"/>
@@ -50,22 +50,21 @@
     <p:sldId id="688" r:id="rId41"/>
     <p:sldId id="689" r:id="rId42"/>
     <p:sldId id="690" r:id="rId43"/>
-    <p:sldId id="691" r:id="rId44"/>
-    <p:sldId id="692" r:id="rId45"/>
-    <p:sldId id="687" r:id="rId46"/>
-    <p:sldId id="662" r:id="rId47"/>
-    <p:sldId id="664" r:id="rId48"/>
-    <p:sldId id="665" r:id="rId49"/>
-    <p:sldId id="666" r:id="rId50"/>
-    <p:sldId id="667" r:id="rId51"/>
-    <p:sldId id="668" r:id="rId52"/>
-    <p:sldId id="653" r:id="rId53"/>
-    <p:sldId id="645" r:id="rId54"/>
-    <p:sldId id="649" r:id="rId55"/>
-    <p:sldId id="669" r:id="rId56"/>
-    <p:sldId id="648" r:id="rId57"/>
-    <p:sldId id="647" r:id="rId58"/>
-    <p:sldId id="654" r:id="rId59"/>
+    <p:sldId id="692" r:id="rId44"/>
+    <p:sldId id="687" r:id="rId45"/>
+    <p:sldId id="662" r:id="rId46"/>
+    <p:sldId id="664" r:id="rId47"/>
+    <p:sldId id="665" r:id="rId48"/>
+    <p:sldId id="666" r:id="rId49"/>
+    <p:sldId id="667" r:id="rId50"/>
+    <p:sldId id="668" r:id="rId51"/>
+    <p:sldId id="653" r:id="rId52"/>
+    <p:sldId id="645" r:id="rId53"/>
+    <p:sldId id="649" r:id="rId54"/>
+    <p:sldId id="669" r:id="rId55"/>
+    <p:sldId id="648" r:id="rId56"/>
+    <p:sldId id="647" r:id="rId57"/>
+    <p:sldId id="654" r:id="rId58"/>
   </p:sldIdLst>
   <p:sldSz cx="9144000" cy="6858000" type="screen4x3"/>
   <p:notesSz cx="6858000" cy="9144000"/>
@@ -166,7 +165,7 @@
   </p:defaultTextStyle>
   <p:extLst>
     <p:ext uri="{EFAFB233-063F-42B5-8137-9DF3F51BA10A}">
-      <p15:sldGuideLst xmlns="" xmlns:p15="http://schemas.microsoft.com/office/powerpoint/2012/main">
+      <p15:sldGuideLst xmlns:p15="http://schemas.microsoft.com/office/powerpoint/2012/main">
         <p15:guide id="1" orient="horz" pos="2160">
           <p15:clr>
             <a:srgbClr val="A4A3A4"/>
@@ -186,7 +185,7 @@
 <file path=ppt/charts/chart1.xml><?xml version="1.0" encoding="utf-8"?>
 <c:chartSpace xmlns:c="http://schemas.openxmlformats.org/drawingml/2006/chart" xmlns:a="http://schemas.openxmlformats.org/drawingml/2006/main" xmlns:r="http://schemas.openxmlformats.org/officeDocument/2006/relationships">
   <c:date1904 val="0"/>
-  <c:lang val="es-PE"/>
+  <c:lang val="es-ES"/>
   <c:roundedCorners val="0"/>
   <mc:AlternateContent xmlns:mc="http://schemas.openxmlformats.org/markup-compatibility/2006">
     <mc:Choice xmlns:c14="http://schemas.microsoft.com/office/drawing/2007/8/2/chart" Requires="c14">
@@ -287,11 +286,11 @@
           <c:showBubbleSize val="0"/>
         </c:dLbls>
         <c:gapWidth val="150"/>
-        <c:axId val="76526336"/>
-        <c:axId val="76528256"/>
+        <c:axId val="134473192"/>
+        <c:axId val="133860128"/>
       </c:barChart>
       <c:catAx>
-        <c:axId val="76526336"/>
+        <c:axId val="134473192"/>
         <c:scaling>
           <c:orientation val="minMax"/>
         </c:scaling>
@@ -323,7 +322,7 @@
         <c:majorTickMark val="out"/>
         <c:minorTickMark val="none"/>
         <c:tickLblPos val="nextTo"/>
-        <c:crossAx val="76528256"/>
+        <c:crossAx val="133860128"/>
         <c:crosses val="autoZero"/>
         <c:auto val="1"/>
         <c:lblAlgn val="ctr"/>
@@ -331,7 +330,7 @@
         <c:noMultiLvlLbl val="0"/>
       </c:catAx>
       <c:valAx>
-        <c:axId val="76528256"/>
+        <c:axId val="133860128"/>
         <c:scaling>
           <c:orientation val="minMax"/>
         </c:scaling>
@@ -342,7 +341,7 @@
         <c:majorTickMark val="out"/>
         <c:minorTickMark val="none"/>
         <c:tickLblPos val="nextTo"/>
-        <c:crossAx val="76526336"/>
+        <c:crossAx val="134473192"/>
         <c:crosses val="autoZero"/>
         <c:crossBetween val="between"/>
       </c:valAx>
@@ -366,7 +365,7 @@
       <a:pPr>
         <a:defRPr sz="1800"/>
       </a:pPr>
-      <a:endParaRPr lang="es-PE"/>
+      <a:endParaRPr lang="en-US"/>
     </a:p>
   </c:txPr>
   <c:externalData r:id="rId1">
@@ -457,7 +456,7 @@
           <a:p>
             <a:fld id="{82731913-02B6-467D-B183-D787C0857BBF}" type="datetimeFigureOut">
               <a:rPr lang="es-PE" smtClean="0"/>
-              <a:t>13/12/2013</a:t>
+              <a:t>14/03/2014</a:t>
             </a:fld>
             <a:endParaRPr lang="es-PE"/>
           </a:p>
@@ -5428,13 +5427,6 @@
           <a:bodyPr/>
           <a:lstStyle/>
           <a:p>
-            <a:pPr marL="285750" indent="-285750">
-              <a:buFont typeface="Arial" panose="020B0604020202020204" pitchFamily="34" charset="0"/>
-              <a:buChar char="•"/>
-            </a:pPr>
-            <a:endParaRPr lang="es-PE" sz="1200" dirty="0" smtClean="0"/>
-          </a:p>
-          <a:p>
             <a:r>
               <a:rPr lang="en-US" sz="1200" b="0" i="0" kern="1200" dirty="0" smtClean="0">
                 <a:solidFill>
@@ -5628,6 +5620,18 @@
           <a:lstStyle/>
           <a:p>
             <a:r>
+              <a:rPr lang="en-US" sz="1200" b="0" i="1" kern="1200" dirty="0" smtClean="0">
+                <a:solidFill>
+                  <a:schemeClr val="tx1"/>
+                </a:solidFill>
+                <a:effectLst/>
+                <a:latin typeface="+mn-lt"/>
+                <a:ea typeface="+mn-ea"/>
+                <a:cs typeface="+mn-cs"/>
+              </a:rPr>
+              <a:t>you don't apply TDD to the GUI, you design the GUI in such as way that there's a layer just underneath you can develop with TDD.</a:t>
+            </a:r>
+            <a:r>
               <a:rPr lang="en-US" sz="1200" b="0" i="0" kern="1200" dirty="0" smtClean="0">
                 <a:solidFill>
                   <a:schemeClr val="tx1"/>
@@ -5638,6 +5642,48 @@
                 <a:cs typeface="+mn-cs"/>
               </a:rPr>
               <a:t> </a:t>
+            </a:r>
+          </a:p>
+          <a:p>
+            <a:endParaRPr lang="en-US" sz="1200" b="0" i="0" kern="1200" dirty="0" smtClean="0">
+              <a:solidFill>
+                <a:schemeClr val="tx1"/>
+              </a:solidFill>
+              <a:effectLst/>
+              <a:latin typeface="+mn-lt"/>
+              <a:ea typeface="+mn-ea"/>
+              <a:cs typeface="+mn-cs"/>
+            </a:endParaRPr>
+          </a:p>
+          <a:p>
+            <a:r>
+              <a:rPr lang="en-US" sz="1200" b="0" i="0" kern="1200" dirty="0" smtClean="0">
+                <a:solidFill>
+                  <a:schemeClr val="tx1"/>
+                </a:solidFill>
+                <a:effectLst/>
+                <a:latin typeface="+mn-lt"/>
+                <a:ea typeface="+mn-ea"/>
+                <a:cs typeface="+mn-cs"/>
+              </a:rPr>
+              <a:t>This approach removes the GUI layer from TDD and unit testing. It does not mean the GUI is never tested but just acknowledges that it is not cost effective to pursue automated GUI testing, particularly as part of TDD. Integration and user testing should cover the GUI.</a:t>
+            </a:r>
+          </a:p>
+          <a:p>
+            <a:endParaRPr lang="en-US" sz="1200" b="0" i="0" kern="1200" dirty="0" smtClean="0">
+              <a:solidFill>
+                <a:schemeClr val="tx1"/>
+              </a:solidFill>
+              <a:effectLst/>
+              <a:latin typeface="+mn-lt"/>
+              <a:ea typeface="+mn-ea"/>
+              <a:cs typeface="+mn-cs"/>
+            </a:endParaRPr>
+          </a:p>
+          <a:p>
+            <a:r>
+              <a:rPr lang="es-PE" smtClean="0"/>
+              <a:t>http://emilybache.blogspot.com/2013/04/Outside-In-development-Double-Loop-TDD.html</a:t>
             </a:r>
             <a:endParaRPr lang="es-PE" dirty="0"/>
           </a:p>
@@ -5658,7 +5704,7 @@
           <a:bodyPr/>
           <a:lstStyle/>
           <a:p>
-            <a:fld id="{92D0504E-A398-466F-BEA7-CB196C14635F}" type="slidenum">
+            <a:fld id="{80C14895-23C8-45AE-85D5-3B35E5980A68}" type="slidenum">
               <a:rPr lang="es-PE" smtClean="0"/>
               <a:t>46</a:t>
             </a:fld>
@@ -5669,7 +5715,7 @@
     </p:spTree>
     <p:extLst>
       <p:ext uri="{BB962C8B-B14F-4D97-AF65-F5344CB8AC3E}">
-        <p14:creationId xmlns:p14="http://schemas.microsoft.com/office/powerpoint/2010/main" val="3117317914"/>
+        <p14:creationId xmlns:p14="http://schemas.microsoft.com/office/powerpoint/2010/main" val="3432092158"/>
       </p:ext>
     </p:extLst>
   </p:cSld>
@@ -5724,7 +5770,7 @@
           <a:lstStyle/>
           <a:p>
             <a:r>
-              <a:rPr lang="en-US" sz="1200" b="0" i="1" kern="1200" dirty="0" smtClean="0">
+              <a:rPr lang="en-US" sz="1200" b="1" i="1" kern="1200" dirty="0" smtClean="0">
                 <a:solidFill>
                   <a:schemeClr val="tx1"/>
                 </a:solidFill>
@@ -5733,10 +5779,10 @@
                 <a:ea typeface="+mn-ea"/>
                 <a:cs typeface="+mn-cs"/>
               </a:rPr>
-              <a:t>you don't apply TDD to the GUI, you design the GUI in such as way that there's a layer just underneath you can develop with TDD.</a:t>
-            </a:r>
-            <a:r>
-              <a:rPr lang="en-US" sz="1200" b="0" i="0" kern="1200" dirty="0" smtClean="0">
+              <a:t>When I use a pure bottom-up style, I write more speculative code and go down the wrong path far more often than I’d like</a:t>
+            </a:r>
+            <a:r>
+              <a:rPr lang="en-US" sz="1200" b="0" i="1" kern="1200" dirty="0" smtClean="0">
                 <a:solidFill>
                   <a:schemeClr val="tx1"/>
                 </a:solidFill>
@@ -5745,11 +5791,11 @@
                 <a:ea typeface="+mn-ea"/>
                 <a:cs typeface="+mn-cs"/>
               </a:rPr>
-              <a:t> </a:t>
-            </a:r>
-          </a:p>
-          <a:p>
-            <a:endParaRPr lang="en-US" sz="1200" b="0" i="0" kern="1200" dirty="0" smtClean="0">
+              <a:t>. </a:t>
+            </a:r>
+          </a:p>
+          <a:p>
+            <a:endParaRPr lang="en-US" sz="1200" b="0" i="1" kern="1200" dirty="0" smtClean="0">
               <a:solidFill>
                 <a:schemeClr val="tx1"/>
               </a:solidFill>
@@ -5761,32 +5807,7 @@
           </a:p>
           <a:p>
             <a:r>
-              <a:rPr lang="en-US" sz="1200" b="0" i="0" kern="1200" dirty="0" smtClean="0">
-                <a:solidFill>
-                  <a:schemeClr val="tx1"/>
-                </a:solidFill>
-                <a:effectLst/>
-                <a:latin typeface="+mn-lt"/>
-                <a:ea typeface="+mn-ea"/>
-                <a:cs typeface="+mn-cs"/>
-              </a:rPr>
-              <a:t>This approach removes the GUI layer from TDD and unit testing. It does not mean the GUI is never tested but just acknowledges that it is not cost effective to pursue automated GUI testing, particularly as part of TDD. Integration and user testing should cover the GUI.</a:t>
-            </a:r>
-          </a:p>
-          <a:p>
-            <a:endParaRPr lang="en-US" sz="1200" b="0" i="0" kern="1200" dirty="0" smtClean="0">
-              <a:solidFill>
-                <a:schemeClr val="tx1"/>
-              </a:solidFill>
-              <a:effectLst/>
-              <a:latin typeface="+mn-lt"/>
-              <a:ea typeface="+mn-ea"/>
-              <a:cs typeface="+mn-cs"/>
-            </a:endParaRPr>
-          </a:p>
-          <a:p>
-            <a:r>
-              <a:rPr lang="es-PE" smtClean="0"/>
+              <a:rPr lang="es-PE" dirty="0" smtClean="0"/>
               <a:t>http://emilybache.blogspot.com/2013/04/Outside-In-development-Double-Loop-TDD.html</a:t>
             </a:r>
             <a:endParaRPr lang="es-PE" dirty="0"/>
@@ -5873,33 +5894,7 @@
           <a:bodyPr/>
           <a:lstStyle/>
           <a:p>
-            <a:r>
-              <a:rPr lang="en-US" sz="1200" b="1" i="1" kern="1200" dirty="0" smtClean="0">
-                <a:solidFill>
-                  <a:schemeClr val="tx1"/>
-                </a:solidFill>
-                <a:effectLst/>
-                <a:latin typeface="+mn-lt"/>
-                <a:ea typeface="+mn-ea"/>
-                <a:cs typeface="+mn-cs"/>
-              </a:rPr>
-              <a:t>When I use a pure bottom-up style, I write more speculative code and go down the wrong path far more often than I’d like</a:t>
-            </a:r>
-            <a:r>
-              <a:rPr lang="en-US" sz="1200" b="0" i="1" kern="1200" dirty="0" smtClean="0">
-                <a:solidFill>
-                  <a:schemeClr val="tx1"/>
-                </a:solidFill>
-                <a:effectLst/>
-                <a:latin typeface="+mn-lt"/>
-                <a:ea typeface="+mn-ea"/>
-                <a:cs typeface="+mn-cs"/>
-              </a:rPr>
-              <a:t>. </a:t>
-            </a:r>
-          </a:p>
-          <a:p>
-            <a:endParaRPr lang="en-US" sz="1200" b="0" i="1" kern="1200" dirty="0" smtClean="0">
+            <a:endParaRPr lang="en-US" sz="1200" b="0" i="0" kern="1200" dirty="0" smtClean="0">
               <a:solidFill>
                 <a:schemeClr val="tx1"/>
               </a:solidFill>
@@ -5911,8 +5906,116 @@
           </a:p>
           <a:p>
             <a:r>
-              <a:rPr lang="es-PE" dirty="0" smtClean="0"/>
-              <a:t>http://emilybache.blogspot.com/2013/04/Outside-In-development-Double-Loop-TDD.html</a:t>
+              <a:rPr lang="en-US" sz="1200" b="0" i="0" kern="1200" dirty="0" smtClean="0">
+                <a:solidFill>
+                  <a:schemeClr val="tx1"/>
+                </a:solidFill>
+                <a:effectLst/>
+                <a:latin typeface="+mn-lt"/>
+                <a:ea typeface="+mn-ea"/>
+                <a:cs typeface="+mn-cs"/>
+              </a:rPr>
+              <a:t>Top-down design can also lead to a </a:t>
+            </a:r>
+            <a:r>
+              <a:rPr lang="en-US" sz="1200" b="0" i="0" kern="1200" dirty="0" smtClean="0">
+                <a:solidFill>
+                  <a:schemeClr val="tx1"/>
+                </a:solidFill>
+                <a:effectLst/>
+                <a:latin typeface="+mn-lt"/>
+                <a:ea typeface="+mn-ea"/>
+                <a:cs typeface="+mn-cs"/>
+                <a:hlinkClick r:id="rId3"/>
+              </a:rPr>
+              <a:t>"</a:t>
+            </a:r>
+            <a:r>
+              <a:rPr lang="en-US" sz="1200" b="0" i="0" kern="1200" dirty="0" err="1" smtClean="0">
+                <a:solidFill>
+                  <a:schemeClr val="tx1"/>
+                </a:solidFill>
+                <a:effectLst/>
+                <a:latin typeface="+mn-lt"/>
+                <a:ea typeface="+mn-ea"/>
+                <a:cs typeface="+mn-cs"/>
+                <a:hlinkClick r:id="rId3"/>
+              </a:rPr>
+              <a:t>mockist</a:t>
+            </a:r>
+            <a:r>
+              <a:rPr lang="en-US" sz="1200" b="0" i="0" kern="1200" dirty="0" smtClean="0">
+                <a:solidFill>
+                  <a:schemeClr val="tx1"/>
+                </a:solidFill>
+                <a:effectLst/>
+                <a:latin typeface="+mn-lt"/>
+                <a:ea typeface="+mn-ea"/>
+                <a:cs typeface="+mn-cs"/>
+                <a:hlinkClick r:id="rId3"/>
+              </a:rPr>
+              <a:t>" approach to TDD</a:t>
+            </a:r>
+            <a:r>
+              <a:rPr lang="en-US" sz="1200" b="0" i="0" kern="1200" dirty="0" smtClean="0">
+                <a:solidFill>
+                  <a:schemeClr val="tx1"/>
+                </a:solidFill>
+                <a:effectLst/>
+                <a:latin typeface="+mn-lt"/>
+                <a:ea typeface="+mn-ea"/>
+                <a:cs typeface="+mn-cs"/>
+              </a:rPr>
+              <a:t>, where you need to mock all the required dependencies to implement the high level </a:t>
+            </a:r>
+            <a:r>
+              <a:rPr lang="en-US" sz="1200" b="0" i="0" kern="1200" dirty="0" err="1" smtClean="0">
+                <a:solidFill>
+                  <a:schemeClr val="tx1"/>
+                </a:solidFill>
+                <a:effectLst/>
+                <a:latin typeface="+mn-lt"/>
+                <a:ea typeface="+mn-ea"/>
+                <a:cs typeface="+mn-cs"/>
+              </a:rPr>
+              <a:t>behaviour</a:t>
+            </a:r>
+            <a:r>
+              <a:rPr lang="en-US" sz="1200" b="0" i="0" kern="1200" dirty="0" smtClean="0">
+                <a:solidFill>
+                  <a:schemeClr val="tx1"/>
+                </a:solidFill>
+                <a:effectLst/>
+                <a:latin typeface="+mn-lt"/>
+                <a:ea typeface="+mn-ea"/>
+                <a:cs typeface="+mn-cs"/>
+              </a:rPr>
+              <a:t>. This isn’t necessarily a bad thing, but over-reliance on mocking can </a:t>
+            </a:r>
+            <a:r>
+              <a:rPr lang="en-US" sz="1200" b="0" i="0" kern="1200" dirty="0" smtClean="0">
+                <a:solidFill>
+                  <a:schemeClr val="tx1"/>
+                </a:solidFill>
+                <a:effectLst/>
+                <a:latin typeface="+mn-lt"/>
+                <a:ea typeface="+mn-ea"/>
+                <a:cs typeface="+mn-cs"/>
+                <a:hlinkClick r:id="rId4"/>
+              </a:rPr>
+              <a:t>result in fragile tests</a:t>
+            </a:r>
+            <a:r>
+              <a:rPr lang="en-US" sz="1200" b="0" i="0" kern="1200" dirty="0" smtClean="0">
+                <a:solidFill>
+                  <a:schemeClr val="tx1"/>
+                </a:solidFill>
+                <a:effectLst/>
+                <a:latin typeface="+mn-lt"/>
+                <a:ea typeface="+mn-ea"/>
+                <a:cs typeface="+mn-cs"/>
+              </a:rPr>
+              <a:t>. </a:t>
             </a:r>
             <a:endParaRPr lang="es-PE" dirty="0"/>
           </a:p>
@@ -5998,19 +6101,8 @@
           <a:bodyPr/>
           <a:lstStyle/>
           <a:p>
-            <a:endParaRPr lang="en-US" sz="1200" b="0" i="0" kern="1200" dirty="0" smtClean="0">
-              <a:solidFill>
-                <a:schemeClr val="tx1"/>
-              </a:solidFill>
-              <a:effectLst/>
-              <a:latin typeface="+mn-lt"/>
-              <a:ea typeface="+mn-ea"/>
-              <a:cs typeface="+mn-cs"/>
-            </a:endParaRPr>
-          </a:p>
-          <a:p>
-            <a:r>
-              <a:rPr lang="en-US" sz="1200" b="0" i="0" kern="1200" dirty="0" smtClean="0">
+            <a:r>
+              <a:rPr lang="en-US" sz="1200" b="1" i="1" kern="1200" dirty="0" smtClean="0">
                 <a:solidFill>
                   <a:schemeClr val="tx1"/>
                 </a:solidFill>
@@ -6019,98 +6111,10 @@
                 <a:ea typeface="+mn-ea"/>
                 <a:cs typeface="+mn-cs"/>
               </a:rPr>
-              <a:t>Top-down design can also lead to a </a:t>
-            </a:r>
-            <a:r>
-              <a:rPr lang="en-US" sz="1200" b="0" i="0" kern="1200" dirty="0" smtClean="0">
-                <a:solidFill>
-                  <a:schemeClr val="tx1"/>
-                </a:solidFill>
-                <a:effectLst/>
-                <a:latin typeface="+mn-lt"/>
-                <a:ea typeface="+mn-ea"/>
-                <a:cs typeface="+mn-cs"/>
-                <a:hlinkClick r:id="rId3"/>
-              </a:rPr>
-              <a:t>"</a:t>
-            </a:r>
-            <a:r>
-              <a:rPr lang="en-US" sz="1200" b="0" i="0" kern="1200" dirty="0" err="1" smtClean="0">
-                <a:solidFill>
-                  <a:schemeClr val="tx1"/>
-                </a:solidFill>
-                <a:effectLst/>
-                <a:latin typeface="+mn-lt"/>
-                <a:ea typeface="+mn-ea"/>
-                <a:cs typeface="+mn-cs"/>
-                <a:hlinkClick r:id="rId3"/>
-              </a:rPr>
-              <a:t>mockist</a:t>
-            </a:r>
-            <a:r>
-              <a:rPr lang="en-US" sz="1200" b="0" i="0" kern="1200" dirty="0" smtClean="0">
-                <a:solidFill>
-                  <a:schemeClr val="tx1"/>
-                </a:solidFill>
-                <a:effectLst/>
-                <a:latin typeface="+mn-lt"/>
-                <a:ea typeface="+mn-ea"/>
-                <a:cs typeface="+mn-cs"/>
-                <a:hlinkClick r:id="rId3"/>
-              </a:rPr>
-              <a:t>" approach to TDD</a:t>
-            </a:r>
-            <a:r>
-              <a:rPr lang="en-US" sz="1200" b="0" i="0" kern="1200" dirty="0" smtClean="0">
-                <a:solidFill>
-                  <a:schemeClr val="tx1"/>
-                </a:solidFill>
-                <a:effectLst/>
-                <a:latin typeface="+mn-lt"/>
-                <a:ea typeface="+mn-ea"/>
-                <a:cs typeface="+mn-cs"/>
-              </a:rPr>
-              <a:t>, where you need to mock all the required dependencies to implement the high level </a:t>
-            </a:r>
-            <a:r>
-              <a:rPr lang="en-US" sz="1200" b="0" i="0" kern="1200" dirty="0" err="1" smtClean="0">
-                <a:solidFill>
-                  <a:schemeClr val="tx1"/>
-                </a:solidFill>
-                <a:effectLst/>
-                <a:latin typeface="+mn-lt"/>
-                <a:ea typeface="+mn-ea"/>
-                <a:cs typeface="+mn-cs"/>
-              </a:rPr>
-              <a:t>behaviour</a:t>
-            </a:r>
-            <a:r>
-              <a:rPr lang="en-US" sz="1200" b="0" i="0" kern="1200" dirty="0" smtClean="0">
-                <a:solidFill>
-                  <a:schemeClr val="tx1"/>
-                </a:solidFill>
-                <a:effectLst/>
-                <a:latin typeface="+mn-lt"/>
-                <a:ea typeface="+mn-ea"/>
-                <a:cs typeface="+mn-cs"/>
-              </a:rPr>
-              <a:t>. This isn’t necessarily a bad thing, but over-reliance on mocking can </a:t>
-            </a:r>
-            <a:r>
-              <a:rPr lang="en-US" sz="1200" b="0" i="0" kern="1200" dirty="0" smtClean="0">
-                <a:solidFill>
-                  <a:schemeClr val="tx1"/>
-                </a:solidFill>
-                <a:effectLst/>
-                <a:latin typeface="+mn-lt"/>
-                <a:ea typeface="+mn-ea"/>
-                <a:cs typeface="+mn-cs"/>
-                <a:hlinkClick r:id="rId4"/>
-              </a:rPr>
-              <a:t>result in fragile tests</a:t>
-            </a:r>
-            <a:r>
-              <a:rPr lang="en-US" sz="1200" b="0" i="0" kern="1200" dirty="0" smtClean="0">
+              <a:t>When I use a pure bottom-up style, I write more speculative code and go down the wrong path far more often than I’d like</a:t>
+            </a:r>
+            <a:r>
+              <a:rPr lang="en-US" sz="1200" b="0" i="1" kern="1200" dirty="0" smtClean="0">
                 <a:solidFill>
                   <a:schemeClr val="tx1"/>
                 </a:solidFill>
@@ -6205,6 +6209,96 @@
           <a:bodyPr/>
           <a:lstStyle/>
           <a:p>
+            <a:pPr marL="0" marR="0" indent="0" algn="l" defTabSz="914400" rtl="0" eaLnBrk="1" fontAlgn="auto" latinLnBrk="0" hangingPunct="1">
+              <a:lnSpc>
+                <a:spcPct val="100000"/>
+              </a:lnSpc>
+              <a:spcBef>
+                <a:spcPts val="0"/>
+              </a:spcBef>
+              <a:spcAft>
+                <a:spcPts val="0"/>
+              </a:spcAft>
+              <a:buClrTx/>
+              <a:buSzTx/>
+              <a:buFontTx/>
+              <a:buNone/>
+              <a:tabLst/>
+              <a:defRPr/>
+            </a:pPr>
+            <a:r>
+              <a:rPr lang="en-US" sz="1200" b="0" i="0" kern="1200" dirty="0" smtClean="0">
+                <a:solidFill>
+                  <a:schemeClr val="tx1"/>
+                </a:solidFill>
+                <a:effectLst/>
+                <a:latin typeface="+mn-lt"/>
+                <a:ea typeface="+mn-ea"/>
+                <a:cs typeface="+mn-cs"/>
+              </a:rPr>
+              <a:t>Inside-Out (Classic school, </a:t>
+            </a:r>
+            <a:r>
+              <a:rPr lang="en-US" sz="1200" b="0" i="1" kern="1200" dirty="0" smtClean="0">
+                <a:solidFill>
+                  <a:schemeClr val="tx1"/>
+                </a:solidFill>
+                <a:effectLst/>
+                <a:latin typeface="+mn-lt"/>
+                <a:ea typeface="+mn-ea"/>
+                <a:cs typeface="+mn-cs"/>
+              </a:rPr>
+              <a:t>bottom-up</a:t>
+            </a:r>
+            <a:r>
+              <a:rPr lang="en-US" sz="1200" b="0" i="0" kern="1200" dirty="0" smtClean="0">
+                <a:solidFill>
+                  <a:schemeClr val="tx1"/>
+                </a:solidFill>
+                <a:effectLst/>
+                <a:latin typeface="+mn-lt"/>
+                <a:ea typeface="+mn-ea"/>
+                <a:cs typeface="+mn-cs"/>
+              </a:rPr>
+              <a:t>): you begin at component/class level (inside) and add tests to requirements. As the code evolves (due to </a:t>
+            </a:r>
+            <a:r>
+              <a:rPr lang="en-US" sz="1200" b="0" i="0" kern="1200" dirty="0" err="1" smtClean="0">
+                <a:solidFill>
+                  <a:schemeClr val="tx1"/>
+                </a:solidFill>
+                <a:effectLst/>
+                <a:latin typeface="+mn-lt"/>
+                <a:ea typeface="+mn-ea"/>
+                <a:cs typeface="+mn-cs"/>
+              </a:rPr>
+              <a:t>refactorings</a:t>
+            </a:r>
+            <a:r>
+              <a:rPr lang="en-US" sz="1200" b="0" i="0" kern="1200" dirty="0" smtClean="0">
+                <a:solidFill>
+                  <a:schemeClr val="tx1"/>
+                </a:solidFill>
+                <a:effectLst/>
+                <a:latin typeface="+mn-lt"/>
+                <a:ea typeface="+mn-ea"/>
+                <a:cs typeface="+mn-cs"/>
+              </a:rPr>
+              <a:t>), new collaborators, interactions and other components appear. TDD guides the design completely.</a:t>
+            </a:r>
+          </a:p>
+          <a:p>
+            <a:endParaRPr lang="en-US" sz="1200" b="1" i="1" kern="1200" dirty="0" smtClean="0">
+              <a:solidFill>
+                <a:schemeClr val="tx1"/>
+              </a:solidFill>
+              <a:effectLst/>
+              <a:latin typeface="+mn-lt"/>
+              <a:ea typeface="+mn-ea"/>
+              <a:cs typeface="+mn-cs"/>
+            </a:endParaRPr>
+          </a:p>
+          <a:p>
             <a:r>
               <a:rPr lang="en-US" sz="1200" b="1" i="1" kern="1200" dirty="0" smtClean="0">
                 <a:solidFill>
@@ -6313,23 +6407,6 @@
           <a:bodyPr/>
           <a:lstStyle/>
           <a:p>
-            <a:pPr marL="0" marR="0" indent="0" algn="l" defTabSz="914400" rtl="0" eaLnBrk="1" fontAlgn="auto" latinLnBrk="0" hangingPunct="1">
-              <a:lnSpc>
-                <a:spcPct val="100000"/>
-              </a:lnSpc>
-              <a:spcBef>
-                <a:spcPts val="0"/>
-              </a:spcBef>
-              <a:spcAft>
-                <a:spcPts val="0"/>
-              </a:spcAft>
-              <a:buClrTx/>
-              <a:buSzTx/>
-              <a:buFontTx/>
-              <a:buNone/>
-              <a:tabLst/>
-              <a:defRPr/>
-            </a:pPr>
             <a:r>
               <a:rPr lang="en-US" sz="1200" b="0" i="0" kern="1200" dirty="0" smtClean="0">
                 <a:solidFill>
@@ -6340,92 +6417,7 @@
                 <a:ea typeface="+mn-ea"/>
                 <a:cs typeface="+mn-cs"/>
               </a:rPr>
-              <a:t>Inside-Out (Classic school, </a:t>
-            </a:r>
-            <a:r>
-              <a:rPr lang="en-US" sz="1200" b="0" i="1" kern="1200" dirty="0" smtClean="0">
-                <a:solidFill>
-                  <a:schemeClr val="tx1"/>
-                </a:solidFill>
-                <a:effectLst/>
-                <a:latin typeface="+mn-lt"/>
-                <a:ea typeface="+mn-ea"/>
-                <a:cs typeface="+mn-cs"/>
-              </a:rPr>
-              <a:t>bottom-up</a:t>
-            </a:r>
-            <a:r>
-              <a:rPr lang="en-US" sz="1200" b="0" i="0" kern="1200" dirty="0" smtClean="0">
-                <a:solidFill>
-                  <a:schemeClr val="tx1"/>
-                </a:solidFill>
-                <a:effectLst/>
-                <a:latin typeface="+mn-lt"/>
-                <a:ea typeface="+mn-ea"/>
-                <a:cs typeface="+mn-cs"/>
-              </a:rPr>
-              <a:t>): you begin at component/class level (inside) and add tests to requirements. As the code evolves (due to </a:t>
-            </a:r>
-            <a:r>
-              <a:rPr lang="en-US" sz="1200" b="0" i="0" kern="1200" dirty="0" err="1" smtClean="0">
-                <a:solidFill>
-                  <a:schemeClr val="tx1"/>
-                </a:solidFill>
-                <a:effectLst/>
-                <a:latin typeface="+mn-lt"/>
-                <a:ea typeface="+mn-ea"/>
-                <a:cs typeface="+mn-cs"/>
-              </a:rPr>
-              <a:t>refactorings</a:t>
-            </a:r>
-            <a:r>
-              <a:rPr lang="en-US" sz="1200" b="0" i="0" kern="1200" dirty="0" smtClean="0">
-                <a:solidFill>
-                  <a:schemeClr val="tx1"/>
-                </a:solidFill>
-                <a:effectLst/>
-                <a:latin typeface="+mn-lt"/>
-                <a:ea typeface="+mn-ea"/>
-                <a:cs typeface="+mn-cs"/>
-              </a:rPr>
-              <a:t>), new collaborators, interactions and other components appear. TDD guides the design completely.</a:t>
-            </a:r>
-          </a:p>
-          <a:p>
-            <a:endParaRPr lang="en-US" sz="1200" b="1" i="1" kern="1200" dirty="0" smtClean="0">
-              <a:solidFill>
-                <a:schemeClr val="tx1"/>
-              </a:solidFill>
-              <a:effectLst/>
-              <a:latin typeface="+mn-lt"/>
-              <a:ea typeface="+mn-ea"/>
-              <a:cs typeface="+mn-cs"/>
-            </a:endParaRPr>
-          </a:p>
-          <a:p>
-            <a:r>
-              <a:rPr lang="en-US" sz="1200" b="1" i="1" kern="1200" dirty="0" smtClean="0">
-                <a:solidFill>
-                  <a:schemeClr val="tx1"/>
-                </a:solidFill>
-                <a:effectLst/>
-                <a:latin typeface="+mn-lt"/>
-                <a:ea typeface="+mn-ea"/>
-                <a:cs typeface="+mn-cs"/>
-              </a:rPr>
-              <a:t>When I use a pure bottom-up style, I write more speculative code and go down the wrong path far more often than I’d like</a:t>
-            </a:r>
-            <a:r>
-              <a:rPr lang="en-US" sz="1200" b="0" i="1" kern="1200" dirty="0" smtClean="0">
-                <a:solidFill>
-                  <a:schemeClr val="tx1"/>
-                </a:solidFill>
-                <a:effectLst/>
-                <a:latin typeface="+mn-lt"/>
-                <a:ea typeface="+mn-ea"/>
-                <a:cs typeface="+mn-cs"/>
-              </a:rPr>
-              <a:t>. </a:t>
+              <a:t> </a:t>
             </a:r>
             <a:endParaRPr lang="es-PE" dirty="0"/>
           </a:p>
@@ -6446,7 +6438,7 @@
           <a:bodyPr/>
           <a:lstStyle/>
           <a:p>
-            <a:fld id="{80C14895-23C8-45AE-85D5-3B35E5980A68}" type="slidenum">
+            <a:fld id="{92D0504E-A398-466F-BEA7-CB196C14635F}" type="slidenum">
               <a:rPr lang="es-PE" smtClean="0"/>
               <a:t>51</a:t>
             </a:fld>
@@ -6457,7 +6449,7 @@
     </p:spTree>
     <p:extLst>
       <p:ext uri="{BB962C8B-B14F-4D97-AF65-F5344CB8AC3E}">
-        <p14:creationId xmlns:p14="http://schemas.microsoft.com/office/powerpoint/2010/main" val="3432092158"/>
+        <p14:creationId xmlns:p14="http://schemas.microsoft.com/office/powerpoint/2010/main" val="3117317914"/>
       </p:ext>
     </p:extLst>
   </p:cSld>
@@ -6615,18 +6607,23 @@
           <a:bodyPr/>
           <a:lstStyle/>
           <a:p>
-            <a:r>
-              <a:rPr lang="en-US" sz="1200" b="0" i="0" kern="1200" dirty="0" smtClean="0">
-                <a:solidFill>
-                  <a:schemeClr val="tx1"/>
-                </a:solidFill>
-                <a:effectLst/>
-                <a:latin typeface="+mn-lt"/>
-                <a:ea typeface="+mn-ea"/>
-                <a:cs typeface="+mn-cs"/>
-              </a:rPr>
-              <a:t> </a:t>
-            </a:r>
+            <a:pPr marL="0" marR="0" indent="0" algn="l" defTabSz="914400" rtl="0" eaLnBrk="1" fontAlgn="auto" latinLnBrk="0" hangingPunct="1">
+              <a:lnSpc>
+                <a:spcPct val="100000"/>
+              </a:lnSpc>
+              <a:spcBef>
+                <a:spcPts val="0"/>
+              </a:spcBef>
+              <a:spcAft>
+                <a:spcPts val="0"/>
+              </a:spcAft>
+              <a:buClrTx/>
+              <a:buSzTx/>
+              <a:buFontTx/>
+              <a:buNone/>
+              <a:tabLst/>
+              <a:defRPr/>
+            </a:pPr>
             <a:endParaRPr lang="es-PE" dirty="0"/>
           </a:p>
         </p:txBody>
@@ -6646,7 +6643,7 @@
           <a:bodyPr/>
           <a:lstStyle/>
           <a:p>
-            <a:fld id="{92D0504E-A398-466F-BEA7-CB196C14635F}" type="slidenum">
+            <a:fld id="{80C14895-23C8-45AE-85D5-3B35E5980A68}" type="slidenum">
               <a:rPr lang="es-PE" smtClean="0"/>
               <a:t>52</a:t>
             </a:fld>
@@ -6657,7 +6654,7 @@
     </p:spTree>
     <p:extLst>
       <p:ext uri="{BB962C8B-B14F-4D97-AF65-F5344CB8AC3E}">
-        <p14:creationId xmlns:p14="http://schemas.microsoft.com/office/powerpoint/2010/main" val="3117317914"/>
+        <p14:creationId xmlns:p14="http://schemas.microsoft.com/office/powerpoint/2010/main" val="3432092158"/>
       </p:ext>
     </p:extLst>
   </p:cSld>
@@ -6930,6 +6927,35 @@
               <a:tabLst/>
               <a:defRPr/>
             </a:pPr>
+            <a:r>
+              <a:rPr lang="es-PE" sz="1200" dirty="0" smtClean="0">
+                <a:solidFill>
+                  <a:schemeClr val="tx1">
+                    <a:lumMod val="65000"/>
+                  </a:schemeClr>
+                </a:solidFill>
+              </a:rPr>
+              <a:t>http://es.slideshare.net/ehendrickson/introduction-to-acceptance-test-driven-development-3491703</a:t>
+            </a:r>
+          </a:p>
+          <a:p>
+            <a:pPr marL="0" marR="0" indent="0" algn="l" defTabSz="914400" rtl="0" eaLnBrk="1" fontAlgn="auto" latinLnBrk="0" hangingPunct="1">
+              <a:lnSpc>
+                <a:spcPct val="100000"/>
+              </a:lnSpc>
+              <a:spcBef>
+                <a:spcPts val="0"/>
+              </a:spcBef>
+              <a:spcAft>
+                <a:spcPts val="0"/>
+              </a:spcAft>
+              <a:buClrTx/>
+              <a:buSzTx/>
+              <a:buFontTx/>
+              <a:buNone/>
+              <a:tabLst/>
+              <a:defRPr/>
+            </a:pPr>
             <a:endParaRPr lang="es-PE" dirty="0"/>
           </a:p>
         </p:txBody>
@@ -7144,52 +7170,6 @@
           <a:bodyPr/>
           <a:lstStyle/>
           <a:p>
-            <a:pPr marL="0" marR="0" indent="0" algn="l" defTabSz="914400" rtl="0" eaLnBrk="1" fontAlgn="auto" latinLnBrk="0" hangingPunct="1">
-              <a:lnSpc>
-                <a:spcPct val="100000"/>
-              </a:lnSpc>
-              <a:spcBef>
-                <a:spcPts val="0"/>
-              </a:spcBef>
-              <a:spcAft>
-                <a:spcPts val="0"/>
-              </a:spcAft>
-              <a:buClrTx/>
-              <a:buSzTx/>
-              <a:buFontTx/>
-              <a:buNone/>
-              <a:tabLst/>
-              <a:defRPr/>
-            </a:pPr>
-            <a:r>
-              <a:rPr lang="es-PE" sz="1200" dirty="0" smtClean="0">
-                <a:solidFill>
-                  <a:schemeClr val="tx1">
-                    <a:lumMod val="65000"/>
-                  </a:schemeClr>
-                </a:solidFill>
-              </a:rPr>
-              <a:t>http://es.slideshare.net/ehendrickson/introduction-to-acceptance-test-driven-development-3491703</a:t>
-            </a:r>
-          </a:p>
-          <a:p>
-            <a:pPr marL="0" marR="0" indent="0" algn="l" defTabSz="914400" rtl="0" eaLnBrk="1" fontAlgn="auto" latinLnBrk="0" hangingPunct="1">
-              <a:lnSpc>
-                <a:spcPct val="100000"/>
-              </a:lnSpc>
-              <a:spcBef>
-                <a:spcPts val="0"/>
-              </a:spcBef>
-              <a:spcAft>
-                <a:spcPts val="0"/>
-              </a:spcAft>
-              <a:buClrTx/>
-              <a:buSzTx/>
-              <a:buFontTx/>
-              <a:buNone/>
-              <a:tabLst/>
-              <a:defRPr/>
-            </a:pPr>
             <a:endParaRPr lang="es-PE" dirty="0"/>
           </a:p>
         </p:txBody>
@@ -7212,90 +7192,6 @@
             <a:fld id="{80C14895-23C8-45AE-85D5-3B35E5980A68}" type="slidenum">
               <a:rPr lang="es-PE" smtClean="0"/>
               <a:t>57</a:t>
-            </a:fld>
-            <a:endParaRPr lang="es-PE"/>
-          </a:p>
-        </p:txBody>
-      </p:sp>
-    </p:spTree>
-    <p:extLst>
-      <p:ext uri="{BB962C8B-B14F-4D97-AF65-F5344CB8AC3E}">
-        <p14:creationId xmlns:p14="http://schemas.microsoft.com/office/powerpoint/2010/main" val="3432092158"/>
-      </p:ext>
-    </p:extLst>
-  </p:cSld>
-  <p:clrMapOvr>
-    <a:masterClrMapping/>
-  </p:clrMapOvr>
-</p:notes>
-</file>
-
-<file path=ppt/notesSlides/notesSlide56.xml><?xml version="1.0" encoding="utf-8"?>
-<p:notes xmlns:a="http://schemas.openxmlformats.org/drawingml/2006/main" xmlns:r="http://schemas.openxmlformats.org/officeDocument/2006/relationships" xmlns:p="http://schemas.openxmlformats.org/presentationml/2006/main">
-  <p:cSld>
-    <p:spTree>
-      <p:nvGrpSpPr>
-        <p:cNvPr id="1" name=""/>
-        <p:cNvGrpSpPr/>
-        <p:nvPr/>
-      </p:nvGrpSpPr>
-      <p:grpSpPr>
-        <a:xfrm>
-          <a:off x="0" y="0"/>
-          <a:ext cx="0" cy="0"/>
-          <a:chOff x="0" y="0"/>
-          <a:chExt cx="0" cy="0"/>
-        </a:xfrm>
-      </p:grpSpPr>
-      <p:sp>
-        <p:nvSpPr>
-          <p:cNvPr id="2" name="1 Marcador de imagen de diapositiva"/>
-          <p:cNvSpPr>
-            <a:spLocks noGrp="1" noRot="1" noChangeAspect="1"/>
-          </p:cNvSpPr>
-          <p:nvPr>
-            <p:ph type="sldImg"/>
-          </p:nvPr>
-        </p:nvSpPr>
-        <p:spPr/>
-      </p:sp>
-      <p:sp>
-        <p:nvSpPr>
-          <p:cNvPr id="3" name="2 Marcador de notas"/>
-          <p:cNvSpPr>
-            <a:spLocks noGrp="1"/>
-          </p:cNvSpPr>
-          <p:nvPr>
-            <p:ph type="body" idx="1"/>
-          </p:nvPr>
-        </p:nvSpPr>
-        <p:spPr/>
-        <p:txBody>
-          <a:bodyPr/>
-          <a:lstStyle/>
-          <a:p>
-            <a:endParaRPr lang="es-PE" dirty="0"/>
-          </a:p>
-        </p:txBody>
-      </p:sp>
-      <p:sp>
-        <p:nvSpPr>
-          <p:cNvPr id="4" name="3 Marcador de número de diapositiva"/>
-          <p:cNvSpPr>
-            <a:spLocks noGrp="1"/>
-          </p:cNvSpPr>
-          <p:nvPr>
-            <p:ph type="sldNum" sz="quarter" idx="10"/>
-          </p:nvPr>
-        </p:nvSpPr>
-        <p:spPr/>
-        <p:txBody>
-          <a:bodyPr/>
-          <a:lstStyle/>
-          <a:p>
-            <a:fld id="{80C14895-23C8-45AE-85D5-3B35E5980A68}" type="slidenum">
-              <a:rPr lang="es-PE" smtClean="0"/>
-              <a:t>58</a:t>
             </a:fld>
             <a:endParaRPr lang="es-PE"/>
           </a:p>
@@ -7996,7 +7892,7 @@
             <a:fld id="{807CB568-C05F-482F-9F26-AA302B8892DF}" type="datetimeFigureOut">
               <a:rPr lang="es-ES" smtClean="0"/>
               <a:pPr/>
-              <a:t>13/12/2013</a:t>
+              <a:t>14/03/2014</a:t>
             </a:fld>
             <a:endParaRPr lang="es-ES"/>
           </a:p>
@@ -8175,7 +8071,7 @@
             <a:fld id="{807CB568-C05F-482F-9F26-AA302B8892DF}" type="datetimeFigureOut">
               <a:rPr lang="es-ES" smtClean="0"/>
               <a:pPr/>
-              <a:t>13/12/2013</a:t>
+              <a:t>14/03/2014</a:t>
             </a:fld>
             <a:endParaRPr lang="es-ES"/>
           </a:p>
@@ -8364,7 +8260,7 @@
             <a:fld id="{807CB568-C05F-482F-9F26-AA302B8892DF}" type="datetimeFigureOut">
               <a:rPr lang="es-ES" smtClean="0"/>
               <a:pPr/>
-              <a:t>13/12/2013</a:t>
+              <a:t>14/03/2014</a:t>
             </a:fld>
             <a:endParaRPr lang="es-ES"/>
           </a:p>
@@ -8543,7 +8439,7 @@
             <a:fld id="{807CB568-C05F-482F-9F26-AA302B8892DF}" type="datetimeFigureOut">
               <a:rPr lang="es-ES" smtClean="0"/>
               <a:pPr/>
-              <a:t>13/12/2013</a:t>
+              <a:t>14/03/2014</a:t>
             </a:fld>
             <a:endParaRPr lang="es-ES"/>
           </a:p>
@@ -8798,7 +8694,7 @@
             <a:fld id="{807CB568-C05F-482F-9F26-AA302B8892DF}" type="datetimeFigureOut">
               <a:rPr lang="es-ES" smtClean="0"/>
               <a:pPr/>
-              <a:t>13/12/2013</a:t>
+              <a:t>14/03/2014</a:t>
             </a:fld>
             <a:endParaRPr lang="es-ES"/>
           </a:p>
@@ -9095,7 +8991,7 @@
             <a:fld id="{807CB568-C05F-482F-9F26-AA302B8892DF}" type="datetimeFigureOut">
               <a:rPr lang="es-ES" smtClean="0"/>
               <a:pPr/>
-              <a:t>13/12/2013</a:t>
+              <a:t>14/03/2014</a:t>
             </a:fld>
             <a:endParaRPr lang="es-ES"/>
           </a:p>
@@ -9526,7 +9422,7 @@
             <a:fld id="{807CB568-C05F-482F-9F26-AA302B8892DF}" type="datetimeFigureOut">
               <a:rPr lang="es-ES" smtClean="0"/>
               <a:pPr/>
-              <a:t>13/12/2013</a:t>
+              <a:t>14/03/2014</a:t>
             </a:fld>
             <a:endParaRPr lang="es-ES"/>
           </a:p>
@@ -9653,7 +9549,7 @@
             <a:fld id="{807CB568-C05F-482F-9F26-AA302B8892DF}" type="datetimeFigureOut">
               <a:rPr lang="es-ES" smtClean="0"/>
               <a:pPr/>
-              <a:t>13/12/2013</a:t>
+              <a:t>14/03/2014</a:t>
             </a:fld>
             <a:endParaRPr lang="es-ES"/>
           </a:p>
@@ -9757,7 +9653,7 @@
             <a:fld id="{807CB568-C05F-482F-9F26-AA302B8892DF}" type="datetimeFigureOut">
               <a:rPr lang="es-ES" smtClean="0"/>
               <a:pPr/>
-              <a:t>13/12/2013</a:t>
+              <a:t>14/03/2014</a:t>
             </a:fld>
             <a:endParaRPr lang="es-ES"/>
           </a:p>
@@ -10043,7 +9939,7 @@
             <a:fld id="{807CB568-C05F-482F-9F26-AA302B8892DF}" type="datetimeFigureOut">
               <a:rPr lang="es-ES" smtClean="0"/>
               <a:pPr/>
-              <a:t>13/12/2013</a:t>
+              <a:t>14/03/2014</a:t>
             </a:fld>
             <a:endParaRPr lang="es-ES"/>
           </a:p>
@@ -10312,7 +10208,7 @@
             <a:fld id="{807CB568-C05F-482F-9F26-AA302B8892DF}" type="datetimeFigureOut">
               <a:rPr lang="es-ES" smtClean="0"/>
               <a:pPr/>
-              <a:t>13/12/2013</a:t>
+              <a:t>14/03/2014</a:t>
             </a:fld>
             <a:endParaRPr lang="es-ES"/>
           </a:p>
@@ -10563,7 +10459,7 @@
             <a:fld id="{807CB568-C05F-482F-9F26-AA302B8892DF}" type="datetimeFigureOut">
               <a:rPr lang="es-ES" smtClean="0"/>
               <a:pPr/>
-              <a:t>13/12/2013</a:t>
+              <a:t>14/03/2014</a:t>
             </a:fld>
             <a:endParaRPr lang="es-ES"/>
           </a:p>
@@ -26092,11 +25988,11 @@
   <p:clrMapOvr>
     <a:masterClrMapping/>
   </p:clrMapOvr>
-  <mc:AlternateContent xmlns:mc="http://schemas.openxmlformats.org/markup-compatibility/2006">
-    <mc:Choice xmlns:p14="http://schemas.microsoft.com/office/powerpoint/2010/main" Requires="p14">
+  <mc:AlternateContent xmlns:mc="http://schemas.openxmlformats.org/markup-compatibility/2006" xmlns:p14="http://schemas.microsoft.com/office/powerpoint/2010/main">
+    <mc:Choice Requires="p14">
       <p:transition spd="slow" p14:dur="2000"/>
     </mc:Choice>
-    <mc:Fallback>
+    <mc:Fallback xmlns="">
       <p:transition spd="slow"/>
     </mc:Fallback>
   </mc:AlternateContent>
@@ -26340,11 +26236,11 @@
   <p:clrMapOvr>
     <a:masterClrMapping/>
   </p:clrMapOvr>
-  <mc:AlternateContent xmlns:mc="http://schemas.openxmlformats.org/markup-compatibility/2006">
-    <mc:Choice xmlns:p14="http://schemas.microsoft.com/office/powerpoint/2010/main" Requires="p14">
+  <mc:AlternateContent xmlns:mc="http://schemas.openxmlformats.org/markup-compatibility/2006" xmlns:p14="http://schemas.microsoft.com/office/powerpoint/2010/main">
+    <mc:Choice Requires="p14">
       <p:transition spd="slow" p14:dur="2000"/>
     </mc:Choice>
-    <mc:Fallback>
+    <mc:Fallback xmlns="">
       <p:transition spd="slow"/>
     </mc:Fallback>
   </mc:AlternateContent>
@@ -26467,23 +26363,7 @@
                   <a:srgbClr val="FF0000"/>
                 </a:solidFill>
               </a:rPr>
-              <a:t>In order </a:t>
-            </a:r>
-            <a:r>
-              <a:rPr lang="en-US" sz="3600" dirty="0" smtClean="0">
-                <a:solidFill>
-                  <a:srgbClr val="FF0000"/>
-                </a:solidFill>
-              </a:rPr>
-              <a:t>t</a:t>
-            </a:r>
-            <a:r>
-              <a:rPr lang="en-US" sz="3600" dirty="0" smtClean="0">
-                <a:solidFill>
-                  <a:srgbClr val="FF0000"/>
-                </a:solidFill>
-              </a:rPr>
-              <a:t>o </a:t>
+              <a:t>In order to </a:t>
             </a:r>
             <a:r>
               <a:rPr lang="en-US" sz="3600" dirty="0" smtClean="0"/>
@@ -26656,146 +26536,6 @@
               <a:rPr lang="es-PE" sz="4400" dirty="0" smtClean="0"/>
               <a:t>”</a:t>
             </a:r>
-            <a:endParaRPr lang="es-PE" sz="4400" dirty="0" smtClean="0"/>
-          </a:p>
-        </p:txBody>
-      </p:sp>
-    </p:spTree>
-    <p:extLst>
-      <p:ext uri="{BB962C8B-B14F-4D97-AF65-F5344CB8AC3E}">
-        <p14:creationId xmlns:p14="http://schemas.microsoft.com/office/powerpoint/2010/main" val="2546922599"/>
-      </p:ext>
-    </p:extLst>
-  </p:cSld>
-  <p:clrMapOvr>
-    <a:masterClrMapping/>
-  </p:clrMapOvr>
-  <p:timing>
-    <p:tnLst>
-      <p:par>
-        <p:cTn id="1" dur="indefinite" restart="never" nodeType="tmRoot"/>
-      </p:par>
-    </p:tnLst>
-  </p:timing>
-</p:sld>
-</file>
-
-<file path=ppt/slides/slide44.xml><?xml version="1.0" encoding="utf-8"?>
-<p:sld xmlns:a="http://schemas.openxmlformats.org/drawingml/2006/main" xmlns:r="http://schemas.openxmlformats.org/officeDocument/2006/relationships" xmlns:p="http://schemas.openxmlformats.org/presentationml/2006/main">
-  <p:cSld>
-    <p:spTree>
-      <p:nvGrpSpPr>
-        <p:cNvPr id="1" name=""/>
-        <p:cNvGrpSpPr/>
-        <p:nvPr/>
-      </p:nvGrpSpPr>
-      <p:grpSpPr>
-        <a:xfrm>
-          <a:off x="0" y="0"/>
-          <a:ext cx="0" cy="0"/>
-          <a:chOff x="0" y="0"/>
-          <a:chExt cx="0" cy="0"/>
-        </a:xfrm>
-      </p:grpSpPr>
-      <p:sp>
-        <p:nvSpPr>
-          <p:cNvPr id="4" name="1 Título"/>
-          <p:cNvSpPr>
-            <a:spLocks noGrp="1"/>
-          </p:cNvSpPr>
-          <p:nvPr>
-            <p:ph type="title"/>
-          </p:nvPr>
-        </p:nvSpPr>
-        <p:spPr>
-          <a:xfrm>
-            <a:off x="433500" y="1412776"/>
-            <a:ext cx="8229600" cy="720080"/>
-          </a:xfrm>
-          <a:noFill/>
-          <a:ln w="9525">
-            <a:noFill/>
-            <a:miter lim="800000"/>
-            <a:headEnd/>
-            <a:tailEnd/>
-          </a:ln>
-        </p:spPr>
-        <p:txBody>
-          <a:bodyPr vert="horz" wrap="square" lIns="91440" tIns="45720" rIns="91440" bIns="45720" numCol="1" anchor="ctr" anchorCtr="0" compatLnSpc="1">
-            <a:prstTxWarp prst="textNoShape">
-              <a:avLst/>
-            </a:prstTxWarp>
-          </a:bodyPr>
-          <a:lstStyle/>
-          <a:p>
-            <a:r>
-              <a:rPr lang="es-PE" dirty="0" smtClean="0">
-                <a:solidFill>
-                  <a:srgbClr val="FFC000"/>
-                </a:solidFill>
-              </a:rPr>
-              <a:t>Objetivo</a:t>
-            </a:r>
-            <a:endParaRPr lang="es-PE" dirty="0">
-              <a:solidFill>
-                <a:srgbClr val="FFC000"/>
-              </a:solidFill>
-            </a:endParaRPr>
-          </a:p>
-        </p:txBody>
-      </p:sp>
-      <p:sp>
-        <p:nvSpPr>
-          <p:cNvPr id="3" name="2 CuadroTexto"/>
-          <p:cNvSpPr txBox="1"/>
-          <p:nvPr/>
-        </p:nvSpPr>
-        <p:spPr>
-          <a:xfrm>
-            <a:off x="395536" y="2529478"/>
-            <a:ext cx="8352928" cy="2123658"/>
-          </a:xfrm>
-          <a:prstGeom prst="rect">
-            <a:avLst/>
-          </a:prstGeom>
-          <a:noFill/>
-        </p:spPr>
-        <p:txBody>
-          <a:bodyPr wrap="square" rtlCol="0">
-            <a:spAutoFit/>
-          </a:bodyPr>
-          <a:lstStyle/>
-          <a:p>
-            <a:pPr algn="ctr"/>
-            <a:r>
-              <a:rPr lang="es-PE" sz="4400" dirty="0" smtClean="0"/>
-              <a:t>Crear ejemplos (escenarios</a:t>
-            </a:r>
-            <a:r>
-              <a:rPr lang="es-PE" sz="4400" dirty="0"/>
-              <a:t>)</a:t>
-            </a:r>
-            <a:r>
-              <a:rPr lang="es-PE" sz="4400" dirty="0" smtClean="0"/>
-              <a:t> que ayuden a comprender y explicar la historia “</a:t>
-            </a:r>
-            <a:r>
-              <a:rPr lang="es-PE" sz="4400" dirty="0" err="1" smtClean="0"/>
-              <a:t>Store</a:t>
-            </a:r>
-            <a:r>
-              <a:rPr lang="es-PE" sz="4400" dirty="0" smtClean="0"/>
-              <a:t> </a:t>
-            </a:r>
-            <a:r>
-              <a:rPr lang="es-PE" sz="4400" dirty="0" err="1" smtClean="0"/>
-              <a:t>Calculation</a:t>
-            </a:r>
-            <a:r>
-              <a:rPr lang="es-PE" sz="4400" dirty="0" smtClean="0"/>
-              <a:t>”</a:t>
-            </a:r>
-            <a:endParaRPr lang="es-PE" sz="4400" dirty="0" smtClean="0"/>
           </a:p>
         </p:txBody>
       </p:sp>
@@ -26819,7 +26559,7 @@
 </p:sld>
 </file>
 
-<file path=ppt/slides/slide45.xml><?xml version="1.0" encoding="utf-8"?>
+<file path=ppt/slides/slide44.xml><?xml version="1.0" encoding="utf-8"?>
 <p:sld xmlns:a="http://schemas.openxmlformats.org/drawingml/2006/main" xmlns:r="http://schemas.openxmlformats.org/officeDocument/2006/relationships" xmlns:p="http://schemas.openxmlformats.org/presentationml/2006/main">
   <p:cSld>
     <p:spTree>
@@ -26927,7 +26667,7 @@
 </p:sld>
 </file>
 
-<file path=ppt/slides/slide46.xml><?xml version="1.0" encoding="utf-8"?>
+<file path=ppt/slides/slide45.xml><?xml version="1.0" encoding="utf-8"?>
 <p:sld xmlns:a="http://schemas.openxmlformats.org/drawingml/2006/main" xmlns:r="http://schemas.openxmlformats.org/officeDocument/2006/relationships" xmlns:p="http://schemas.openxmlformats.org/presentationml/2006/main">
   <p:cSld>
     <p:spTree>
@@ -27073,7 +26813,7 @@
 </p:sld>
 </file>
 
-<file path=ppt/slides/slide47.xml><?xml version="1.0" encoding="utf-8"?>
+<file path=ppt/slides/slide46.xml><?xml version="1.0" encoding="utf-8"?>
 <p:sld xmlns:a="http://schemas.openxmlformats.org/drawingml/2006/main" xmlns:r="http://schemas.openxmlformats.org/officeDocument/2006/relationships" xmlns:p="http://schemas.openxmlformats.org/presentationml/2006/main">
   <p:cSld>
     <p:spTree>
@@ -27386,7 +27126,7 @@
 </p:sld>
 </file>
 
-<file path=ppt/slides/slide48.xml><?xml version="1.0" encoding="utf-8"?>
+<file path=ppt/slides/slide47.xml><?xml version="1.0" encoding="utf-8"?>
 <p:sld xmlns:a="http://schemas.openxmlformats.org/drawingml/2006/main" xmlns:r="http://schemas.openxmlformats.org/officeDocument/2006/relationships" xmlns:p="http://schemas.openxmlformats.org/presentationml/2006/main">
   <p:cSld>
     <p:spTree>
@@ -28199,7 +27939,7 @@
 </p:sld>
 </file>
 
-<file path=ppt/slides/slide49.xml><?xml version="1.0" encoding="utf-8"?>
+<file path=ppt/slides/slide48.xml><?xml version="1.0" encoding="utf-8"?>
 <p:sld xmlns:a="http://schemas.openxmlformats.org/drawingml/2006/main" xmlns:r="http://schemas.openxmlformats.org/officeDocument/2006/relationships" xmlns:p="http://schemas.openxmlformats.org/presentationml/2006/main">
   <p:cSld>
     <p:spTree>
@@ -28787,300 +28527,7 @@
 </p:sld>
 </file>
 
-<file path=ppt/slides/slide5.xml><?xml version="1.0" encoding="utf-8"?>
-<p:sld xmlns:a="http://schemas.openxmlformats.org/drawingml/2006/main" xmlns:r="http://schemas.openxmlformats.org/officeDocument/2006/relationships" xmlns:p="http://schemas.openxmlformats.org/presentationml/2006/main">
-  <p:cSld>
-    <p:spTree>
-      <p:nvGrpSpPr>
-        <p:cNvPr id="1" name=""/>
-        <p:cNvGrpSpPr/>
-        <p:nvPr/>
-      </p:nvGrpSpPr>
-      <p:grpSpPr>
-        <a:xfrm>
-          <a:off x="0" y="0"/>
-          <a:ext cx="0" cy="0"/>
-          <a:chOff x="0" y="0"/>
-          <a:chExt cx="0" cy="0"/>
-        </a:xfrm>
-      </p:grpSpPr>
-      <p:sp>
-        <p:nvSpPr>
-          <p:cNvPr id="4" name="1 Título"/>
-          <p:cNvSpPr>
-            <a:spLocks noGrp="1"/>
-          </p:cNvSpPr>
-          <p:nvPr>
-            <p:ph type="title"/>
-          </p:nvPr>
-        </p:nvSpPr>
-        <p:spPr>
-          <a:xfrm>
-            <a:off x="467544" y="216350"/>
-            <a:ext cx="8229600" cy="720080"/>
-          </a:xfrm>
-        </p:spPr>
-        <p:txBody>
-          <a:bodyPr/>
-          <a:lstStyle/>
-          <a:p>
-            <a:r>
-              <a:rPr lang="es-PE" dirty="0" smtClean="0">
-                <a:solidFill>
-                  <a:srgbClr val="C00000"/>
-                </a:solidFill>
-                <a:latin typeface="Arial" pitchFamily="34" charset="0"/>
-                <a:cs typeface="Arial" pitchFamily="34" charset="0"/>
-              </a:rPr>
-              <a:t>Ejercicio: </a:t>
-            </a:r>
-            <a:r>
-              <a:rPr lang="es-PE" dirty="0" err="1" smtClean="0">
-                <a:solidFill>
-                  <a:srgbClr val="C00000"/>
-                </a:solidFill>
-                <a:latin typeface="Arial" pitchFamily="34" charset="0"/>
-                <a:cs typeface="Arial" pitchFamily="34" charset="0"/>
-              </a:rPr>
-              <a:t>Tennis</a:t>
-            </a:r>
-            <a:endParaRPr lang="es-PE" dirty="0">
-              <a:solidFill>
-                <a:srgbClr val="C00000"/>
-              </a:solidFill>
-              <a:latin typeface="Arial" pitchFamily="34" charset="0"/>
-              <a:cs typeface="Arial" pitchFamily="34" charset="0"/>
-            </a:endParaRPr>
-          </a:p>
-        </p:txBody>
-      </p:sp>
-      <p:sp>
-        <p:nvSpPr>
-          <p:cNvPr id="7" name="2 Marcador de contenido"/>
-          <p:cNvSpPr>
-            <a:spLocks noGrp="1"/>
-          </p:cNvSpPr>
-          <p:nvPr>
-            <p:ph idx="1"/>
-          </p:nvPr>
-        </p:nvSpPr>
-        <p:spPr>
-          <a:xfrm>
-            <a:off x="372169" y="2878256"/>
-            <a:ext cx="8232279" cy="3143032"/>
-          </a:xfrm>
-        </p:spPr>
-        <p:txBody>
-          <a:bodyPr/>
-          <a:lstStyle/>
-          <a:p>
-            <a:pPr>
-              <a:lnSpc>
-                <a:spcPts val="4500"/>
-              </a:lnSpc>
-              <a:buSzPct val="150000"/>
-              <a:buFontTx/>
-              <a:buChar char="-"/>
-            </a:pPr>
-            <a:r>
-              <a:rPr lang="es-PE" sz="2400" dirty="0" smtClean="0">
-                <a:cs typeface="Arial" pitchFamily="34" charset="0"/>
-              </a:rPr>
-              <a:t>Los jugadores deben poder anotar puntos. El programa debe mostrar el puntaje cada vez que un jugador anote: "15,40"</a:t>
-            </a:r>
-          </a:p>
-          <a:p>
-            <a:pPr>
-              <a:lnSpc>
-                <a:spcPts val="4500"/>
-              </a:lnSpc>
-              <a:buSzPct val="150000"/>
-              <a:buFontTx/>
-              <a:buChar char="-"/>
-            </a:pPr>
-            <a:r>
-              <a:rPr lang="es-PE" sz="2400" dirty="0" smtClean="0">
-                <a:cs typeface="Arial" pitchFamily="34" charset="0"/>
-              </a:rPr>
-              <a:t>El juego debe terminar si hay un ganador y debe mostrar quién ganó: "Juan </a:t>
-            </a:r>
-            <a:r>
-              <a:rPr lang="es-PE" sz="2400" dirty="0" err="1" smtClean="0">
-                <a:cs typeface="Arial" pitchFamily="34" charset="0"/>
-              </a:rPr>
-              <a:t>wins</a:t>
-            </a:r>
-            <a:r>
-              <a:rPr lang="es-PE" sz="2400" dirty="0" smtClean="0">
-                <a:cs typeface="Arial" pitchFamily="34" charset="0"/>
-              </a:rPr>
-              <a:t>".</a:t>
-            </a:r>
-          </a:p>
-          <a:p>
-            <a:pPr>
-              <a:lnSpc>
-                <a:spcPts val="4500"/>
-              </a:lnSpc>
-              <a:buSzPct val="150000"/>
-              <a:buFontTx/>
-              <a:buChar char="-"/>
-            </a:pPr>
-            <a:r>
-              <a:rPr lang="es-PE" sz="2400" dirty="0" smtClean="0">
-                <a:cs typeface="Arial" pitchFamily="34" charset="0"/>
-              </a:rPr>
-              <a:t>Se debe considerar el </a:t>
-            </a:r>
-            <a:r>
-              <a:rPr lang="es-PE" sz="2400" dirty="0" err="1" smtClean="0">
-                <a:cs typeface="Arial" pitchFamily="34" charset="0"/>
-              </a:rPr>
-              <a:t>deuce</a:t>
-            </a:r>
-            <a:r>
-              <a:rPr lang="es-PE" sz="2400" dirty="0" smtClean="0">
-                <a:cs typeface="Arial" pitchFamily="34" charset="0"/>
-              </a:rPr>
-              <a:t>: "</a:t>
-            </a:r>
-            <a:r>
-              <a:rPr lang="es-PE" sz="2400" dirty="0" err="1" smtClean="0">
-                <a:cs typeface="Arial" pitchFamily="34" charset="0"/>
-              </a:rPr>
-              <a:t>Deuce</a:t>
-            </a:r>
-            <a:r>
-              <a:rPr lang="es-PE" sz="2400" dirty="0" smtClean="0">
-                <a:cs typeface="Arial" pitchFamily="34" charset="0"/>
-              </a:rPr>
-              <a:t>", "</a:t>
-            </a:r>
-            <a:r>
-              <a:rPr lang="es-PE" sz="2400" dirty="0" err="1" smtClean="0">
-                <a:cs typeface="Arial" pitchFamily="34" charset="0"/>
-              </a:rPr>
-              <a:t>Advantage</a:t>
-            </a:r>
-            <a:r>
-              <a:rPr lang="es-PE" sz="2400" dirty="0" smtClean="0">
-                <a:cs typeface="Arial" pitchFamily="34" charset="0"/>
-              </a:rPr>
-              <a:t> Juan".</a:t>
-            </a:r>
-          </a:p>
-        </p:txBody>
-      </p:sp>
-      <p:sp>
-        <p:nvSpPr>
-          <p:cNvPr id="3" name="2 Rectángulo"/>
-          <p:cNvSpPr/>
-          <p:nvPr/>
-        </p:nvSpPr>
-        <p:spPr>
-          <a:xfrm>
-            <a:off x="395536" y="1596425"/>
-            <a:ext cx="8496944" cy="1183466"/>
-          </a:xfrm>
-          <a:prstGeom prst="rect">
-            <a:avLst/>
-          </a:prstGeom>
-        </p:spPr>
-        <p:txBody>
-          <a:bodyPr wrap="square">
-            <a:spAutoFit/>
-          </a:bodyPr>
-          <a:lstStyle/>
-          <a:p>
-            <a:pPr>
-              <a:lnSpc>
-                <a:spcPts val="4500"/>
-              </a:lnSpc>
-              <a:buSzPct val="150000"/>
-            </a:pPr>
-            <a:r>
-              <a:rPr lang="es-PE" sz="2400" dirty="0" smtClean="0"/>
-              <a:t>Escribir un programar que maneje los siguiente requerimientos de un juego de </a:t>
-            </a:r>
-            <a:r>
-              <a:rPr lang="es-PE" sz="2400" dirty="0" err="1" smtClean="0"/>
-              <a:t>tennis</a:t>
-            </a:r>
-            <a:r>
-              <a:rPr lang="es-PE" sz="2400" dirty="0" smtClean="0"/>
-              <a:t>:</a:t>
-            </a:r>
-            <a:endParaRPr lang="es-PE" sz="2400" dirty="0">
-              <a:cs typeface="Arial" pitchFamily="34" charset="0"/>
-            </a:endParaRPr>
-          </a:p>
-        </p:txBody>
-      </p:sp>
-      <p:sp>
-        <p:nvSpPr>
-          <p:cNvPr id="10" name="9 Rectángulo"/>
-          <p:cNvSpPr/>
-          <p:nvPr/>
-        </p:nvSpPr>
-        <p:spPr>
-          <a:xfrm>
-            <a:off x="395536" y="991420"/>
-            <a:ext cx="8496944" cy="669414"/>
-          </a:xfrm>
-          <a:prstGeom prst="rect">
-            <a:avLst/>
-          </a:prstGeom>
-        </p:spPr>
-        <p:txBody>
-          <a:bodyPr wrap="square">
-            <a:spAutoFit/>
-          </a:bodyPr>
-          <a:lstStyle/>
-          <a:p>
-            <a:pPr algn="ctr">
-              <a:lnSpc>
-                <a:spcPts val="4500"/>
-              </a:lnSpc>
-              <a:buSzPct val="150000"/>
-            </a:pPr>
-            <a:r>
-              <a:rPr lang="es-PE" sz="2800" b="1" dirty="0" smtClean="0">
-                <a:solidFill>
-                  <a:srgbClr val="FFC000"/>
-                </a:solidFill>
-              </a:rPr>
-              <a:t>Requerimientos</a:t>
-            </a:r>
-            <a:endParaRPr lang="es-PE" sz="2800" b="1" dirty="0">
-              <a:solidFill>
-                <a:srgbClr val="FFC000"/>
-              </a:solidFill>
-              <a:cs typeface="Arial" pitchFamily="34" charset="0"/>
-            </a:endParaRPr>
-          </a:p>
-        </p:txBody>
-      </p:sp>
-    </p:spTree>
-    <p:extLst>
-      <p:ext uri="{BB962C8B-B14F-4D97-AF65-F5344CB8AC3E}">
-        <p14:creationId xmlns:p14="http://schemas.microsoft.com/office/powerpoint/2010/main" val="1789055799"/>
-      </p:ext>
-    </p:extLst>
-  </p:cSld>
-  <p:clrMapOvr>
-    <a:masterClrMapping/>
-  </p:clrMapOvr>
-  <p:timing>
-    <p:tnLst>
-      <p:par>
-        <p:cTn id="1" dur="indefinite" restart="never" nodeType="tmRoot"/>
-      </p:par>
-    </p:tnLst>
-  </p:timing>
-</p:sld>
-</file>
-
-<file path=ppt/slides/slide50.xml><?xml version="1.0" encoding="utf-8"?>
+<file path=ppt/slides/slide49.xml><?xml version="1.0" encoding="utf-8"?>
 <p:sld xmlns:a="http://schemas.openxmlformats.org/drawingml/2006/main" xmlns:r="http://schemas.openxmlformats.org/officeDocument/2006/relationships" xmlns:p="http://schemas.openxmlformats.org/presentationml/2006/main">
   <p:cSld>
     <p:spTree>
@@ -29891,7 +29338,300 @@
 </p:sld>
 </file>
 
-<file path=ppt/slides/slide51.xml><?xml version="1.0" encoding="utf-8"?>
+<file path=ppt/slides/slide5.xml><?xml version="1.0" encoding="utf-8"?>
+<p:sld xmlns:a="http://schemas.openxmlformats.org/drawingml/2006/main" xmlns:r="http://schemas.openxmlformats.org/officeDocument/2006/relationships" xmlns:p="http://schemas.openxmlformats.org/presentationml/2006/main">
+  <p:cSld>
+    <p:spTree>
+      <p:nvGrpSpPr>
+        <p:cNvPr id="1" name=""/>
+        <p:cNvGrpSpPr/>
+        <p:nvPr/>
+      </p:nvGrpSpPr>
+      <p:grpSpPr>
+        <a:xfrm>
+          <a:off x="0" y="0"/>
+          <a:ext cx="0" cy="0"/>
+          <a:chOff x="0" y="0"/>
+          <a:chExt cx="0" cy="0"/>
+        </a:xfrm>
+      </p:grpSpPr>
+      <p:sp>
+        <p:nvSpPr>
+          <p:cNvPr id="4" name="1 Título"/>
+          <p:cNvSpPr>
+            <a:spLocks noGrp="1"/>
+          </p:cNvSpPr>
+          <p:nvPr>
+            <p:ph type="title"/>
+          </p:nvPr>
+        </p:nvSpPr>
+        <p:spPr>
+          <a:xfrm>
+            <a:off x="467544" y="216350"/>
+            <a:ext cx="8229600" cy="720080"/>
+          </a:xfrm>
+        </p:spPr>
+        <p:txBody>
+          <a:bodyPr/>
+          <a:lstStyle/>
+          <a:p>
+            <a:r>
+              <a:rPr lang="es-PE" dirty="0" smtClean="0">
+                <a:solidFill>
+                  <a:srgbClr val="C00000"/>
+                </a:solidFill>
+                <a:latin typeface="Arial" pitchFamily="34" charset="0"/>
+                <a:cs typeface="Arial" pitchFamily="34" charset="0"/>
+              </a:rPr>
+              <a:t>Ejercicio: </a:t>
+            </a:r>
+            <a:r>
+              <a:rPr lang="es-PE" dirty="0" err="1" smtClean="0">
+                <a:solidFill>
+                  <a:srgbClr val="C00000"/>
+                </a:solidFill>
+                <a:latin typeface="Arial" pitchFamily="34" charset="0"/>
+                <a:cs typeface="Arial" pitchFamily="34" charset="0"/>
+              </a:rPr>
+              <a:t>Tennis</a:t>
+            </a:r>
+            <a:endParaRPr lang="es-PE" dirty="0">
+              <a:solidFill>
+                <a:srgbClr val="C00000"/>
+              </a:solidFill>
+              <a:latin typeface="Arial" pitchFamily="34" charset="0"/>
+              <a:cs typeface="Arial" pitchFamily="34" charset="0"/>
+            </a:endParaRPr>
+          </a:p>
+        </p:txBody>
+      </p:sp>
+      <p:sp>
+        <p:nvSpPr>
+          <p:cNvPr id="7" name="2 Marcador de contenido"/>
+          <p:cNvSpPr>
+            <a:spLocks noGrp="1"/>
+          </p:cNvSpPr>
+          <p:nvPr>
+            <p:ph idx="1"/>
+          </p:nvPr>
+        </p:nvSpPr>
+        <p:spPr>
+          <a:xfrm>
+            <a:off x="372169" y="2878256"/>
+            <a:ext cx="8232279" cy="3143032"/>
+          </a:xfrm>
+        </p:spPr>
+        <p:txBody>
+          <a:bodyPr/>
+          <a:lstStyle/>
+          <a:p>
+            <a:pPr>
+              <a:lnSpc>
+                <a:spcPts val="4500"/>
+              </a:lnSpc>
+              <a:buSzPct val="150000"/>
+              <a:buFontTx/>
+              <a:buChar char="-"/>
+            </a:pPr>
+            <a:r>
+              <a:rPr lang="es-PE" sz="2400" dirty="0" smtClean="0">
+                <a:cs typeface="Arial" pitchFamily="34" charset="0"/>
+              </a:rPr>
+              <a:t>Los jugadores deben poder anotar puntos. El programa debe mostrar el puntaje cada vez que un jugador anote: "15,40"</a:t>
+            </a:r>
+          </a:p>
+          <a:p>
+            <a:pPr>
+              <a:lnSpc>
+                <a:spcPts val="4500"/>
+              </a:lnSpc>
+              <a:buSzPct val="150000"/>
+              <a:buFontTx/>
+              <a:buChar char="-"/>
+            </a:pPr>
+            <a:r>
+              <a:rPr lang="es-PE" sz="2400" dirty="0" smtClean="0">
+                <a:cs typeface="Arial" pitchFamily="34" charset="0"/>
+              </a:rPr>
+              <a:t>El juego debe terminar si hay un ganador y debe mostrar quién ganó: "Juan </a:t>
+            </a:r>
+            <a:r>
+              <a:rPr lang="es-PE" sz="2400" dirty="0" err="1" smtClean="0">
+                <a:cs typeface="Arial" pitchFamily="34" charset="0"/>
+              </a:rPr>
+              <a:t>wins</a:t>
+            </a:r>
+            <a:r>
+              <a:rPr lang="es-PE" sz="2400" dirty="0" smtClean="0">
+                <a:cs typeface="Arial" pitchFamily="34" charset="0"/>
+              </a:rPr>
+              <a:t>".</a:t>
+            </a:r>
+          </a:p>
+          <a:p>
+            <a:pPr>
+              <a:lnSpc>
+                <a:spcPts val="4500"/>
+              </a:lnSpc>
+              <a:buSzPct val="150000"/>
+              <a:buFontTx/>
+              <a:buChar char="-"/>
+            </a:pPr>
+            <a:r>
+              <a:rPr lang="es-PE" sz="2400" dirty="0" smtClean="0">
+                <a:cs typeface="Arial" pitchFamily="34" charset="0"/>
+              </a:rPr>
+              <a:t>Se debe considerar el </a:t>
+            </a:r>
+            <a:r>
+              <a:rPr lang="es-PE" sz="2400" dirty="0" err="1" smtClean="0">
+                <a:cs typeface="Arial" pitchFamily="34" charset="0"/>
+              </a:rPr>
+              <a:t>deuce</a:t>
+            </a:r>
+            <a:r>
+              <a:rPr lang="es-PE" sz="2400" dirty="0" smtClean="0">
+                <a:cs typeface="Arial" pitchFamily="34" charset="0"/>
+              </a:rPr>
+              <a:t>: "</a:t>
+            </a:r>
+            <a:r>
+              <a:rPr lang="es-PE" sz="2400" dirty="0" err="1" smtClean="0">
+                <a:cs typeface="Arial" pitchFamily="34" charset="0"/>
+              </a:rPr>
+              <a:t>Deuce</a:t>
+            </a:r>
+            <a:r>
+              <a:rPr lang="es-PE" sz="2400" dirty="0" smtClean="0">
+                <a:cs typeface="Arial" pitchFamily="34" charset="0"/>
+              </a:rPr>
+              <a:t>", "</a:t>
+            </a:r>
+            <a:r>
+              <a:rPr lang="es-PE" sz="2400" dirty="0" err="1" smtClean="0">
+                <a:cs typeface="Arial" pitchFamily="34" charset="0"/>
+              </a:rPr>
+              <a:t>Advantage</a:t>
+            </a:r>
+            <a:r>
+              <a:rPr lang="es-PE" sz="2400" dirty="0" smtClean="0">
+                <a:cs typeface="Arial" pitchFamily="34" charset="0"/>
+              </a:rPr>
+              <a:t> Juan".</a:t>
+            </a:r>
+          </a:p>
+        </p:txBody>
+      </p:sp>
+      <p:sp>
+        <p:nvSpPr>
+          <p:cNvPr id="3" name="2 Rectángulo"/>
+          <p:cNvSpPr/>
+          <p:nvPr/>
+        </p:nvSpPr>
+        <p:spPr>
+          <a:xfrm>
+            <a:off x="395536" y="1596425"/>
+            <a:ext cx="8496944" cy="1183466"/>
+          </a:xfrm>
+          <a:prstGeom prst="rect">
+            <a:avLst/>
+          </a:prstGeom>
+        </p:spPr>
+        <p:txBody>
+          <a:bodyPr wrap="square">
+            <a:spAutoFit/>
+          </a:bodyPr>
+          <a:lstStyle/>
+          <a:p>
+            <a:pPr>
+              <a:lnSpc>
+                <a:spcPts val="4500"/>
+              </a:lnSpc>
+              <a:buSzPct val="150000"/>
+            </a:pPr>
+            <a:r>
+              <a:rPr lang="es-PE" sz="2400" dirty="0" smtClean="0"/>
+              <a:t>Escribir un programar que maneje los siguiente requerimientos de un juego de </a:t>
+            </a:r>
+            <a:r>
+              <a:rPr lang="es-PE" sz="2400" dirty="0" err="1" smtClean="0"/>
+              <a:t>tennis</a:t>
+            </a:r>
+            <a:r>
+              <a:rPr lang="es-PE" sz="2400" dirty="0" smtClean="0"/>
+              <a:t>:</a:t>
+            </a:r>
+            <a:endParaRPr lang="es-PE" sz="2400" dirty="0">
+              <a:cs typeface="Arial" pitchFamily="34" charset="0"/>
+            </a:endParaRPr>
+          </a:p>
+        </p:txBody>
+      </p:sp>
+      <p:sp>
+        <p:nvSpPr>
+          <p:cNvPr id="10" name="9 Rectángulo"/>
+          <p:cNvSpPr/>
+          <p:nvPr/>
+        </p:nvSpPr>
+        <p:spPr>
+          <a:xfrm>
+            <a:off x="395536" y="991420"/>
+            <a:ext cx="8496944" cy="669414"/>
+          </a:xfrm>
+          <a:prstGeom prst="rect">
+            <a:avLst/>
+          </a:prstGeom>
+        </p:spPr>
+        <p:txBody>
+          <a:bodyPr wrap="square">
+            <a:spAutoFit/>
+          </a:bodyPr>
+          <a:lstStyle/>
+          <a:p>
+            <a:pPr algn="ctr">
+              <a:lnSpc>
+                <a:spcPts val="4500"/>
+              </a:lnSpc>
+              <a:buSzPct val="150000"/>
+            </a:pPr>
+            <a:r>
+              <a:rPr lang="es-PE" sz="2800" b="1" dirty="0" smtClean="0">
+                <a:solidFill>
+                  <a:srgbClr val="FFC000"/>
+                </a:solidFill>
+              </a:rPr>
+              <a:t>Requerimientos</a:t>
+            </a:r>
+            <a:endParaRPr lang="es-PE" sz="2800" b="1" dirty="0">
+              <a:solidFill>
+                <a:srgbClr val="FFC000"/>
+              </a:solidFill>
+              <a:cs typeface="Arial" pitchFamily="34" charset="0"/>
+            </a:endParaRPr>
+          </a:p>
+        </p:txBody>
+      </p:sp>
+    </p:spTree>
+    <p:extLst>
+      <p:ext uri="{BB962C8B-B14F-4D97-AF65-F5344CB8AC3E}">
+        <p14:creationId xmlns:p14="http://schemas.microsoft.com/office/powerpoint/2010/main" val="1789055799"/>
+      </p:ext>
+    </p:extLst>
+  </p:cSld>
+  <p:clrMapOvr>
+    <a:masterClrMapping/>
+  </p:clrMapOvr>
+  <p:timing>
+    <p:tnLst>
+      <p:par>
+        <p:cTn id="1" dur="indefinite" restart="never" nodeType="tmRoot"/>
+      </p:par>
+    </p:tnLst>
+  </p:timing>
+</p:sld>
+</file>
+
+<file path=ppt/slides/slide50.xml><?xml version="1.0" encoding="utf-8"?>
 <p:sld xmlns:a="http://schemas.openxmlformats.org/drawingml/2006/main" xmlns:r="http://schemas.openxmlformats.org/officeDocument/2006/relationships" xmlns:p="http://schemas.openxmlformats.org/presentationml/2006/main">
   <p:cSld>
     <p:spTree>
@@ -30446,7 +30186,7 @@
 </p:sld>
 </file>
 
-<file path=ppt/slides/slide52.xml><?xml version="1.0" encoding="utf-8"?>
+<file path=ppt/slides/slide51.xml><?xml version="1.0" encoding="utf-8"?>
 <p:sld xmlns:a="http://schemas.openxmlformats.org/drawingml/2006/main" xmlns:r="http://schemas.openxmlformats.org/officeDocument/2006/relationships" xmlns:p="http://schemas.openxmlformats.org/presentationml/2006/main">
   <p:cSld>
     <p:spTree>
@@ -30791,7 +30531,7 @@
 </p:sld>
 </file>
 
-<file path=ppt/slides/slide53.xml><?xml version="1.0" encoding="utf-8"?>
+<file path=ppt/slides/slide52.xml><?xml version="1.0" encoding="utf-8"?>
 <p:sld xmlns:a="http://schemas.openxmlformats.org/drawingml/2006/main" xmlns:r="http://schemas.openxmlformats.org/officeDocument/2006/relationships" xmlns:p="http://schemas.openxmlformats.org/presentationml/2006/main">
   <p:cSld>
     <p:spTree>
@@ -30982,7 +30722,7 @@
 </p:sld>
 </file>
 
-<file path=ppt/slides/slide54.xml><?xml version="1.0" encoding="utf-8"?>
+<file path=ppt/slides/slide53.xml><?xml version="1.0" encoding="utf-8"?>
 <p:sld xmlns:a="http://schemas.openxmlformats.org/drawingml/2006/main" xmlns:r="http://schemas.openxmlformats.org/officeDocument/2006/relationships" xmlns:p="http://schemas.openxmlformats.org/presentationml/2006/main">
   <p:cSld>
     <p:spTree>
@@ -31173,7 +30913,7 @@
 </p:sld>
 </file>
 
-<file path=ppt/slides/slide55.xml><?xml version="1.0" encoding="utf-8"?>
+<file path=ppt/slides/slide54.xml><?xml version="1.0" encoding="utf-8"?>
 <p:sld xmlns:a="http://schemas.openxmlformats.org/drawingml/2006/main" xmlns:r="http://schemas.openxmlformats.org/officeDocument/2006/relationships" xmlns:p="http://schemas.openxmlformats.org/presentationml/2006/main">
   <p:cSld>
     <p:spTree>
@@ -31283,7 +31023,7 @@
 </p:sld>
 </file>
 
-<file path=ppt/slides/slide56.xml><?xml version="1.0" encoding="utf-8"?>
+<file path=ppt/slides/slide55.xml><?xml version="1.0" encoding="utf-8"?>
 <p:sld xmlns:a="http://schemas.openxmlformats.org/drawingml/2006/main" xmlns:r="http://schemas.openxmlformats.org/officeDocument/2006/relationships" xmlns:p="http://schemas.openxmlformats.org/presentationml/2006/main">
   <p:cSld>
     <p:spTree>
@@ -31458,7 +31198,7 @@
 </p:sld>
 </file>
 
-<file path=ppt/slides/slide57.xml><?xml version="1.0" encoding="utf-8"?>
+<file path=ppt/slides/slide56.xml><?xml version="1.0" encoding="utf-8"?>
 <p:sld xmlns:a="http://schemas.openxmlformats.org/drawingml/2006/main" xmlns:r="http://schemas.openxmlformats.org/officeDocument/2006/relationships" xmlns:p="http://schemas.openxmlformats.org/presentationml/2006/main">
   <p:cSld>
     <p:spTree>
@@ -31832,7 +31572,7 @@
 </p:sld>
 </file>
 
-<file path=ppt/slides/slide58.xml><?xml version="1.0" encoding="utf-8"?>
+<file path=ppt/slides/slide57.xml><?xml version="1.0" encoding="utf-8"?>
 <p:sld xmlns:a="http://schemas.openxmlformats.org/drawingml/2006/main" xmlns:r="http://schemas.openxmlformats.org/officeDocument/2006/relationships" xmlns:p="http://schemas.openxmlformats.org/presentationml/2006/main">
   <p:cSld>
     <p:spTree>

--- a/Diapositivas/Test Driven Development.pptx
+++ b/Diapositivas/Test Driven Development.pptx
@@ -2,7 +2,7 @@
 <file path=ppt/presentation.xml><?xml version="1.0" encoding="utf-8"?>
 <p:presentation xmlns:a="http://schemas.openxmlformats.org/drawingml/2006/main" xmlns:r="http://schemas.openxmlformats.org/officeDocument/2006/relationships" xmlns:p="http://schemas.openxmlformats.org/presentationml/2006/main" saveSubsetFonts="1">
   <p:sldMasterIdLst>
-    <p:sldMasterId id="2147483684" r:id="rId1"/>
+    <p:sldMasterId id="2147483696" r:id="rId1"/>
   </p:sldMasterIdLst>
   <p:notesMasterIdLst>
     <p:notesMasterId r:id="rId59"/>
@@ -165,7 +165,7 @@
   </p:defaultTextStyle>
   <p:extLst>
     <p:ext uri="{EFAFB233-063F-42B5-8137-9DF3F51BA10A}">
-      <p15:sldGuideLst xmlns:p15="http://schemas.microsoft.com/office/powerpoint/2012/main">
+      <p15:sldGuideLst xmlns:p15="http://schemas.microsoft.com/office/powerpoint/2012/main" xmlns="">
         <p15:guide id="1" orient="horz" pos="2160">
           <p15:clr>
             <a:srgbClr val="A4A3A4"/>
@@ -185,7 +185,7 @@
 <file path=ppt/charts/chart1.xml><?xml version="1.0" encoding="utf-8"?>
 <c:chartSpace xmlns:c="http://schemas.openxmlformats.org/drawingml/2006/chart" xmlns:a="http://schemas.openxmlformats.org/drawingml/2006/main" xmlns:r="http://schemas.openxmlformats.org/officeDocument/2006/relationships">
   <c:date1904 val="0"/>
-  <c:lang val="es-ES"/>
+  <c:lang val="en-US"/>
   <c:roundedCorners val="0"/>
   <mc:AlternateContent xmlns:mc="http://schemas.openxmlformats.org/markup-compatibility/2006">
     <mc:Choice xmlns:c14="http://schemas.microsoft.com/office/drawing/2007/8/2/chart" Requires="c14">
@@ -228,7 +228,7 @@
                   <c:v>1.23</c:v>
                 </c:pt>
                 <c:pt idx="1">
-                  <c:v>1.1499999999999999</c:v>
+                  <c:v>1.15</c:v>
                 </c:pt>
                 <c:pt idx="2">
                   <c:v>1.3</c:v>
@@ -286,11 +286,11 @@
           <c:showBubbleSize val="0"/>
         </c:dLbls>
         <c:gapWidth val="150"/>
-        <c:axId val="134473192"/>
-        <c:axId val="133860128"/>
+        <c:axId val="-2128024376"/>
+        <c:axId val="-2128018152"/>
       </c:barChart>
       <c:catAx>
-        <c:axId val="134473192"/>
+        <c:axId val="-2128024376"/>
         <c:scaling>
           <c:orientation val="minMax"/>
         </c:scaling>
@@ -313,8 +313,8 @@
             <c:manualLayout>
               <c:xMode val="edge"/>
               <c:yMode val="edge"/>
-              <c:x val="0.37070175262857863"/>
-              <c:y val="0.73906946291962639"/>
+              <c:x val="0.370701752628579"/>
+              <c:y val="0.739069462919626"/>
             </c:manualLayout>
           </c:layout>
           <c:overlay val="0"/>
@@ -322,7 +322,7 @@
         <c:majorTickMark val="out"/>
         <c:minorTickMark val="none"/>
         <c:tickLblPos val="nextTo"/>
-        <c:crossAx val="133860128"/>
+        <c:crossAx val="-2128018152"/>
         <c:crosses val="autoZero"/>
         <c:auto val="1"/>
         <c:lblAlgn val="ctr"/>
@@ -330,7 +330,7 @@
         <c:noMultiLvlLbl val="0"/>
       </c:catAx>
       <c:valAx>
-        <c:axId val="133860128"/>
+        <c:axId val="-2128018152"/>
         <c:scaling>
           <c:orientation val="minMax"/>
         </c:scaling>
@@ -341,7 +341,7 @@
         <c:majorTickMark val="out"/>
         <c:minorTickMark val="none"/>
         <c:tickLblPos val="nextTo"/>
-        <c:crossAx val="134473192"/>
+        <c:crossAx val="-2128024376"/>
         <c:crosses val="autoZero"/>
         <c:crossBetween val="between"/>
       </c:valAx>
@@ -456,7 +456,7 @@
           <a:p>
             <a:fld id="{82731913-02B6-467D-B183-D787C0857BBF}" type="datetimeFigureOut">
               <a:rPr lang="es-PE" smtClean="0"/>
-              <a:t>14/03/2014</a:t>
+              <a:t>3/14/15</a:t>
             </a:fld>
             <a:endParaRPr lang="es-PE"/>
           </a:p>
@@ -615,7 +615,7 @@
           <a:p>
             <a:fld id="{80C14895-23C8-45AE-85D5-3B35E5980A68}" type="slidenum">
               <a:rPr lang="es-PE" smtClean="0"/>
-              <a:t>‹Nº›</a:t>
+              <a:t>‹#›</a:t>
             </a:fld>
             <a:endParaRPr lang="es-PE"/>
           </a:p>
@@ -7708,7 +7708,7 @@
 
 <file path=ppt/slideLayouts/slideLayout1.xml><?xml version="1.0" encoding="utf-8"?>
 <p:sldLayout xmlns:a="http://schemas.openxmlformats.org/drawingml/2006/main" xmlns:r="http://schemas.openxmlformats.org/officeDocument/2006/relationships" xmlns:p="http://schemas.openxmlformats.org/presentationml/2006/main" type="title" preserve="1">
-  <p:cSld name="Diapositiva de título">
+  <p:cSld name="Title Slide">
     <p:spTree>
       <p:nvGrpSpPr>
         <p:cNvPr id="1" name=""/>
@@ -7725,7 +7725,7 @@
       </p:grpSpPr>
       <p:sp>
         <p:nvSpPr>
-          <p:cNvPr id="2" name="1 Título"/>
+          <p:cNvPr id="2" name="Title 1"/>
           <p:cNvSpPr>
             <a:spLocks noGrp="1"/>
           </p:cNvSpPr>
@@ -7735,7 +7735,7 @@
         </p:nvSpPr>
         <p:spPr>
           <a:xfrm>
-            <a:off x="685800" y="2130428"/>
+            <a:off x="685800" y="2130425"/>
             <a:ext cx="7772400" cy="1470025"/>
           </a:xfrm>
         </p:spPr>
@@ -7744,8 +7744,8 @@
           <a:lstStyle/>
           <a:p>
             <a:r>
-              <a:rPr lang="es-ES" smtClean="0"/>
-              <a:t>Haga clic para modificar el estilo de título del patrón</a:t>
+              <a:rPr lang="en-US" smtClean="0"/>
+              <a:t>Click to edit Master title style</a:t>
             </a:r>
             <a:endParaRPr lang="es-ES"/>
           </a:p>
@@ -7753,7 +7753,7 @@
       </p:sp>
       <p:sp>
         <p:nvSpPr>
-          <p:cNvPr id="3" name="2 Subtítulo"/>
+          <p:cNvPr id="3" name="Subtitle 2"/>
           <p:cNvSpPr>
             <a:spLocks noGrp="1"/>
           </p:cNvSpPr>
@@ -7863,8 +7863,8 @@
           </a:lstStyle>
           <a:p>
             <a:r>
-              <a:rPr lang="es-ES" smtClean="0"/>
-              <a:t>Haga clic para modificar el estilo de subtítulo del patrón</a:t>
+              <a:rPr lang="en-US" smtClean="0"/>
+              <a:t>Click to edit Master subtitle style</a:t>
             </a:r>
             <a:endParaRPr lang="es-ES"/>
           </a:p>
@@ -7872,7 +7872,7 @@
       </p:sp>
       <p:sp>
         <p:nvSpPr>
-          <p:cNvPr id="4" name="3 Marcador de fecha"/>
+          <p:cNvPr id="4" name="Date Placeholder 3"/>
           <p:cNvSpPr>
             <a:spLocks noGrp="1"/>
           </p:cNvSpPr>
@@ -7883,16 +7883,12 @@
         <p:spPr/>
         <p:txBody>
           <a:bodyPr/>
-          <a:lstStyle>
-            <a:lvl1pPr>
-              <a:defRPr/>
-            </a:lvl1pPr>
-          </a:lstStyle>
+          <a:lstStyle/>
           <a:p>
             <a:fld id="{807CB568-C05F-482F-9F26-AA302B8892DF}" type="datetimeFigureOut">
               <a:rPr lang="es-ES" smtClean="0"/>
               <a:pPr/>
-              <a:t>14/03/2014</a:t>
+              <a:t>3/14/15</a:t>
             </a:fld>
             <a:endParaRPr lang="es-ES"/>
           </a:p>
@@ -7900,7 +7896,7 @@
       </p:sp>
       <p:sp>
         <p:nvSpPr>
-          <p:cNvPr id="5" name="4 Marcador de pie de página"/>
+          <p:cNvPr id="5" name="Footer Placeholder 4"/>
           <p:cNvSpPr>
             <a:spLocks noGrp="1"/>
           </p:cNvSpPr>
@@ -7911,11 +7907,7 @@
         <p:spPr/>
         <p:txBody>
           <a:bodyPr/>
-          <a:lstStyle>
-            <a:lvl1pPr>
-              <a:defRPr/>
-            </a:lvl1pPr>
-          </a:lstStyle>
+          <a:lstStyle/>
           <a:p>
             <a:endParaRPr lang="es-ES"/>
           </a:p>
@@ -7923,7 +7915,7 @@
       </p:sp>
       <p:sp>
         <p:nvSpPr>
-          <p:cNvPr id="6" name="5 Marcador de número de diapositiva"/>
+          <p:cNvPr id="6" name="Slide Number Placeholder 5"/>
           <p:cNvSpPr>
             <a:spLocks noGrp="1"/>
           </p:cNvSpPr>
@@ -7934,22 +7926,23 @@
         <p:spPr/>
         <p:txBody>
           <a:bodyPr/>
-          <a:lstStyle>
-            <a:lvl1pPr>
-              <a:defRPr/>
-            </a:lvl1pPr>
-          </a:lstStyle>
+          <a:lstStyle/>
           <a:p>
             <a:fld id="{50178587-63F8-41F6-AE39-05E613E840AE}" type="slidenum">
               <a:rPr lang="es-ES" smtClean="0"/>
               <a:pPr/>
-              <a:t>‹Nº›</a:t>
+              <a:t>‹#›</a:t>
             </a:fld>
             <a:endParaRPr lang="es-ES"/>
           </a:p>
         </p:txBody>
       </p:sp>
     </p:spTree>
+    <p:extLst>
+      <p:ext uri="{BB962C8B-B14F-4D97-AF65-F5344CB8AC3E}">
+        <p14:creationId xmlns:p14="http://schemas.microsoft.com/office/powerpoint/2010/main" val="1064331473"/>
+      </p:ext>
+    </p:extLst>
   </p:cSld>
   <p:clrMapOvr>
     <a:masterClrMapping/>
@@ -7959,7 +7952,7 @@
 
 <file path=ppt/slideLayouts/slideLayout10.xml><?xml version="1.0" encoding="utf-8"?>
 <p:sldLayout xmlns:a="http://schemas.openxmlformats.org/drawingml/2006/main" xmlns:r="http://schemas.openxmlformats.org/officeDocument/2006/relationships" xmlns:p="http://schemas.openxmlformats.org/presentationml/2006/main" type="vertTx" preserve="1">
-  <p:cSld name="Título y texto vertical">
+  <p:cSld name="Title and Vertical Text">
     <p:spTree>
       <p:nvGrpSpPr>
         <p:cNvPr id="1" name=""/>
@@ -7976,7 +7969,7 @@
       </p:grpSpPr>
       <p:sp>
         <p:nvSpPr>
-          <p:cNvPr id="2" name="1 Título"/>
+          <p:cNvPr id="2" name="Title 1"/>
           <p:cNvSpPr>
             <a:spLocks noGrp="1"/>
           </p:cNvSpPr>
@@ -7990,8 +7983,8 @@
           <a:lstStyle/>
           <a:p>
             <a:r>
-              <a:rPr lang="es-ES" smtClean="0"/>
-              <a:t>Haga clic para modificar el estilo de título del patrón</a:t>
+              <a:rPr lang="en-US" smtClean="0"/>
+              <a:t>Click to edit Master title style</a:t>
             </a:r>
             <a:endParaRPr lang="es-ES"/>
           </a:p>
@@ -7999,7 +7992,7 @@
       </p:sp>
       <p:sp>
         <p:nvSpPr>
-          <p:cNvPr id="3" name="2 Marcador de texto vertical"/>
+          <p:cNvPr id="3" name="Vertical Text Placeholder 2"/>
           <p:cNvSpPr>
             <a:spLocks noGrp="1"/>
           </p:cNvSpPr>
@@ -8014,36 +8007,36 @@
           <a:p>
             <a:pPr lvl="0"/>
             <a:r>
-              <a:rPr lang="es-ES" smtClean="0"/>
-              <a:t>Haga clic para modificar el estilo de texto del patrón</a:t>
+              <a:rPr lang="en-US" smtClean="0"/>
+              <a:t>Click to edit Master text styles</a:t>
             </a:r>
           </a:p>
           <a:p>
             <a:pPr lvl="1"/>
             <a:r>
-              <a:rPr lang="es-ES" smtClean="0"/>
-              <a:t>Segundo nivel</a:t>
+              <a:rPr lang="en-US" smtClean="0"/>
+              <a:t>Second level</a:t>
             </a:r>
           </a:p>
           <a:p>
             <a:pPr lvl="2"/>
             <a:r>
-              <a:rPr lang="es-ES" smtClean="0"/>
-              <a:t>Tercer nivel</a:t>
+              <a:rPr lang="en-US" smtClean="0"/>
+              <a:t>Third level</a:t>
             </a:r>
           </a:p>
           <a:p>
             <a:pPr lvl="3"/>
             <a:r>
-              <a:rPr lang="es-ES" smtClean="0"/>
-              <a:t>Cuarto nivel</a:t>
+              <a:rPr lang="en-US" smtClean="0"/>
+              <a:t>Fourth level</a:t>
             </a:r>
           </a:p>
           <a:p>
             <a:pPr lvl="4"/>
             <a:r>
-              <a:rPr lang="es-ES" smtClean="0"/>
-              <a:t>Quinto nivel</a:t>
+              <a:rPr lang="en-US" smtClean="0"/>
+              <a:t>Fifth level</a:t>
             </a:r>
             <a:endParaRPr lang="es-ES"/>
           </a:p>
@@ -8051,7 +8044,7 @@
       </p:sp>
       <p:sp>
         <p:nvSpPr>
-          <p:cNvPr id="4" name="3 Marcador de fecha"/>
+          <p:cNvPr id="4" name="Date Placeholder 3"/>
           <p:cNvSpPr>
             <a:spLocks noGrp="1"/>
           </p:cNvSpPr>
@@ -8062,16 +8055,12 @@
         <p:spPr/>
         <p:txBody>
           <a:bodyPr/>
-          <a:lstStyle>
-            <a:lvl1pPr>
-              <a:defRPr/>
-            </a:lvl1pPr>
-          </a:lstStyle>
+          <a:lstStyle/>
           <a:p>
             <a:fld id="{807CB568-C05F-482F-9F26-AA302B8892DF}" type="datetimeFigureOut">
               <a:rPr lang="es-ES" smtClean="0"/>
               <a:pPr/>
-              <a:t>14/03/2014</a:t>
+              <a:t>3/14/15</a:t>
             </a:fld>
             <a:endParaRPr lang="es-ES"/>
           </a:p>
@@ -8079,7 +8068,7 @@
       </p:sp>
       <p:sp>
         <p:nvSpPr>
-          <p:cNvPr id="5" name="4 Marcador de pie de página"/>
+          <p:cNvPr id="5" name="Footer Placeholder 4"/>
           <p:cNvSpPr>
             <a:spLocks noGrp="1"/>
           </p:cNvSpPr>
@@ -8090,11 +8079,7 @@
         <p:spPr/>
         <p:txBody>
           <a:bodyPr/>
-          <a:lstStyle>
-            <a:lvl1pPr>
-              <a:defRPr/>
-            </a:lvl1pPr>
-          </a:lstStyle>
+          <a:lstStyle/>
           <a:p>
             <a:endParaRPr lang="es-ES"/>
           </a:p>
@@ -8102,7 +8087,7 @@
       </p:sp>
       <p:sp>
         <p:nvSpPr>
-          <p:cNvPr id="6" name="5 Marcador de número de diapositiva"/>
+          <p:cNvPr id="6" name="Slide Number Placeholder 5"/>
           <p:cNvSpPr>
             <a:spLocks noGrp="1"/>
           </p:cNvSpPr>
@@ -8113,22 +8098,23 @@
         <p:spPr/>
         <p:txBody>
           <a:bodyPr/>
-          <a:lstStyle>
-            <a:lvl1pPr>
-              <a:defRPr/>
-            </a:lvl1pPr>
-          </a:lstStyle>
+          <a:lstStyle/>
           <a:p>
             <a:fld id="{50178587-63F8-41F6-AE39-05E613E840AE}" type="slidenum">
               <a:rPr lang="es-ES" smtClean="0"/>
               <a:pPr/>
-              <a:t>‹Nº›</a:t>
+              <a:t>‹#›</a:t>
             </a:fld>
             <a:endParaRPr lang="es-ES"/>
           </a:p>
         </p:txBody>
       </p:sp>
     </p:spTree>
+    <p:extLst>
+      <p:ext uri="{BB962C8B-B14F-4D97-AF65-F5344CB8AC3E}">
+        <p14:creationId xmlns:p14="http://schemas.microsoft.com/office/powerpoint/2010/main" val="4219585753"/>
+      </p:ext>
+    </p:extLst>
   </p:cSld>
   <p:clrMapOvr>
     <a:masterClrMapping/>
@@ -8138,7 +8124,7 @@
 
 <file path=ppt/slideLayouts/slideLayout11.xml><?xml version="1.0" encoding="utf-8"?>
 <p:sldLayout xmlns:a="http://schemas.openxmlformats.org/drawingml/2006/main" xmlns:r="http://schemas.openxmlformats.org/officeDocument/2006/relationships" xmlns:p="http://schemas.openxmlformats.org/presentationml/2006/main" type="vertTitleAndTx" preserve="1">
-  <p:cSld name="Título vertical y texto">
+  <p:cSld name="Vertical Title and Text">
     <p:spTree>
       <p:nvGrpSpPr>
         <p:cNvPr id="1" name=""/>
@@ -8155,7 +8141,7 @@
       </p:grpSpPr>
       <p:sp>
         <p:nvSpPr>
-          <p:cNvPr id="2" name="1 Título vertical"/>
+          <p:cNvPr id="2" name="Vertical Title 1"/>
           <p:cNvSpPr>
             <a:spLocks noGrp="1"/>
           </p:cNvSpPr>
@@ -8165,7 +8151,7 @@
         </p:nvSpPr>
         <p:spPr>
           <a:xfrm>
-            <a:off x="6629400" y="274641"/>
+            <a:off x="6629400" y="274638"/>
             <a:ext cx="2057400" cy="5851525"/>
           </a:xfrm>
         </p:spPr>
@@ -8174,8 +8160,8 @@
           <a:lstStyle/>
           <a:p>
             <a:r>
-              <a:rPr lang="es-ES" smtClean="0"/>
-              <a:t>Haga clic para modificar el estilo de título del patrón</a:t>
+              <a:rPr lang="en-US" smtClean="0"/>
+              <a:t>Click to edit Master title style</a:t>
             </a:r>
             <a:endParaRPr lang="es-ES"/>
           </a:p>
@@ -8183,7 +8169,7 @@
       </p:sp>
       <p:sp>
         <p:nvSpPr>
-          <p:cNvPr id="3" name="2 Marcador de texto vertical"/>
+          <p:cNvPr id="3" name="Vertical Text Placeholder 2"/>
           <p:cNvSpPr>
             <a:spLocks noGrp="1"/>
           </p:cNvSpPr>
@@ -8193,7 +8179,7 @@
         </p:nvSpPr>
         <p:spPr>
           <a:xfrm>
-            <a:off x="457200" y="274641"/>
+            <a:off x="457200" y="274638"/>
             <a:ext cx="6019800" cy="5851525"/>
           </a:xfrm>
         </p:spPr>
@@ -8203,36 +8189,36 @@
           <a:p>
             <a:pPr lvl="0"/>
             <a:r>
-              <a:rPr lang="es-ES" smtClean="0"/>
-              <a:t>Haga clic para modificar el estilo de texto del patrón</a:t>
+              <a:rPr lang="en-US" smtClean="0"/>
+              <a:t>Click to edit Master text styles</a:t>
             </a:r>
           </a:p>
           <a:p>
             <a:pPr lvl="1"/>
             <a:r>
-              <a:rPr lang="es-ES" smtClean="0"/>
-              <a:t>Segundo nivel</a:t>
+              <a:rPr lang="en-US" smtClean="0"/>
+              <a:t>Second level</a:t>
             </a:r>
           </a:p>
           <a:p>
             <a:pPr lvl="2"/>
             <a:r>
-              <a:rPr lang="es-ES" smtClean="0"/>
-              <a:t>Tercer nivel</a:t>
+              <a:rPr lang="en-US" smtClean="0"/>
+              <a:t>Third level</a:t>
             </a:r>
           </a:p>
           <a:p>
             <a:pPr lvl="3"/>
             <a:r>
-              <a:rPr lang="es-ES" smtClean="0"/>
-              <a:t>Cuarto nivel</a:t>
+              <a:rPr lang="en-US" smtClean="0"/>
+              <a:t>Fourth level</a:t>
             </a:r>
           </a:p>
           <a:p>
             <a:pPr lvl="4"/>
             <a:r>
-              <a:rPr lang="es-ES" smtClean="0"/>
-              <a:t>Quinto nivel</a:t>
+              <a:rPr lang="en-US" smtClean="0"/>
+              <a:t>Fifth level</a:t>
             </a:r>
             <a:endParaRPr lang="es-ES"/>
           </a:p>
@@ -8240,7 +8226,7 @@
       </p:sp>
       <p:sp>
         <p:nvSpPr>
-          <p:cNvPr id="4" name="3 Marcador de fecha"/>
+          <p:cNvPr id="4" name="Date Placeholder 3"/>
           <p:cNvSpPr>
             <a:spLocks noGrp="1"/>
           </p:cNvSpPr>
@@ -8251,16 +8237,12 @@
         <p:spPr/>
         <p:txBody>
           <a:bodyPr/>
-          <a:lstStyle>
-            <a:lvl1pPr>
-              <a:defRPr/>
-            </a:lvl1pPr>
-          </a:lstStyle>
+          <a:lstStyle/>
           <a:p>
             <a:fld id="{807CB568-C05F-482F-9F26-AA302B8892DF}" type="datetimeFigureOut">
               <a:rPr lang="es-ES" smtClean="0"/>
               <a:pPr/>
-              <a:t>14/03/2014</a:t>
+              <a:t>3/14/15</a:t>
             </a:fld>
             <a:endParaRPr lang="es-ES"/>
           </a:p>
@@ -8268,7 +8250,7 @@
       </p:sp>
       <p:sp>
         <p:nvSpPr>
-          <p:cNvPr id="5" name="4 Marcador de pie de página"/>
+          <p:cNvPr id="5" name="Footer Placeholder 4"/>
           <p:cNvSpPr>
             <a:spLocks noGrp="1"/>
           </p:cNvSpPr>
@@ -8279,11 +8261,7 @@
         <p:spPr/>
         <p:txBody>
           <a:bodyPr/>
-          <a:lstStyle>
-            <a:lvl1pPr>
-              <a:defRPr/>
-            </a:lvl1pPr>
-          </a:lstStyle>
+          <a:lstStyle/>
           <a:p>
             <a:endParaRPr lang="es-ES"/>
           </a:p>
@@ -8291,7 +8269,7 @@
       </p:sp>
       <p:sp>
         <p:nvSpPr>
-          <p:cNvPr id="6" name="5 Marcador de número de diapositiva"/>
+          <p:cNvPr id="6" name="Slide Number Placeholder 5"/>
           <p:cNvSpPr>
             <a:spLocks noGrp="1"/>
           </p:cNvSpPr>
@@ -8302,22 +8280,23 @@
         <p:spPr/>
         <p:txBody>
           <a:bodyPr/>
-          <a:lstStyle>
-            <a:lvl1pPr>
-              <a:defRPr/>
-            </a:lvl1pPr>
-          </a:lstStyle>
+          <a:lstStyle/>
           <a:p>
             <a:fld id="{50178587-63F8-41F6-AE39-05E613E840AE}" type="slidenum">
               <a:rPr lang="es-ES" smtClean="0"/>
               <a:pPr/>
-              <a:t>‹Nº›</a:t>
+              <a:t>‹#›</a:t>
             </a:fld>
             <a:endParaRPr lang="es-ES"/>
           </a:p>
         </p:txBody>
       </p:sp>
     </p:spTree>
+    <p:extLst>
+      <p:ext uri="{BB962C8B-B14F-4D97-AF65-F5344CB8AC3E}">
+        <p14:creationId xmlns:p14="http://schemas.microsoft.com/office/powerpoint/2010/main" val="478916753"/>
+      </p:ext>
+    </p:extLst>
   </p:cSld>
   <p:clrMapOvr>
     <a:masterClrMapping/>
@@ -8327,7 +8306,7 @@
 
 <file path=ppt/slideLayouts/slideLayout2.xml><?xml version="1.0" encoding="utf-8"?>
 <p:sldLayout xmlns:a="http://schemas.openxmlformats.org/drawingml/2006/main" xmlns:r="http://schemas.openxmlformats.org/officeDocument/2006/relationships" xmlns:p="http://schemas.openxmlformats.org/presentationml/2006/main" type="obj" preserve="1">
-  <p:cSld name="Título y objetos">
+  <p:cSld name="Title and Content">
     <p:spTree>
       <p:nvGrpSpPr>
         <p:cNvPr id="1" name=""/>
@@ -8344,7 +8323,7 @@
       </p:grpSpPr>
       <p:sp>
         <p:nvSpPr>
-          <p:cNvPr id="2" name="1 Título"/>
+          <p:cNvPr id="2" name="Title 1"/>
           <p:cNvSpPr>
             <a:spLocks noGrp="1"/>
           </p:cNvSpPr>
@@ -8358,8 +8337,8 @@
           <a:lstStyle/>
           <a:p>
             <a:r>
-              <a:rPr lang="es-ES" smtClean="0"/>
-              <a:t>Haga clic para modificar el estilo de título del patrón</a:t>
+              <a:rPr lang="en-US" smtClean="0"/>
+              <a:t>Click to edit Master title style</a:t>
             </a:r>
             <a:endParaRPr lang="es-ES"/>
           </a:p>
@@ -8367,7 +8346,7 @@
       </p:sp>
       <p:sp>
         <p:nvSpPr>
-          <p:cNvPr id="3" name="2 Marcador de contenido"/>
+          <p:cNvPr id="3" name="Content Placeholder 2"/>
           <p:cNvSpPr>
             <a:spLocks noGrp="1"/>
           </p:cNvSpPr>
@@ -8382,36 +8361,36 @@
           <a:p>
             <a:pPr lvl="0"/>
             <a:r>
-              <a:rPr lang="es-ES" smtClean="0"/>
-              <a:t>Haga clic para modificar el estilo de texto del patrón</a:t>
+              <a:rPr lang="en-US" smtClean="0"/>
+              <a:t>Click to edit Master text styles</a:t>
             </a:r>
           </a:p>
           <a:p>
             <a:pPr lvl="1"/>
             <a:r>
-              <a:rPr lang="es-ES" smtClean="0"/>
-              <a:t>Segundo nivel</a:t>
+              <a:rPr lang="en-US" smtClean="0"/>
+              <a:t>Second level</a:t>
             </a:r>
           </a:p>
           <a:p>
             <a:pPr lvl="2"/>
             <a:r>
-              <a:rPr lang="es-ES" smtClean="0"/>
-              <a:t>Tercer nivel</a:t>
+              <a:rPr lang="en-US" smtClean="0"/>
+              <a:t>Third level</a:t>
             </a:r>
           </a:p>
           <a:p>
             <a:pPr lvl="3"/>
             <a:r>
-              <a:rPr lang="es-ES" smtClean="0"/>
-              <a:t>Cuarto nivel</a:t>
+              <a:rPr lang="en-US" smtClean="0"/>
+              <a:t>Fourth level</a:t>
             </a:r>
           </a:p>
           <a:p>
             <a:pPr lvl="4"/>
             <a:r>
-              <a:rPr lang="es-ES" smtClean="0"/>
-              <a:t>Quinto nivel</a:t>
+              <a:rPr lang="en-US" smtClean="0"/>
+              <a:t>Fifth level</a:t>
             </a:r>
             <a:endParaRPr lang="es-ES"/>
           </a:p>
@@ -8419,7 +8398,7 @@
       </p:sp>
       <p:sp>
         <p:nvSpPr>
-          <p:cNvPr id="4" name="3 Marcador de fecha"/>
+          <p:cNvPr id="4" name="Date Placeholder 3"/>
           <p:cNvSpPr>
             <a:spLocks noGrp="1"/>
           </p:cNvSpPr>
@@ -8430,16 +8409,12 @@
         <p:spPr/>
         <p:txBody>
           <a:bodyPr/>
-          <a:lstStyle>
-            <a:lvl1pPr>
-              <a:defRPr/>
-            </a:lvl1pPr>
-          </a:lstStyle>
+          <a:lstStyle/>
           <a:p>
             <a:fld id="{807CB568-C05F-482F-9F26-AA302B8892DF}" type="datetimeFigureOut">
               <a:rPr lang="es-ES" smtClean="0"/>
               <a:pPr/>
-              <a:t>14/03/2014</a:t>
+              <a:t>3/14/15</a:t>
             </a:fld>
             <a:endParaRPr lang="es-ES"/>
           </a:p>
@@ -8447,7 +8422,7 @@
       </p:sp>
       <p:sp>
         <p:nvSpPr>
-          <p:cNvPr id="5" name="4 Marcador de pie de página"/>
+          <p:cNvPr id="5" name="Footer Placeholder 4"/>
           <p:cNvSpPr>
             <a:spLocks noGrp="1"/>
           </p:cNvSpPr>
@@ -8458,11 +8433,7 @@
         <p:spPr/>
         <p:txBody>
           <a:bodyPr/>
-          <a:lstStyle>
-            <a:lvl1pPr>
-              <a:defRPr/>
-            </a:lvl1pPr>
-          </a:lstStyle>
+          <a:lstStyle/>
           <a:p>
             <a:endParaRPr lang="es-ES"/>
           </a:p>
@@ -8470,7 +8441,7 @@
       </p:sp>
       <p:sp>
         <p:nvSpPr>
-          <p:cNvPr id="6" name="5 Marcador de número de diapositiva"/>
+          <p:cNvPr id="6" name="Slide Number Placeholder 5"/>
           <p:cNvSpPr>
             <a:spLocks noGrp="1"/>
           </p:cNvSpPr>
@@ -8481,22 +8452,23 @@
         <p:spPr/>
         <p:txBody>
           <a:bodyPr/>
-          <a:lstStyle>
-            <a:lvl1pPr>
-              <a:defRPr/>
-            </a:lvl1pPr>
-          </a:lstStyle>
+          <a:lstStyle/>
           <a:p>
             <a:fld id="{50178587-63F8-41F6-AE39-05E613E840AE}" type="slidenum">
               <a:rPr lang="es-ES" smtClean="0"/>
               <a:pPr/>
-              <a:t>‹Nº›</a:t>
+              <a:t>‹#›</a:t>
             </a:fld>
             <a:endParaRPr lang="es-ES"/>
           </a:p>
         </p:txBody>
       </p:sp>
     </p:spTree>
+    <p:extLst>
+      <p:ext uri="{BB962C8B-B14F-4D97-AF65-F5344CB8AC3E}">
+        <p14:creationId xmlns:p14="http://schemas.microsoft.com/office/powerpoint/2010/main" val="1727259881"/>
+      </p:ext>
+    </p:extLst>
   </p:cSld>
   <p:clrMapOvr>
     <a:masterClrMapping/>
@@ -8506,7 +8478,7 @@
 
 <file path=ppt/slideLayouts/slideLayout3.xml><?xml version="1.0" encoding="utf-8"?>
 <p:sldLayout xmlns:a="http://schemas.openxmlformats.org/drawingml/2006/main" xmlns:r="http://schemas.openxmlformats.org/officeDocument/2006/relationships" xmlns:p="http://schemas.openxmlformats.org/presentationml/2006/main" type="secHead" preserve="1">
-  <p:cSld name="Encabezado de sección">
+  <p:cSld name="Section Header">
     <p:spTree>
       <p:nvGrpSpPr>
         <p:cNvPr id="1" name=""/>
@@ -8523,7 +8495,7 @@
       </p:grpSpPr>
       <p:sp>
         <p:nvSpPr>
-          <p:cNvPr id="2" name="1 Título"/>
+          <p:cNvPr id="2" name="Title 1"/>
           <p:cNvSpPr>
             <a:spLocks noGrp="1"/>
           </p:cNvSpPr>
@@ -8533,7 +8505,7 @@
         </p:nvSpPr>
         <p:spPr>
           <a:xfrm>
-            <a:off x="722313" y="4406903"/>
+            <a:off x="722313" y="4406900"/>
             <a:ext cx="7772400" cy="1362075"/>
           </a:xfrm>
         </p:spPr>
@@ -8546,8 +8518,8 @@
           </a:lstStyle>
           <a:p>
             <a:r>
-              <a:rPr lang="es-ES" smtClean="0"/>
-              <a:t>Haga clic para modificar el estilo de título del patrón</a:t>
+              <a:rPr lang="en-US" smtClean="0"/>
+              <a:t>Click to edit Master title style</a:t>
             </a:r>
             <a:endParaRPr lang="es-ES"/>
           </a:p>
@@ -8555,7 +8527,7 @@
       </p:sp>
       <p:sp>
         <p:nvSpPr>
-          <p:cNvPr id="3" name="2 Marcador de texto"/>
+          <p:cNvPr id="3" name="Text Placeholder 2"/>
           <p:cNvSpPr>
             <a:spLocks noGrp="1"/>
           </p:cNvSpPr>
@@ -8666,15 +8638,15 @@
           <a:p>
             <a:pPr lvl="0"/>
             <a:r>
-              <a:rPr lang="es-ES" smtClean="0"/>
-              <a:t>Haga clic para modificar el estilo de texto del patrón</a:t>
+              <a:rPr lang="en-US" smtClean="0"/>
+              <a:t>Click to edit Master text styles</a:t>
             </a:r>
           </a:p>
         </p:txBody>
       </p:sp>
       <p:sp>
         <p:nvSpPr>
-          <p:cNvPr id="4" name="3 Marcador de fecha"/>
+          <p:cNvPr id="4" name="Date Placeholder 3"/>
           <p:cNvSpPr>
             <a:spLocks noGrp="1"/>
           </p:cNvSpPr>
@@ -8685,16 +8657,12 @@
         <p:spPr/>
         <p:txBody>
           <a:bodyPr/>
-          <a:lstStyle>
-            <a:lvl1pPr>
-              <a:defRPr/>
-            </a:lvl1pPr>
-          </a:lstStyle>
+          <a:lstStyle/>
           <a:p>
             <a:fld id="{807CB568-C05F-482F-9F26-AA302B8892DF}" type="datetimeFigureOut">
               <a:rPr lang="es-ES" smtClean="0"/>
               <a:pPr/>
-              <a:t>14/03/2014</a:t>
+              <a:t>3/14/15</a:t>
             </a:fld>
             <a:endParaRPr lang="es-ES"/>
           </a:p>
@@ -8702,7 +8670,7 @@
       </p:sp>
       <p:sp>
         <p:nvSpPr>
-          <p:cNvPr id="5" name="4 Marcador de pie de página"/>
+          <p:cNvPr id="5" name="Footer Placeholder 4"/>
           <p:cNvSpPr>
             <a:spLocks noGrp="1"/>
           </p:cNvSpPr>
@@ -8713,11 +8681,7 @@
         <p:spPr/>
         <p:txBody>
           <a:bodyPr/>
-          <a:lstStyle>
-            <a:lvl1pPr>
-              <a:defRPr/>
-            </a:lvl1pPr>
-          </a:lstStyle>
+          <a:lstStyle/>
           <a:p>
             <a:endParaRPr lang="es-ES"/>
           </a:p>
@@ -8725,7 +8689,7 @@
       </p:sp>
       <p:sp>
         <p:nvSpPr>
-          <p:cNvPr id="6" name="5 Marcador de número de diapositiva"/>
+          <p:cNvPr id="6" name="Slide Number Placeholder 5"/>
           <p:cNvSpPr>
             <a:spLocks noGrp="1"/>
           </p:cNvSpPr>
@@ -8736,22 +8700,23 @@
         <p:spPr/>
         <p:txBody>
           <a:bodyPr/>
-          <a:lstStyle>
-            <a:lvl1pPr>
-              <a:defRPr/>
-            </a:lvl1pPr>
-          </a:lstStyle>
+          <a:lstStyle/>
           <a:p>
             <a:fld id="{50178587-63F8-41F6-AE39-05E613E840AE}" type="slidenum">
               <a:rPr lang="es-ES" smtClean="0"/>
               <a:pPr/>
-              <a:t>‹Nº›</a:t>
+              <a:t>‹#›</a:t>
             </a:fld>
             <a:endParaRPr lang="es-ES"/>
           </a:p>
         </p:txBody>
       </p:sp>
     </p:spTree>
+    <p:extLst>
+      <p:ext uri="{BB962C8B-B14F-4D97-AF65-F5344CB8AC3E}">
+        <p14:creationId xmlns:p14="http://schemas.microsoft.com/office/powerpoint/2010/main" val="3481334570"/>
+      </p:ext>
+    </p:extLst>
   </p:cSld>
   <p:clrMapOvr>
     <a:masterClrMapping/>
@@ -8761,7 +8726,7 @@
 
 <file path=ppt/slideLayouts/slideLayout4.xml><?xml version="1.0" encoding="utf-8"?>
 <p:sldLayout xmlns:a="http://schemas.openxmlformats.org/drawingml/2006/main" xmlns:r="http://schemas.openxmlformats.org/officeDocument/2006/relationships" xmlns:p="http://schemas.openxmlformats.org/presentationml/2006/main" type="twoObj" preserve="1">
-  <p:cSld name="Dos objetos">
+  <p:cSld name="Two Content">
     <p:spTree>
       <p:nvGrpSpPr>
         <p:cNvPr id="1" name=""/>
@@ -8778,7 +8743,7 @@
       </p:grpSpPr>
       <p:sp>
         <p:nvSpPr>
-          <p:cNvPr id="2" name="1 Título"/>
+          <p:cNvPr id="2" name="Title 1"/>
           <p:cNvSpPr>
             <a:spLocks noGrp="1"/>
           </p:cNvSpPr>
@@ -8792,8 +8757,8 @@
           <a:lstStyle/>
           <a:p>
             <a:r>
-              <a:rPr lang="es-ES" smtClean="0"/>
-              <a:t>Haga clic para modificar el estilo de título del patrón</a:t>
+              <a:rPr lang="en-US" smtClean="0"/>
+              <a:t>Click to edit Master title style</a:t>
             </a:r>
             <a:endParaRPr lang="es-ES"/>
           </a:p>
@@ -8801,7 +8766,7 @@
       </p:sp>
       <p:sp>
         <p:nvSpPr>
-          <p:cNvPr id="3" name="2 Marcador de contenido"/>
+          <p:cNvPr id="3" name="Content Placeholder 2"/>
           <p:cNvSpPr>
             <a:spLocks noGrp="1"/>
           </p:cNvSpPr>
@@ -8811,7 +8776,7 @@
         </p:nvSpPr>
         <p:spPr>
           <a:xfrm>
-            <a:off x="457200" y="1600203"/>
+            <a:off x="457200" y="1600200"/>
             <a:ext cx="4038600" cy="4525963"/>
           </a:xfrm>
         </p:spPr>
@@ -8849,36 +8814,36 @@
           <a:p>
             <a:pPr lvl="0"/>
             <a:r>
-              <a:rPr lang="es-ES" smtClean="0"/>
-              <a:t>Haga clic para modificar el estilo de texto del patrón</a:t>
+              <a:rPr lang="en-US" smtClean="0"/>
+              <a:t>Click to edit Master text styles</a:t>
             </a:r>
           </a:p>
           <a:p>
             <a:pPr lvl="1"/>
             <a:r>
-              <a:rPr lang="es-ES" smtClean="0"/>
-              <a:t>Segundo nivel</a:t>
+              <a:rPr lang="en-US" smtClean="0"/>
+              <a:t>Second level</a:t>
             </a:r>
           </a:p>
           <a:p>
             <a:pPr lvl="2"/>
             <a:r>
-              <a:rPr lang="es-ES" smtClean="0"/>
-              <a:t>Tercer nivel</a:t>
+              <a:rPr lang="en-US" smtClean="0"/>
+              <a:t>Third level</a:t>
             </a:r>
           </a:p>
           <a:p>
             <a:pPr lvl="3"/>
             <a:r>
-              <a:rPr lang="es-ES" smtClean="0"/>
-              <a:t>Cuarto nivel</a:t>
+              <a:rPr lang="en-US" smtClean="0"/>
+              <a:t>Fourth level</a:t>
             </a:r>
           </a:p>
           <a:p>
             <a:pPr lvl="4"/>
             <a:r>
-              <a:rPr lang="es-ES" smtClean="0"/>
-              <a:t>Quinto nivel</a:t>
+              <a:rPr lang="en-US" smtClean="0"/>
+              <a:t>Fifth level</a:t>
             </a:r>
             <a:endParaRPr lang="es-ES"/>
           </a:p>
@@ -8886,7 +8851,7 @@
       </p:sp>
       <p:sp>
         <p:nvSpPr>
-          <p:cNvPr id="4" name="3 Marcador de contenido"/>
+          <p:cNvPr id="4" name="Content Placeholder 3"/>
           <p:cNvSpPr>
             <a:spLocks noGrp="1"/>
           </p:cNvSpPr>
@@ -8896,7 +8861,7 @@
         </p:nvSpPr>
         <p:spPr>
           <a:xfrm>
-            <a:off x="4648200" y="1600203"/>
+            <a:off x="4648200" y="1600200"/>
             <a:ext cx="4038600" cy="4525963"/>
           </a:xfrm>
         </p:spPr>
@@ -8934,36 +8899,36 @@
           <a:p>
             <a:pPr lvl="0"/>
             <a:r>
-              <a:rPr lang="es-ES" smtClean="0"/>
-              <a:t>Haga clic para modificar el estilo de texto del patrón</a:t>
+              <a:rPr lang="en-US" smtClean="0"/>
+              <a:t>Click to edit Master text styles</a:t>
             </a:r>
           </a:p>
           <a:p>
             <a:pPr lvl="1"/>
             <a:r>
-              <a:rPr lang="es-ES" smtClean="0"/>
-              <a:t>Segundo nivel</a:t>
+              <a:rPr lang="en-US" smtClean="0"/>
+              <a:t>Second level</a:t>
             </a:r>
           </a:p>
           <a:p>
             <a:pPr lvl="2"/>
             <a:r>
-              <a:rPr lang="es-ES" smtClean="0"/>
-              <a:t>Tercer nivel</a:t>
+              <a:rPr lang="en-US" smtClean="0"/>
+              <a:t>Third level</a:t>
             </a:r>
           </a:p>
           <a:p>
             <a:pPr lvl="3"/>
             <a:r>
-              <a:rPr lang="es-ES" smtClean="0"/>
-              <a:t>Cuarto nivel</a:t>
+              <a:rPr lang="en-US" smtClean="0"/>
+              <a:t>Fourth level</a:t>
             </a:r>
           </a:p>
           <a:p>
             <a:pPr lvl="4"/>
             <a:r>
-              <a:rPr lang="es-ES" smtClean="0"/>
-              <a:t>Quinto nivel</a:t>
+              <a:rPr lang="en-US" smtClean="0"/>
+              <a:t>Fifth level</a:t>
             </a:r>
             <a:endParaRPr lang="es-ES"/>
           </a:p>
@@ -8971,7 +8936,7 @@
       </p:sp>
       <p:sp>
         <p:nvSpPr>
-          <p:cNvPr id="5" name="3 Marcador de fecha"/>
+          <p:cNvPr id="5" name="Date Placeholder 4"/>
           <p:cNvSpPr>
             <a:spLocks noGrp="1"/>
           </p:cNvSpPr>
@@ -8982,16 +8947,12 @@
         <p:spPr/>
         <p:txBody>
           <a:bodyPr/>
-          <a:lstStyle>
-            <a:lvl1pPr>
-              <a:defRPr/>
-            </a:lvl1pPr>
-          </a:lstStyle>
+          <a:lstStyle/>
           <a:p>
             <a:fld id="{807CB568-C05F-482F-9F26-AA302B8892DF}" type="datetimeFigureOut">
               <a:rPr lang="es-ES" smtClean="0"/>
               <a:pPr/>
-              <a:t>14/03/2014</a:t>
+              <a:t>3/14/15</a:t>
             </a:fld>
             <a:endParaRPr lang="es-ES"/>
           </a:p>
@@ -8999,7 +8960,7 @@
       </p:sp>
       <p:sp>
         <p:nvSpPr>
-          <p:cNvPr id="6" name="4 Marcador de pie de página"/>
+          <p:cNvPr id="6" name="Footer Placeholder 5"/>
           <p:cNvSpPr>
             <a:spLocks noGrp="1"/>
           </p:cNvSpPr>
@@ -9010,11 +8971,7 @@
         <p:spPr/>
         <p:txBody>
           <a:bodyPr/>
-          <a:lstStyle>
-            <a:lvl1pPr>
-              <a:defRPr/>
-            </a:lvl1pPr>
-          </a:lstStyle>
+          <a:lstStyle/>
           <a:p>
             <a:endParaRPr lang="es-ES"/>
           </a:p>
@@ -9022,7 +8979,7 @@
       </p:sp>
       <p:sp>
         <p:nvSpPr>
-          <p:cNvPr id="7" name="5 Marcador de número de diapositiva"/>
+          <p:cNvPr id="7" name="Slide Number Placeholder 6"/>
           <p:cNvSpPr>
             <a:spLocks noGrp="1"/>
           </p:cNvSpPr>
@@ -9033,22 +8990,23 @@
         <p:spPr/>
         <p:txBody>
           <a:bodyPr/>
-          <a:lstStyle>
-            <a:lvl1pPr>
-              <a:defRPr/>
-            </a:lvl1pPr>
-          </a:lstStyle>
+          <a:lstStyle/>
           <a:p>
             <a:fld id="{50178587-63F8-41F6-AE39-05E613E840AE}" type="slidenum">
               <a:rPr lang="es-ES" smtClean="0"/>
               <a:pPr/>
-              <a:t>‹Nº›</a:t>
+              <a:t>‹#›</a:t>
             </a:fld>
             <a:endParaRPr lang="es-ES"/>
           </a:p>
         </p:txBody>
       </p:sp>
     </p:spTree>
+    <p:extLst>
+      <p:ext uri="{BB962C8B-B14F-4D97-AF65-F5344CB8AC3E}">
+        <p14:creationId xmlns:p14="http://schemas.microsoft.com/office/powerpoint/2010/main" val="953723099"/>
+      </p:ext>
+    </p:extLst>
   </p:cSld>
   <p:clrMapOvr>
     <a:masterClrMapping/>
@@ -9058,7 +9016,7 @@
 
 <file path=ppt/slideLayouts/slideLayout5.xml><?xml version="1.0" encoding="utf-8"?>
 <p:sldLayout xmlns:a="http://schemas.openxmlformats.org/drawingml/2006/main" xmlns:r="http://schemas.openxmlformats.org/officeDocument/2006/relationships" xmlns:p="http://schemas.openxmlformats.org/presentationml/2006/main" type="twoTxTwoObj" preserve="1">
-  <p:cSld name="Comparación">
+  <p:cSld name="Comparison">
     <p:spTree>
       <p:nvGrpSpPr>
         <p:cNvPr id="1" name=""/>
@@ -9075,7 +9033,7 @@
       </p:grpSpPr>
       <p:sp>
         <p:nvSpPr>
-          <p:cNvPr id="2" name="1 Título"/>
+          <p:cNvPr id="2" name="Title 1"/>
           <p:cNvSpPr>
             <a:spLocks noGrp="1"/>
           </p:cNvSpPr>
@@ -9093,8 +9051,8 @@
           </a:lstStyle>
           <a:p>
             <a:r>
-              <a:rPr lang="es-ES" smtClean="0"/>
-              <a:t>Haga clic para modificar el estilo de título del patrón</a:t>
+              <a:rPr lang="en-US" smtClean="0"/>
+              <a:t>Click to edit Master title style</a:t>
             </a:r>
             <a:endParaRPr lang="es-ES"/>
           </a:p>
@@ -9102,7 +9060,7 @@
       </p:sp>
       <p:sp>
         <p:nvSpPr>
-          <p:cNvPr id="3" name="2 Marcador de texto"/>
+          <p:cNvPr id="3" name="Text Placeholder 2"/>
           <p:cNvSpPr>
             <a:spLocks noGrp="1"/>
           </p:cNvSpPr>
@@ -9112,8 +9070,8 @@
         </p:nvSpPr>
         <p:spPr>
           <a:xfrm>
-            <a:off x="457200" y="1535115"/>
-            <a:ext cx="4040188" cy="639763"/>
+            <a:off x="457200" y="1535113"/>
+            <a:ext cx="4040188" cy="639762"/>
           </a:xfrm>
         </p:spPr>
         <p:txBody>
@@ -9159,15 +9117,15 @@
           <a:p>
             <a:pPr lvl="0"/>
             <a:r>
-              <a:rPr lang="es-ES" smtClean="0"/>
-              <a:t>Haga clic para modificar el estilo de texto del patrón</a:t>
+              <a:rPr lang="en-US" smtClean="0"/>
+              <a:t>Click to edit Master text styles</a:t>
             </a:r>
           </a:p>
         </p:txBody>
       </p:sp>
       <p:sp>
         <p:nvSpPr>
-          <p:cNvPr id="4" name="3 Marcador de contenido"/>
+          <p:cNvPr id="4" name="Content Placeholder 3"/>
           <p:cNvSpPr>
             <a:spLocks noGrp="1"/>
           </p:cNvSpPr>
@@ -9215,36 +9173,36 @@
           <a:p>
             <a:pPr lvl="0"/>
             <a:r>
-              <a:rPr lang="es-ES" smtClean="0"/>
-              <a:t>Haga clic para modificar el estilo de texto del patrón</a:t>
+              <a:rPr lang="en-US" smtClean="0"/>
+              <a:t>Click to edit Master text styles</a:t>
             </a:r>
           </a:p>
           <a:p>
             <a:pPr lvl="1"/>
             <a:r>
-              <a:rPr lang="es-ES" smtClean="0"/>
-              <a:t>Segundo nivel</a:t>
+              <a:rPr lang="en-US" smtClean="0"/>
+              <a:t>Second level</a:t>
             </a:r>
           </a:p>
           <a:p>
             <a:pPr lvl="2"/>
             <a:r>
-              <a:rPr lang="es-ES" smtClean="0"/>
-              <a:t>Tercer nivel</a:t>
+              <a:rPr lang="en-US" smtClean="0"/>
+              <a:t>Third level</a:t>
             </a:r>
           </a:p>
           <a:p>
             <a:pPr lvl="3"/>
             <a:r>
-              <a:rPr lang="es-ES" smtClean="0"/>
-              <a:t>Cuarto nivel</a:t>
+              <a:rPr lang="en-US" smtClean="0"/>
+              <a:t>Fourth level</a:t>
             </a:r>
           </a:p>
           <a:p>
             <a:pPr lvl="4"/>
             <a:r>
-              <a:rPr lang="es-ES" smtClean="0"/>
-              <a:t>Quinto nivel</a:t>
+              <a:rPr lang="en-US" smtClean="0"/>
+              <a:t>Fifth level</a:t>
             </a:r>
             <a:endParaRPr lang="es-ES"/>
           </a:p>
@@ -9252,7 +9210,7 @@
       </p:sp>
       <p:sp>
         <p:nvSpPr>
-          <p:cNvPr id="5" name="4 Marcador de texto"/>
+          <p:cNvPr id="5" name="Text Placeholder 4"/>
           <p:cNvSpPr>
             <a:spLocks noGrp="1"/>
           </p:cNvSpPr>
@@ -9262,8 +9220,8 @@
         </p:nvSpPr>
         <p:spPr>
           <a:xfrm>
-            <a:off x="4645028" y="1535115"/>
-            <a:ext cx="4041775" cy="639763"/>
+            <a:off x="4645025" y="1535113"/>
+            <a:ext cx="4041775" cy="639762"/>
           </a:xfrm>
         </p:spPr>
         <p:txBody>
@@ -9309,15 +9267,15 @@
           <a:p>
             <a:pPr lvl="0"/>
             <a:r>
-              <a:rPr lang="es-ES" smtClean="0"/>
-              <a:t>Haga clic para modificar el estilo de texto del patrón</a:t>
+              <a:rPr lang="en-US" smtClean="0"/>
+              <a:t>Click to edit Master text styles</a:t>
             </a:r>
           </a:p>
         </p:txBody>
       </p:sp>
       <p:sp>
         <p:nvSpPr>
-          <p:cNvPr id="6" name="5 Marcador de contenido"/>
+          <p:cNvPr id="6" name="Content Placeholder 5"/>
           <p:cNvSpPr>
             <a:spLocks noGrp="1"/>
           </p:cNvSpPr>
@@ -9327,7 +9285,7 @@
         </p:nvSpPr>
         <p:spPr>
           <a:xfrm>
-            <a:off x="4645028" y="2174875"/>
+            <a:off x="4645025" y="2174875"/>
             <a:ext cx="4041775" cy="3951288"/>
           </a:xfrm>
         </p:spPr>
@@ -9365,36 +9323,36 @@
           <a:p>
             <a:pPr lvl="0"/>
             <a:r>
-              <a:rPr lang="es-ES" smtClean="0"/>
-              <a:t>Haga clic para modificar el estilo de texto del patrón</a:t>
+              <a:rPr lang="en-US" smtClean="0"/>
+              <a:t>Click to edit Master text styles</a:t>
             </a:r>
           </a:p>
           <a:p>
             <a:pPr lvl="1"/>
             <a:r>
-              <a:rPr lang="es-ES" smtClean="0"/>
-              <a:t>Segundo nivel</a:t>
+              <a:rPr lang="en-US" smtClean="0"/>
+              <a:t>Second level</a:t>
             </a:r>
           </a:p>
           <a:p>
             <a:pPr lvl="2"/>
             <a:r>
-              <a:rPr lang="es-ES" smtClean="0"/>
-              <a:t>Tercer nivel</a:t>
+              <a:rPr lang="en-US" smtClean="0"/>
+              <a:t>Third level</a:t>
             </a:r>
           </a:p>
           <a:p>
             <a:pPr lvl="3"/>
             <a:r>
-              <a:rPr lang="es-ES" smtClean="0"/>
-              <a:t>Cuarto nivel</a:t>
+              <a:rPr lang="en-US" smtClean="0"/>
+              <a:t>Fourth level</a:t>
             </a:r>
           </a:p>
           <a:p>
             <a:pPr lvl="4"/>
             <a:r>
-              <a:rPr lang="es-ES" smtClean="0"/>
-              <a:t>Quinto nivel</a:t>
+              <a:rPr lang="en-US" smtClean="0"/>
+              <a:t>Fifth level</a:t>
             </a:r>
             <a:endParaRPr lang="es-ES"/>
           </a:p>
@@ -9402,7 +9360,7 @@
       </p:sp>
       <p:sp>
         <p:nvSpPr>
-          <p:cNvPr id="7" name="3 Marcador de fecha"/>
+          <p:cNvPr id="7" name="Date Placeholder 6"/>
           <p:cNvSpPr>
             <a:spLocks noGrp="1"/>
           </p:cNvSpPr>
@@ -9413,16 +9371,12 @@
         <p:spPr/>
         <p:txBody>
           <a:bodyPr/>
-          <a:lstStyle>
-            <a:lvl1pPr>
-              <a:defRPr/>
-            </a:lvl1pPr>
-          </a:lstStyle>
+          <a:lstStyle/>
           <a:p>
             <a:fld id="{807CB568-C05F-482F-9F26-AA302B8892DF}" type="datetimeFigureOut">
               <a:rPr lang="es-ES" smtClean="0"/>
               <a:pPr/>
-              <a:t>14/03/2014</a:t>
+              <a:t>3/14/15</a:t>
             </a:fld>
             <a:endParaRPr lang="es-ES"/>
           </a:p>
@@ -9430,7 +9384,7 @@
       </p:sp>
       <p:sp>
         <p:nvSpPr>
-          <p:cNvPr id="8" name="4 Marcador de pie de página"/>
+          <p:cNvPr id="8" name="Footer Placeholder 7"/>
           <p:cNvSpPr>
             <a:spLocks noGrp="1"/>
           </p:cNvSpPr>
@@ -9441,11 +9395,7 @@
         <p:spPr/>
         <p:txBody>
           <a:bodyPr/>
-          <a:lstStyle>
-            <a:lvl1pPr>
-              <a:defRPr/>
-            </a:lvl1pPr>
-          </a:lstStyle>
+          <a:lstStyle/>
           <a:p>
             <a:endParaRPr lang="es-ES"/>
           </a:p>
@@ -9453,7 +9403,7 @@
       </p:sp>
       <p:sp>
         <p:nvSpPr>
-          <p:cNvPr id="9" name="5 Marcador de número de diapositiva"/>
+          <p:cNvPr id="9" name="Slide Number Placeholder 8"/>
           <p:cNvSpPr>
             <a:spLocks noGrp="1"/>
           </p:cNvSpPr>
@@ -9464,22 +9414,23 @@
         <p:spPr/>
         <p:txBody>
           <a:bodyPr/>
-          <a:lstStyle>
-            <a:lvl1pPr>
-              <a:defRPr/>
-            </a:lvl1pPr>
-          </a:lstStyle>
+          <a:lstStyle/>
           <a:p>
             <a:fld id="{50178587-63F8-41F6-AE39-05E613E840AE}" type="slidenum">
               <a:rPr lang="es-ES" smtClean="0"/>
               <a:pPr/>
-              <a:t>‹Nº›</a:t>
+              <a:t>‹#›</a:t>
             </a:fld>
             <a:endParaRPr lang="es-ES"/>
           </a:p>
         </p:txBody>
       </p:sp>
     </p:spTree>
+    <p:extLst>
+      <p:ext uri="{BB962C8B-B14F-4D97-AF65-F5344CB8AC3E}">
+        <p14:creationId xmlns:p14="http://schemas.microsoft.com/office/powerpoint/2010/main" val="1843947669"/>
+      </p:ext>
+    </p:extLst>
   </p:cSld>
   <p:clrMapOvr>
     <a:masterClrMapping/>
@@ -9489,7 +9440,7 @@
 
 <file path=ppt/slideLayouts/slideLayout6.xml><?xml version="1.0" encoding="utf-8"?>
 <p:sldLayout xmlns:a="http://schemas.openxmlformats.org/drawingml/2006/main" xmlns:r="http://schemas.openxmlformats.org/officeDocument/2006/relationships" xmlns:p="http://schemas.openxmlformats.org/presentationml/2006/main" type="titleOnly" preserve="1">
-  <p:cSld name="Sólo el título">
+  <p:cSld name="Title Only">
     <p:spTree>
       <p:nvGrpSpPr>
         <p:cNvPr id="1" name=""/>
@@ -9506,7 +9457,7 @@
       </p:grpSpPr>
       <p:sp>
         <p:nvSpPr>
-          <p:cNvPr id="2" name="1 Título"/>
+          <p:cNvPr id="2" name="Title 1"/>
           <p:cNvSpPr>
             <a:spLocks noGrp="1"/>
           </p:cNvSpPr>
@@ -9520,8 +9471,8 @@
           <a:lstStyle/>
           <a:p>
             <a:r>
-              <a:rPr lang="es-ES" smtClean="0"/>
-              <a:t>Haga clic para modificar el estilo de título del patrón</a:t>
+              <a:rPr lang="en-US" smtClean="0"/>
+              <a:t>Click to edit Master title style</a:t>
             </a:r>
             <a:endParaRPr lang="es-ES"/>
           </a:p>
@@ -9529,7 +9480,7 @@
       </p:sp>
       <p:sp>
         <p:nvSpPr>
-          <p:cNvPr id="3" name="3 Marcador de fecha"/>
+          <p:cNvPr id="3" name="Date Placeholder 2"/>
           <p:cNvSpPr>
             <a:spLocks noGrp="1"/>
           </p:cNvSpPr>
@@ -9540,16 +9491,12 @@
         <p:spPr/>
         <p:txBody>
           <a:bodyPr/>
-          <a:lstStyle>
-            <a:lvl1pPr>
-              <a:defRPr/>
-            </a:lvl1pPr>
-          </a:lstStyle>
+          <a:lstStyle/>
           <a:p>
             <a:fld id="{807CB568-C05F-482F-9F26-AA302B8892DF}" type="datetimeFigureOut">
               <a:rPr lang="es-ES" smtClean="0"/>
               <a:pPr/>
-              <a:t>14/03/2014</a:t>
+              <a:t>3/14/15</a:t>
             </a:fld>
             <a:endParaRPr lang="es-ES"/>
           </a:p>
@@ -9557,7 +9504,7 @@
       </p:sp>
       <p:sp>
         <p:nvSpPr>
-          <p:cNvPr id="4" name="4 Marcador de pie de página"/>
+          <p:cNvPr id="4" name="Footer Placeholder 3"/>
           <p:cNvSpPr>
             <a:spLocks noGrp="1"/>
           </p:cNvSpPr>
@@ -9568,11 +9515,7 @@
         <p:spPr/>
         <p:txBody>
           <a:bodyPr/>
-          <a:lstStyle>
-            <a:lvl1pPr>
-              <a:defRPr/>
-            </a:lvl1pPr>
-          </a:lstStyle>
+          <a:lstStyle/>
           <a:p>
             <a:endParaRPr lang="es-ES"/>
           </a:p>
@@ -9580,7 +9523,7 @@
       </p:sp>
       <p:sp>
         <p:nvSpPr>
-          <p:cNvPr id="5" name="5 Marcador de número de diapositiva"/>
+          <p:cNvPr id="5" name="Slide Number Placeholder 4"/>
           <p:cNvSpPr>
             <a:spLocks noGrp="1"/>
           </p:cNvSpPr>
@@ -9591,22 +9534,23 @@
         <p:spPr/>
         <p:txBody>
           <a:bodyPr/>
-          <a:lstStyle>
-            <a:lvl1pPr>
-              <a:defRPr/>
-            </a:lvl1pPr>
-          </a:lstStyle>
+          <a:lstStyle/>
           <a:p>
             <a:fld id="{50178587-63F8-41F6-AE39-05E613E840AE}" type="slidenum">
               <a:rPr lang="es-ES" smtClean="0"/>
               <a:pPr/>
-              <a:t>‹Nº›</a:t>
+              <a:t>‹#›</a:t>
             </a:fld>
             <a:endParaRPr lang="es-ES"/>
           </a:p>
         </p:txBody>
       </p:sp>
     </p:spTree>
+    <p:extLst>
+      <p:ext uri="{BB962C8B-B14F-4D97-AF65-F5344CB8AC3E}">
+        <p14:creationId xmlns:p14="http://schemas.microsoft.com/office/powerpoint/2010/main" val="2406367556"/>
+      </p:ext>
+    </p:extLst>
   </p:cSld>
   <p:clrMapOvr>
     <a:masterClrMapping/>
@@ -9616,7 +9560,7 @@
 
 <file path=ppt/slideLayouts/slideLayout7.xml><?xml version="1.0" encoding="utf-8"?>
 <p:sldLayout xmlns:a="http://schemas.openxmlformats.org/drawingml/2006/main" xmlns:r="http://schemas.openxmlformats.org/officeDocument/2006/relationships" xmlns:p="http://schemas.openxmlformats.org/presentationml/2006/main" type="blank" preserve="1">
-  <p:cSld name="En blanco">
+  <p:cSld name="Blank">
     <p:spTree>
       <p:nvGrpSpPr>
         <p:cNvPr id="1" name=""/>
@@ -9633,7 +9577,7 @@
       </p:grpSpPr>
       <p:sp>
         <p:nvSpPr>
-          <p:cNvPr id="2" name="3 Marcador de fecha"/>
+          <p:cNvPr id="2" name="Date Placeholder 1"/>
           <p:cNvSpPr>
             <a:spLocks noGrp="1"/>
           </p:cNvSpPr>
@@ -9644,16 +9588,12 @@
         <p:spPr/>
         <p:txBody>
           <a:bodyPr/>
-          <a:lstStyle>
-            <a:lvl1pPr>
-              <a:defRPr/>
-            </a:lvl1pPr>
-          </a:lstStyle>
+          <a:lstStyle/>
           <a:p>
             <a:fld id="{807CB568-C05F-482F-9F26-AA302B8892DF}" type="datetimeFigureOut">
               <a:rPr lang="es-ES" smtClean="0"/>
               <a:pPr/>
-              <a:t>14/03/2014</a:t>
+              <a:t>3/14/15</a:t>
             </a:fld>
             <a:endParaRPr lang="es-ES"/>
           </a:p>
@@ -9661,7 +9601,7 @@
       </p:sp>
       <p:sp>
         <p:nvSpPr>
-          <p:cNvPr id="3" name="4 Marcador de pie de página"/>
+          <p:cNvPr id="3" name="Footer Placeholder 2"/>
           <p:cNvSpPr>
             <a:spLocks noGrp="1"/>
           </p:cNvSpPr>
@@ -9672,11 +9612,7 @@
         <p:spPr/>
         <p:txBody>
           <a:bodyPr/>
-          <a:lstStyle>
-            <a:lvl1pPr>
-              <a:defRPr/>
-            </a:lvl1pPr>
-          </a:lstStyle>
+          <a:lstStyle/>
           <a:p>
             <a:endParaRPr lang="es-ES"/>
           </a:p>
@@ -9684,7 +9620,7 @@
       </p:sp>
       <p:sp>
         <p:nvSpPr>
-          <p:cNvPr id="4" name="5 Marcador de número de diapositiva"/>
+          <p:cNvPr id="4" name="Slide Number Placeholder 3"/>
           <p:cNvSpPr>
             <a:spLocks noGrp="1"/>
           </p:cNvSpPr>
@@ -9695,22 +9631,23 @@
         <p:spPr/>
         <p:txBody>
           <a:bodyPr/>
-          <a:lstStyle>
-            <a:lvl1pPr>
-              <a:defRPr/>
-            </a:lvl1pPr>
-          </a:lstStyle>
+          <a:lstStyle/>
           <a:p>
             <a:fld id="{50178587-63F8-41F6-AE39-05E613E840AE}" type="slidenum">
               <a:rPr lang="es-ES" smtClean="0"/>
               <a:pPr/>
-              <a:t>‹Nº›</a:t>
+              <a:t>‹#›</a:t>
             </a:fld>
             <a:endParaRPr lang="es-ES"/>
           </a:p>
         </p:txBody>
       </p:sp>
     </p:spTree>
+    <p:extLst>
+      <p:ext uri="{BB962C8B-B14F-4D97-AF65-F5344CB8AC3E}">
+        <p14:creationId xmlns:p14="http://schemas.microsoft.com/office/powerpoint/2010/main" val="2845990557"/>
+      </p:ext>
+    </p:extLst>
   </p:cSld>
   <p:clrMapOvr>
     <a:masterClrMapping/>
@@ -9720,7 +9657,7 @@
 
 <file path=ppt/slideLayouts/slideLayout8.xml><?xml version="1.0" encoding="utf-8"?>
 <p:sldLayout xmlns:a="http://schemas.openxmlformats.org/drawingml/2006/main" xmlns:r="http://schemas.openxmlformats.org/officeDocument/2006/relationships" xmlns:p="http://schemas.openxmlformats.org/presentationml/2006/main" type="objTx" preserve="1">
-  <p:cSld name="Contenido con título">
+  <p:cSld name="Content with Caption">
     <p:spTree>
       <p:nvGrpSpPr>
         <p:cNvPr id="1" name=""/>
@@ -9737,7 +9674,7 @@
       </p:grpSpPr>
       <p:sp>
         <p:nvSpPr>
-          <p:cNvPr id="2" name="1 Título"/>
+          <p:cNvPr id="2" name="Title 1"/>
           <p:cNvSpPr>
             <a:spLocks noGrp="1"/>
           </p:cNvSpPr>
@@ -9747,8 +9684,8 @@
         </p:nvSpPr>
         <p:spPr>
           <a:xfrm>
-            <a:off x="457203" y="273051"/>
-            <a:ext cx="3008313" cy="1162051"/>
+            <a:off x="457200" y="273050"/>
+            <a:ext cx="3008313" cy="1162050"/>
           </a:xfrm>
         </p:spPr>
         <p:txBody>
@@ -9760,8 +9697,8 @@
           </a:lstStyle>
           <a:p>
             <a:r>
-              <a:rPr lang="es-ES" smtClean="0"/>
-              <a:t>Haga clic para modificar el estilo de título del patrón</a:t>
+              <a:rPr lang="en-US" smtClean="0"/>
+              <a:t>Click to edit Master title style</a:t>
             </a:r>
             <a:endParaRPr lang="es-ES"/>
           </a:p>
@@ -9769,7 +9706,7 @@
       </p:sp>
       <p:sp>
         <p:nvSpPr>
-          <p:cNvPr id="3" name="2 Marcador de contenido"/>
+          <p:cNvPr id="3" name="Content Placeholder 2"/>
           <p:cNvSpPr>
             <a:spLocks noGrp="1"/>
           </p:cNvSpPr>
@@ -9779,7 +9716,7 @@
         </p:nvSpPr>
         <p:spPr>
           <a:xfrm>
-            <a:off x="3575051" y="273054"/>
+            <a:off x="3575050" y="273050"/>
             <a:ext cx="5111750" cy="5853113"/>
           </a:xfrm>
         </p:spPr>
@@ -9817,36 +9754,36 @@
           <a:p>
             <a:pPr lvl="0"/>
             <a:r>
-              <a:rPr lang="es-ES" smtClean="0"/>
-              <a:t>Haga clic para modificar el estilo de texto del patrón</a:t>
+              <a:rPr lang="en-US" smtClean="0"/>
+              <a:t>Click to edit Master text styles</a:t>
             </a:r>
           </a:p>
           <a:p>
             <a:pPr lvl="1"/>
             <a:r>
-              <a:rPr lang="es-ES" smtClean="0"/>
-              <a:t>Segundo nivel</a:t>
+              <a:rPr lang="en-US" smtClean="0"/>
+              <a:t>Second level</a:t>
             </a:r>
           </a:p>
           <a:p>
             <a:pPr lvl="2"/>
             <a:r>
-              <a:rPr lang="es-ES" smtClean="0"/>
-              <a:t>Tercer nivel</a:t>
+              <a:rPr lang="en-US" smtClean="0"/>
+              <a:t>Third level</a:t>
             </a:r>
           </a:p>
           <a:p>
             <a:pPr lvl="3"/>
             <a:r>
-              <a:rPr lang="es-ES" smtClean="0"/>
-              <a:t>Cuarto nivel</a:t>
+              <a:rPr lang="en-US" smtClean="0"/>
+              <a:t>Fourth level</a:t>
             </a:r>
           </a:p>
           <a:p>
             <a:pPr lvl="4"/>
             <a:r>
-              <a:rPr lang="es-ES" smtClean="0"/>
-              <a:t>Quinto nivel</a:t>
+              <a:rPr lang="en-US" smtClean="0"/>
+              <a:t>Fifth level</a:t>
             </a:r>
             <a:endParaRPr lang="es-ES"/>
           </a:p>
@@ -9854,7 +9791,7 @@
       </p:sp>
       <p:sp>
         <p:nvSpPr>
-          <p:cNvPr id="4" name="3 Marcador de texto"/>
+          <p:cNvPr id="4" name="Text Placeholder 3"/>
           <p:cNvSpPr>
             <a:spLocks noGrp="1"/>
           </p:cNvSpPr>
@@ -9864,7 +9801,7 @@
         </p:nvSpPr>
         <p:spPr>
           <a:xfrm>
-            <a:off x="457203" y="1435103"/>
+            <a:off x="457200" y="1435100"/>
             <a:ext cx="3008313" cy="4691063"/>
           </a:xfrm>
         </p:spPr>
@@ -9911,15 +9848,15 @@
           <a:p>
             <a:pPr lvl="0"/>
             <a:r>
-              <a:rPr lang="es-ES" smtClean="0"/>
-              <a:t>Haga clic para modificar el estilo de texto del patrón</a:t>
+              <a:rPr lang="en-US" smtClean="0"/>
+              <a:t>Click to edit Master text styles</a:t>
             </a:r>
           </a:p>
         </p:txBody>
       </p:sp>
       <p:sp>
         <p:nvSpPr>
-          <p:cNvPr id="5" name="3 Marcador de fecha"/>
+          <p:cNvPr id="5" name="Date Placeholder 4"/>
           <p:cNvSpPr>
             <a:spLocks noGrp="1"/>
           </p:cNvSpPr>
@@ -9930,16 +9867,12 @@
         <p:spPr/>
         <p:txBody>
           <a:bodyPr/>
-          <a:lstStyle>
-            <a:lvl1pPr>
-              <a:defRPr/>
-            </a:lvl1pPr>
-          </a:lstStyle>
+          <a:lstStyle/>
           <a:p>
             <a:fld id="{807CB568-C05F-482F-9F26-AA302B8892DF}" type="datetimeFigureOut">
               <a:rPr lang="es-ES" smtClean="0"/>
               <a:pPr/>
-              <a:t>14/03/2014</a:t>
+              <a:t>3/14/15</a:t>
             </a:fld>
             <a:endParaRPr lang="es-ES"/>
           </a:p>
@@ -9947,7 +9880,7 @@
       </p:sp>
       <p:sp>
         <p:nvSpPr>
-          <p:cNvPr id="6" name="4 Marcador de pie de página"/>
+          <p:cNvPr id="6" name="Footer Placeholder 5"/>
           <p:cNvSpPr>
             <a:spLocks noGrp="1"/>
           </p:cNvSpPr>
@@ -9958,11 +9891,7 @@
         <p:spPr/>
         <p:txBody>
           <a:bodyPr/>
-          <a:lstStyle>
-            <a:lvl1pPr>
-              <a:defRPr/>
-            </a:lvl1pPr>
-          </a:lstStyle>
+          <a:lstStyle/>
           <a:p>
             <a:endParaRPr lang="es-ES"/>
           </a:p>
@@ -9970,7 +9899,7 @@
       </p:sp>
       <p:sp>
         <p:nvSpPr>
-          <p:cNvPr id="7" name="5 Marcador de número de diapositiva"/>
+          <p:cNvPr id="7" name="Slide Number Placeholder 6"/>
           <p:cNvSpPr>
             <a:spLocks noGrp="1"/>
           </p:cNvSpPr>
@@ -9981,22 +9910,23 @@
         <p:spPr/>
         <p:txBody>
           <a:bodyPr/>
-          <a:lstStyle>
-            <a:lvl1pPr>
-              <a:defRPr/>
-            </a:lvl1pPr>
-          </a:lstStyle>
+          <a:lstStyle/>
           <a:p>
             <a:fld id="{50178587-63F8-41F6-AE39-05E613E840AE}" type="slidenum">
               <a:rPr lang="es-ES" smtClean="0"/>
               <a:pPr/>
-              <a:t>‹Nº›</a:t>
+              <a:t>‹#›</a:t>
             </a:fld>
             <a:endParaRPr lang="es-ES"/>
           </a:p>
         </p:txBody>
       </p:sp>
     </p:spTree>
+    <p:extLst>
+      <p:ext uri="{BB962C8B-B14F-4D97-AF65-F5344CB8AC3E}">
+        <p14:creationId xmlns:p14="http://schemas.microsoft.com/office/powerpoint/2010/main" val="728177018"/>
+      </p:ext>
+    </p:extLst>
   </p:cSld>
   <p:clrMapOvr>
     <a:masterClrMapping/>
@@ -10006,7 +9936,7 @@
 
 <file path=ppt/slideLayouts/slideLayout9.xml><?xml version="1.0" encoding="utf-8"?>
 <p:sldLayout xmlns:a="http://schemas.openxmlformats.org/drawingml/2006/main" xmlns:r="http://schemas.openxmlformats.org/officeDocument/2006/relationships" xmlns:p="http://schemas.openxmlformats.org/presentationml/2006/main" type="picTx" preserve="1">
-  <p:cSld name="Imagen con título">
+  <p:cSld name="Picture with Caption">
     <p:spTree>
       <p:nvGrpSpPr>
         <p:cNvPr id="1" name=""/>
@@ -10023,7 +9953,7 @@
       </p:grpSpPr>
       <p:sp>
         <p:nvSpPr>
-          <p:cNvPr id="2" name="1 Título"/>
+          <p:cNvPr id="2" name="Title 1"/>
           <p:cNvSpPr>
             <a:spLocks noGrp="1"/>
           </p:cNvSpPr>
@@ -10033,8 +9963,8 @@
         </p:nvSpPr>
         <p:spPr>
           <a:xfrm>
-            <a:off x="1792288" y="4800602"/>
-            <a:ext cx="5486400" cy="566739"/>
+            <a:off x="1792288" y="4800600"/>
+            <a:ext cx="5486400" cy="566738"/>
           </a:xfrm>
         </p:spPr>
         <p:txBody>
@@ -10046,8 +9976,8 @@
           </a:lstStyle>
           <a:p>
             <a:r>
-              <a:rPr lang="es-ES" smtClean="0"/>
-              <a:t>Haga clic para modificar el estilo de título del patrón</a:t>
+              <a:rPr lang="en-US" smtClean="0"/>
+              <a:t>Click to edit Master title style</a:t>
             </a:r>
             <a:endParaRPr lang="es-ES"/>
           </a:p>
@@ -10055,7 +9985,7 @@
       </p:sp>
       <p:sp>
         <p:nvSpPr>
-          <p:cNvPr id="3" name="2 Marcador de posición de imagen"/>
+          <p:cNvPr id="3" name="Picture Placeholder 2"/>
           <p:cNvSpPr>
             <a:spLocks noGrp="1"/>
           </p:cNvSpPr>
@@ -10070,9 +10000,7 @@
           </a:xfrm>
         </p:spPr>
         <p:txBody>
-          <a:bodyPr rtlCol="0">
-            <a:normAutofit/>
-          </a:bodyPr>
+          <a:bodyPr/>
           <a:lstStyle>
             <a:lvl1pPr marL="0" indent="0">
               <a:buNone/>
@@ -10112,18 +10040,13 @@
             </a:lvl9pPr>
           </a:lstStyle>
           <a:p>
-            <a:pPr lvl="0"/>
-            <a:r>
-              <a:rPr lang="es-ES" noProof="0" smtClean="0"/>
-              <a:t>Haga clic en el icono para agregar una imagen</a:t>
-            </a:r>
-            <a:endParaRPr lang="es-ES" noProof="0"/>
+            <a:endParaRPr lang="es-ES"/>
           </a:p>
         </p:txBody>
       </p:sp>
       <p:sp>
         <p:nvSpPr>
-          <p:cNvPr id="4" name="3 Marcador de texto"/>
+          <p:cNvPr id="4" name="Text Placeholder 3"/>
           <p:cNvSpPr>
             <a:spLocks noGrp="1"/>
           </p:cNvSpPr>
@@ -10133,8 +10056,8 @@
         </p:nvSpPr>
         <p:spPr>
           <a:xfrm>
-            <a:off x="1792288" y="5367340"/>
-            <a:ext cx="5486400" cy="804863"/>
+            <a:off x="1792288" y="5367338"/>
+            <a:ext cx="5486400" cy="804862"/>
           </a:xfrm>
         </p:spPr>
         <p:txBody>
@@ -10180,15 +10103,15 @@
           <a:p>
             <a:pPr lvl="0"/>
             <a:r>
-              <a:rPr lang="es-ES" smtClean="0"/>
-              <a:t>Haga clic para modificar el estilo de texto del patrón</a:t>
+              <a:rPr lang="en-US" smtClean="0"/>
+              <a:t>Click to edit Master text styles</a:t>
             </a:r>
           </a:p>
         </p:txBody>
       </p:sp>
       <p:sp>
         <p:nvSpPr>
-          <p:cNvPr id="5" name="3 Marcador de fecha"/>
+          <p:cNvPr id="5" name="Date Placeholder 4"/>
           <p:cNvSpPr>
             <a:spLocks noGrp="1"/>
           </p:cNvSpPr>
@@ -10199,16 +10122,12 @@
         <p:spPr/>
         <p:txBody>
           <a:bodyPr/>
-          <a:lstStyle>
-            <a:lvl1pPr>
-              <a:defRPr/>
-            </a:lvl1pPr>
-          </a:lstStyle>
+          <a:lstStyle/>
           <a:p>
             <a:fld id="{807CB568-C05F-482F-9F26-AA302B8892DF}" type="datetimeFigureOut">
               <a:rPr lang="es-ES" smtClean="0"/>
               <a:pPr/>
-              <a:t>14/03/2014</a:t>
+              <a:t>3/14/15</a:t>
             </a:fld>
             <a:endParaRPr lang="es-ES"/>
           </a:p>
@@ -10216,7 +10135,7 @@
       </p:sp>
       <p:sp>
         <p:nvSpPr>
-          <p:cNvPr id="6" name="4 Marcador de pie de página"/>
+          <p:cNvPr id="6" name="Footer Placeholder 5"/>
           <p:cNvSpPr>
             <a:spLocks noGrp="1"/>
           </p:cNvSpPr>
@@ -10227,11 +10146,7 @@
         <p:spPr/>
         <p:txBody>
           <a:bodyPr/>
-          <a:lstStyle>
-            <a:lvl1pPr>
-              <a:defRPr/>
-            </a:lvl1pPr>
-          </a:lstStyle>
+          <a:lstStyle/>
           <a:p>
             <a:endParaRPr lang="es-ES"/>
           </a:p>
@@ -10239,7 +10154,7 @@
       </p:sp>
       <p:sp>
         <p:nvSpPr>
-          <p:cNvPr id="7" name="5 Marcador de número de diapositiva"/>
+          <p:cNvPr id="7" name="Slide Number Placeholder 6"/>
           <p:cNvSpPr>
             <a:spLocks noGrp="1"/>
           </p:cNvSpPr>
@@ -10250,22 +10165,23 @@
         <p:spPr/>
         <p:txBody>
           <a:bodyPr/>
-          <a:lstStyle>
-            <a:lvl1pPr>
-              <a:defRPr/>
-            </a:lvl1pPr>
-          </a:lstStyle>
+          <a:lstStyle/>
           <a:p>
             <a:fld id="{50178587-63F8-41F6-AE39-05E613E840AE}" type="slidenum">
               <a:rPr lang="es-ES" smtClean="0"/>
               <a:pPr/>
-              <a:t>‹Nº›</a:t>
+              <a:t>‹#›</a:t>
             </a:fld>
             <a:endParaRPr lang="es-ES"/>
           </a:p>
         </p:txBody>
       </p:sp>
     </p:spTree>
+    <p:extLst>
+      <p:ext uri="{BB962C8B-B14F-4D97-AF65-F5344CB8AC3E}">
+        <p14:creationId xmlns:p14="http://schemas.microsoft.com/office/powerpoint/2010/main" val="1797692608"/>
+      </p:ext>
+    </p:extLst>
   </p:cSld>
   <p:clrMapOvr>
     <a:masterClrMapping/>
@@ -10277,18 +10193,9 @@
 <p:sldMaster xmlns:a="http://schemas.openxmlformats.org/drawingml/2006/main" xmlns:r="http://schemas.openxmlformats.org/officeDocument/2006/relationships" xmlns:p="http://schemas.openxmlformats.org/presentationml/2006/main">
   <p:cSld>
     <p:bg>
-      <p:bgPr>
-        <a:blipFill dpi="0" rotWithShape="1">
-          <a:blip r:embed="rId13" cstate="print">
-            <a:lum/>
-          </a:blip>
-          <a:srcRect/>
-          <a:stretch>
-            <a:fillRect/>
-          </a:stretch>
-        </a:blipFill>
-        <a:effectLst/>
-      </p:bgPr>
+      <p:bgRef idx="1001">
+        <a:schemeClr val="bg1"/>
+      </p:bgRef>
     </p:bg>
     <p:spTree>
       <p:nvGrpSpPr>
@@ -10306,7 +10213,7 @@
       </p:grpSpPr>
       <p:sp>
         <p:nvSpPr>
-          <p:cNvPr id="1026" name="1 Marcador de título"/>
+          <p:cNvPr id="2" name="Title Placeholder 1"/>
           <p:cNvSpPr>
             <a:spLocks noGrp="1"/>
           </p:cNvSpPr>
@@ -10314,41 +10221,32 @@
             <p:ph type="title"/>
           </p:nvPr>
         </p:nvSpPr>
-        <p:spPr bwMode="auto">
+        <p:spPr>
           <a:xfrm>
-            <a:off x="457200" y="274639"/>
+            <a:off x="457200" y="274638"/>
             <a:ext cx="8229600" cy="1143000"/>
           </a:xfrm>
           <a:prstGeom prst="rect">
             <a:avLst/>
           </a:prstGeom>
-          <a:noFill/>
-          <a:ln w="9525">
-            <a:noFill/>
-            <a:miter lim="800000"/>
-            <a:headEnd/>
-            <a:tailEnd/>
-          </a:ln>
         </p:spPr>
         <p:txBody>
-          <a:bodyPr vert="horz" wrap="square" lIns="91440" tIns="45720" rIns="91440" bIns="45720" numCol="1" anchor="ctr" anchorCtr="0" compatLnSpc="1">
-            <a:prstTxWarp prst="textNoShape">
-              <a:avLst/>
-            </a:prstTxWarp>
+          <a:bodyPr vert="horz" lIns="91440" tIns="45720" rIns="91440" bIns="45720" rtlCol="0" anchor="ctr">
+            <a:normAutofit/>
           </a:bodyPr>
           <a:lstStyle/>
           <a:p>
-            <a:pPr lvl="0"/>
-            <a:r>
-              <a:rPr lang="es-ES" smtClean="0"/>
-              <a:t>Haga clic para modificar el estilo de título del patrón</a:t>
-            </a:r>
+            <a:r>
+              <a:rPr lang="en-US" smtClean="0"/>
+              <a:t>Click to edit Master title style</a:t>
+            </a:r>
+            <a:endParaRPr lang="es-ES"/>
           </a:p>
         </p:txBody>
       </p:sp>
       <p:sp>
         <p:nvSpPr>
-          <p:cNvPr id="1027" name="2 Marcador de texto"/>
+          <p:cNvPr id="3" name="Text Placeholder 2"/>
           <p:cNvSpPr>
             <a:spLocks noGrp="1"/>
           </p:cNvSpPr>
@@ -10356,69 +10254,61 @@
             <p:ph type="body" idx="1"/>
           </p:nvPr>
         </p:nvSpPr>
-        <p:spPr bwMode="auto">
+        <p:spPr>
           <a:xfrm>
-            <a:off x="457200" y="1600203"/>
+            <a:off x="457200" y="1600200"/>
             <a:ext cx="8229600" cy="4525963"/>
           </a:xfrm>
           <a:prstGeom prst="rect">
             <a:avLst/>
           </a:prstGeom>
-          <a:noFill/>
-          <a:ln w="9525">
-            <a:noFill/>
-            <a:miter lim="800000"/>
-            <a:headEnd/>
-            <a:tailEnd/>
-          </a:ln>
         </p:spPr>
         <p:txBody>
-          <a:bodyPr vert="horz" wrap="square" lIns="91440" tIns="45720" rIns="91440" bIns="45720" numCol="1" anchor="t" anchorCtr="0" compatLnSpc="1">
-            <a:prstTxWarp prst="textNoShape">
-              <a:avLst/>
-            </a:prstTxWarp>
+          <a:bodyPr vert="horz" lIns="91440" tIns="45720" rIns="91440" bIns="45720" rtlCol="0">
+            <a:normAutofit/>
           </a:bodyPr>
           <a:lstStyle/>
           <a:p>
             <a:pPr lvl="0"/>
             <a:r>
-              <a:rPr lang="es-ES" smtClean="0"/>
-              <a:t>Haga clic para modificar el estilo de texto del patrón</a:t>
+              <a:rPr lang="en-US" smtClean="0"/>
+              <a:t>Click to edit Master text styles</a:t>
             </a:r>
           </a:p>
           <a:p>
             <a:pPr lvl="1"/>
             <a:r>
-              <a:rPr lang="es-ES" smtClean="0"/>
-              <a:t>Segundo nivel</a:t>
+              <a:rPr lang="en-US" smtClean="0"/>
+              <a:t>Second level</a:t>
             </a:r>
           </a:p>
           <a:p>
             <a:pPr lvl="2"/>
             <a:r>
-              <a:rPr lang="es-ES" smtClean="0"/>
-              <a:t>Tercer nivel</a:t>
+              <a:rPr lang="en-US" smtClean="0"/>
+              <a:t>Third level</a:t>
             </a:r>
           </a:p>
           <a:p>
             <a:pPr lvl="3"/>
             <a:r>
-              <a:rPr lang="es-ES" smtClean="0"/>
-              <a:t>Cuarto nivel</a:t>
+              <a:rPr lang="en-US" smtClean="0"/>
+              <a:t>Fourth level</a:t>
             </a:r>
           </a:p>
           <a:p>
             <a:pPr lvl="4"/>
             <a:r>
-              <a:rPr lang="es-ES" smtClean="0"/>
-              <a:t>Quinto nivel</a:t>
-            </a:r>
+              <a:rPr lang="en-US" smtClean="0"/>
+              <a:t>Fifth level</a:t>
+            </a:r>
+            <a:endParaRPr lang="es-ES"/>
           </a:p>
         </p:txBody>
       </p:sp>
       <p:sp>
         <p:nvSpPr>
-          <p:cNvPr id="4" name="3 Marcador de fecha"/>
+          <p:cNvPr id="4" name="Date Placeholder 3"/>
           <p:cNvSpPr>
             <a:spLocks noGrp="1"/>
           </p:cNvSpPr>
@@ -10428,7 +10318,7 @@
         </p:nvSpPr>
         <p:spPr>
           <a:xfrm>
-            <a:off x="457200" y="6356353"/>
+            <a:off x="457200" y="6356350"/>
             <a:ext cx="2133600" cy="365125"/>
           </a:xfrm>
           <a:prstGeom prst="rect">
@@ -10438,20 +10328,13 @@
         <p:txBody>
           <a:bodyPr vert="horz" lIns="91440" tIns="45720" rIns="91440" bIns="45720" rtlCol="0" anchor="ctr"/>
           <a:lstStyle>
-            <a:lvl1pPr algn="l" fontAlgn="auto">
-              <a:spcBef>
-                <a:spcPts val="0"/>
-              </a:spcBef>
-              <a:spcAft>
-                <a:spcPts val="0"/>
-              </a:spcAft>
-              <a:defRPr sz="1200" smtClean="0">
+            <a:lvl1pPr algn="l">
+              <a:defRPr sz="1200">
                 <a:solidFill>
                   <a:schemeClr val="tx1">
                     <a:tint val="75000"/>
                   </a:schemeClr>
                 </a:solidFill>
-                <a:latin typeface="+mn-lt"/>
               </a:defRPr>
             </a:lvl1pPr>
           </a:lstStyle>
@@ -10459,7 +10342,7 @@
             <a:fld id="{807CB568-C05F-482F-9F26-AA302B8892DF}" type="datetimeFigureOut">
               <a:rPr lang="es-ES" smtClean="0"/>
               <a:pPr/>
-              <a:t>14/03/2014</a:t>
+              <a:t>3/14/15</a:t>
             </a:fld>
             <a:endParaRPr lang="es-ES"/>
           </a:p>
@@ -10467,7 +10350,7 @@
       </p:sp>
       <p:sp>
         <p:nvSpPr>
-          <p:cNvPr id="5" name="4 Marcador de pie de página"/>
+          <p:cNvPr id="5" name="Footer Placeholder 4"/>
           <p:cNvSpPr>
             <a:spLocks noGrp="1"/>
           </p:cNvSpPr>
@@ -10477,7 +10360,7 @@
         </p:nvSpPr>
         <p:spPr>
           <a:xfrm>
-            <a:off x="3124200" y="6356353"/>
+            <a:off x="3124200" y="6356350"/>
             <a:ext cx="2895600" cy="365125"/>
           </a:xfrm>
           <a:prstGeom prst="rect">
@@ -10487,20 +10370,13 @@
         <p:txBody>
           <a:bodyPr vert="horz" lIns="91440" tIns="45720" rIns="91440" bIns="45720" rtlCol="0" anchor="ctr"/>
           <a:lstStyle>
-            <a:lvl1pPr algn="ctr" fontAlgn="auto">
-              <a:spcBef>
-                <a:spcPts val="0"/>
-              </a:spcBef>
-              <a:spcAft>
-                <a:spcPts val="0"/>
-              </a:spcAft>
+            <a:lvl1pPr algn="ctr">
               <a:defRPr sz="1200">
                 <a:solidFill>
                   <a:schemeClr val="tx1">
                     <a:tint val="75000"/>
                   </a:schemeClr>
                 </a:solidFill>
-                <a:latin typeface="+mn-lt"/>
               </a:defRPr>
             </a:lvl1pPr>
           </a:lstStyle>
@@ -10511,7 +10387,7 @@
       </p:sp>
       <p:sp>
         <p:nvSpPr>
-          <p:cNvPr id="6" name="5 Marcador de número de diapositiva"/>
+          <p:cNvPr id="6" name="Slide Number Placeholder 5"/>
           <p:cNvSpPr>
             <a:spLocks noGrp="1"/>
           </p:cNvSpPr>
@@ -10521,7 +10397,7 @@
         </p:nvSpPr>
         <p:spPr>
           <a:xfrm>
-            <a:off x="6553200" y="6356353"/>
+            <a:off x="6553200" y="6356350"/>
             <a:ext cx="2133600" cy="365125"/>
           </a:xfrm>
           <a:prstGeom prst="rect">
@@ -10531,20 +10407,13 @@
         <p:txBody>
           <a:bodyPr vert="horz" lIns="91440" tIns="45720" rIns="91440" bIns="45720" rtlCol="0" anchor="ctr"/>
           <a:lstStyle>
-            <a:lvl1pPr algn="r" fontAlgn="auto">
-              <a:spcBef>
-                <a:spcPts val="0"/>
-              </a:spcBef>
-              <a:spcAft>
-                <a:spcPts val="0"/>
-              </a:spcAft>
-              <a:defRPr sz="1200" smtClean="0">
+            <a:lvl1pPr algn="r">
+              <a:defRPr sz="1200">
                 <a:solidFill>
                   <a:schemeClr val="tx1">
                     <a:tint val="75000"/>
                   </a:schemeClr>
                 </a:solidFill>
-                <a:latin typeface="+mn-lt"/>
               </a:defRPr>
             </a:lvl1pPr>
           </a:lstStyle>
@@ -10552,37 +10421,40 @@
             <a:fld id="{50178587-63F8-41F6-AE39-05E613E840AE}" type="slidenum">
               <a:rPr lang="es-ES" smtClean="0"/>
               <a:pPr/>
-              <a:t>‹Nº›</a:t>
+              <a:t>‹#›</a:t>
             </a:fld>
             <a:endParaRPr lang="es-ES"/>
           </a:p>
         </p:txBody>
       </p:sp>
     </p:spTree>
+    <p:extLst>
+      <p:ext uri="{BB962C8B-B14F-4D97-AF65-F5344CB8AC3E}">
+        <p14:creationId xmlns:p14="http://schemas.microsoft.com/office/powerpoint/2010/main" val="1211620964"/>
+      </p:ext>
+    </p:extLst>
   </p:cSld>
-  <p:clrMap bg1="dk1" tx1="lt1" bg2="dk2" tx2="lt2" accent1="accent1" accent2="accent2" accent3="accent3" accent4="accent4" accent5="accent5" accent6="accent6" hlink="hlink" folHlink="folHlink"/>
+  <p:clrMap bg1="lt1" tx1="dk1" bg2="lt2" tx2="dk2" accent1="accent1" accent2="accent2" accent3="accent3" accent4="accent4" accent5="accent5" accent6="accent6" hlink="hlink" folHlink="folHlink"/>
   <p:sldLayoutIdLst>
-    <p:sldLayoutId id="2147483685" r:id="rId1"/>
-    <p:sldLayoutId id="2147483686" r:id="rId2"/>
-    <p:sldLayoutId id="2147483687" r:id="rId3"/>
-    <p:sldLayoutId id="2147483688" r:id="rId4"/>
-    <p:sldLayoutId id="2147483689" r:id="rId5"/>
-    <p:sldLayoutId id="2147483690" r:id="rId6"/>
-    <p:sldLayoutId id="2147483691" r:id="rId7"/>
-    <p:sldLayoutId id="2147483692" r:id="rId8"/>
-    <p:sldLayoutId id="2147483693" r:id="rId9"/>
-    <p:sldLayoutId id="2147483694" r:id="rId10"/>
-    <p:sldLayoutId id="2147483695" r:id="rId11"/>
+    <p:sldLayoutId id="2147483697" r:id="rId1"/>
+    <p:sldLayoutId id="2147483698" r:id="rId2"/>
+    <p:sldLayoutId id="2147483699" r:id="rId3"/>
+    <p:sldLayoutId id="2147483700" r:id="rId4"/>
+    <p:sldLayoutId id="2147483701" r:id="rId5"/>
+    <p:sldLayoutId id="2147483702" r:id="rId6"/>
+    <p:sldLayoutId id="2147483703" r:id="rId7"/>
+    <p:sldLayoutId id="2147483704" r:id="rId8"/>
+    <p:sldLayoutId id="2147483705" r:id="rId9"/>
+    <p:sldLayoutId id="2147483706" r:id="rId10"/>
+    <p:sldLayoutId id="2147483707" r:id="rId11"/>
   </p:sldLayoutIdLst>
   <p:txStyles>
     <p:titleStyle>
-      <a:lvl1pPr algn="ctr" rtl="0" eaLnBrk="1" fontAlgn="base" hangingPunct="1">
+      <a:lvl1pPr algn="ctr" defTabSz="457200" rtl="0" eaLnBrk="1" latinLnBrk="0" hangingPunct="1">
         <a:spcBef>
           <a:spcPct val="0"/>
         </a:spcBef>
-        <a:spcAft>
-          <a:spcPct val="0"/>
-        </a:spcAft>
+        <a:buNone/>
         <a:defRPr sz="4400" kern="1200">
           <a:solidFill>
             <a:schemeClr val="tx1"/>
@@ -10592,128 +10464,13 @@
           <a:cs typeface="+mj-cs"/>
         </a:defRPr>
       </a:lvl1pPr>
-      <a:lvl2pPr algn="ctr" rtl="0" eaLnBrk="1" fontAlgn="base" hangingPunct="1">
-        <a:spcBef>
-          <a:spcPct val="0"/>
-        </a:spcBef>
-        <a:spcAft>
-          <a:spcPct val="0"/>
-        </a:spcAft>
-        <a:defRPr sz="4400">
-          <a:solidFill>
-            <a:schemeClr val="tx1"/>
-          </a:solidFill>
-          <a:latin typeface="Calibri" pitchFamily="34" charset="0"/>
-        </a:defRPr>
-      </a:lvl2pPr>
-      <a:lvl3pPr algn="ctr" rtl="0" eaLnBrk="1" fontAlgn="base" hangingPunct="1">
-        <a:spcBef>
-          <a:spcPct val="0"/>
-        </a:spcBef>
-        <a:spcAft>
-          <a:spcPct val="0"/>
-        </a:spcAft>
-        <a:defRPr sz="4400">
-          <a:solidFill>
-            <a:schemeClr val="tx1"/>
-          </a:solidFill>
-          <a:latin typeface="Calibri" pitchFamily="34" charset="0"/>
-        </a:defRPr>
-      </a:lvl3pPr>
-      <a:lvl4pPr algn="ctr" rtl="0" eaLnBrk="1" fontAlgn="base" hangingPunct="1">
-        <a:spcBef>
-          <a:spcPct val="0"/>
-        </a:spcBef>
-        <a:spcAft>
-          <a:spcPct val="0"/>
-        </a:spcAft>
-        <a:defRPr sz="4400">
-          <a:solidFill>
-            <a:schemeClr val="tx1"/>
-          </a:solidFill>
-          <a:latin typeface="Calibri" pitchFamily="34" charset="0"/>
-        </a:defRPr>
-      </a:lvl4pPr>
-      <a:lvl5pPr algn="ctr" rtl="0" eaLnBrk="1" fontAlgn="base" hangingPunct="1">
-        <a:spcBef>
-          <a:spcPct val="0"/>
-        </a:spcBef>
-        <a:spcAft>
-          <a:spcPct val="0"/>
-        </a:spcAft>
-        <a:defRPr sz="4400">
-          <a:solidFill>
-            <a:schemeClr val="tx1"/>
-          </a:solidFill>
-          <a:latin typeface="Calibri" pitchFamily="34" charset="0"/>
-        </a:defRPr>
-      </a:lvl5pPr>
-      <a:lvl6pPr marL="457200" algn="ctr" rtl="0" eaLnBrk="1" fontAlgn="base" hangingPunct="1">
-        <a:spcBef>
-          <a:spcPct val="0"/>
-        </a:spcBef>
-        <a:spcAft>
-          <a:spcPct val="0"/>
-        </a:spcAft>
-        <a:defRPr sz="4400">
-          <a:solidFill>
-            <a:schemeClr val="tx1"/>
-          </a:solidFill>
-          <a:latin typeface="Calibri" pitchFamily="34" charset="0"/>
-        </a:defRPr>
-      </a:lvl6pPr>
-      <a:lvl7pPr marL="914400" algn="ctr" rtl="0" eaLnBrk="1" fontAlgn="base" hangingPunct="1">
-        <a:spcBef>
-          <a:spcPct val="0"/>
-        </a:spcBef>
-        <a:spcAft>
-          <a:spcPct val="0"/>
-        </a:spcAft>
-        <a:defRPr sz="4400">
-          <a:solidFill>
-            <a:schemeClr val="tx1"/>
-          </a:solidFill>
-          <a:latin typeface="Calibri" pitchFamily="34" charset="0"/>
-        </a:defRPr>
-      </a:lvl7pPr>
-      <a:lvl8pPr marL="1371600" algn="ctr" rtl="0" eaLnBrk="1" fontAlgn="base" hangingPunct="1">
-        <a:spcBef>
-          <a:spcPct val="0"/>
-        </a:spcBef>
-        <a:spcAft>
-          <a:spcPct val="0"/>
-        </a:spcAft>
-        <a:defRPr sz="4400">
-          <a:solidFill>
-            <a:schemeClr val="tx1"/>
-          </a:solidFill>
-          <a:latin typeface="Calibri" pitchFamily="34" charset="0"/>
-        </a:defRPr>
-      </a:lvl8pPr>
-      <a:lvl9pPr marL="1828800" algn="ctr" rtl="0" eaLnBrk="1" fontAlgn="base" hangingPunct="1">
-        <a:spcBef>
-          <a:spcPct val="0"/>
-        </a:spcBef>
-        <a:spcAft>
-          <a:spcPct val="0"/>
-        </a:spcAft>
-        <a:defRPr sz="4400">
-          <a:solidFill>
-            <a:schemeClr val="tx1"/>
-          </a:solidFill>
-          <a:latin typeface="Calibri" pitchFamily="34" charset="0"/>
-        </a:defRPr>
-      </a:lvl9pPr>
     </p:titleStyle>
     <p:bodyStyle>
-      <a:lvl1pPr marL="342900" indent="-342900" algn="l" rtl="0" eaLnBrk="1" fontAlgn="base" hangingPunct="1">
+      <a:lvl1pPr marL="342900" indent="-342900" algn="l" defTabSz="457200" rtl="0" eaLnBrk="1" latinLnBrk="0" hangingPunct="1">
         <a:spcBef>
           <a:spcPct val="20000"/>
         </a:spcBef>
-        <a:spcAft>
-          <a:spcPct val="0"/>
-        </a:spcAft>
-        <a:buFont typeface="Arial" charset="0"/>
+        <a:buFont typeface="Arial"/>
         <a:buChar char="•"/>
         <a:defRPr sz="3200" kern="1200">
           <a:solidFill>
@@ -10724,14 +10481,11 @@
           <a:cs typeface="+mn-cs"/>
         </a:defRPr>
       </a:lvl1pPr>
-      <a:lvl2pPr marL="742950" indent="-285750" algn="l" rtl="0" eaLnBrk="1" fontAlgn="base" hangingPunct="1">
+      <a:lvl2pPr marL="742950" indent="-285750" algn="l" defTabSz="457200" rtl="0" eaLnBrk="1" latinLnBrk="0" hangingPunct="1">
         <a:spcBef>
           <a:spcPct val="20000"/>
         </a:spcBef>
-        <a:spcAft>
-          <a:spcPct val="0"/>
-        </a:spcAft>
-        <a:buFont typeface="Arial" charset="0"/>
+        <a:buFont typeface="Arial"/>
         <a:buChar char="–"/>
         <a:defRPr sz="2800" kern="1200">
           <a:solidFill>
@@ -10742,14 +10496,11 @@
           <a:cs typeface="+mn-cs"/>
         </a:defRPr>
       </a:lvl2pPr>
-      <a:lvl3pPr marL="1143000" indent="-228600" algn="l" rtl="0" eaLnBrk="1" fontAlgn="base" hangingPunct="1">
+      <a:lvl3pPr marL="1143000" indent="-228600" algn="l" defTabSz="457200" rtl="0" eaLnBrk="1" latinLnBrk="0" hangingPunct="1">
         <a:spcBef>
           <a:spcPct val="20000"/>
         </a:spcBef>
-        <a:spcAft>
-          <a:spcPct val="0"/>
-        </a:spcAft>
-        <a:buFont typeface="Arial" charset="0"/>
+        <a:buFont typeface="Arial"/>
         <a:buChar char="•"/>
         <a:defRPr sz="2400" kern="1200">
           <a:solidFill>
@@ -10760,14 +10511,11 @@
           <a:cs typeface="+mn-cs"/>
         </a:defRPr>
       </a:lvl3pPr>
-      <a:lvl4pPr marL="1600200" indent="-228600" algn="l" rtl="0" eaLnBrk="1" fontAlgn="base" hangingPunct="1">
+      <a:lvl4pPr marL="1600200" indent="-228600" algn="l" defTabSz="457200" rtl="0" eaLnBrk="1" latinLnBrk="0" hangingPunct="1">
         <a:spcBef>
           <a:spcPct val="20000"/>
         </a:spcBef>
-        <a:spcAft>
-          <a:spcPct val="0"/>
-        </a:spcAft>
-        <a:buFont typeface="Arial" charset="0"/>
+        <a:buFont typeface="Arial"/>
         <a:buChar char="–"/>
         <a:defRPr sz="2000" kern="1200">
           <a:solidFill>
@@ -10778,14 +10526,11 @@
           <a:cs typeface="+mn-cs"/>
         </a:defRPr>
       </a:lvl4pPr>
-      <a:lvl5pPr marL="2057400" indent="-228600" algn="l" rtl="0" eaLnBrk="1" fontAlgn="base" hangingPunct="1">
+      <a:lvl5pPr marL="2057400" indent="-228600" algn="l" defTabSz="457200" rtl="0" eaLnBrk="1" latinLnBrk="0" hangingPunct="1">
         <a:spcBef>
           <a:spcPct val="20000"/>
         </a:spcBef>
-        <a:spcAft>
-          <a:spcPct val="0"/>
-        </a:spcAft>
-        <a:buFont typeface="Arial" charset="0"/>
+        <a:buFont typeface="Arial"/>
         <a:buChar char="»"/>
         <a:defRPr sz="2000" kern="1200">
           <a:solidFill>
@@ -10796,11 +10541,11 @@
           <a:cs typeface="+mn-cs"/>
         </a:defRPr>
       </a:lvl5pPr>
-      <a:lvl6pPr marL="2514600" indent="-228600" algn="l" defTabSz="914400" rtl="0" eaLnBrk="1" latinLnBrk="0" hangingPunct="1">
+      <a:lvl6pPr marL="2514600" indent="-228600" algn="l" defTabSz="457200" rtl="0" eaLnBrk="1" latinLnBrk="0" hangingPunct="1">
         <a:spcBef>
           <a:spcPct val="20000"/>
         </a:spcBef>
-        <a:buFont typeface="Arial" pitchFamily="34" charset="0"/>
+        <a:buFont typeface="Arial"/>
         <a:buChar char="•"/>
         <a:defRPr sz="2000" kern="1200">
           <a:solidFill>
@@ -10811,11 +10556,11 @@
           <a:cs typeface="+mn-cs"/>
         </a:defRPr>
       </a:lvl6pPr>
-      <a:lvl7pPr marL="2971800" indent="-228600" algn="l" defTabSz="914400" rtl="0" eaLnBrk="1" latinLnBrk="0" hangingPunct="1">
+      <a:lvl7pPr marL="2971800" indent="-228600" algn="l" defTabSz="457200" rtl="0" eaLnBrk="1" latinLnBrk="0" hangingPunct="1">
         <a:spcBef>
           <a:spcPct val="20000"/>
         </a:spcBef>
-        <a:buFont typeface="Arial" pitchFamily="34" charset="0"/>
+        <a:buFont typeface="Arial"/>
         <a:buChar char="•"/>
         <a:defRPr sz="2000" kern="1200">
           <a:solidFill>
@@ -10826,11 +10571,11 @@
           <a:cs typeface="+mn-cs"/>
         </a:defRPr>
       </a:lvl7pPr>
-      <a:lvl8pPr marL="3429000" indent="-228600" algn="l" defTabSz="914400" rtl="0" eaLnBrk="1" latinLnBrk="0" hangingPunct="1">
+      <a:lvl8pPr marL="3429000" indent="-228600" algn="l" defTabSz="457200" rtl="0" eaLnBrk="1" latinLnBrk="0" hangingPunct="1">
         <a:spcBef>
           <a:spcPct val="20000"/>
         </a:spcBef>
-        <a:buFont typeface="Arial" pitchFamily="34" charset="0"/>
+        <a:buFont typeface="Arial"/>
         <a:buChar char="•"/>
         <a:defRPr sz="2000" kern="1200">
           <a:solidFill>
@@ -10841,11 +10586,11 @@
           <a:cs typeface="+mn-cs"/>
         </a:defRPr>
       </a:lvl8pPr>
-      <a:lvl9pPr marL="3886200" indent="-228600" algn="l" defTabSz="914400" rtl="0" eaLnBrk="1" latinLnBrk="0" hangingPunct="1">
+      <a:lvl9pPr marL="3886200" indent="-228600" algn="l" defTabSz="457200" rtl="0" eaLnBrk="1" latinLnBrk="0" hangingPunct="1">
         <a:spcBef>
           <a:spcPct val="20000"/>
         </a:spcBef>
-        <a:buFont typeface="Arial" pitchFamily="34" charset="0"/>
+        <a:buFont typeface="Arial"/>
         <a:buChar char="•"/>
         <a:defRPr sz="2000" kern="1200">
           <a:solidFill>
@@ -10859,9 +10604,9 @@
     </p:bodyStyle>
     <p:otherStyle>
       <a:defPPr>
-        <a:defRPr lang="es-ES"/>
+        <a:defRPr lang="en-US"/>
       </a:defPPr>
-      <a:lvl1pPr marL="0" algn="l" defTabSz="914400" rtl="0" eaLnBrk="1" latinLnBrk="0" hangingPunct="1">
+      <a:lvl1pPr marL="0" algn="l" defTabSz="457200" rtl="0" eaLnBrk="1" latinLnBrk="0" hangingPunct="1">
         <a:defRPr sz="1800" kern="1200">
           <a:solidFill>
             <a:schemeClr val="tx1"/>
@@ -10871,7 +10616,7 @@
           <a:cs typeface="+mn-cs"/>
         </a:defRPr>
       </a:lvl1pPr>
-      <a:lvl2pPr marL="457200" algn="l" defTabSz="914400" rtl="0" eaLnBrk="1" latinLnBrk="0" hangingPunct="1">
+      <a:lvl2pPr marL="457200" algn="l" defTabSz="457200" rtl="0" eaLnBrk="1" latinLnBrk="0" hangingPunct="1">
         <a:defRPr sz="1800" kern="1200">
           <a:solidFill>
             <a:schemeClr val="tx1"/>
@@ -10881,7 +10626,7 @@
           <a:cs typeface="+mn-cs"/>
         </a:defRPr>
       </a:lvl2pPr>
-      <a:lvl3pPr marL="914400" algn="l" defTabSz="914400" rtl="0" eaLnBrk="1" latinLnBrk="0" hangingPunct="1">
+      <a:lvl3pPr marL="914400" algn="l" defTabSz="457200" rtl="0" eaLnBrk="1" latinLnBrk="0" hangingPunct="1">
         <a:defRPr sz="1800" kern="1200">
           <a:solidFill>
             <a:schemeClr val="tx1"/>
@@ -10891,7 +10636,7 @@
           <a:cs typeface="+mn-cs"/>
         </a:defRPr>
       </a:lvl3pPr>
-      <a:lvl4pPr marL="1371600" algn="l" defTabSz="914400" rtl="0" eaLnBrk="1" latinLnBrk="0" hangingPunct="1">
+      <a:lvl4pPr marL="1371600" algn="l" defTabSz="457200" rtl="0" eaLnBrk="1" latinLnBrk="0" hangingPunct="1">
         <a:defRPr sz="1800" kern="1200">
           <a:solidFill>
             <a:schemeClr val="tx1"/>
@@ -10901,7 +10646,7 @@
           <a:cs typeface="+mn-cs"/>
         </a:defRPr>
       </a:lvl4pPr>
-      <a:lvl5pPr marL="1828800" algn="l" defTabSz="914400" rtl="0" eaLnBrk="1" latinLnBrk="0" hangingPunct="1">
+      <a:lvl5pPr marL="1828800" algn="l" defTabSz="457200" rtl="0" eaLnBrk="1" latinLnBrk="0" hangingPunct="1">
         <a:defRPr sz="1800" kern="1200">
           <a:solidFill>
             <a:schemeClr val="tx1"/>
@@ -10911,7 +10656,7 @@
           <a:cs typeface="+mn-cs"/>
         </a:defRPr>
       </a:lvl5pPr>
-      <a:lvl6pPr marL="2286000" algn="l" defTabSz="914400" rtl="0" eaLnBrk="1" latinLnBrk="0" hangingPunct="1">
+      <a:lvl6pPr marL="2286000" algn="l" defTabSz="457200" rtl="0" eaLnBrk="1" latinLnBrk="0" hangingPunct="1">
         <a:defRPr sz="1800" kern="1200">
           <a:solidFill>
             <a:schemeClr val="tx1"/>
@@ -10921,7 +10666,7 @@
           <a:cs typeface="+mn-cs"/>
         </a:defRPr>
       </a:lvl6pPr>
-      <a:lvl7pPr marL="2743200" algn="l" defTabSz="914400" rtl="0" eaLnBrk="1" latinLnBrk="0" hangingPunct="1">
+      <a:lvl7pPr marL="2743200" algn="l" defTabSz="457200" rtl="0" eaLnBrk="1" latinLnBrk="0" hangingPunct="1">
         <a:defRPr sz="1800" kern="1200">
           <a:solidFill>
             <a:schemeClr val="tx1"/>
@@ -10931,7 +10676,7 @@
           <a:cs typeface="+mn-cs"/>
         </a:defRPr>
       </a:lvl7pPr>
-      <a:lvl8pPr marL="3200400" algn="l" defTabSz="914400" rtl="0" eaLnBrk="1" latinLnBrk="0" hangingPunct="1">
+      <a:lvl8pPr marL="3200400" algn="l" defTabSz="457200" rtl="0" eaLnBrk="1" latinLnBrk="0" hangingPunct="1">
         <a:defRPr sz="1800" kern="1200">
           <a:solidFill>
             <a:schemeClr val="tx1"/>
@@ -10941,7 +10686,7 @@
           <a:cs typeface="+mn-cs"/>
         </a:defRPr>
       </a:lvl8pPr>
-      <a:lvl9pPr marL="3657600" algn="l" defTabSz="914400" rtl="0" eaLnBrk="1" latinLnBrk="0" hangingPunct="1">
+      <a:lvl9pPr marL="3657600" algn="l" defTabSz="457200" rtl="0" eaLnBrk="1" latinLnBrk="0" hangingPunct="1">
         <a:defRPr sz="1800" kern="1200">
           <a:solidFill>
             <a:schemeClr val="tx1"/>
@@ -10990,7 +10735,9 @@
           </a:xfrm>
         </p:spPr>
         <p:txBody>
-          <a:bodyPr/>
+          <a:bodyPr>
+            <a:normAutofit fontScale="90000"/>
+          </a:bodyPr>
           <a:lstStyle/>
           <a:p>
             <a:r>
@@ -11255,7 +11002,7 @@
   <p:timing>
     <p:tnLst>
       <p:par>
-        <p:cTn id="1" dur="indefinite" restart="never" nodeType="tmRoot"/>
+        <p:cTn xmlns:p14="http://schemas.microsoft.com/office/powerpoint/2010/main" id="1" dur="indefinite" restart="never" nodeType="tmRoot"/>
       </p:par>
     </p:tnLst>
   </p:timing>
@@ -12551,7 +12298,9 @@
           </a:xfrm>
         </p:spPr>
         <p:txBody>
-          <a:bodyPr/>
+          <a:bodyPr>
+            <a:normAutofit fontScale="90000"/>
+          </a:bodyPr>
           <a:lstStyle/>
           <a:p>
             <a:r>
@@ -12591,7 +12340,7 @@
   <p:timing>
     <p:tnLst>
       <p:par>
-        <p:cTn id="1" dur="indefinite" restart="never" nodeType="tmRoot">
+        <p:cTn xmlns:p14="http://schemas.microsoft.com/office/powerpoint/2010/main" id="1" dur="indefinite" restart="never" nodeType="tmRoot">
           <p:childTnLst>
             <p:seq concurrent="1" nextAc="seek">
               <p:cTn id="2" dur="indefinite" nodeType="mainSeq">
@@ -14254,7 +14003,7 @@
   <p:timing>
     <p:tnLst>
       <p:par>
-        <p:cTn id="1" dur="indefinite" restart="never" nodeType="tmRoot">
+        <p:cTn xmlns:p14="http://schemas.microsoft.com/office/powerpoint/2010/main" id="1" dur="indefinite" restart="never" nodeType="tmRoot">
           <p:childTnLst>
             <p:seq concurrent="1" nextAc="seek">
               <p:cTn id="2" dur="indefinite" nodeType="mainSeq">
@@ -14598,7 +14347,7 @@
   <p:timing>
     <p:tnLst>
       <p:par>
-        <p:cTn id="1" dur="indefinite" restart="never" nodeType="tmRoot"/>
+        <p:cTn xmlns:p14="http://schemas.microsoft.com/office/powerpoint/2010/main" id="1" dur="indefinite" restart="never" nodeType="tmRoot"/>
       </p:par>
     </p:tnLst>
   </p:timing>
@@ -14664,7 +14413,7 @@
         <p:spPr bwMode="auto">
           <a:xfrm>
             <a:off x="611560" y="1148858"/>
-            <a:ext cx="7992888" cy="5304478"/>
+            <a:ext cx="8064896" cy="5304478"/>
           </a:xfrm>
           <a:prstGeom prst="rect">
             <a:avLst/>
@@ -14954,7 +14703,7 @@
   <p:timing>
     <p:tnLst>
       <p:par>
-        <p:cTn id="1" dur="indefinite" restart="never" nodeType="tmRoot"/>
+        <p:cTn xmlns:p14="http://schemas.microsoft.com/office/powerpoint/2010/main" id="1" dur="indefinite" restart="never" nodeType="tmRoot"/>
       </p:par>
     </p:tnLst>
   </p:timing>
@@ -14995,7 +14744,9 @@
           </a:xfrm>
         </p:spPr>
         <p:txBody>
-          <a:bodyPr/>
+          <a:bodyPr>
+            <a:normAutofit fontScale="90000"/>
+          </a:bodyPr>
           <a:lstStyle/>
           <a:p>
             <a:r>
@@ -15024,8 +14775,8 @@
         </p:nvSpPr>
         <p:spPr bwMode="auto">
           <a:xfrm>
-            <a:off x="498902" y="1700807"/>
-            <a:ext cx="8177554" cy="4883804"/>
+            <a:off x="395536" y="1628800"/>
+            <a:ext cx="8465586" cy="4883804"/>
           </a:xfrm>
           <a:prstGeom prst="rect">
             <a:avLst/>
@@ -15255,7 +15006,7 @@
   <p:timing>
     <p:tnLst>
       <p:par>
-        <p:cTn id="1" dur="indefinite" restart="never" nodeType="tmRoot"/>
+        <p:cTn xmlns:p14="http://schemas.microsoft.com/office/powerpoint/2010/main" id="1" dur="indefinite" restart="never" nodeType="tmRoot"/>
       </p:par>
     </p:tnLst>
   </p:timing>
@@ -15296,7 +15047,9 @@
           </a:xfrm>
         </p:spPr>
         <p:txBody>
-          <a:bodyPr/>
+          <a:bodyPr>
+            <a:normAutofit fontScale="90000"/>
+          </a:bodyPr>
           <a:lstStyle/>
           <a:p>
             <a:r>
@@ -15320,7 +15073,7 @@
   <p:timing>
     <p:tnLst>
       <p:par>
-        <p:cTn id="1" dur="indefinite" restart="never" nodeType="tmRoot"/>
+        <p:cTn xmlns:p14="http://schemas.microsoft.com/office/powerpoint/2010/main" id="1" dur="indefinite" restart="never" nodeType="tmRoot"/>
       </p:par>
     </p:tnLst>
   </p:timing>
@@ -15403,7 +15156,11 @@
             <a:graphicFrameLocks/>
           </p:cNvGraphicFramePr>
           <p:nvPr>
-            <p:extLst/>
+            <p:extLst>
+              <p:ext uri="{D42A27DB-BD31-4B8C-83A1-F6EECF244321}">
+                <p14:modId xmlns:p14="http://schemas.microsoft.com/office/powerpoint/2010/main" val="365481477"/>
+              </p:ext>
+            </p:extLst>
           </p:nvPr>
         </p:nvGraphicFramePr>
         <p:xfrm>
@@ -15549,7 +15306,7 @@
   <p:timing>
     <p:tnLst>
       <p:par>
-        <p:cTn id="1" dur="indefinite" restart="never" nodeType="tmRoot"/>
+        <p:cTn xmlns:p14="http://schemas.microsoft.com/office/powerpoint/2010/main" id="1" dur="indefinite" restart="never" nodeType="tmRoot"/>
       </p:par>
     </p:tnLst>
   </p:timing>
@@ -15573,6 +15330,82 @@
           <a:chExt cx="0" cy="0"/>
         </a:xfrm>
       </p:grpSpPr>
+      <p:sp>
+        <p:nvSpPr>
+          <p:cNvPr id="6" name="2 Título"/>
+          <p:cNvSpPr>
+            <a:spLocks noGrp="1"/>
+          </p:cNvSpPr>
+          <p:nvPr>
+            <p:ph type="title"/>
+          </p:nvPr>
+        </p:nvSpPr>
+        <p:spPr>
+          <a:xfrm>
+            <a:off x="483459" y="260648"/>
+            <a:ext cx="8229600" cy="936104"/>
+          </a:xfrm>
+        </p:spPr>
+        <p:txBody>
+          <a:bodyPr/>
+          <a:lstStyle/>
+          <a:p>
+            <a:r>
+              <a:rPr lang="es-PE" dirty="0" err="1" smtClean="0">
+                <a:solidFill>
+                  <a:srgbClr val="00823B"/>
+                </a:solidFill>
+              </a:rPr>
+              <a:t>Billing</a:t>
+            </a:r>
+            <a:r>
+              <a:rPr lang="es-PE" dirty="0" smtClean="0">
+                <a:solidFill>
+                  <a:srgbClr val="00823B"/>
+                </a:solidFill>
+              </a:rPr>
+              <a:t> </a:t>
+            </a:r>
+            <a:r>
+              <a:rPr lang="es-PE" dirty="0" err="1" smtClean="0">
+                <a:solidFill>
+                  <a:srgbClr val="00823B"/>
+                </a:solidFill>
+              </a:rPr>
+              <a:t>System</a:t>
+            </a:r>
+            <a:r>
+              <a:rPr lang="es-PE" dirty="0" smtClean="0">
+                <a:solidFill>
+                  <a:srgbClr val="00823B"/>
+                </a:solidFill>
+              </a:rPr>
+              <a:t> - Case </a:t>
+            </a:r>
+            <a:r>
+              <a:rPr lang="es-PE" dirty="0" err="1" smtClean="0">
+                <a:solidFill>
+                  <a:srgbClr val="00823B"/>
+                </a:solidFill>
+              </a:rPr>
+              <a:t>Study</a:t>
+            </a:r>
+            <a:r>
+              <a:rPr lang="es-PE" dirty="0" smtClean="0">
+                <a:solidFill>
+                  <a:srgbClr val="00823B"/>
+                </a:solidFill>
+              </a:rPr>
+              <a:t> 2</a:t>
+            </a:r>
+            <a:endParaRPr lang="es-PE" dirty="0">
+              <a:solidFill>
+                <a:srgbClr val="00823B"/>
+              </a:solidFill>
+            </a:endParaRPr>
+          </a:p>
+        </p:txBody>
+      </p:sp>
       <p:graphicFrame>
         <p:nvGraphicFramePr>
           <p:cNvPr id="4" name="3 Marcador de contenido"/>
@@ -15583,7 +15416,7 @@
             <p:ph idx="1"/>
             <p:extLst>
               <p:ext uri="{D42A27DB-BD31-4B8C-83A1-F6EECF244321}">
-                <p14:modId xmlns:p14="http://schemas.microsoft.com/office/powerpoint/2010/main" val="987691832"/>
+                <p14:modId xmlns:p14="http://schemas.microsoft.com/office/powerpoint/2010/main" val="1138841914"/>
               </p:ext>
             </p:extLst>
           </p:nvPr>
@@ -16215,7 +16048,7 @@
         <p:spPr>
           <a:xfrm>
             <a:off x="395536" y="5117167"/>
-            <a:ext cx="8208912" cy="1200329"/>
+            <a:ext cx="8208912" cy="1200328"/>
           </a:xfrm>
           <a:prstGeom prst="rect">
             <a:avLst/>
@@ -16230,85 +16063,9 @@
             <a:pPr algn="ctr"/>
             <a:r>
               <a:rPr lang="es-PE" sz="2400" dirty="0" smtClean="0"/>
-              <a:t>Se puede duplicar el tiempo que toma programar alguna funcionalidad pero el tiempo total de desarrollo del producto se ve reducido.</a:t>
+              <a:t>Se puede incrementar el tiempo que toma programar alguna funcionalidad pero el tiempo total de desarrollo del producto se ve reducido.</a:t>
             </a:r>
             <a:endParaRPr lang="es-PE" sz="2400" dirty="0"/>
-          </a:p>
-        </p:txBody>
-      </p:sp>
-      <p:sp>
-        <p:nvSpPr>
-          <p:cNvPr id="6" name="2 Título"/>
-          <p:cNvSpPr>
-            <a:spLocks noGrp="1"/>
-          </p:cNvSpPr>
-          <p:nvPr>
-            <p:ph type="title"/>
-          </p:nvPr>
-        </p:nvSpPr>
-        <p:spPr>
-          <a:xfrm>
-            <a:off x="483459" y="260648"/>
-            <a:ext cx="8229600" cy="936104"/>
-          </a:xfrm>
-        </p:spPr>
-        <p:txBody>
-          <a:bodyPr/>
-          <a:lstStyle/>
-          <a:p>
-            <a:r>
-              <a:rPr lang="es-PE" dirty="0" err="1" smtClean="0">
-                <a:solidFill>
-                  <a:srgbClr val="00823B"/>
-                </a:solidFill>
-              </a:rPr>
-              <a:t>Billing</a:t>
-            </a:r>
-            <a:r>
-              <a:rPr lang="es-PE" dirty="0" smtClean="0">
-                <a:solidFill>
-                  <a:srgbClr val="00823B"/>
-                </a:solidFill>
-              </a:rPr>
-              <a:t> </a:t>
-            </a:r>
-            <a:r>
-              <a:rPr lang="es-PE" dirty="0" err="1" smtClean="0">
-                <a:solidFill>
-                  <a:srgbClr val="00823B"/>
-                </a:solidFill>
-              </a:rPr>
-              <a:t>System</a:t>
-            </a:r>
-            <a:r>
-              <a:rPr lang="es-PE" dirty="0" smtClean="0">
-                <a:solidFill>
-                  <a:srgbClr val="00823B"/>
-                </a:solidFill>
-              </a:rPr>
-              <a:t> - Case </a:t>
-            </a:r>
-            <a:r>
-              <a:rPr lang="es-PE" dirty="0" err="1" smtClean="0">
-                <a:solidFill>
-                  <a:srgbClr val="00823B"/>
-                </a:solidFill>
-              </a:rPr>
-              <a:t>Study</a:t>
-            </a:r>
-            <a:r>
-              <a:rPr lang="es-PE" dirty="0" smtClean="0">
-                <a:solidFill>
-                  <a:srgbClr val="00823B"/>
-                </a:solidFill>
-              </a:rPr>
-              <a:t> 2</a:t>
-            </a:r>
-            <a:endParaRPr lang="es-PE" dirty="0">
-              <a:solidFill>
-                <a:srgbClr val="00823B"/>
-              </a:solidFill>
-            </a:endParaRPr>
           </a:p>
         </p:txBody>
       </p:sp>
@@ -16325,7 +16082,7 @@
   <p:timing>
     <p:tnLst>
       <p:par>
-        <p:cTn id="1" dur="indefinite" restart="never" nodeType="tmRoot"/>
+        <p:cTn xmlns:p14="http://schemas.microsoft.com/office/powerpoint/2010/main" id="1" dur="indefinite" restart="never" nodeType="tmRoot"/>
       </p:par>
     </p:tnLst>
   </p:timing>
@@ -16484,7 +16241,7 @@
   <p:timing>
     <p:tnLst>
       <p:par>
-        <p:cTn id="1" dur="indefinite" restart="never" nodeType="tmRoot"/>
+        <p:cTn xmlns:p14="http://schemas.microsoft.com/office/powerpoint/2010/main" id="1" dur="indefinite" restart="never" nodeType="tmRoot"/>
       </p:par>
     </p:tnLst>
   </p:timing>
@@ -16525,7 +16282,9 @@
           </a:xfrm>
         </p:spPr>
         <p:txBody>
-          <a:bodyPr/>
+          <a:bodyPr>
+            <a:normAutofit fontScale="90000"/>
+          </a:bodyPr>
           <a:lstStyle/>
           <a:p>
             <a:r>
@@ -16582,7 +16341,7 @@
   <p:timing>
     <p:tnLst>
       <p:par>
-        <p:cTn id="1" dur="indefinite" restart="never" nodeType="tmRoot">
+        <p:cTn xmlns:p14="http://schemas.microsoft.com/office/powerpoint/2010/main" id="1" dur="indefinite" restart="never" nodeType="tmRoot">
           <p:childTnLst>
             <p:seq concurrent="1" nextAc="seek">
               <p:cTn id="2" dur="indefinite" nodeType="mainSeq">
@@ -17144,7 +16903,7 @@
   <p:timing>
     <p:tnLst>
       <p:par>
-        <p:cTn id="1" dur="indefinite" restart="never" nodeType="tmRoot">
+        <p:cTn xmlns:p14="http://schemas.microsoft.com/office/powerpoint/2010/main" id="1" dur="indefinite" restart="never" nodeType="tmRoot">
           <p:childTnLst>
             <p:seq concurrent="1" nextAc="seek">
               <p:cTn id="2" dur="indefinite" nodeType="mainSeq">
@@ -17310,7 +17069,9 @@
           </a:xfrm>
         </p:spPr>
         <p:txBody>
-          <a:bodyPr/>
+          <a:bodyPr>
+            <a:normAutofit fontScale="90000"/>
+          </a:bodyPr>
           <a:lstStyle/>
           <a:p>
             <a:r>
@@ -17334,7 +17095,7 @@
   <p:timing>
     <p:tnLst>
       <p:par>
-        <p:cTn id="1" dur="indefinite" restart="never" nodeType="tmRoot"/>
+        <p:cTn xmlns:p14="http://schemas.microsoft.com/office/powerpoint/2010/main" id="1" dur="indefinite" restart="never" nodeType="tmRoot"/>
       </p:par>
     </p:tnLst>
   </p:timing>
@@ -17375,7 +17136,9 @@
           </a:xfrm>
         </p:spPr>
         <p:txBody>
-          <a:bodyPr/>
+          <a:bodyPr>
+            <a:normAutofit fontScale="90000"/>
+          </a:bodyPr>
           <a:lstStyle/>
           <a:p>
             <a:r>
@@ -17399,7 +17162,7 @@
   <p:timing>
     <p:tnLst>
       <p:par>
-        <p:cTn id="1" dur="indefinite" restart="never" nodeType="tmRoot"/>
+        <p:cTn xmlns:p14="http://schemas.microsoft.com/office/powerpoint/2010/main" id="1" dur="indefinite" restart="never" nodeType="tmRoot"/>
       </p:par>
     </p:tnLst>
   </p:timing>
@@ -17594,7 +17357,7 @@
   <p:timing>
     <p:tnLst>
       <p:par>
-        <p:cTn id="1" dur="indefinite" restart="never" nodeType="tmRoot"/>
+        <p:cTn xmlns:p14="http://schemas.microsoft.com/office/powerpoint/2010/main" id="1" dur="indefinite" restart="never" nodeType="tmRoot"/>
       </p:par>
     </p:tnLst>
   </p:timing>
@@ -17635,7 +17398,9 @@
           </a:xfrm>
         </p:spPr>
         <p:txBody>
-          <a:bodyPr/>
+          <a:bodyPr>
+            <a:normAutofit fontScale="90000"/>
+          </a:bodyPr>
           <a:lstStyle/>
           <a:p>
             <a:r>
@@ -17962,7 +17727,7 @@
   <p:timing>
     <p:tnLst>
       <p:par>
-        <p:cTn id="1" dur="indefinite" restart="never" nodeType="tmRoot"/>
+        <p:cTn xmlns:p14="http://schemas.microsoft.com/office/powerpoint/2010/main" id="1" dur="indefinite" restart="never" nodeType="tmRoot"/>
       </p:par>
     </p:tnLst>
   </p:timing>
@@ -18003,7 +17768,9 @@
           </a:xfrm>
         </p:spPr>
         <p:txBody>
-          <a:bodyPr/>
+          <a:bodyPr>
+            <a:normAutofit fontScale="90000"/>
+          </a:bodyPr>
           <a:lstStyle/>
           <a:p>
             <a:r>
@@ -18243,7 +18010,7 @@
   <p:timing>
     <p:tnLst>
       <p:par>
-        <p:cTn id="1" dur="indefinite" restart="never" nodeType="tmRoot"/>
+        <p:cTn xmlns:p14="http://schemas.microsoft.com/office/powerpoint/2010/main" id="1" dur="indefinite" restart="never" nodeType="tmRoot"/>
       </p:par>
     </p:tnLst>
   </p:timing>
@@ -18284,7 +18051,9 @@
           </a:xfrm>
         </p:spPr>
         <p:txBody>
-          <a:bodyPr/>
+          <a:bodyPr>
+            <a:normAutofit fontScale="90000"/>
+          </a:bodyPr>
           <a:lstStyle/>
           <a:p>
             <a:r>
@@ -18712,7 +18481,7 @@
   <p:timing>
     <p:tnLst>
       <p:par>
-        <p:cTn id="1" dur="indefinite" restart="never" nodeType="tmRoot"/>
+        <p:cTn xmlns:p14="http://schemas.microsoft.com/office/powerpoint/2010/main" id="1" dur="indefinite" restart="never" nodeType="tmRoot"/>
       </p:par>
     </p:tnLst>
   </p:timing>
@@ -18753,7 +18522,9 @@
           </a:xfrm>
         </p:spPr>
         <p:txBody>
-          <a:bodyPr/>
+          <a:bodyPr>
+            <a:normAutofit fontScale="90000"/>
+          </a:bodyPr>
           <a:lstStyle/>
           <a:p>
             <a:r>
@@ -18803,7 +18574,9 @@
           </a:xfrm>
         </p:spPr>
         <p:txBody>
-          <a:bodyPr/>
+          <a:bodyPr>
+            <a:normAutofit fontScale="25000" lnSpcReduction="20000"/>
+          </a:bodyPr>
           <a:lstStyle/>
           <a:p>
             <a:pPr marL="0" indent="0" algn="ctr">
@@ -18953,7 +18726,7 @@
   <p:timing>
     <p:tnLst>
       <p:par>
-        <p:cTn id="1" dur="indefinite" restart="never" nodeType="tmRoot"/>
+        <p:cTn xmlns:p14="http://schemas.microsoft.com/office/powerpoint/2010/main" id="1" dur="indefinite" restart="never" nodeType="tmRoot"/>
       </p:par>
     </p:tnLst>
   </p:timing>
@@ -19547,7 +19320,7 @@
   <p:timing>
     <p:tnLst>
       <p:par>
-        <p:cTn id="1" dur="indefinite" restart="never" nodeType="tmRoot">
+        <p:cTn xmlns:p14="http://schemas.microsoft.com/office/powerpoint/2010/main" id="1" dur="indefinite" restart="never" nodeType="tmRoot">
           <p:childTnLst>
             <p:seq concurrent="1" nextAc="seek">
               <p:cTn id="2" dur="indefinite" nodeType="mainSeq">
@@ -21232,7 +21005,7 @@
   <p:timing>
     <p:tnLst>
       <p:par>
-        <p:cTn id="1" dur="indefinite" restart="never" nodeType="tmRoot">
+        <p:cTn xmlns:p14="http://schemas.microsoft.com/office/powerpoint/2010/main" id="1" dur="indefinite" restart="never" nodeType="tmRoot">
           <p:childTnLst>
             <p:seq concurrent="1" nextAc="seek">
               <p:cTn id="2" dur="indefinite" nodeType="mainSeq">
@@ -21811,7 +21584,7 @@
   <p:timing>
     <p:tnLst>
       <p:par>
-        <p:cTn id="1" dur="indefinite" restart="never" nodeType="tmRoot"/>
+        <p:cTn xmlns:p14="http://schemas.microsoft.com/office/powerpoint/2010/main" id="1" dur="indefinite" restart="never" nodeType="tmRoot"/>
       </p:par>
     </p:tnLst>
   </p:timing>
@@ -21852,7 +21625,9 @@
           </a:xfrm>
         </p:spPr>
         <p:txBody>
-          <a:bodyPr/>
+          <a:bodyPr>
+            <a:normAutofit fontScale="90000"/>
+          </a:bodyPr>
           <a:lstStyle/>
           <a:p>
             <a:r>
@@ -23004,7 +22779,7 @@
   <p:timing>
     <p:tnLst>
       <p:par>
-        <p:cTn id="1" dur="indefinite" restart="never" nodeType="tmRoot"/>
+        <p:cTn xmlns:p14="http://schemas.microsoft.com/office/powerpoint/2010/main" id="1" dur="indefinite" restart="never" nodeType="tmRoot"/>
       </p:par>
     </p:tnLst>
   </p:timing>
@@ -23045,7 +22820,9 @@
           </a:xfrm>
         </p:spPr>
         <p:txBody>
-          <a:bodyPr/>
+          <a:bodyPr>
+            <a:normAutofit fontScale="90000"/>
+          </a:bodyPr>
           <a:lstStyle/>
           <a:p>
             <a:r>
@@ -23085,7 +22862,7 @@
   <p:timing>
     <p:tnLst>
       <p:par>
-        <p:cTn id="1" dur="indefinite" restart="never" nodeType="tmRoot"/>
+        <p:cTn xmlns:p14="http://schemas.microsoft.com/office/powerpoint/2010/main" id="1" dur="indefinite" restart="never" nodeType="tmRoot"/>
       </p:par>
     </p:tnLst>
   </p:timing>
@@ -23126,7 +22903,9 @@
           </a:xfrm>
         </p:spPr>
         <p:txBody>
-          <a:bodyPr/>
+          <a:bodyPr>
+            <a:normAutofit fontScale="90000"/>
+          </a:bodyPr>
           <a:lstStyle/>
           <a:p>
             <a:r>
@@ -23402,7 +23181,7 @@
   <p:timing>
     <p:tnLst>
       <p:par>
-        <p:cTn id="1" dur="indefinite" restart="never" nodeType="tmRoot"/>
+        <p:cTn xmlns:p14="http://schemas.microsoft.com/office/powerpoint/2010/main" id="1" dur="indefinite" restart="never" nodeType="tmRoot"/>
       </p:par>
     </p:tnLst>
   </p:timing>
@@ -23645,14 +23424,14 @@
             <a:noFill/>
           </a:ln>
           <a:extLst>
-            <a:ext uri="{909E8E84-426E-40DD-AFC4-6F175D3DCCD1}">
+            <a:ext uri="{909E8E84-426E-40dd-AFC4-6F175D3DCCD1}">
               <a14:hiddenFill xmlns:a14="http://schemas.microsoft.com/office/drawing/2010/main">
                 <a:solidFill>
                   <a:schemeClr val="accent1"/>
                 </a:solidFill>
               </a14:hiddenFill>
             </a:ext>
-            <a:ext uri="{91240B29-F687-4F45-9708-019B960494DF}">
+            <a:ext uri="{91240B29-F687-4f45-9708-019B960494DF}">
               <a14:hiddenLine xmlns:a14="http://schemas.microsoft.com/office/drawing/2010/main" w="9525">
                 <a:solidFill>
                   <a:schemeClr val="tx1"/>
@@ -23678,7 +23457,7 @@
   <p:timing>
     <p:tnLst>
       <p:par>
-        <p:cTn id="1" dur="indefinite" restart="never" nodeType="tmRoot"/>
+        <p:cTn xmlns:p14="http://schemas.microsoft.com/office/powerpoint/2010/main" id="1" dur="indefinite" restart="never" nodeType="tmRoot"/>
       </p:par>
     </p:tnLst>
   </p:timing>
@@ -23824,7 +23603,7 @@
   <p:timing>
     <p:tnLst>
       <p:par>
-        <p:cTn id="1" dur="indefinite" restart="never" nodeType="tmRoot"/>
+        <p:cTn xmlns:p14="http://schemas.microsoft.com/office/powerpoint/2010/main" id="1" dur="indefinite" restart="never" nodeType="tmRoot"/>
       </p:par>
     </p:tnLst>
   </p:timing>
@@ -24207,7 +23986,7 @@
   <p:timing>
     <p:tnLst>
       <p:par>
-        <p:cTn id="1" dur="indefinite" restart="never" nodeType="tmRoot"/>
+        <p:cTn xmlns:p14="http://schemas.microsoft.com/office/powerpoint/2010/main" id="1" dur="indefinite" restart="never" nodeType="tmRoot"/>
       </p:par>
     </p:tnLst>
   </p:timing>
@@ -24716,7 +24495,7 @@
   <p:timing>
     <p:tnLst>
       <p:par>
-        <p:cTn id="1" dur="indefinite" restart="never" nodeType="tmRoot"/>
+        <p:cTn xmlns:p14="http://schemas.microsoft.com/office/powerpoint/2010/main" id="1" dur="indefinite" restart="never" nodeType="tmRoot"/>
       </p:par>
     </p:tnLst>
   </p:timing>
@@ -25045,7 +24824,7 @@
   <p:timing>
     <p:tnLst>
       <p:par>
-        <p:cTn id="1" dur="indefinite" restart="never" nodeType="tmRoot"/>
+        <p:cTn xmlns:p14="http://schemas.microsoft.com/office/powerpoint/2010/main" id="1" dur="indefinite" restart="never" nodeType="tmRoot"/>
       </p:par>
     </p:tnLst>
   </p:timing>
@@ -25141,14 +24920,14 @@
             <a:softEdge rad="112500"/>
           </a:effectLst>
           <a:extLst>
-            <a:ext uri="{909E8E84-426E-40DD-AFC4-6F175D3DCCD1}">
+            <a:ext uri="{909E8E84-426E-40dd-AFC4-6F175D3DCCD1}">
               <a14:hiddenFill xmlns:a14="http://schemas.microsoft.com/office/drawing/2010/main">
                 <a:solidFill>
                   <a:schemeClr val="accent1"/>
                 </a:solidFill>
               </a14:hiddenFill>
             </a:ext>
-            <a:ext uri="{91240B29-F687-4F45-9708-019B960494DF}">
+            <a:ext uri="{91240B29-F687-4f45-9708-019B960494DF}">
               <a14:hiddenLine xmlns:a14="http://schemas.microsoft.com/office/drawing/2010/main" w="9525">
                 <a:solidFill>
                   <a:schemeClr val="tx1"/>
@@ -25158,7 +24937,7 @@
                 <a:tailEnd/>
               </a14:hiddenLine>
             </a:ext>
-            <a:ext uri="{AF507438-7753-43E0-B8FC-AC1667EBCBE1}">
+            <a:ext uri="{AF507438-7753-43e0-B8FC-AC1667EBCBE1}">
               <a14:hiddenEffects xmlns:a14="http://schemas.microsoft.com/office/drawing/2010/main">
                 <a:effectLst>
                   <a:outerShdw dist="35921" dir="2700000" algn="ctr" rotWithShape="0">
@@ -25191,7 +24970,7 @@
   <p:timing>
     <p:tnLst>
       <p:par>
-        <p:cTn id="1" dur="indefinite" restart="never" nodeType="tmRoot"/>
+        <p:cTn xmlns:p14="http://schemas.microsoft.com/office/powerpoint/2010/main" id="1" dur="indefinite" restart="never" nodeType="tmRoot"/>
       </p:par>
     </p:tnLst>
   </p:timing>
@@ -25327,14 +25106,14 @@
             <a:softEdge rad="112500"/>
           </a:effectLst>
           <a:extLst>
-            <a:ext uri="{909E8E84-426E-40DD-AFC4-6F175D3DCCD1}">
+            <a:ext uri="{909E8E84-426E-40dd-AFC4-6F175D3DCCD1}">
               <a14:hiddenFill xmlns:a14="http://schemas.microsoft.com/office/drawing/2010/main">
                 <a:solidFill>
                   <a:schemeClr val="accent1"/>
                 </a:solidFill>
               </a14:hiddenFill>
             </a:ext>
-            <a:ext uri="{91240B29-F687-4F45-9708-019B960494DF}">
+            <a:ext uri="{91240B29-F687-4f45-9708-019B960494DF}">
               <a14:hiddenLine xmlns:a14="http://schemas.microsoft.com/office/drawing/2010/main" w="9525">
                 <a:solidFill>
                   <a:schemeClr val="tx1"/>
@@ -25344,7 +25123,7 @@
                 <a:tailEnd/>
               </a14:hiddenLine>
             </a:ext>
-            <a:ext uri="{AF507438-7753-43E0-B8FC-AC1667EBCBE1}">
+            <a:ext uri="{AF507438-7753-43e0-B8FC-AC1667EBCBE1}">
               <a14:hiddenEffects xmlns:a14="http://schemas.microsoft.com/office/drawing/2010/main">
                 <a:effectLst>
                   <a:outerShdw dist="35921" dir="2700000" algn="ctr" rotWithShape="0">
@@ -25377,7 +25156,7 @@
   <p:timing>
     <p:tnLst>
       <p:par>
-        <p:cTn id="1" dur="indefinite" restart="never" nodeType="tmRoot"/>
+        <p:cTn xmlns:p14="http://schemas.microsoft.com/office/powerpoint/2010/main" id="1" dur="indefinite" restart="never" nodeType="tmRoot"/>
       </p:par>
     </p:tnLst>
   </p:timing>
@@ -25499,7 +25278,7 @@
   <p:timing>
     <p:tnLst>
       <p:par>
-        <p:cTn id="1" dur="indefinite" restart="never" nodeType="tmRoot"/>
+        <p:cTn xmlns:p14="http://schemas.microsoft.com/office/powerpoint/2010/main" id="1" dur="indefinite" restart="never" nodeType="tmRoot"/>
       </p:par>
     </p:tnLst>
   </p:timing>
@@ -25540,7 +25319,9 @@
           </a:xfrm>
         </p:spPr>
         <p:txBody>
-          <a:bodyPr/>
+          <a:bodyPr>
+            <a:normAutofit fontScale="90000"/>
+          </a:bodyPr>
           <a:lstStyle/>
           <a:p>
             <a:r>
@@ -25784,7 +25565,7 @@
   <p:timing>
     <p:tnLst>
       <p:par>
-        <p:cTn id="1" dur="indefinite" restart="never" nodeType="tmRoot"/>
+        <p:cTn xmlns:p14="http://schemas.microsoft.com/office/powerpoint/2010/main" id="1" dur="indefinite" restart="never" nodeType="tmRoot"/>
       </p:par>
     </p:tnLst>
   </p:timing>
@@ -25999,7 +25780,7 @@
   <p:timing>
     <p:tnLst>
       <p:par>
-        <p:cTn id="1" dur="indefinite" restart="never" nodeType="tmRoot"/>
+        <p:cTn xmlns:p14="http://schemas.microsoft.com/office/powerpoint/2010/main" id="1" dur="indefinite" restart="never" nodeType="tmRoot"/>
       </p:par>
     </p:tnLst>
   </p:timing>
@@ -26247,7 +26028,7 @@
   <p:timing>
     <p:tnLst>
       <p:par>
-        <p:cTn id="1" dur="indefinite" restart="never" nodeType="tmRoot"/>
+        <p:cTn xmlns:p14="http://schemas.microsoft.com/office/powerpoint/2010/main" id="1" dur="indefinite" restart="never" nodeType="tmRoot"/>
       </p:par>
     </p:tnLst>
   </p:timing>
@@ -26414,7 +26195,7 @@
   <p:timing>
     <p:tnLst>
       <p:par>
-        <p:cTn id="1" dur="indefinite" restart="never" nodeType="tmRoot"/>
+        <p:cTn xmlns:p14="http://schemas.microsoft.com/office/powerpoint/2010/main" id="1" dur="indefinite" restart="never" nodeType="tmRoot"/>
       </p:par>
     </p:tnLst>
   </p:timing>
@@ -26552,7 +26333,7 @@
   <p:timing>
     <p:tnLst>
       <p:par>
-        <p:cTn id="1" dur="indefinite" restart="never" nodeType="tmRoot"/>
+        <p:cTn xmlns:p14="http://schemas.microsoft.com/office/powerpoint/2010/main" id="1" dur="indefinite" restart="never" nodeType="tmRoot"/>
       </p:par>
     </p:tnLst>
   </p:timing>
@@ -26660,7 +26441,7 @@
   <p:timing>
     <p:tnLst>
       <p:par>
-        <p:cTn id="1" dur="indefinite" restart="never" nodeType="tmRoot"/>
+        <p:cTn xmlns:p14="http://schemas.microsoft.com/office/powerpoint/2010/main" id="1" dur="indefinite" restart="never" nodeType="tmRoot"/>
       </p:par>
     </p:tnLst>
   </p:timing>
@@ -26806,7 +26587,7 @@
   <p:timing>
     <p:tnLst>
       <p:par>
-        <p:cTn id="1" dur="indefinite" restart="never" nodeType="tmRoot"/>
+        <p:cTn xmlns:p14="http://schemas.microsoft.com/office/powerpoint/2010/main" id="1" dur="indefinite" restart="never" nodeType="tmRoot"/>
       </p:par>
     </p:tnLst>
   </p:timing>
@@ -27119,7 +26900,7 @@
   <p:timing>
     <p:tnLst>
       <p:par>
-        <p:cTn id="1" dur="indefinite" restart="never" nodeType="tmRoot"/>
+        <p:cTn xmlns:p14="http://schemas.microsoft.com/office/powerpoint/2010/main" id="1" dur="indefinite" restart="never" nodeType="tmRoot"/>
       </p:par>
     </p:tnLst>
   </p:timing>
@@ -27932,7 +27713,7 @@
   <p:timing>
     <p:tnLst>
       <p:par>
-        <p:cTn id="1" dur="indefinite" restart="never" nodeType="tmRoot"/>
+        <p:cTn xmlns:p14="http://schemas.microsoft.com/office/powerpoint/2010/main" id="1" dur="indefinite" restart="never" nodeType="tmRoot"/>
       </p:par>
     </p:tnLst>
   </p:timing>
@@ -28520,7 +28301,7 @@
   <p:timing>
     <p:tnLst>
       <p:par>
-        <p:cTn id="1" dur="indefinite" restart="never" nodeType="tmRoot"/>
+        <p:cTn xmlns:p14="http://schemas.microsoft.com/office/powerpoint/2010/main" id="1" dur="indefinite" restart="never" nodeType="tmRoot"/>
       </p:par>
     </p:tnLst>
   </p:timing>
@@ -29331,7 +29112,7 @@
   <p:timing>
     <p:tnLst>
       <p:par>
-        <p:cTn id="1" dur="indefinite" restart="never" nodeType="tmRoot"/>
+        <p:cTn xmlns:p14="http://schemas.microsoft.com/office/powerpoint/2010/main" id="1" dur="indefinite" restart="never" nodeType="tmRoot"/>
       </p:par>
     </p:tnLst>
   </p:timing>
@@ -29372,7 +29153,9 @@
           </a:xfrm>
         </p:spPr>
         <p:txBody>
-          <a:bodyPr/>
+          <a:bodyPr>
+            <a:normAutofit fontScale="90000"/>
+          </a:bodyPr>
           <a:lstStyle/>
           <a:p>
             <a:r>
@@ -29624,7 +29407,7 @@
   <p:timing>
     <p:tnLst>
       <p:par>
-        <p:cTn id="1" dur="indefinite" restart="never" nodeType="tmRoot"/>
+        <p:cTn xmlns:p14="http://schemas.microsoft.com/office/powerpoint/2010/main" id="1" dur="indefinite" restart="never" nodeType="tmRoot"/>
       </p:par>
     </p:tnLst>
   </p:timing>
@@ -30179,7 +29962,7 @@
   <p:timing>
     <p:tnLst>
       <p:par>
-        <p:cTn id="1" dur="indefinite" restart="never" nodeType="tmRoot"/>
+        <p:cTn xmlns:p14="http://schemas.microsoft.com/office/powerpoint/2010/main" id="1" dur="indefinite" restart="never" nodeType="tmRoot"/>
       </p:par>
     </p:tnLst>
   </p:timing>
@@ -30524,7 +30307,7 @@
   <p:timing>
     <p:tnLst>
       <p:par>
-        <p:cTn id="1" dur="indefinite" restart="never" nodeType="tmRoot"/>
+        <p:cTn xmlns:p14="http://schemas.microsoft.com/office/powerpoint/2010/main" id="1" dur="indefinite" restart="never" nodeType="tmRoot"/>
       </p:par>
     </p:tnLst>
   </p:timing>
@@ -30674,14 +30457,14 @@
             <a:noFill/>
           </a:ln>
           <a:extLst>
-            <a:ext uri="{909E8E84-426E-40DD-AFC4-6F175D3DCCD1}">
+            <a:ext uri="{909E8E84-426E-40dd-AFC4-6F175D3DCCD1}">
               <a14:hiddenFill xmlns:a14="http://schemas.microsoft.com/office/drawing/2010/main">
                 <a:solidFill>
                   <a:schemeClr val="accent1"/>
                 </a:solidFill>
               </a14:hiddenFill>
             </a:ext>
-            <a:ext uri="{91240B29-F687-4F45-9708-019B960494DF}">
+            <a:ext uri="{91240B29-F687-4f45-9708-019B960494DF}">
               <a14:hiddenLine xmlns:a14="http://schemas.microsoft.com/office/drawing/2010/main" w="9525">
                 <a:solidFill>
                   <a:schemeClr val="tx1"/>
@@ -30715,7 +30498,7 @@
   <p:timing>
     <p:tnLst>
       <p:par>
-        <p:cTn id="1" dur="indefinite" restart="never" nodeType="tmRoot"/>
+        <p:cTn xmlns:p14="http://schemas.microsoft.com/office/powerpoint/2010/main" id="1" dur="indefinite" restart="never" nodeType="tmRoot"/>
       </p:par>
     </p:tnLst>
   </p:timing>
@@ -30773,14 +30556,14 @@
             <a:noFill/>
           </a:ln>
           <a:extLst>
-            <a:ext uri="{909E8E84-426E-40DD-AFC4-6F175D3DCCD1}">
+            <a:ext uri="{909E8E84-426E-40dd-AFC4-6F175D3DCCD1}">
               <a14:hiddenFill xmlns:a14="http://schemas.microsoft.com/office/drawing/2010/main">
                 <a:solidFill>
                   <a:schemeClr val="accent1"/>
                 </a:solidFill>
               </a14:hiddenFill>
             </a:ext>
-            <a:ext uri="{91240B29-F687-4F45-9708-019B960494DF}">
+            <a:ext uri="{91240B29-F687-4f45-9708-019B960494DF}">
               <a14:hiddenLine xmlns:a14="http://schemas.microsoft.com/office/drawing/2010/main" w="9525">
                 <a:solidFill>
                   <a:schemeClr val="tx1"/>
@@ -30906,7 +30689,7 @@
   <p:timing>
     <p:tnLst>
       <p:par>
-        <p:cTn id="1" dur="indefinite" restart="never" nodeType="tmRoot"/>
+        <p:cTn xmlns:p14="http://schemas.microsoft.com/office/powerpoint/2010/main" id="1" dur="indefinite" restart="never" nodeType="tmRoot"/>
       </p:par>
     </p:tnLst>
   </p:timing>
@@ -31016,7 +30799,7 @@
   <p:timing>
     <p:tnLst>
       <p:par>
-        <p:cTn id="1" dur="indefinite" restart="never" nodeType="tmRoot"/>
+        <p:cTn xmlns:p14="http://schemas.microsoft.com/office/powerpoint/2010/main" id="1" dur="indefinite" restart="never" nodeType="tmRoot"/>
       </p:par>
     </p:tnLst>
   </p:timing>
@@ -31150,14 +30933,14 @@
             <a:noFill/>
           </a:ln>
           <a:extLst>
-            <a:ext uri="{909E8E84-426E-40DD-AFC4-6F175D3DCCD1}">
+            <a:ext uri="{909E8E84-426E-40dd-AFC4-6F175D3DCCD1}">
               <a14:hiddenFill xmlns:a14="http://schemas.microsoft.com/office/drawing/2010/main">
                 <a:solidFill>
                   <a:schemeClr val="accent1"/>
                 </a:solidFill>
               </a14:hiddenFill>
             </a:ext>
-            <a:ext uri="{91240B29-F687-4F45-9708-019B960494DF}">
+            <a:ext uri="{91240B29-F687-4f45-9708-019B960494DF}">
               <a14:hiddenLine xmlns:a14="http://schemas.microsoft.com/office/drawing/2010/main" w="9525">
                 <a:solidFill>
                   <a:schemeClr val="tx1"/>
@@ -31191,7 +30974,7 @@
   <p:timing>
     <p:tnLst>
       <p:par>
-        <p:cTn id="1" dur="indefinite" restart="never" nodeType="tmRoot"/>
+        <p:cTn xmlns:p14="http://schemas.microsoft.com/office/powerpoint/2010/main" id="1" dur="indefinite" restart="never" nodeType="tmRoot"/>
       </p:par>
     </p:tnLst>
   </p:timing>
@@ -31524,14 +31307,14 @@
             <a:noFill/>
           </a:ln>
           <a:extLst>
-            <a:ext uri="{909E8E84-426E-40DD-AFC4-6F175D3DCCD1}">
+            <a:ext uri="{909E8E84-426E-40dd-AFC4-6F175D3DCCD1}">
               <a14:hiddenFill xmlns:a14="http://schemas.microsoft.com/office/drawing/2010/main">
                 <a:solidFill>
                   <a:schemeClr val="accent1"/>
                 </a:solidFill>
               </a14:hiddenFill>
             </a:ext>
-            <a:ext uri="{91240B29-F687-4F45-9708-019B960494DF}">
+            <a:ext uri="{91240B29-F687-4f45-9708-019B960494DF}">
               <a14:hiddenLine xmlns:a14="http://schemas.microsoft.com/office/drawing/2010/main" w="9525">
                 <a:solidFill>
                   <a:schemeClr val="tx1"/>
@@ -31565,7 +31348,7 @@
   <p:timing>
     <p:tnLst>
       <p:par>
-        <p:cTn id="1" dur="indefinite" restart="never" nodeType="tmRoot"/>
+        <p:cTn xmlns:p14="http://schemas.microsoft.com/office/powerpoint/2010/main" id="1" dur="indefinite" restart="never" nodeType="tmRoot"/>
       </p:par>
     </p:tnLst>
   </p:timing>
@@ -31843,7 +31626,7 @@
   <p:timing>
     <p:tnLst>
       <p:par>
-        <p:cTn id="1" dur="indefinite" restart="never" nodeType="tmRoot"/>
+        <p:cTn xmlns:p14="http://schemas.microsoft.com/office/powerpoint/2010/main" id="1" dur="indefinite" restart="never" nodeType="tmRoot"/>
       </p:par>
     </p:tnLst>
   </p:timing>
@@ -32092,7 +31875,9 @@
           </a:xfrm>
         </p:spPr>
         <p:txBody>
-          <a:bodyPr/>
+          <a:bodyPr>
+            <a:normAutofit fontScale="90000"/>
+          </a:bodyPr>
           <a:lstStyle/>
           <a:p>
             <a:r>
@@ -32230,7 +32015,7 @@
   <p:timing>
     <p:tnLst>
       <p:par>
-        <p:cTn id="1" dur="indefinite" restart="never" nodeType="tmRoot"/>
+        <p:cTn xmlns:p14="http://schemas.microsoft.com/office/powerpoint/2010/main" id="1" dur="indefinite" restart="never" nodeType="tmRoot"/>
       </p:par>
     </p:tnLst>
   </p:timing>
@@ -32464,7 +32249,9 @@
           </a:xfrm>
         </p:spPr>
         <p:txBody>
-          <a:bodyPr/>
+          <a:bodyPr>
+            <a:normAutofit fontScale="90000"/>
+          </a:bodyPr>
           <a:lstStyle/>
           <a:p>
             <a:r>
@@ -32813,7 +32600,7 @@
   <p:timing>
     <p:tnLst>
       <p:par>
-        <p:cTn id="1" dur="indefinite" restart="never" nodeType="tmRoot"/>
+        <p:cTn xmlns:p14="http://schemas.microsoft.com/office/powerpoint/2010/main" id="1" dur="indefinite" restart="never" nodeType="tmRoot"/>
       </p:par>
     </p:tnLst>
   </p:timing>
@@ -33561,7 +33348,9 @@
           </a:xfrm>
         </p:spPr>
         <p:txBody>
-          <a:bodyPr/>
+          <a:bodyPr>
+            <a:normAutofit fontScale="90000"/>
+          </a:bodyPr>
           <a:lstStyle/>
           <a:p>
             <a:r>
@@ -33821,7 +33610,7 @@
   <p:timing>
     <p:tnLst>
       <p:par>
-        <p:cTn id="1" dur="indefinite" restart="never" nodeType="tmRoot">
+        <p:cTn xmlns:p14="http://schemas.microsoft.com/office/powerpoint/2010/main" id="1" dur="indefinite" restart="never" nodeType="tmRoot">
           <p:childTnLst>
             <p:seq concurrent="1" nextAc="seek">
               <p:cTn id="2" dur="indefinite" nodeType="mainSeq">
@@ -35145,7 +34934,7 @@
   <p:timing>
     <p:tnLst>
       <p:par>
-        <p:cTn id="1" dur="indefinite" restart="never" nodeType="tmRoot">
+        <p:cTn xmlns:p14="http://schemas.microsoft.com/office/powerpoint/2010/main" id="1" dur="indefinite" restart="never" nodeType="tmRoot">
           <p:childTnLst>
             <p:seq concurrent="1" nextAc="seek">
               <p:cTn id="2" dur="indefinite" nodeType="mainSeq">
@@ -35255,7 +35044,7 @@
 </file>
 
 <file path=ppt/theme/theme1.xml><?xml version="1.0" encoding="utf-8"?>
-<a:theme xmlns:a="http://schemas.openxmlformats.org/drawingml/2006/main" name="BlackTheme">
+<a:theme xmlns:a="http://schemas.openxmlformats.org/drawingml/2006/main" name="Office Theme">
   <a:themeElements>
     <a:clrScheme name="Office">
       <a:dk1>
@@ -35329,6 +35118,7 @@
         <a:font script="Mong" typeface="Mongolian Baiti"/>
         <a:font script="Viet" typeface="Times New Roman"/>
         <a:font script="Uigh" typeface="Microsoft Uighur"/>
+        <a:font script="Geor" typeface="Sylfaen"/>
       </a:majorFont>
       <a:minorFont>
         <a:latin typeface="Calibri"/>
@@ -35363,6 +35153,7 @@
         <a:font script="Mong" typeface="Mongolian Baiti"/>
         <a:font script="Viet" typeface="Arial"/>
         <a:font script="Uigh" typeface="Microsoft Uighur"/>
+        <a:font script="Geor" typeface="Sylfaen"/>
       </a:minorFont>
     </a:fontScheme>
     <a:fmtScheme name="Office">
@@ -35397,20 +35188,16 @@
           <a:gsLst>
             <a:gs pos="0">
               <a:schemeClr val="phClr">
-                <a:shade val="51000"/>
-                <a:satMod val="130000"/>
-              </a:schemeClr>
-            </a:gs>
-            <a:gs pos="80000">
-              <a:schemeClr val="phClr">
-                <a:shade val="93000"/>
+                <a:tint val="100000"/>
+                <a:shade val="100000"/>
                 <a:satMod val="130000"/>
               </a:schemeClr>
             </a:gs>
             <a:gs pos="100000">
               <a:schemeClr val="phClr">
-                <a:shade val="94000"/>
-                <a:satMod val="135000"/>
+                <a:tint val="50000"/>
+                <a:shade val="100000"/>
+                <a:satMod val="350000"/>
               </a:schemeClr>
             </a:gs>
           </a:gsLst>
@@ -35532,7 +35319,46 @@
       </a:bgFillStyleLst>
     </a:fmtScheme>
   </a:themeElements>
-  <a:objectDefaults/>
+  <a:objectDefaults>
+    <a:spDef>
+      <a:spPr/>
+      <a:bodyPr/>
+      <a:lstStyle/>
+      <a:style>
+        <a:lnRef idx="1">
+          <a:schemeClr val="accent1"/>
+        </a:lnRef>
+        <a:fillRef idx="3">
+          <a:schemeClr val="accent1"/>
+        </a:fillRef>
+        <a:effectRef idx="2">
+          <a:schemeClr val="accent1"/>
+        </a:effectRef>
+        <a:fontRef idx="minor">
+          <a:schemeClr val="lt1"/>
+        </a:fontRef>
+      </a:style>
+    </a:spDef>
+    <a:lnDef>
+      <a:spPr/>
+      <a:bodyPr/>
+      <a:lstStyle/>
+      <a:style>
+        <a:lnRef idx="2">
+          <a:schemeClr val="accent1"/>
+        </a:lnRef>
+        <a:fillRef idx="0">
+          <a:schemeClr val="accent1"/>
+        </a:fillRef>
+        <a:effectRef idx="1">
+          <a:schemeClr val="accent1"/>
+        </a:effectRef>
+        <a:fontRef idx="minor">
+          <a:schemeClr val="tx1"/>
+        </a:fontRef>
+      </a:style>
+    </a:lnDef>
+  </a:objectDefaults>
   <a:extraClrSchemeLst/>
 </a:theme>
 </file>
